--- a/Slides/Sports Analytics 3/Sports_Analytics_3_Lecture.pptx
+++ b/Slides/Sports Analytics 3/Sports_Analytics_3_Lecture.pptx
@@ -5,24 +5,19 @@
     <p:sldMasterId id="2147483648" r:id="rId1"/>
   </p:sldMasterIdLst>
   <p:notesMasterIdLst>
-    <p:notesMasterId r:id="rId17"/>
+    <p:notesMasterId r:id="rId12"/>
   </p:notesMasterIdLst>
   <p:sldIdLst>
     <p:sldId id="256" r:id="rId2"/>
-    <p:sldId id="274" r:id="rId3"/>
-    <p:sldId id="283" r:id="rId4"/>
-    <p:sldId id="284" r:id="rId5"/>
-    <p:sldId id="273" r:id="rId6"/>
-    <p:sldId id="285" r:id="rId7"/>
-    <p:sldId id="275" r:id="rId8"/>
-    <p:sldId id="257" r:id="rId9"/>
-    <p:sldId id="276" r:id="rId10"/>
-    <p:sldId id="277" r:id="rId11"/>
-    <p:sldId id="278" r:id="rId12"/>
-    <p:sldId id="279" r:id="rId13"/>
-    <p:sldId id="280" r:id="rId14"/>
-    <p:sldId id="282" r:id="rId15"/>
-    <p:sldId id="281" r:id="rId16"/>
+    <p:sldId id="276" r:id="rId3"/>
+    <p:sldId id="277" r:id="rId4"/>
+    <p:sldId id="278" r:id="rId5"/>
+    <p:sldId id="279" r:id="rId6"/>
+    <p:sldId id="280" r:id="rId7"/>
+    <p:sldId id="257" r:id="rId8"/>
+    <p:sldId id="283" r:id="rId9"/>
+    <p:sldId id="282" r:id="rId10"/>
+    <p:sldId id="281" r:id="rId11"/>
   </p:sldIdLst>
   <p:sldSz cx="12192000" cy="6858000"/>
   <p:notesSz cx="6858000" cy="9144000"/>
@@ -211,7 +206,7 @@
           <a:p>
             <a:fld id="{C04E5E84-956F-4423-97B3-5936A6D8EEEE}" type="datetimeFigureOut">
               <a:rPr lang="en-US" smtClean="0"/>
-              <a:t>8/25/2019</a:t>
+              <a:t>8/26/2019</a:t>
             </a:fld>
             <a:endParaRPr lang="en-US"/>
           </a:p>
@@ -478,510 +473,6 @@
 </p:notesMaster>
 </file>
 
-<file path=ppt/notesSlides/notesSlide1.xml><?xml version="1.0" encoding="utf-8"?>
-<p:notes xmlns:a="http://schemas.openxmlformats.org/drawingml/2006/main" xmlns:r="http://schemas.openxmlformats.org/officeDocument/2006/relationships" xmlns:p="http://schemas.openxmlformats.org/presentationml/2006/main">
-  <p:cSld>
-    <p:spTree>
-      <p:nvGrpSpPr>
-        <p:cNvPr id="1" name=""/>
-        <p:cNvGrpSpPr/>
-        <p:nvPr/>
-      </p:nvGrpSpPr>
-      <p:grpSpPr>
-        <a:xfrm>
-          <a:off x="0" y="0"/>
-          <a:ext cx="0" cy="0"/>
-          <a:chOff x="0" y="0"/>
-          <a:chExt cx="0" cy="0"/>
-        </a:xfrm>
-      </p:grpSpPr>
-      <p:sp>
-        <p:nvSpPr>
-          <p:cNvPr id="2" name="Slide Image Placeholder 1"/>
-          <p:cNvSpPr>
-            <a:spLocks noGrp="1" noRot="1" noChangeAspect="1"/>
-          </p:cNvSpPr>
-          <p:nvPr>
-            <p:ph type="sldImg"/>
-          </p:nvPr>
-        </p:nvSpPr>
-        <p:spPr/>
-      </p:sp>
-      <p:sp>
-        <p:nvSpPr>
-          <p:cNvPr id="3" name="Notes Placeholder 2"/>
-          <p:cNvSpPr>
-            <a:spLocks noGrp="1"/>
-          </p:cNvSpPr>
-          <p:nvPr>
-            <p:ph type="body" idx="1"/>
-          </p:nvPr>
-        </p:nvSpPr>
-        <p:spPr/>
-        <p:txBody>
-          <a:bodyPr/>
-          <a:lstStyle/>
-          <a:p>
-            <a:endParaRPr lang="en-US" dirty="0"/>
-          </a:p>
-        </p:txBody>
-      </p:sp>
-      <p:sp>
-        <p:nvSpPr>
-          <p:cNvPr id="4" name="Slide Number Placeholder 3"/>
-          <p:cNvSpPr>
-            <a:spLocks noGrp="1"/>
-          </p:cNvSpPr>
-          <p:nvPr>
-            <p:ph type="sldNum" sz="quarter" idx="5"/>
-          </p:nvPr>
-        </p:nvSpPr>
-        <p:spPr/>
-        <p:txBody>
-          <a:bodyPr/>
-          <a:lstStyle/>
-          <a:p>
-            <a:fld id="{323D9EF6-5B6D-4923-9412-628692DCC0E7}" type="slidenum">
-              <a:rPr lang="en-US" smtClean="0"/>
-              <a:t>2</a:t>
-            </a:fld>
-            <a:endParaRPr lang="en-US"/>
-          </a:p>
-        </p:txBody>
-      </p:sp>
-    </p:spTree>
-    <p:extLst>
-      <p:ext uri="{BB962C8B-B14F-4D97-AF65-F5344CB8AC3E}">
-        <p14:creationId xmlns:p14="http://schemas.microsoft.com/office/powerpoint/2010/main" val="3735673145"/>
-      </p:ext>
-    </p:extLst>
-  </p:cSld>
-  <p:clrMapOvr>
-    <a:masterClrMapping/>
-  </p:clrMapOvr>
-</p:notes>
-</file>
-
-<file path=ppt/notesSlides/notesSlide2.xml><?xml version="1.0" encoding="utf-8"?>
-<p:notes xmlns:a="http://schemas.openxmlformats.org/drawingml/2006/main" xmlns:r="http://schemas.openxmlformats.org/officeDocument/2006/relationships" xmlns:p="http://schemas.openxmlformats.org/presentationml/2006/main">
-  <p:cSld>
-    <p:spTree>
-      <p:nvGrpSpPr>
-        <p:cNvPr id="1" name=""/>
-        <p:cNvGrpSpPr/>
-        <p:nvPr/>
-      </p:nvGrpSpPr>
-      <p:grpSpPr>
-        <a:xfrm>
-          <a:off x="0" y="0"/>
-          <a:ext cx="0" cy="0"/>
-          <a:chOff x="0" y="0"/>
-          <a:chExt cx="0" cy="0"/>
-        </a:xfrm>
-      </p:grpSpPr>
-      <p:sp>
-        <p:nvSpPr>
-          <p:cNvPr id="2" name="Slide Image Placeholder 1"/>
-          <p:cNvSpPr>
-            <a:spLocks noGrp="1" noRot="1" noChangeAspect="1"/>
-          </p:cNvSpPr>
-          <p:nvPr>
-            <p:ph type="sldImg"/>
-          </p:nvPr>
-        </p:nvSpPr>
-        <p:spPr/>
-      </p:sp>
-      <p:sp>
-        <p:nvSpPr>
-          <p:cNvPr id="3" name="Notes Placeholder 2"/>
-          <p:cNvSpPr>
-            <a:spLocks noGrp="1"/>
-          </p:cNvSpPr>
-          <p:nvPr>
-            <p:ph type="body" idx="1"/>
-          </p:nvPr>
-        </p:nvSpPr>
-        <p:spPr/>
-        <p:txBody>
-          <a:bodyPr/>
-          <a:lstStyle/>
-          <a:p>
-            <a:endParaRPr lang="en-US" dirty="0"/>
-          </a:p>
-        </p:txBody>
-      </p:sp>
-      <p:sp>
-        <p:nvSpPr>
-          <p:cNvPr id="4" name="Slide Number Placeholder 3"/>
-          <p:cNvSpPr>
-            <a:spLocks noGrp="1"/>
-          </p:cNvSpPr>
-          <p:nvPr>
-            <p:ph type="sldNum" sz="quarter" idx="5"/>
-          </p:nvPr>
-        </p:nvSpPr>
-        <p:spPr/>
-        <p:txBody>
-          <a:bodyPr/>
-          <a:lstStyle/>
-          <a:p>
-            <a:fld id="{323D9EF6-5B6D-4923-9412-628692DCC0E7}" type="slidenum">
-              <a:rPr lang="en-US" smtClean="0"/>
-              <a:t>3</a:t>
-            </a:fld>
-            <a:endParaRPr lang="en-US"/>
-          </a:p>
-        </p:txBody>
-      </p:sp>
-    </p:spTree>
-    <p:extLst>
-      <p:ext uri="{BB962C8B-B14F-4D97-AF65-F5344CB8AC3E}">
-        <p14:creationId xmlns:p14="http://schemas.microsoft.com/office/powerpoint/2010/main" val="2084032660"/>
-      </p:ext>
-    </p:extLst>
-  </p:cSld>
-  <p:clrMapOvr>
-    <a:masterClrMapping/>
-  </p:clrMapOvr>
-</p:notes>
-</file>
-
-<file path=ppt/notesSlides/notesSlide3.xml><?xml version="1.0" encoding="utf-8"?>
-<p:notes xmlns:a="http://schemas.openxmlformats.org/drawingml/2006/main" xmlns:r="http://schemas.openxmlformats.org/officeDocument/2006/relationships" xmlns:p="http://schemas.openxmlformats.org/presentationml/2006/main">
-  <p:cSld>
-    <p:spTree>
-      <p:nvGrpSpPr>
-        <p:cNvPr id="1" name=""/>
-        <p:cNvGrpSpPr/>
-        <p:nvPr/>
-      </p:nvGrpSpPr>
-      <p:grpSpPr>
-        <a:xfrm>
-          <a:off x="0" y="0"/>
-          <a:ext cx="0" cy="0"/>
-          <a:chOff x="0" y="0"/>
-          <a:chExt cx="0" cy="0"/>
-        </a:xfrm>
-      </p:grpSpPr>
-      <p:sp>
-        <p:nvSpPr>
-          <p:cNvPr id="2" name="Slide Image Placeholder 1"/>
-          <p:cNvSpPr>
-            <a:spLocks noGrp="1" noRot="1" noChangeAspect="1"/>
-          </p:cNvSpPr>
-          <p:nvPr>
-            <p:ph type="sldImg"/>
-          </p:nvPr>
-        </p:nvSpPr>
-        <p:spPr/>
-      </p:sp>
-      <p:sp>
-        <p:nvSpPr>
-          <p:cNvPr id="3" name="Notes Placeholder 2"/>
-          <p:cNvSpPr>
-            <a:spLocks noGrp="1"/>
-          </p:cNvSpPr>
-          <p:nvPr>
-            <p:ph type="body" idx="1"/>
-          </p:nvPr>
-        </p:nvSpPr>
-        <p:spPr/>
-        <p:txBody>
-          <a:bodyPr/>
-          <a:lstStyle/>
-          <a:p>
-            <a:endParaRPr lang="en-US" dirty="0"/>
-          </a:p>
-        </p:txBody>
-      </p:sp>
-      <p:sp>
-        <p:nvSpPr>
-          <p:cNvPr id="4" name="Slide Number Placeholder 3"/>
-          <p:cNvSpPr>
-            <a:spLocks noGrp="1"/>
-          </p:cNvSpPr>
-          <p:nvPr>
-            <p:ph type="sldNum" sz="quarter" idx="5"/>
-          </p:nvPr>
-        </p:nvSpPr>
-        <p:spPr/>
-        <p:txBody>
-          <a:bodyPr/>
-          <a:lstStyle/>
-          <a:p>
-            <a:fld id="{323D9EF6-5B6D-4923-9412-628692DCC0E7}" type="slidenum">
-              <a:rPr lang="en-US" smtClean="0"/>
-              <a:t>4</a:t>
-            </a:fld>
-            <a:endParaRPr lang="en-US"/>
-          </a:p>
-        </p:txBody>
-      </p:sp>
-    </p:spTree>
-    <p:extLst>
-      <p:ext uri="{BB962C8B-B14F-4D97-AF65-F5344CB8AC3E}">
-        <p14:creationId xmlns:p14="http://schemas.microsoft.com/office/powerpoint/2010/main" val="2032450445"/>
-      </p:ext>
-    </p:extLst>
-  </p:cSld>
-  <p:clrMapOvr>
-    <a:masterClrMapping/>
-  </p:clrMapOvr>
-</p:notes>
-</file>
-
-<file path=ppt/notesSlides/notesSlide4.xml><?xml version="1.0" encoding="utf-8"?>
-<p:notes xmlns:a="http://schemas.openxmlformats.org/drawingml/2006/main" xmlns:r="http://schemas.openxmlformats.org/officeDocument/2006/relationships" xmlns:p="http://schemas.openxmlformats.org/presentationml/2006/main">
-  <p:cSld>
-    <p:spTree>
-      <p:nvGrpSpPr>
-        <p:cNvPr id="1" name=""/>
-        <p:cNvGrpSpPr/>
-        <p:nvPr/>
-      </p:nvGrpSpPr>
-      <p:grpSpPr>
-        <a:xfrm>
-          <a:off x="0" y="0"/>
-          <a:ext cx="0" cy="0"/>
-          <a:chOff x="0" y="0"/>
-          <a:chExt cx="0" cy="0"/>
-        </a:xfrm>
-      </p:grpSpPr>
-      <p:sp>
-        <p:nvSpPr>
-          <p:cNvPr id="2" name="Slide Image Placeholder 1"/>
-          <p:cNvSpPr>
-            <a:spLocks noGrp="1" noRot="1" noChangeAspect="1"/>
-          </p:cNvSpPr>
-          <p:nvPr>
-            <p:ph type="sldImg"/>
-          </p:nvPr>
-        </p:nvSpPr>
-        <p:spPr/>
-      </p:sp>
-      <p:sp>
-        <p:nvSpPr>
-          <p:cNvPr id="3" name="Notes Placeholder 2"/>
-          <p:cNvSpPr>
-            <a:spLocks noGrp="1"/>
-          </p:cNvSpPr>
-          <p:nvPr>
-            <p:ph type="body" idx="1"/>
-          </p:nvPr>
-        </p:nvSpPr>
-        <p:spPr/>
-        <p:txBody>
-          <a:bodyPr/>
-          <a:lstStyle/>
-          <a:p>
-            <a:endParaRPr lang="en-US" dirty="0"/>
-          </a:p>
-        </p:txBody>
-      </p:sp>
-      <p:sp>
-        <p:nvSpPr>
-          <p:cNvPr id="4" name="Slide Number Placeholder 3"/>
-          <p:cNvSpPr>
-            <a:spLocks noGrp="1"/>
-          </p:cNvSpPr>
-          <p:nvPr>
-            <p:ph type="sldNum" sz="quarter" idx="5"/>
-          </p:nvPr>
-        </p:nvSpPr>
-        <p:spPr/>
-        <p:txBody>
-          <a:bodyPr/>
-          <a:lstStyle/>
-          <a:p>
-            <a:fld id="{323D9EF6-5B6D-4923-9412-628692DCC0E7}" type="slidenum">
-              <a:rPr lang="en-US" smtClean="0"/>
-              <a:t>5</a:t>
-            </a:fld>
-            <a:endParaRPr lang="en-US"/>
-          </a:p>
-        </p:txBody>
-      </p:sp>
-    </p:spTree>
-    <p:extLst>
-      <p:ext uri="{BB962C8B-B14F-4D97-AF65-F5344CB8AC3E}">
-        <p14:creationId xmlns:p14="http://schemas.microsoft.com/office/powerpoint/2010/main" val="3700336583"/>
-      </p:ext>
-    </p:extLst>
-  </p:cSld>
-  <p:clrMapOvr>
-    <a:masterClrMapping/>
-  </p:clrMapOvr>
-</p:notes>
-</file>
-
-<file path=ppt/notesSlides/notesSlide5.xml><?xml version="1.0" encoding="utf-8"?>
-<p:notes xmlns:a="http://schemas.openxmlformats.org/drawingml/2006/main" xmlns:r="http://schemas.openxmlformats.org/officeDocument/2006/relationships" xmlns:p="http://schemas.openxmlformats.org/presentationml/2006/main">
-  <p:cSld>
-    <p:spTree>
-      <p:nvGrpSpPr>
-        <p:cNvPr id="1" name=""/>
-        <p:cNvGrpSpPr/>
-        <p:nvPr/>
-      </p:nvGrpSpPr>
-      <p:grpSpPr>
-        <a:xfrm>
-          <a:off x="0" y="0"/>
-          <a:ext cx="0" cy="0"/>
-          <a:chOff x="0" y="0"/>
-          <a:chExt cx="0" cy="0"/>
-        </a:xfrm>
-      </p:grpSpPr>
-      <p:sp>
-        <p:nvSpPr>
-          <p:cNvPr id="2" name="Slide Image Placeholder 1"/>
-          <p:cNvSpPr>
-            <a:spLocks noGrp="1" noRot="1" noChangeAspect="1"/>
-          </p:cNvSpPr>
-          <p:nvPr>
-            <p:ph type="sldImg"/>
-          </p:nvPr>
-        </p:nvSpPr>
-        <p:spPr/>
-      </p:sp>
-      <p:sp>
-        <p:nvSpPr>
-          <p:cNvPr id="3" name="Notes Placeholder 2"/>
-          <p:cNvSpPr>
-            <a:spLocks noGrp="1"/>
-          </p:cNvSpPr>
-          <p:nvPr>
-            <p:ph type="body" idx="1"/>
-          </p:nvPr>
-        </p:nvSpPr>
-        <p:spPr/>
-        <p:txBody>
-          <a:bodyPr/>
-          <a:lstStyle/>
-          <a:p>
-            <a:endParaRPr lang="en-US" dirty="0"/>
-          </a:p>
-        </p:txBody>
-      </p:sp>
-      <p:sp>
-        <p:nvSpPr>
-          <p:cNvPr id="4" name="Slide Number Placeholder 3"/>
-          <p:cNvSpPr>
-            <a:spLocks noGrp="1"/>
-          </p:cNvSpPr>
-          <p:nvPr>
-            <p:ph type="sldNum" sz="quarter" idx="5"/>
-          </p:nvPr>
-        </p:nvSpPr>
-        <p:spPr/>
-        <p:txBody>
-          <a:bodyPr/>
-          <a:lstStyle/>
-          <a:p>
-            <a:fld id="{323D9EF6-5B6D-4923-9412-628692DCC0E7}" type="slidenum">
-              <a:rPr lang="en-US" smtClean="0"/>
-              <a:t>6</a:t>
-            </a:fld>
-            <a:endParaRPr lang="en-US"/>
-          </a:p>
-        </p:txBody>
-      </p:sp>
-    </p:spTree>
-    <p:extLst>
-      <p:ext uri="{BB962C8B-B14F-4D97-AF65-F5344CB8AC3E}">
-        <p14:creationId xmlns:p14="http://schemas.microsoft.com/office/powerpoint/2010/main" val="3588785457"/>
-      </p:ext>
-    </p:extLst>
-  </p:cSld>
-  <p:clrMapOvr>
-    <a:masterClrMapping/>
-  </p:clrMapOvr>
-</p:notes>
-</file>
-
-<file path=ppt/notesSlides/notesSlide6.xml><?xml version="1.0" encoding="utf-8"?>
-<p:notes xmlns:a="http://schemas.openxmlformats.org/drawingml/2006/main" xmlns:r="http://schemas.openxmlformats.org/officeDocument/2006/relationships" xmlns:p="http://schemas.openxmlformats.org/presentationml/2006/main">
-  <p:cSld>
-    <p:spTree>
-      <p:nvGrpSpPr>
-        <p:cNvPr id="1" name=""/>
-        <p:cNvGrpSpPr/>
-        <p:nvPr/>
-      </p:nvGrpSpPr>
-      <p:grpSpPr>
-        <a:xfrm>
-          <a:off x="0" y="0"/>
-          <a:ext cx="0" cy="0"/>
-          <a:chOff x="0" y="0"/>
-          <a:chExt cx="0" cy="0"/>
-        </a:xfrm>
-      </p:grpSpPr>
-      <p:sp>
-        <p:nvSpPr>
-          <p:cNvPr id="2" name="Slide Image Placeholder 1"/>
-          <p:cNvSpPr>
-            <a:spLocks noGrp="1" noRot="1" noChangeAspect="1"/>
-          </p:cNvSpPr>
-          <p:nvPr>
-            <p:ph type="sldImg"/>
-          </p:nvPr>
-        </p:nvSpPr>
-        <p:spPr/>
-      </p:sp>
-      <p:sp>
-        <p:nvSpPr>
-          <p:cNvPr id="3" name="Notes Placeholder 2"/>
-          <p:cNvSpPr>
-            <a:spLocks noGrp="1"/>
-          </p:cNvSpPr>
-          <p:nvPr>
-            <p:ph type="body" idx="1"/>
-          </p:nvPr>
-        </p:nvSpPr>
-        <p:spPr/>
-        <p:txBody>
-          <a:bodyPr/>
-          <a:lstStyle/>
-          <a:p>
-            <a:endParaRPr lang="en-US" dirty="0"/>
-          </a:p>
-        </p:txBody>
-      </p:sp>
-      <p:sp>
-        <p:nvSpPr>
-          <p:cNvPr id="4" name="Slide Number Placeholder 3"/>
-          <p:cNvSpPr>
-            <a:spLocks noGrp="1"/>
-          </p:cNvSpPr>
-          <p:nvPr>
-            <p:ph type="sldNum" sz="quarter" idx="5"/>
-          </p:nvPr>
-        </p:nvSpPr>
-        <p:spPr/>
-        <p:txBody>
-          <a:bodyPr/>
-          <a:lstStyle/>
-          <a:p>
-            <a:fld id="{323D9EF6-5B6D-4923-9412-628692DCC0E7}" type="slidenum">
-              <a:rPr lang="en-US" smtClean="0"/>
-              <a:t>7</a:t>
-            </a:fld>
-            <a:endParaRPr lang="en-US"/>
-          </a:p>
-        </p:txBody>
-      </p:sp>
-    </p:spTree>
-    <p:extLst>
-      <p:ext uri="{BB962C8B-B14F-4D97-AF65-F5344CB8AC3E}">
-        <p14:creationId xmlns:p14="http://schemas.microsoft.com/office/powerpoint/2010/main" val="1360271695"/>
-      </p:ext>
-    </p:extLst>
-  </p:cSld>
-  <p:clrMapOvr>
-    <a:masterClrMapping/>
-  </p:clrMapOvr>
-</p:notes>
-</file>
-
 <file path=ppt/slideLayouts/slideLayout1.xml><?xml version="1.0" encoding="utf-8"?>
 <p:sldLayout xmlns:a="http://schemas.openxmlformats.org/drawingml/2006/main" xmlns:r="http://schemas.openxmlformats.org/officeDocument/2006/relationships" xmlns:p="http://schemas.openxmlformats.org/presentationml/2006/main" type="title" preserve="1">
   <p:cSld name="Title Slide">
@@ -1129,7 +620,7 @@
           <a:p>
             <a:fld id="{3881C039-66A3-4640-815B-3B5A8B7D868D}" type="datetimeFigureOut">
               <a:rPr lang="en-US" smtClean="0"/>
-              <a:t>8/25/2019</a:t>
+              <a:t>8/26/2019</a:t>
             </a:fld>
             <a:endParaRPr lang="en-US"/>
           </a:p>
@@ -1327,7 +818,7 @@
           <a:p>
             <a:fld id="{3881C039-66A3-4640-815B-3B5A8B7D868D}" type="datetimeFigureOut">
               <a:rPr lang="en-US" smtClean="0"/>
-              <a:t>8/25/2019</a:t>
+              <a:t>8/26/2019</a:t>
             </a:fld>
             <a:endParaRPr lang="en-US"/>
           </a:p>
@@ -1535,7 +1026,7 @@
           <a:p>
             <a:fld id="{3881C039-66A3-4640-815B-3B5A8B7D868D}" type="datetimeFigureOut">
               <a:rPr lang="en-US" smtClean="0"/>
-              <a:t>8/25/2019</a:t>
+              <a:t>8/26/2019</a:t>
             </a:fld>
             <a:endParaRPr lang="en-US"/>
           </a:p>
@@ -1733,7 +1224,7 @@
           <a:p>
             <a:fld id="{3881C039-66A3-4640-815B-3B5A8B7D868D}" type="datetimeFigureOut">
               <a:rPr lang="en-US" smtClean="0"/>
-              <a:t>8/25/2019</a:t>
+              <a:t>8/26/2019</a:t>
             </a:fld>
             <a:endParaRPr lang="en-US"/>
           </a:p>
@@ -2008,7 +1499,7 @@
           <a:p>
             <a:fld id="{3881C039-66A3-4640-815B-3B5A8B7D868D}" type="datetimeFigureOut">
               <a:rPr lang="en-US" smtClean="0"/>
-              <a:t>8/25/2019</a:t>
+              <a:t>8/26/2019</a:t>
             </a:fld>
             <a:endParaRPr lang="en-US"/>
           </a:p>
@@ -2273,7 +1764,7 @@
           <a:p>
             <a:fld id="{3881C039-66A3-4640-815B-3B5A8B7D868D}" type="datetimeFigureOut">
               <a:rPr lang="en-US" smtClean="0"/>
-              <a:t>8/25/2019</a:t>
+              <a:t>8/26/2019</a:t>
             </a:fld>
             <a:endParaRPr lang="en-US"/>
           </a:p>
@@ -2685,7 +2176,7 @@
           <a:p>
             <a:fld id="{3881C039-66A3-4640-815B-3B5A8B7D868D}" type="datetimeFigureOut">
               <a:rPr lang="en-US" smtClean="0"/>
-              <a:t>8/25/2019</a:t>
+              <a:t>8/26/2019</a:t>
             </a:fld>
             <a:endParaRPr lang="en-US"/>
           </a:p>
@@ -2826,7 +2317,7 @@
           <a:p>
             <a:fld id="{3881C039-66A3-4640-815B-3B5A8B7D868D}" type="datetimeFigureOut">
               <a:rPr lang="en-US" smtClean="0"/>
-              <a:t>8/25/2019</a:t>
+              <a:t>8/26/2019</a:t>
             </a:fld>
             <a:endParaRPr lang="en-US"/>
           </a:p>
@@ -2939,7 +2430,7 @@
           <a:p>
             <a:fld id="{3881C039-66A3-4640-815B-3B5A8B7D868D}" type="datetimeFigureOut">
               <a:rPr lang="en-US" smtClean="0"/>
-              <a:t>8/25/2019</a:t>
+              <a:t>8/26/2019</a:t>
             </a:fld>
             <a:endParaRPr lang="en-US"/>
           </a:p>
@@ -3250,7 +2741,7 @@
           <a:p>
             <a:fld id="{3881C039-66A3-4640-815B-3B5A8B7D868D}" type="datetimeFigureOut">
               <a:rPr lang="en-US" smtClean="0"/>
-              <a:t>8/25/2019</a:t>
+              <a:t>8/26/2019</a:t>
             </a:fld>
             <a:endParaRPr lang="en-US"/>
           </a:p>
@@ -3538,7 +3029,7 @@
           <a:p>
             <a:fld id="{3881C039-66A3-4640-815B-3B5A8B7D868D}" type="datetimeFigureOut">
               <a:rPr lang="en-US" smtClean="0"/>
-              <a:t>8/25/2019</a:t>
+              <a:t>8/26/2019</a:t>
             </a:fld>
             <a:endParaRPr lang="en-US"/>
           </a:p>
@@ -3782,7 +3273,7 @@
           <a:p>
             <a:fld id="{3881C039-66A3-4640-815B-3B5A8B7D868D}" type="datetimeFigureOut">
               <a:rPr lang="en-US" smtClean="0"/>
-              <a:t>8/25/2019</a:t>
+              <a:t>8/26/2019</a:t>
             </a:fld>
             <a:endParaRPr lang="en-US"/>
           </a:p>
@@ -4240,7 +3731,7 @@
               <a:rPr lang="en-US" dirty="0">
                 <a:latin typeface="Selawik Semibold" panose="020B0702040204020203" pitchFamily="34" charset="0"/>
               </a:rPr>
-              <a:t>Sports Analytics II</a:t>
+              <a:t>Sports Analytics III</a:t>
             </a:r>
           </a:p>
         </p:txBody>
@@ -4395,2988 +3886,6 @@
 </file>
 
 <file path=ppt/slides/slide10.xml><?xml version="1.0" encoding="utf-8"?>
-<p:sld xmlns:a="http://schemas.openxmlformats.org/drawingml/2006/main" xmlns:r="http://schemas.openxmlformats.org/officeDocument/2006/relationships" xmlns:p="http://schemas.openxmlformats.org/presentationml/2006/main">
-  <p:cSld>
-    <p:bg>
-      <p:bgPr>
-        <a:solidFill>
-          <a:srgbClr val="395583"/>
-        </a:solidFill>
-        <a:effectLst/>
-      </p:bgPr>
-    </p:bg>
-    <p:spTree>
-      <p:nvGrpSpPr>
-        <p:cNvPr id="1" name=""/>
-        <p:cNvGrpSpPr/>
-        <p:nvPr/>
-      </p:nvGrpSpPr>
-      <p:grpSpPr>
-        <a:xfrm>
-          <a:off x="0" y="0"/>
-          <a:ext cx="0" cy="0"/>
-          <a:chOff x="0" y="0"/>
-          <a:chExt cx="0" cy="0"/>
-        </a:xfrm>
-      </p:grpSpPr>
-      <p:sp>
-        <p:nvSpPr>
-          <p:cNvPr id="25" name="Rectangle 24">
-            <a:extLst>
-              <a:ext uri="{FF2B5EF4-FFF2-40B4-BE49-F238E27FC236}">
-                <a16:creationId xmlns:a16="http://schemas.microsoft.com/office/drawing/2014/main" id="{A6792F05-2FD4-4F18-815E-15391E8B4A0E}"/>
-              </a:ext>
-              <a:ext uri="{C183D7F6-B498-43B3-948B-1728B52AA6E4}">
-                <adec:decorative xmlns:adec="http://schemas.microsoft.com/office/drawing/2017/decorative" val="1"/>
-              </a:ext>
-            </a:extLst>
-          </p:cNvPr>
-          <p:cNvSpPr>
-            <a:spLocks noGrp="1" noRot="1" noChangeAspect="1" noMove="1" noResize="1" noEditPoints="1" noAdjustHandles="1" noChangeArrowheads="1" noChangeShapeType="1" noTextEdit="1"/>
-          </p:cNvSpPr>
-          <p:nvPr>
-            <p:extLst>
-              <p:ext uri="{386F3935-93C4-4BCD-93E2-E3B085C9AB24}">
-                <p16:designElem xmlns:p16="http://schemas.microsoft.com/office/powerpoint/2015/main" val="1"/>
-              </p:ext>
-            </p:extLst>
-          </p:nvPr>
-        </p:nvSpPr>
-        <p:spPr>
-          <a:xfrm>
-            <a:off x="0" y="0"/>
-            <a:ext cx="12191999" cy="6858000"/>
-          </a:xfrm>
-          <a:prstGeom prst="rect">
-            <a:avLst/>
-          </a:prstGeom>
-          <a:solidFill>
-            <a:srgbClr val="395583"/>
-          </a:solidFill>
-          <a:ln>
-            <a:noFill/>
-          </a:ln>
-        </p:spPr>
-        <p:style>
-          <a:lnRef idx="2">
-            <a:schemeClr val="accent1">
-              <a:shade val="50000"/>
-            </a:schemeClr>
-          </a:lnRef>
-          <a:fillRef idx="1">
-            <a:schemeClr val="accent1"/>
-          </a:fillRef>
-          <a:effectRef idx="0">
-            <a:schemeClr val="accent1"/>
-          </a:effectRef>
-          <a:fontRef idx="minor">
-            <a:schemeClr val="lt1"/>
-          </a:fontRef>
-        </p:style>
-        <p:txBody>
-          <a:bodyPr rtlCol="0" anchor="ctr"/>
-          <a:lstStyle/>
-          <a:p>
-            <a:pPr algn="ctr"/>
-            <a:endParaRPr lang="en-US"/>
-          </a:p>
-        </p:txBody>
-      </p:sp>
-      <p:sp>
-        <p:nvSpPr>
-          <p:cNvPr id="2" name="Title 1">
-            <a:extLst>
-              <a:ext uri="{FF2B5EF4-FFF2-40B4-BE49-F238E27FC236}">
-                <a16:creationId xmlns:a16="http://schemas.microsoft.com/office/drawing/2014/main" id="{2589AFCC-0FF0-498C-B11F-8990DF0DAAA5}"/>
-              </a:ext>
-            </a:extLst>
-          </p:cNvPr>
-          <p:cNvSpPr>
-            <a:spLocks noGrp="1"/>
-          </p:cNvSpPr>
-          <p:nvPr>
-            <p:ph type="title"/>
-          </p:nvPr>
-        </p:nvSpPr>
-        <p:spPr>
-          <a:xfrm>
-            <a:off x="838200" y="365125"/>
-            <a:ext cx="10515600" cy="1325563"/>
-          </a:xfrm>
-        </p:spPr>
-        <p:txBody>
-          <a:bodyPr>
-            <a:normAutofit/>
-          </a:bodyPr>
-          <a:lstStyle/>
-          <a:p>
-            <a:r>
-              <a:rPr lang="en-US" b="1" dirty="0">
-                <a:latin typeface="Selawik Semibold" panose="020B0604020202020204" pitchFamily="34" charset="0"/>
-              </a:rPr>
-              <a:t>Analytics Across the Organizations</a:t>
-            </a:r>
-          </a:p>
-        </p:txBody>
-      </p:sp>
-      <p:sp>
-        <p:nvSpPr>
-          <p:cNvPr id="9" name="Content Placeholder 8">
-            <a:extLst>
-              <a:ext uri="{FF2B5EF4-FFF2-40B4-BE49-F238E27FC236}">
-                <a16:creationId xmlns:a16="http://schemas.microsoft.com/office/drawing/2014/main" id="{2D995594-59F2-4020-AB6F-751BAE84ADB3}"/>
-              </a:ext>
-            </a:extLst>
-          </p:cNvPr>
-          <p:cNvSpPr>
-            <a:spLocks noGrp="1"/>
-          </p:cNvSpPr>
-          <p:nvPr>
-            <p:ph idx="1"/>
-          </p:nvPr>
-        </p:nvSpPr>
-        <p:spPr>
-          <a:xfrm>
-            <a:off x="838200" y="2021249"/>
-            <a:ext cx="6994712" cy="4155713"/>
-          </a:xfrm>
-        </p:spPr>
-        <p:txBody>
-          <a:bodyPr>
-            <a:normAutofit/>
-          </a:bodyPr>
-          <a:lstStyle/>
-          <a:p>
-            <a:r>
-              <a:rPr lang="en-US" sz="2400" dirty="0">
-                <a:latin typeface="Selawik Semibold" panose="020B0702040204020203" pitchFamily="34" charset="0"/>
-              </a:rPr>
-              <a:t>How Much Data is Centralized?</a:t>
-            </a:r>
-          </a:p>
-          <a:p>
-            <a:pPr lvl="1"/>
-            <a:r>
-              <a:rPr lang="en-US" sz="2000" dirty="0">
-                <a:latin typeface="Selawik Semibold" panose="020B0702040204020203" pitchFamily="34" charset="0"/>
-              </a:rPr>
-              <a:t>All (31.3%)</a:t>
-            </a:r>
-          </a:p>
-          <a:p>
-            <a:pPr lvl="1"/>
-            <a:r>
-              <a:rPr lang="en-US" sz="2000" dirty="0">
-                <a:latin typeface="Selawik Semibold" panose="020B0702040204020203" pitchFamily="34" charset="0"/>
-              </a:rPr>
-              <a:t>Most (37.4%)</a:t>
-            </a:r>
-          </a:p>
-          <a:p>
-            <a:pPr lvl="1"/>
-            <a:r>
-              <a:rPr lang="en-US" sz="2000" dirty="0">
-                <a:latin typeface="Selawik Semibold" panose="020B0702040204020203" pitchFamily="34" charset="0"/>
-              </a:rPr>
-              <a:t>Some (31.3%)</a:t>
-            </a:r>
-          </a:p>
-          <a:p>
-            <a:pPr lvl="1"/>
-            <a:endParaRPr lang="en-US" sz="2000" dirty="0">
-              <a:latin typeface="Selawik Semibold" panose="020B0702040204020203" pitchFamily="34" charset="0"/>
-            </a:endParaRPr>
-          </a:p>
-          <a:p>
-            <a:r>
-              <a:rPr lang="en-US" sz="2400" dirty="0">
-                <a:latin typeface="Selawik Semibold" panose="020B0702040204020203" pitchFamily="34" charset="0"/>
-              </a:rPr>
-              <a:t>How Much Data is Dependent on One Person?</a:t>
-            </a:r>
-          </a:p>
-          <a:p>
-            <a:pPr lvl="1"/>
-            <a:r>
-              <a:rPr lang="en-US" sz="2000" dirty="0">
-                <a:latin typeface="Selawik Semibold" panose="020B0702040204020203" pitchFamily="34" charset="0"/>
-              </a:rPr>
-              <a:t>Some (50.0%)</a:t>
-            </a:r>
-          </a:p>
-          <a:p>
-            <a:pPr lvl="1"/>
-            <a:r>
-              <a:rPr lang="en-US" sz="2000" dirty="0">
-                <a:latin typeface="Selawik Semibold" panose="020B0702040204020203" pitchFamily="34" charset="0"/>
-              </a:rPr>
-              <a:t>Most (43.7%)</a:t>
-            </a:r>
-          </a:p>
-          <a:p>
-            <a:pPr lvl="1"/>
-            <a:r>
-              <a:rPr lang="en-US" sz="2000" dirty="0">
-                <a:latin typeface="Selawik Semibold" panose="020B0702040204020203" pitchFamily="34" charset="0"/>
-              </a:rPr>
-              <a:t>All Data Centralized (6.3%)</a:t>
-            </a:r>
-          </a:p>
-        </p:txBody>
-      </p:sp>
-      <p:pic>
-        <p:nvPicPr>
-          <p:cNvPr id="4" name="Picture 3" descr="A drawing of a cartoon character&#10;&#10;Description automatically generated">
-            <a:extLst>
-              <a:ext uri="{FF2B5EF4-FFF2-40B4-BE49-F238E27FC236}">
-                <a16:creationId xmlns:a16="http://schemas.microsoft.com/office/drawing/2014/main" id="{A7FDC859-D890-4904-9C64-27F43DA90453}"/>
-              </a:ext>
-            </a:extLst>
-          </p:cNvPr>
-          <p:cNvPicPr>
-            <a:picLocks noChangeAspect="1"/>
-          </p:cNvPicPr>
-          <p:nvPr/>
-        </p:nvPicPr>
-        <p:blipFill rotWithShape="1">
-          <a:blip r:embed="rId2">
-            <a:extLst>
-              <a:ext uri="{28A0092B-C50C-407E-A947-70E740481C1C}">
-                <a14:useLocalDpi xmlns:a14="http://schemas.microsoft.com/office/drawing/2010/main" val="0"/>
-              </a:ext>
-            </a:extLst>
-          </a:blip>
-          <a:srcRect t="5616" r="2" b="2"/>
-          <a:stretch/>
-        </p:blipFill>
-        <p:spPr>
-          <a:xfrm>
-            <a:off x="7471144" y="1700078"/>
-            <a:ext cx="4720855" cy="2583792"/>
-          </a:xfrm>
-          <a:custGeom>
-            <a:avLst/>
-            <a:gdLst>
-              <a:gd name="connsiteX0" fmla="*/ 0 w 5475077"/>
-              <a:gd name="connsiteY0" fmla="*/ 0 h 2583792"/>
-              <a:gd name="connsiteX1" fmla="*/ 5475077 w 5475077"/>
-              <a:gd name="connsiteY1" fmla="*/ 0 h 2583792"/>
-              <a:gd name="connsiteX2" fmla="*/ 5475077 w 5475077"/>
-              <a:gd name="connsiteY2" fmla="*/ 2583792 h 2583792"/>
-              <a:gd name="connsiteX3" fmla="*/ 1197192 w 5475077"/>
-              <a:gd name="connsiteY3" fmla="*/ 2583792 h 2583792"/>
-            </a:gdLst>
-            <a:ahLst/>
-            <a:cxnLst>
-              <a:cxn ang="0">
-                <a:pos x="connsiteX0" y="connsiteY0"/>
-              </a:cxn>
-              <a:cxn ang="0">
-                <a:pos x="connsiteX1" y="connsiteY1"/>
-              </a:cxn>
-              <a:cxn ang="0">
-                <a:pos x="connsiteX2" y="connsiteY2"/>
-              </a:cxn>
-              <a:cxn ang="0">
-                <a:pos x="connsiteX3" y="connsiteY3"/>
-              </a:cxn>
-            </a:cxnLst>
-            <a:rect l="l" t="t" r="r" b="b"/>
-            <a:pathLst>
-              <a:path w="5475077" h="2583792">
-                <a:moveTo>
-                  <a:pt x="0" y="0"/>
-                </a:moveTo>
-                <a:lnTo>
-                  <a:pt x="5475077" y="0"/>
-                </a:lnTo>
-                <a:lnTo>
-                  <a:pt x="5475077" y="2583792"/>
-                </a:lnTo>
-                <a:lnTo>
-                  <a:pt x="1197192" y="2583792"/>
-                </a:lnTo>
-                <a:close/>
-              </a:path>
-            </a:pathLst>
-          </a:custGeom>
-        </p:spPr>
-      </p:pic>
-      <p:pic>
-        <p:nvPicPr>
-          <p:cNvPr id="5" name="Content Placeholder 4" descr="A picture containing indoor&#10;&#10;Description automatically generated">
-            <a:extLst>
-              <a:ext uri="{FF2B5EF4-FFF2-40B4-BE49-F238E27FC236}">
-                <a16:creationId xmlns:a16="http://schemas.microsoft.com/office/drawing/2014/main" id="{A58F0E55-21F3-485B-A07F-1CE74177BDD2}"/>
-              </a:ext>
-            </a:extLst>
-          </p:cNvPr>
-          <p:cNvPicPr>
-            <a:picLocks noChangeAspect="1"/>
-          </p:cNvPicPr>
-          <p:nvPr/>
-        </p:nvPicPr>
-        <p:blipFill rotWithShape="1">
-          <a:blip r:embed="rId3">
-            <a:extLst>
-              <a:ext uri="{28A0092B-C50C-407E-A947-70E740481C1C}">
-                <a14:useLocalDpi xmlns:a14="http://schemas.microsoft.com/office/drawing/2010/main" val="0"/>
-              </a:ext>
-            </a:extLst>
-          </a:blip>
-          <a:srcRect t="5300" r="3" b="6859"/>
-          <a:stretch/>
-        </p:blipFill>
-        <p:spPr>
-          <a:xfrm>
-            <a:off x="8491869" y="4283870"/>
-            <a:ext cx="3700129" cy="2583520"/>
-          </a:xfrm>
-          <a:custGeom>
-            <a:avLst/>
-            <a:gdLst>
-              <a:gd name="connsiteX0" fmla="*/ 0 w 4277884"/>
-              <a:gd name="connsiteY0" fmla="*/ 0 h 2583520"/>
-              <a:gd name="connsiteX1" fmla="*/ 4277884 w 4277884"/>
-              <a:gd name="connsiteY1" fmla="*/ 0 h 2583520"/>
-              <a:gd name="connsiteX2" fmla="*/ 4277884 w 4277884"/>
-              <a:gd name="connsiteY2" fmla="*/ 2583520 h 2583520"/>
-              <a:gd name="connsiteX3" fmla="*/ 1192437 w 4277884"/>
-              <a:gd name="connsiteY3" fmla="*/ 2583520 h 2583520"/>
-              <a:gd name="connsiteX4" fmla="*/ 1188085 w 4277884"/>
-              <a:gd name="connsiteY4" fmla="*/ 2574129 h 2583520"/>
-              <a:gd name="connsiteX5" fmla="*/ 1192715 w 4277884"/>
-              <a:gd name="connsiteY5" fmla="*/ 2574129 h 2583520"/>
-            </a:gdLst>
-            <a:ahLst/>
-            <a:cxnLst>
-              <a:cxn ang="0">
-                <a:pos x="connsiteX0" y="connsiteY0"/>
-              </a:cxn>
-              <a:cxn ang="0">
-                <a:pos x="connsiteX1" y="connsiteY1"/>
-              </a:cxn>
-              <a:cxn ang="0">
-                <a:pos x="connsiteX2" y="connsiteY2"/>
-              </a:cxn>
-              <a:cxn ang="0">
-                <a:pos x="connsiteX3" y="connsiteY3"/>
-              </a:cxn>
-              <a:cxn ang="0">
-                <a:pos x="connsiteX4" y="connsiteY4"/>
-              </a:cxn>
-              <a:cxn ang="0">
-                <a:pos x="connsiteX5" y="connsiteY5"/>
-              </a:cxn>
-            </a:cxnLst>
-            <a:rect l="l" t="t" r="r" b="b"/>
-            <a:pathLst>
-              <a:path w="4277884" h="2583520">
-                <a:moveTo>
-                  <a:pt x="0" y="0"/>
-                </a:moveTo>
-                <a:lnTo>
-                  <a:pt x="4277884" y="0"/>
-                </a:lnTo>
-                <a:lnTo>
-                  <a:pt x="4277884" y="2583520"/>
-                </a:lnTo>
-                <a:lnTo>
-                  <a:pt x="1192437" y="2583520"/>
-                </a:lnTo>
-                <a:lnTo>
-                  <a:pt x="1188085" y="2574129"/>
-                </a:lnTo>
-                <a:lnTo>
-                  <a:pt x="1192715" y="2574129"/>
-                </a:lnTo>
-                <a:close/>
-              </a:path>
-            </a:pathLst>
-          </a:custGeom>
-        </p:spPr>
-      </p:pic>
-      <p:sp>
-        <p:nvSpPr>
-          <p:cNvPr id="6" name="Rectangle 5">
-            <a:extLst>
-              <a:ext uri="{FF2B5EF4-FFF2-40B4-BE49-F238E27FC236}">
-                <a16:creationId xmlns:a16="http://schemas.microsoft.com/office/drawing/2014/main" id="{A2901312-C3C2-4CEC-80EF-823AB4FBB726}"/>
-              </a:ext>
-            </a:extLst>
-          </p:cNvPr>
-          <p:cNvSpPr/>
-          <p:nvPr/>
-        </p:nvSpPr>
-        <p:spPr>
-          <a:xfrm>
-            <a:off x="-1" y="1608918"/>
-            <a:ext cx="12191999" cy="91160"/>
-          </a:xfrm>
-          <a:prstGeom prst="rect">
-            <a:avLst/>
-          </a:prstGeom>
-          <a:solidFill>
-            <a:schemeClr val="bg1"/>
-          </a:solidFill>
-          <a:ln>
-            <a:noFill/>
-          </a:ln>
-        </p:spPr>
-        <p:style>
-          <a:lnRef idx="2">
-            <a:schemeClr val="accent1">
-              <a:shade val="50000"/>
-            </a:schemeClr>
-          </a:lnRef>
-          <a:fillRef idx="1">
-            <a:schemeClr val="accent1"/>
-          </a:fillRef>
-          <a:effectRef idx="0">
-            <a:schemeClr val="accent1"/>
-          </a:effectRef>
-          <a:fontRef idx="minor">
-            <a:schemeClr val="lt1"/>
-          </a:fontRef>
-        </p:style>
-        <p:txBody>
-          <a:bodyPr rtlCol="0" anchor="ctr"/>
-          <a:lstStyle/>
-          <a:p>
-            <a:pPr algn="ctr"/>
-            <a:endParaRPr lang="en-US">
-              <a:solidFill>
-                <a:srgbClr val="DB5B5C"/>
-              </a:solidFill>
-            </a:endParaRPr>
-          </a:p>
-        </p:txBody>
-      </p:sp>
-      <p:sp>
-        <p:nvSpPr>
-          <p:cNvPr id="15" name="Rectangle 14">
-            <a:extLst>
-              <a:ext uri="{FF2B5EF4-FFF2-40B4-BE49-F238E27FC236}">
-                <a16:creationId xmlns:a16="http://schemas.microsoft.com/office/drawing/2014/main" id="{AD0A7C9C-CA2C-4B9B-A125-2D09D5573B44}"/>
-              </a:ext>
-            </a:extLst>
-          </p:cNvPr>
-          <p:cNvSpPr/>
-          <p:nvPr/>
-        </p:nvSpPr>
-        <p:spPr>
-          <a:xfrm>
-            <a:off x="1" y="6677247"/>
-            <a:ext cx="12191999" cy="190143"/>
-          </a:xfrm>
-          <a:prstGeom prst="rect">
-            <a:avLst/>
-          </a:prstGeom>
-          <a:solidFill>
-            <a:schemeClr val="bg1"/>
-          </a:solidFill>
-          <a:ln>
-            <a:noFill/>
-          </a:ln>
-        </p:spPr>
-        <p:style>
-          <a:lnRef idx="2">
-            <a:schemeClr val="accent1">
-              <a:shade val="50000"/>
-            </a:schemeClr>
-          </a:lnRef>
-          <a:fillRef idx="1">
-            <a:schemeClr val="accent1"/>
-          </a:fillRef>
-          <a:effectRef idx="0">
-            <a:schemeClr val="accent1"/>
-          </a:effectRef>
-          <a:fontRef idx="minor">
-            <a:schemeClr val="lt1"/>
-          </a:fontRef>
-        </p:style>
-        <p:txBody>
-          <a:bodyPr rtlCol="0" anchor="ctr"/>
-          <a:lstStyle/>
-          <a:p>
-            <a:pPr algn="ctr"/>
-            <a:endParaRPr lang="en-US">
-              <a:solidFill>
-                <a:srgbClr val="DB5B5C"/>
-              </a:solidFill>
-            </a:endParaRPr>
-          </a:p>
-        </p:txBody>
-      </p:sp>
-      <p:sp>
-        <p:nvSpPr>
-          <p:cNvPr id="16" name="Rectangle 15">
-            <a:extLst>
-              <a:ext uri="{FF2B5EF4-FFF2-40B4-BE49-F238E27FC236}">
-                <a16:creationId xmlns:a16="http://schemas.microsoft.com/office/drawing/2014/main" id="{74A085FC-1866-46D4-97F7-51AA45E48D4F}"/>
-              </a:ext>
-            </a:extLst>
-          </p:cNvPr>
-          <p:cNvSpPr/>
-          <p:nvPr/>
-        </p:nvSpPr>
-        <p:spPr>
-          <a:xfrm rot="4092292">
-            <a:off x="5790668" y="4094517"/>
-            <a:ext cx="5446699" cy="137038"/>
-          </a:xfrm>
-          <a:prstGeom prst="rect">
-            <a:avLst/>
-          </a:prstGeom>
-          <a:solidFill>
-            <a:schemeClr val="bg1"/>
-          </a:solidFill>
-          <a:ln>
-            <a:noFill/>
-          </a:ln>
-        </p:spPr>
-        <p:style>
-          <a:lnRef idx="2">
-            <a:schemeClr val="accent1">
-              <a:shade val="50000"/>
-            </a:schemeClr>
-          </a:lnRef>
-          <a:fillRef idx="1">
-            <a:schemeClr val="accent1"/>
-          </a:fillRef>
-          <a:effectRef idx="0">
-            <a:schemeClr val="accent1"/>
-          </a:effectRef>
-          <a:fontRef idx="minor">
-            <a:schemeClr val="lt1"/>
-          </a:fontRef>
-        </p:style>
-        <p:txBody>
-          <a:bodyPr rtlCol="0" anchor="ctr"/>
-          <a:lstStyle/>
-          <a:p>
-            <a:pPr algn="ctr"/>
-            <a:endParaRPr lang="en-US">
-              <a:solidFill>
-                <a:srgbClr val="DB5B5C"/>
-              </a:solidFill>
-            </a:endParaRPr>
-          </a:p>
-        </p:txBody>
-      </p:sp>
-    </p:spTree>
-    <p:extLst>
-      <p:ext uri="{BB962C8B-B14F-4D97-AF65-F5344CB8AC3E}">
-        <p14:creationId xmlns:p14="http://schemas.microsoft.com/office/powerpoint/2010/main" val="2318904332"/>
-      </p:ext>
-    </p:extLst>
-  </p:cSld>
-  <p:clrMapOvr>
-    <a:overrideClrMapping bg1="dk1" tx1="lt1" bg2="dk2" tx2="lt2" accent1="accent1" accent2="accent2" accent3="accent3" accent4="accent4" accent5="accent5" accent6="accent6" hlink="hlink" folHlink="folHlink"/>
-  </p:clrMapOvr>
-</p:sld>
-</file>
-
-<file path=ppt/slides/slide11.xml><?xml version="1.0" encoding="utf-8"?>
-<p:sld xmlns:a="http://schemas.openxmlformats.org/drawingml/2006/main" xmlns:r="http://schemas.openxmlformats.org/officeDocument/2006/relationships" xmlns:p="http://schemas.openxmlformats.org/presentationml/2006/main">
-  <p:cSld>
-    <p:bg>
-      <p:bgPr>
-        <a:solidFill>
-          <a:srgbClr val="395583"/>
-        </a:solidFill>
-        <a:effectLst/>
-      </p:bgPr>
-    </p:bg>
-    <p:spTree>
-      <p:nvGrpSpPr>
-        <p:cNvPr id="1" name=""/>
-        <p:cNvGrpSpPr/>
-        <p:nvPr/>
-      </p:nvGrpSpPr>
-      <p:grpSpPr>
-        <a:xfrm>
-          <a:off x="0" y="0"/>
-          <a:ext cx="0" cy="0"/>
-          <a:chOff x="0" y="0"/>
-          <a:chExt cx="0" cy="0"/>
-        </a:xfrm>
-      </p:grpSpPr>
-      <p:sp>
-        <p:nvSpPr>
-          <p:cNvPr id="25" name="Rectangle 24">
-            <a:extLst>
-              <a:ext uri="{FF2B5EF4-FFF2-40B4-BE49-F238E27FC236}">
-                <a16:creationId xmlns:a16="http://schemas.microsoft.com/office/drawing/2014/main" id="{A6792F05-2FD4-4F18-815E-15391E8B4A0E}"/>
-              </a:ext>
-              <a:ext uri="{C183D7F6-B498-43B3-948B-1728B52AA6E4}">
-                <adec:decorative xmlns:adec="http://schemas.microsoft.com/office/drawing/2017/decorative" val="1"/>
-              </a:ext>
-            </a:extLst>
-          </p:cNvPr>
-          <p:cNvSpPr>
-            <a:spLocks noGrp="1" noRot="1" noChangeAspect="1" noMove="1" noResize="1" noEditPoints="1" noAdjustHandles="1" noChangeArrowheads="1" noChangeShapeType="1" noTextEdit="1"/>
-          </p:cNvSpPr>
-          <p:nvPr>
-            <p:extLst>
-              <p:ext uri="{386F3935-93C4-4BCD-93E2-E3B085C9AB24}">
-                <p16:designElem xmlns:p16="http://schemas.microsoft.com/office/powerpoint/2015/main" val="1"/>
-              </p:ext>
-            </p:extLst>
-          </p:nvPr>
-        </p:nvSpPr>
-        <p:spPr>
-          <a:xfrm>
-            <a:off x="0" y="0"/>
-            <a:ext cx="12191999" cy="6858000"/>
-          </a:xfrm>
-          <a:prstGeom prst="rect">
-            <a:avLst/>
-          </a:prstGeom>
-          <a:solidFill>
-            <a:srgbClr val="395583"/>
-          </a:solidFill>
-          <a:ln>
-            <a:noFill/>
-          </a:ln>
-        </p:spPr>
-        <p:style>
-          <a:lnRef idx="2">
-            <a:schemeClr val="accent1">
-              <a:shade val="50000"/>
-            </a:schemeClr>
-          </a:lnRef>
-          <a:fillRef idx="1">
-            <a:schemeClr val="accent1"/>
-          </a:fillRef>
-          <a:effectRef idx="0">
-            <a:schemeClr val="accent1"/>
-          </a:effectRef>
-          <a:fontRef idx="minor">
-            <a:schemeClr val="lt1"/>
-          </a:fontRef>
-        </p:style>
-        <p:txBody>
-          <a:bodyPr rtlCol="0" anchor="ctr"/>
-          <a:lstStyle/>
-          <a:p>
-            <a:pPr algn="ctr"/>
-            <a:endParaRPr lang="en-US"/>
-          </a:p>
-        </p:txBody>
-      </p:sp>
-      <p:sp>
-        <p:nvSpPr>
-          <p:cNvPr id="2" name="Title 1">
-            <a:extLst>
-              <a:ext uri="{FF2B5EF4-FFF2-40B4-BE49-F238E27FC236}">
-                <a16:creationId xmlns:a16="http://schemas.microsoft.com/office/drawing/2014/main" id="{2589AFCC-0FF0-498C-B11F-8990DF0DAAA5}"/>
-              </a:ext>
-            </a:extLst>
-          </p:cNvPr>
-          <p:cNvSpPr>
-            <a:spLocks noGrp="1"/>
-          </p:cNvSpPr>
-          <p:nvPr>
-            <p:ph type="title"/>
-          </p:nvPr>
-        </p:nvSpPr>
-        <p:spPr>
-          <a:xfrm>
-            <a:off x="838200" y="365125"/>
-            <a:ext cx="10515600" cy="1325563"/>
-          </a:xfrm>
-        </p:spPr>
-        <p:txBody>
-          <a:bodyPr>
-            <a:normAutofit/>
-          </a:bodyPr>
-          <a:lstStyle/>
-          <a:p>
-            <a:r>
-              <a:rPr lang="en-US" b="1" dirty="0">
-                <a:latin typeface="Selawik Semibold" panose="020B0604020202020204" pitchFamily="34" charset="0"/>
-              </a:rPr>
-              <a:t>Analytics Across the Organizations</a:t>
-            </a:r>
-          </a:p>
-        </p:txBody>
-      </p:sp>
-      <p:sp>
-        <p:nvSpPr>
-          <p:cNvPr id="9" name="Content Placeholder 8">
-            <a:extLst>
-              <a:ext uri="{FF2B5EF4-FFF2-40B4-BE49-F238E27FC236}">
-                <a16:creationId xmlns:a16="http://schemas.microsoft.com/office/drawing/2014/main" id="{2D995594-59F2-4020-AB6F-751BAE84ADB3}"/>
-              </a:ext>
-            </a:extLst>
-          </p:cNvPr>
-          <p:cNvSpPr>
-            <a:spLocks noGrp="1"/>
-          </p:cNvSpPr>
-          <p:nvPr>
-            <p:ph idx="1"/>
-          </p:nvPr>
-        </p:nvSpPr>
-        <p:spPr>
-          <a:xfrm>
-            <a:off x="838199" y="2021249"/>
-            <a:ext cx="7653667" cy="4366104"/>
-          </a:xfrm>
-        </p:spPr>
-        <p:txBody>
-          <a:bodyPr>
-            <a:normAutofit/>
-          </a:bodyPr>
-          <a:lstStyle/>
-          <a:p>
-            <a:r>
-              <a:rPr lang="en-US" sz="2400" dirty="0">
-                <a:latin typeface="Selawik Semibold" panose="020B0702040204020203" pitchFamily="34" charset="0"/>
-              </a:rPr>
-              <a:t>Is Data Checked for Errors?</a:t>
-            </a:r>
-          </a:p>
-          <a:p>
-            <a:pPr lvl="1"/>
-            <a:r>
-              <a:rPr lang="en-US" sz="2000" dirty="0">
-                <a:latin typeface="Selawik Semibold" panose="020B0702040204020203" pitchFamily="34" charset="0"/>
-              </a:rPr>
-              <a:t>Always (31.3%)</a:t>
-            </a:r>
-          </a:p>
-          <a:p>
-            <a:pPr lvl="1"/>
-            <a:r>
-              <a:rPr lang="en-US" sz="2000" dirty="0">
-                <a:latin typeface="Selawik Semibold" panose="020B0702040204020203" pitchFamily="34" charset="0"/>
-              </a:rPr>
-              <a:t>Usually (37.5%)</a:t>
-            </a:r>
-          </a:p>
-          <a:p>
-            <a:pPr lvl="1"/>
-            <a:r>
-              <a:rPr lang="en-US" sz="2000" dirty="0">
-                <a:latin typeface="Selawik Semibold" panose="020B0702040204020203" pitchFamily="34" charset="0"/>
-              </a:rPr>
-              <a:t>Sometimes (18.8%)</a:t>
-            </a:r>
-          </a:p>
-          <a:p>
-            <a:pPr lvl="1"/>
-            <a:r>
-              <a:rPr lang="en-US" sz="2000" dirty="0">
-                <a:latin typeface="Selawik Semibold" panose="020B0702040204020203" pitchFamily="34" charset="0"/>
-              </a:rPr>
-              <a:t>Occasionally (6.1%)</a:t>
-            </a:r>
-          </a:p>
-          <a:p>
-            <a:pPr lvl="1"/>
-            <a:r>
-              <a:rPr lang="en-US" sz="2000" dirty="0">
-                <a:latin typeface="Selawik Semibold" panose="020B0702040204020203" pitchFamily="34" charset="0"/>
-              </a:rPr>
-              <a:t>Rarely (6.3%)</a:t>
-            </a:r>
-          </a:p>
-          <a:p>
-            <a:pPr lvl="1"/>
-            <a:endParaRPr lang="en-US" sz="2000" dirty="0">
-              <a:latin typeface="Selawik Semibold" panose="020B0702040204020203" pitchFamily="34" charset="0"/>
-            </a:endParaRPr>
-          </a:p>
-          <a:p>
-            <a:r>
-              <a:rPr lang="en-US" sz="2400" dirty="0">
-                <a:latin typeface="Selawik Semibold" panose="020B0702040204020203" pitchFamily="34" charset="0"/>
-              </a:rPr>
-              <a:t>How Many Database Programmers are Employed?</a:t>
-            </a:r>
-          </a:p>
-          <a:p>
-            <a:pPr lvl="1"/>
-            <a:r>
-              <a:rPr lang="en-US" sz="2000" dirty="0">
-                <a:latin typeface="Selawik Semibold" panose="020B0702040204020203" pitchFamily="34" charset="0"/>
-              </a:rPr>
-              <a:t>0 (37.5%)</a:t>
-            </a:r>
-          </a:p>
-          <a:p>
-            <a:pPr lvl="1"/>
-            <a:r>
-              <a:rPr lang="en-US" sz="2000" dirty="0">
-                <a:latin typeface="Selawik Semibold" panose="020B0702040204020203" pitchFamily="34" charset="0"/>
-              </a:rPr>
-              <a:t>1-2 (50.0%)</a:t>
-            </a:r>
-          </a:p>
-          <a:p>
-            <a:pPr lvl="1"/>
-            <a:r>
-              <a:rPr lang="en-US" sz="2000" dirty="0">
-                <a:latin typeface="Selawik Semibold" panose="020B0702040204020203" pitchFamily="34" charset="0"/>
-              </a:rPr>
-              <a:t>3-4 (0.0%)</a:t>
-            </a:r>
-          </a:p>
-          <a:p>
-            <a:pPr lvl="1"/>
-            <a:r>
-              <a:rPr lang="en-US" sz="2000" dirty="0">
-                <a:latin typeface="Selawik Semibold" panose="020B0702040204020203" pitchFamily="34" charset="0"/>
-              </a:rPr>
-              <a:t>&gt;5 (12.5%)</a:t>
-            </a:r>
-          </a:p>
-        </p:txBody>
-      </p:sp>
-      <p:pic>
-        <p:nvPicPr>
-          <p:cNvPr id="4" name="Picture 3" descr="A drawing of a cartoon character&#10;&#10;Description automatically generated">
-            <a:extLst>
-              <a:ext uri="{FF2B5EF4-FFF2-40B4-BE49-F238E27FC236}">
-                <a16:creationId xmlns:a16="http://schemas.microsoft.com/office/drawing/2014/main" id="{A7FDC859-D890-4904-9C64-27F43DA90453}"/>
-              </a:ext>
-            </a:extLst>
-          </p:cNvPr>
-          <p:cNvPicPr>
-            <a:picLocks noChangeAspect="1"/>
-          </p:cNvPicPr>
-          <p:nvPr/>
-        </p:nvPicPr>
-        <p:blipFill rotWithShape="1">
-          <a:blip r:embed="rId2">
-            <a:extLst>
-              <a:ext uri="{28A0092B-C50C-407E-A947-70E740481C1C}">
-                <a14:useLocalDpi xmlns:a14="http://schemas.microsoft.com/office/drawing/2010/main" val="0"/>
-              </a:ext>
-            </a:extLst>
-          </a:blip>
-          <a:srcRect t="5616" r="2" b="2"/>
-          <a:stretch/>
-        </p:blipFill>
-        <p:spPr>
-          <a:xfrm>
-            <a:off x="7471144" y="1700078"/>
-            <a:ext cx="4720855" cy="2583792"/>
-          </a:xfrm>
-          <a:custGeom>
-            <a:avLst/>
-            <a:gdLst>
-              <a:gd name="connsiteX0" fmla="*/ 0 w 5475077"/>
-              <a:gd name="connsiteY0" fmla="*/ 0 h 2583792"/>
-              <a:gd name="connsiteX1" fmla="*/ 5475077 w 5475077"/>
-              <a:gd name="connsiteY1" fmla="*/ 0 h 2583792"/>
-              <a:gd name="connsiteX2" fmla="*/ 5475077 w 5475077"/>
-              <a:gd name="connsiteY2" fmla="*/ 2583792 h 2583792"/>
-              <a:gd name="connsiteX3" fmla="*/ 1197192 w 5475077"/>
-              <a:gd name="connsiteY3" fmla="*/ 2583792 h 2583792"/>
-            </a:gdLst>
-            <a:ahLst/>
-            <a:cxnLst>
-              <a:cxn ang="0">
-                <a:pos x="connsiteX0" y="connsiteY0"/>
-              </a:cxn>
-              <a:cxn ang="0">
-                <a:pos x="connsiteX1" y="connsiteY1"/>
-              </a:cxn>
-              <a:cxn ang="0">
-                <a:pos x="connsiteX2" y="connsiteY2"/>
-              </a:cxn>
-              <a:cxn ang="0">
-                <a:pos x="connsiteX3" y="connsiteY3"/>
-              </a:cxn>
-            </a:cxnLst>
-            <a:rect l="l" t="t" r="r" b="b"/>
-            <a:pathLst>
-              <a:path w="5475077" h="2583792">
-                <a:moveTo>
-                  <a:pt x="0" y="0"/>
-                </a:moveTo>
-                <a:lnTo>
-                  <a:pt x="5475077" y="0"/>
-                </a:lnTo>
-                <a:lnTo>
-                  <a:pt x="5475077" y="2583792"/>
-                </a:lnTo>
-                <a:lnTo>
-                  <a:pt x="1197192" y="2583792"/>
-                </a:lnTo>
-                <a:close/>
-              </a:path>
-            </a:pathLst>
-          </a:custGeom>
-        </p:spPr>
-      </p:pic>
-      <p:pic>
-        <p:nvPicPr>
-          <p:cNvPr id="5" name="Content Placeholder 4" descr="A picture containing indoor&#10;&#10;Description automatically generated">
-            <a:extLst>
-              <a:ext uri="{FF2B5EF4-FFF2-40B4-BE49-F238E27FC236}">
-                <a16:creationId xmlns:a16="http://schemas.microsoft.com/office/drawing/2014/main" id="{A58F0E55-21F3-485B-A07F-1CE74177BDD2}"/>
-              </a:ext>
-            </a:extLst>
-          </p:cNvPr>
-          <p:cNvPicPr>
-            <a:picLocks noChangeAspect="1"/>
-          </p:cNvPicPr>
-          <p:nvPr/>
-        </p:nvPicPr>
-        <p:blipFill rotWithShape="1">
-          <a:blip r:embed="rId3">
-            <a:extLst>
-              <a:ext uri="{28A0092B-C50C-407E-A947-70E740481C1C}">
-                <a14:useLocalDpi xmlns:a14="http://schemas.microsoft.com/office/drawing/2010/main" val="0"/>
-              </a:ext>
-            </a:extLst>
-          </a:blip>
-          <a:srcRect t="5300" r="3" b="6859"/>
-          <a:stretch/>
-        </p:blipFill>
-        <p:spPr>
-          <a:xfrm>
-            <a:off x="8491869" y="4283870"/>
-            <a:ext cx="3700129" cy="2583520"/>
-          </a:xfrm>
-          <a:custGeom>
-            <a:avLst/>
-            <a:gdLst>
-              <a:gd name="connsiteX0" fmla="*/ 0 w 4277884"/>
-              <a:gd name="connsiteY0" fmla="*/ 0 h 2583520"/>
-              <a:gd name="connsiteX1" fmla="*/ 4277884 w 4277884"/>
-              <a:gd name="connsiteY1" fmla="*/ 0 h 2583520"/>
-              <a:gd name="connsiteX2" fmla="*/ 4277884 w 4277884"/>
-              <a:gd name="connsiteY2" fmla="*/ 2583520 h 2583520"/>
-              <a:gd name="connsiteX3" fmla="*/ 1192437 w 4277884"/>
-              <a:gd name="connsiteY3" fmla="*/ 2583520 h 2583520"/>
-              <a:gd name="connsiteX4" fmla="*/ 1188085 w 4277884"/>
-              <a:gd name="connsiteY4" fmla="*/ 2574129 h 2583520"/>
-              <a:gd name="connsiteX5" fmla="*/ 1192715 w 4277884"/>
-              <a:gd name="connsiteY5" fmla="*/ 2574129 h 2583520"/>
-            </a:gdLst>
-            <a:ahLst/>
-            <a:cxnLst>
-              <a:cxn ang="0">
-                <a:pos x="connsiteX0" y="connsiteY0"/>
-              </a:cxn>
-              <a:cxn ang="0">
-                <a:pos x="connsiteX1" y="connsiteY1"/>
-              </a:cxn>
-              <a:cxn ang="0">
-                <a:pos x="connsiteX2" y="connsiteY2"/>
-              </a:cxn>
-              <a:cxn ang="0">
-                <a:pos x="connsiteX3" y="connsiteY3"/>
-              </a:cxn>
-              <a:cxn ang="0">
-                <a:pos x="connsiteX4" y="connsiteY4"/>
-              </a:cxn>
-              <a:cxn ang="0">
-                <a:pos x="connsiteX5" y="connsiteY5"/>
-              </a:cxn>
-            </a:cxnLst>
-            <a:rect l="l" t="t" r="r" b="b"/>
-            <a:pathLst>
-              <a:path w="4277884" h="2583520">
-                <a:moveTo>
-                  <a:pt x="0" y="0"/>
-                </a:moveTo>
-                <a:lnTo>
-                  <a:pt x="4277884" y="0"/>
-                </a:lnTo>
-                <a:lnTo>
-                  <a:pt x="4277884" y="2583520"/>
-                </a:lnTo>
-                <a:lnTo>
-                  <a:pt x="1192437" y="2583520"/>
-                </a:lnTo>
-                <a:lnTo>
-                  <a:pt x="1188085" y="2574129"/>
-                </a:lnTo>
-                <a:lnTo>
-                  <a:pt x="1192715" y="2574129"/>
-                </a:lnTo>
-                <a:close/>
-              </a:path>
-            </a:pathLst>
-          </a:custGeom>
-        </p:spPr>
-      </p:pic>
-      <p:sp>
-        <p:nvSpPr>
-          <p:cNvPr id="6" name="Rectangle 5">
-            <a:extLst>
-              <a:ext uri="{FF2B5EF4-FFF2-40B4-BE49-F238E27FC236}">
-                <a16:creationId xmlns:a16="http://schemas.microsoft.com/office/drawing/2014/main" id="{A2901312-C3C2-4CEC-80EF-823AB4FBB726}"/>
-              </a:ext>
-            </a:extLst>
-          </p:cNvPr>
-          <p:cNvSpPr/>
-          <p:nvPr/>
-        </p:nvSpPr>
-        <p:spPr>
-          <a:xfrm>
-            <a:off x="-1" y="1608918"/>
-            <a:ext cx="12191999" cy="91160"/>
-          </a:xfrm>
-          <a:prstGeom prst="rect">
-            <a:avLst/>
-          </a:prstGeom>
-          <a:solidFill>
-            <a:schemeClr val="bg1"/>
-          </a:solidFill>
-          <a:ln>
-            <a:noFill/>
-          </a:ln>
-        </p:spPr>
-        <p:style>
-          <a:lnRef idx="2">
-            <a:schemeClr val="accent1">
-              <a:shade val="50000"/>
-            </a:schemeClr>
-          </a:lnRef>
-          <a:fillRef idx="1">
-            <a:schemeClr val="accent1"/>
-          </a:fillRef>
-          <a:effectRef idx="0">
-            <a:schemeClr val="accent1"/>
-          </a:effectRef>
-          <a:fontRef idx="minor">
-            <a:schemeClr val="lt1"/>
-          </a:fontRef>
-        </p:style>
-        <p:txBody>
-          <a:bodyPr rtlCol="0" anchor="ctr"/>
-          <a:lstStyle/>
-          <a:p>
-            <a:pPr algn="ctr"/>
-            <a:endParaRPr lang="en-US">
-              <a:solidFill>
-                <a:srgbClr val="DB5B5C"/>
-              </a:solidFill>
-            </a:endParaRPr>
-          </a:p>
-        </p:txBody>
-      </p:sp>
-      <p:sp>
-        <p:nvSpPr>
-          <p:cNvPr id="15" name="Rectangle 14">
-            <a:extLst>
-              <a:ext uri="{FF2B5EF4-FFF2-40B4-BE49-F238E27FC236}">
-                <a16:creationId xmlns:a16="http://schemas.microsoft.com/office/drawing/2014/main" id="{AD0A7C9C-CA2C-4B9B-A125-2D09D5573B44}"/>
-              </a:ext>
-            </a:extLst>
-          </p:cNvPr>
-          <p:cNvSpPr/>
-          <p:nvPr/>
-        </p:nvSpPr>
-        <p:spPr>
-          <a:xfrm>
-            <a:off x="1" y="6677247"/>
-            <a:ext cx="12191999" cy="190143"/>
-          </a:xfrm>
-          <a:prstGeom prst="rect">
-            <a:avLst/>
-          </a:prstGeom>
-          <a:solidFill>
-            <a:schemeClr val="bg1"/>
-          </a:solidFill>
-          <a:ln>
-            <a:noFill/>
-          </a:ln>
-        </p:spPr>
-        <p:style>
-          <a:lnRef idx="2">
-            <a:schemeClr val="accent1">
-              <a:shade val="50000"/>
-            </a:schemeClr>
-          </a:lnRef>
-          <a:fillRef idx="1">
-            <a:schemeClr val="accent1"/>
-          </a:fillRef>
-          <a:effectRef idx="0">
-            <a:schemeClr val="accent1"/>
-          </a:effectRef>
-          <a:fontRef idx="minor">
-            <a:schemeClr val="lt1"/>
-          </a:fontRef>
-        </p:style>
-        <p:txBody>
-          <a:bodyPr rtlCol="0" anchor="ctr"/>
-          <a:lstStyle/>
-          <a:p>
-            <a:pPr algn="ctr"/>
-            <a:endParaRPr lang="en-US">
-              <a:solidFill>
-                <a:srgbClr val="DB5B5C"/>
-              </a:solidFill>
-            </a:endParaRPr>
-          </a:p>
-        </p:txBody>
-      </p:sp>
-      <p:sp>
-        <p:nvSpPr>
-          <p:cNvPr id="16" name="Rectangle 15">
-            <a:extLst>
-              <a:ext uri="{FF2B5EF4-FFF2-40B4-BE49-F238E27FC236}">
-                <a16:creationId xmlns:a16="http://schemas.microsoft.com/office/drawing/2014/main" id="{74A085FC-1866-46D4-97F7-51AA45E48D4F}"/>
-              </a:ext>
-            </a:extLst>
-          </p:cNvPr>
-          <p:cNvSpPr/>
-          <p:nvPr/>
-        </p:nvSpPr>
-        <p:spPr>
-          <a:xfrm rot="4092292">
-            <a:off x="5790668" y="4094517"/>
-            <a:ext cx="5446699" cy="137038"/>
-          </a:xfrm>
-          <a:prstGeom prst="rect">
-            <a:avLst/>
-          </a:prstGeom>
-          <a:solidFill>
-            <a:schemeClr val="bg1"/>
-          </a:solidFill>
-          <a:ln>
-            <a:noFill/>
-          </a:ln>
-        </p:spPr>
-        <p:style>
-          <a:lnRef idx="2">
-            <a:schemeClr val="accent1">
-              <a:shade val="50000"/>
-            </a:schemeClr>
-          </a:lnRef>
-          <a:fillRef idx="1">
-            <a:schemeClr val="accent1"/>
-          </a:fillRef>
-          <a:effectRef idx="0">
-            <a:schemeClr val="accent1"/>
-          </a:effectRef>
-          <a:fontRef idx="minor">
-            <a:schemeClr val="lt1"/>
-          </a:fontRef>
-        </p:style>
-        <p:txBody>
-          <a:bodyPr rtlCol="0" anchor="ctr"/>
-          <a:lstStyle/>
-          <a:p>
-            <a:pPr algn="ctr"/>
-            <a:endParaRPr lang="en-US">
-              <a:solidFill>
-                <a:srgbClr val="DB5B5C"/>
-              </a:solidFill>
-            </a:endParaRPr>
-          </a:p>
-        </p:txBody>
-      </p:sp>
-    </p:spTree>
-    <p:extLst>
-      <p:ext uri="{BB962C8B-B14F-4D97-AF65-F5344CB8AC3E}">
-        <p14:creationId xmlns:p14="http://schemas.microsoft.com/office/powerpoint/2010/main" val="844394623"/>
-      </p:ext>
-    </p:extLst>
-  </p:cSld>
-  <p:clrMapOvr>
-    <a:overrideClrMapping bg1="dk1" tx1="lt1" bg2="dk2" tx2="lt2" accent1="accent1" accent2="accent2" accent3="accent3" accent4="accent4" accent5="accent5" accent6="accent6" hlink="hlink" folHlink="folHlink"/>
-  </p:clrMapOvr>
-</p:sld>
-</file>
-
-<file path=ppt/slides/slide12.xml><?xml version="1.0" encoding="utf-8"?>
-<p:sld xmlns:a="http://schemas.openxmlformats.org/drawingml/2006/main" xmlns:r="http://schemas.openxmlformats.org/officeDocument/2006/relationships" xmlns:p="http://schemas.openxmlformats.org/presentationml/2006/main">
-  <p:cSld>
-    <p:bg>
-      <p:bgPr>
-        <a:solidFill>
-          <a:srgbClr val="395583"/>
-        </a:solidFill>
-        <a:effectLst/>
-      </p:bgPr>
-    </p:bg>
-    <p:spTree>
-      <p:nvGrpSpPr>
-        <p:cNvPr id="1" name=""/>
-        <p:cNvGrpSpPr/>
-        <p:nvPr/>
-      </p:nvGrpSpPr>
-      <p:grpSpPr>
-        <a:xfrm>
-          <a:off x="0" y="0"/>
-          <a:ext cx="0" cy="0"/>
-          <a:chOff x="0" y="0"/>
-          <a:chExt cx="0" cy="0"/>
-        </a:xfrm>
-      </p:grpSpPr>
-      <p:sp>
-        <p:nvSpPr>
-          <p:cNvPr id="25" name="Rectangle 24">
-            <a:extLst>
-              <a:ext uri="{FF2B5EF4-FFF2-40B4-BE49-F238E27FC236}">
-                <a16:creationId xmlns:a16="http://schemas.microsoft.com/office/drawing/2014/main" id="{A6792F05-2FD4-4F18-815E-15391E8B4A0E}"/>
-              </a:ext>
-              <a:ext uri="{C183D7F6-B498-43B3-948B-1728B52AA6E4}">
-                <adec:decorative xmlns:adec="http://schemas.microsoft.com/office/drawing/2017/decorative" val="1"/>
-              </a:ext>
-            </a:extLst>
-          </p:cNvPr>
-          <p:cNvSpPr>
-            <a:spLocks noGrp="1" noRot="1" noChangeAspect="1" noMove="1" noResize="1" noEditPoints="1" noAdjustHandles="1" noChangeArrowheads="1" noChangeShapeType="1" noTextEdit="1"/>
-          </p:cNvSpPr>
-          <p:nvPr>
-            <p:extLst>
-              <p:ext uri="{386F3935-93C4-4BCD-93E2-E3B085C9AB24}">
-                <p16:designElem xmlns:p16="http://schemas.microsoft.com/office/powerpoint/2015/main" val="1"/>
-              </p:ext>
-            </p:extLst>
-          </p:nvPr>
-        </p:nvSpPr>
-        <p:spPr>
-          <a:xfrm>
-            <a:off x="0" y="0"/>
-            <a:ext cx="12191999" cy="6858000"/>
-          </a:xfrm>
-          <a:prstGeom prst="rect">
-            <a:avLst/>
-          </a:prstGeom>
-          <a:solidFill>
-            <a:srgbClr val="395583"/>
-          </a:solidFill>
-          <a:ln>
-            <a:noFill/>
-          </a:ln>
-        </p:spPr>
-        <p:style>
-          <a:lnRef idx="2">
-            <a:schemeClr val="accent1">
-              <a:shade val="50000"/>
-            </a:schemeClr>
-          </a:lnRef>
-          <a:fillRef idx="1">
-            <a:schemeClr val="accent1"/>
-          </a:fillRef>
-          <a:effectRef idx="0">
-            <a:schemeClr val="accent1"/>
-          </a:effectRef>
-          <a:fontRef idx="minor">
-            <a:schemeClr val="lt1"/>
-          </a:fontRef>
-        </p:style>
-        <p:txBody>
-          <a:bodyPr rtlCol="0" anchor="ctr"/>
-          <a:lstStyle/>
-          <a:p>
-            <a:pPr algn="ctr"/>
-            <a:endParaRPr lang="en-US"/>
-          </a:p>
-        </p:txBody>
-      </p:sp>
-      <p:sp>
-        <p:nvSpPr>
-          <p:cNvPr id="2" name="Title 1">
-            <a:extLst>
-              <a:ext uri="{FF2B5EF4-FFF2-40B4-BE49-F238E27FC236}">
-                <a16:creationId xmlns:a16="http://schemas.microsoft.com/office/drawing/2014/main" id="{2589AFCC-0FF0-498C-B11F-8990DF0DAAA5}"/>
-              </a:ext>
-            </a:extLst>
-          </p:cNvPr>
-          <p:cNvSpPr>
-            <a:spLocks noGrp="1"/>
-          </p:cNvSpPr>
-          <p:nvPr>
-            <p:ph type="title"/>
-          </p:nvPr>
-        </p:nvSpPr>
-        <p:spPr>
-          <a:xfrm>
-            <a:off x="838200" y="365125"/>
-            <a:ext cx="10515600" cy="1325563"/>
-          </a:xfrm>
-        </p:spPr>
-        <p:txBody>
-          <a:bodyPr>
-            <a:normAutofit/>
-          </a:bodyPr>
-          <a:lstStyle/>
-          <a:p>
-            <a:r>
-              <a:rPr lang="en-US" b="1" dirty="0">
-                <a:latin typeface="Selawik Semibold" panose="020B0604020202020204" pitchFamily="34" charset="0"/>
-              </a:rPr>
-              <a:t>Analytics Across the Organizations</a:t>
-            </a:r>
-          </a:p>
-        </p:txBody>
-      </p:sp>
-      <p:sp>
-        <p:nvSpPr>
-          <p:cNvPr id="9" name="Content Placeholder 8">
-            <a:extLst>
-              <a:ext uri="{FF2B5EF4-FFF2-40B4-BE49-F238E27FC236}">
-                <a16:creationId xmlns:a16="http://schemas.microsoft.com/office/drawing/2014/main" id="{2D995594-59F2-4020-AB6F-751BAE84ADB3}"/>
-              </a:ext>
-            </a:extLst>
-          </p:cNvPr>
-          <p:cNvSpPr>
-            <a:spLocks noGrp="1"/>
-          </p:cNvSpPr>
-          <p:nvPr>
-            <p:ph idx="1"/>
-          </p:nvPr>
-        </p:nvSpPr>
-        <p:spPr>
-          <a:xfrm>
-            <a:off x="838199" y="2021249"/>
-            <a:ext cx="7653667" cy="4366104"/>
-          </a:xfrm>
-        </p:spPr>
-        <p:txBody>
-          <a:bodyPr>
-            <a:normAutofit/>
-          </a:bodyPr>
-          <a:lstStyle/>
-          <a:p>
-            <a:r>
-              <a:rPr lang="en-US" sz="2400" dirty="0">
-                <a:latin typeface="Selawik Semibold" panose="020B0702040204020203" pitchFamily="34" charset="0"/>
-              </a:rPr>
-              <a:t>How Many Statistical Analysts are Employed?</a:t>
-            </a:r>
-          </a:p>
-          <a:p>
-            <a:pPr lvl="1"/>
-            <a:r>
-              <a:rPr lang="en-US" sz="2000" dirty="0">
-                <a:latin typeface="Selawik Semibold" panose="020B0702040204020203" pitchFamily="34" charset="0"/>
-              </a:rPr>
-              <a:t>0 (20.0%)</a:t>
-            </a:r>
-          </a:p>
-          <a:p>
-            <a:pPr lvl="1"/>
-            <a:r>
-              <a:rPr lang="en-US" sz="2000" dirty="0">
-                <a:latin typeface="Selawik Semibold" panose="020B0702040204020203" pitchFamily="34" charset="0"/>
-              </a:rPr>
-              <a:t>1-2 (66.6%)</a:t>
-            </a:r>
-          </a:p>
-          <a:p>
-            <a:pPr lvl="1"/>
-            <a:r>
-              <a:rPr lang="en-US" sz="2000" dirty="0">
-                <a:latin typeface="Selawik Semibold" panose="020B0702040204020203" pitchFamily="34" charset="0"/>
-              </a:rPr>
-              <a:t>3-4 (0.0%)</a:t>
-            </a:r>
-          </a:p>
-          <a:p>
-            <a:pPr lvl="1"/>
-            <a:r>
-              <a:rPr lang="en-US" sz="2000" dirty="0">
-                <a:latin typeface="Selawik Semibold" panose="020B0702040204020203" pitchFamily="34" charset="0"/>
-              </a:rPr>
-              <a:t>&gt;5 (13.3%)</a:t>
-            </a:r>
-          </a:p>
-          <a:p>
-            <a:pPr lvl="1"/>
-            <a:endParaRPr lang="en-US" sz="2000" dirty="0">
-              <a:latin typeface="Selawik Semibold" panose="020B0702040204020203" pitchFamily="34" charset="0"/>
-            </a:endParaRPr>
-          </a:p>
-          <a:p>
-            <a:r>
-              <a:rPr lang="en-US" sz="2400" dirty="0">
-                <a:latin typeface="Selawik Semibold" panose="020B0702040204020203" pitchFamily="34" charset="0"/>
-              </a:rPr>
-              <a:t>Roadblock: Difficulty Identifying Strong Applicant</a:t>
-            </a:r>
-          </a:p>
-          <a:p>
-            <a:endParaRPr lang="en-US" sz="2400" dirty="0">
-              <a:latin typeface="Selawik Semibold" panose="020B0702040204020203" pitchFamily="34" charset="0"/>
-            </a:endParaRPr>
-          </a:p>
-          <a:p>
-            <a:r>
-              <a:rPr lang="en-US" sz="2400" dirty="0">
-                <a:latin typeface="Selawik Semibold" panose="020B0702040204020203" pitchFamily="34" charset="0"/>
-              </a:rPr>
-              <a:t>Difficulty in Both Hiring and Evaluating</a:t>
-            </a:r>
-          </a:p>
-          <a:p>
-            <a:endParaRPr lang="en-US" sz="2400" dirty="0">
-              <a:latin typeface="Selawik Semibold" panose="020B0702040204020203" pitchFamily="34" charset="0"/>
-            </a:endParaRPr>
-          </a:p>
-        </p:txBody>
-      </p:sp>
-      <p:pic>
-        <p:nvPicPr>
-          <p:cNvPr id="4" name="Picture 3" descr="A drawing of a cartoon character&#10;&#10;Description automatically generated">
-            <a:extLst>
-              <a:ext uri="{FF2B5EF4-FFF2-40B4-BE49-F238E27FC236}">
-                <a16:creationId xmlns:a16="http://schemas.microsoft.com/office/drawing/2014/main" id="{A7FDC859-D890-4904-9C64-27F43DA90453}"/>
-              </a:ext>
-            </a:extLst>
-          </p:cNvPr>
-          <p:cNvPicPr>
-            <a:picLocks noChangeAspect="1"/>
-          </p:cNvPicPr>
-          <p:nvPr/>
-        </p:nvPicPr>
-        <p:blipFill rotWithShape="1">
-          <a:blip r:embed="rId2">
-            <a:extLst>
-              <a:ext uri="{28A0092B-C50C-407E-A947-70E740481C1C}">
-                <a14:useLocalDpi xmlns:a14="http://schemas.microsoft.com/office/drawing/2010/main" val="0"/>
-              </a:ext>
-            </a:extLst>
-          </a:blip>
-          <a:srcRect t="5616" r="2" b="2"/>
-          <a:stretch/>
-        </p:blipFill>
-        <p:spPr>
-          <a:xfrm>
-            <a:off x="7471144" y="1700078"/>
-            <a:ext cx="4720855" cy="2583792"/>
-          </a:xfrm>
-          <a:custGeom>
-            <a:avLst/>
-            <a:gdLst>
-              <a:gd name="connsiteX0" fmla="*/ 0 w 5475077"/>
-              <a:gd name="connsiteY0" fmla="*/ 0 h 2583792"/>
-              <a:gd name="connsiteX1" fmla="*/ 5475077 w 5475077"/>
-              <a:gd name="connsiteY1" fmla="*/ 0 h 2583792"/>
-              <a:gd name="connsiteX2" fmla="*/ 5475077 w 5475077"/>
-              <a:gd name="connsiteY2" fmla="*/ 2583792 h 2583792"/>
-              <a:gd name="connsiteX3" fmla="*/ 1197192 w 5475077"/>
-              <a:gd name="connsiteY3" fmla="*/ 2583792 h 2583792"/>
-            </a:gdLst>
-            <a:ahLst/>
-            <a:cxnLst>
-              <a:cxn ang="0">
-                <a:pos x="connsiteX0" y="connsiteY0"/>
-              </a:cxn>
-              <a:cxn ang="0">
-                <a:pos x="connsiteX1" y="connsiteY1"/>
-              </a:cxn>
-              <a:cxn ang="0">
-                <a:pos x="connsiteX2" y="connsiteY2"/>
-              </a:cxn>
-              <a:cxn ang="0">
-                <a:pos x="connsiteX3" y="connsiteY3"/>
-              </a:cxn>
-            </a:cxnLst>
-            <a:rect l="l" t="t" r="r" b="b"/>
-            <a:pathLst>
-              <a:path w="5475077" h="2583792">
-                <a:moveTo>
-                  <a:pt x="0" y="0"/>
-                </a:moveTo>
-                <a:lnTo>
-                  <a:pt x="5475077" y="0"/>
-                </a:lnTo>
-                <a:lnTo>
-                  <a:pt x="5475077" y="2583792"/>
-                </a:lnTo>
-                <a:lnTo>
-                  <a:pt x="1197192" y="2583792"/>
-                </a:lnTo>
-                <a:close/>
-              </a:path>
-            </a:pathLst>
-          </a:custGeom>
-        </p:spPr>
-      </p:pic>
-      <p:pic>
-        <p:nvPicPr>
-          <p:cNvPr id="5" name="Content Placeholder 4" descr="A picture containing indoor&#10;&#10;Description automatically generated">
-            <a:extLst>
-              <a:ext uri="{FF2B5EF4-FFF2-40B4-BE49-F238E27FC236}">
-                <a16:creationId xmlns:a16="http://schemas.microsoft.com/office/drawing/2014/main" id="{A58F0E55-21F3-485B-A07F-1CE74177BDD2}"/>
-              </a:ext>
-            </a:extLst>
-          </p:cNvPr>
-          <p:cNvPicPr>
-            <a:picLocks noChangeAspect="1"/>
-          </p:cNvPicPr>
-          <p:nvPr/>
-        </p:nvPicPr>
-        <p:blipFill rotWithShape="1">
-          <a:blip r:embed="rId3">
-            <a:extLst>
-              <a:ext uri="{28A0092B-C50C-407E-A947-70E740481C1C}">
-                <a14:useLocalDpi xmlns:a14="http://schemas.microsoft.com/office/drawing/2010/main" val="0"/>
-              </a:ext>
-            </a:extLst>
-          </a:blip>
-          <a:srcRect t="5300" r="3" b="6859"/>
-          <a:stretch/>
-        </p:blipFill>
-        <p:spPr>
-          <a:xfrm>
-            <a:off x="8491869" y="4283870"/>
-            <a:ext cx="3700129" cy="2583520"/>
-          </a:xfrm>
-          <a:custGeom>
-            <a:avLst/>
-            <a:gdLst>
-              <a:gd name="connsiteX0" fmla="*/ 0 w 4277884"/>
-              <a:gd name="connsiteY0" fmla="*/ 0 h 2583520"/>
-              <a:gd name="connsiteX1" fmla="*/ 4277884 w 4277884"/>
-              <a:gd name="connsiteY1" fmla="*/ 0 h 2583520"/>
-              <a:gd name="connsiteX2" fmla="*/ 4277884 w 4277884"/>
-              <a:gd name="connsiteY2" fmla="*/ 2583520 h 2583520"/>
-              <a:gd name="connsiteX3" fmla="*/ 1192437 w 4277884"/>
-              <a:gd name="connsiteY3" fmla="*/ 2583520 h 2583520"/>
-              <a:gd name="connsiteX4" fmla="*/ 1188085 w 4277884"/>
-              <a:gd name="connsiteY4" fmla="*/ 2574129 h 2583520"/>
-              <a:gd name="connsiteX5" fmla="*/ 1192715 w 4277884"/>
-              <a:gd name="connsiteY5" fmla="*/ 2574129 h 2583520"/>
-            </a:gdLst>
-            <a:ahLst/>
-            <a:cxnLst>
-              <a:cxn ang="0">
-                <a:pos x="connsiteX0" y="connsiteY0"/>
-              </a:cxn>
-              <a:cxn ang="0">
-                <a:pos x="connsiteX1" y="connsiteY1"/>
-              </a:cxn>
-              <a:cxn ang="0">
-                <a:pos x="connsiteX2" y="connsiteY2"/>
-              </a:cxn>
-              <a:cxn ang="0">
-                <a:pos x="connsiteX3" y="connsiteY3"/>
-              </a:cxn>
-              <a:cxn ang="0">
-                <a:pos x="connsiteX4" y="connsiteY4"/>
-              </a:cxn>
-              <a:cxn ang="0">
-                <a:pos x="connsiteX5" y="connsiteY5"/>
-              </a:cxn>
-            </a:cxnLst>
-            <a:rect l="l" t="t" r="r" b="b"/>
-            <a:pathLst>
-              <a:path w="4277884" h="2583520">
-                <a:moveTo>
-                  <a:pt x="0" y="0"/>
-                </a:moveTo>
-                <a:lnTo>
-                  <a:pt x="4277884" y="0"/>
-                </a:lnTo>
-                <a:lnTo>
-                  <a:pt x="4277884" y="2583520"/>
-                </a:lnTo>
-                <a:lnTo>
-                  <a:pt x="1192437" y="2583520"/>
-                </a:lnTo>
-                <a:lnTo>
-                  <a:pt x="1188085" y="2574129"/>
-                </a:lnTo>
-                <a:lnTo>
-                  <a:pt x="1192715" y="2574129"/>
-                </a:lnTo>
-                <a:close/>
-              </a:path>
-            </a:pathLst>
-          </a:custGeom>
-        </p:spPr>
-      </p:pic>
-      <p:sp>
-        <p:nvSpPr>
-          <p:cNvPr id="6" name="Rectangle 5">
-            <a:extLst>
-              <a:ext uri="{FF2B5EF4-FFF2-40B4-BE49-F238E27FC236}">
-                <a16:creationId xmlns:a16="http://schemas.microsoft.com/office/drawing/2014/main" id="{A2901312-C3C2-4CEC-80EF-823AB4FBB726}"/>
-              </a:ext>
-            </a:extLst>
-          </p:cNvPr>
-          <p:cNvSpPr/>
-          <p:nvPr/>
-        </p:nvSpPr>
-        <p:spPr>
-          <a:xfrm>
-            <a:off x="-1" y="1608918"/>
-            <a:ext cx="12191999" cy="91160"/>
-          </a:xfrm>
-          <a:prstGeom prst="rect">
-            <a:avLst/>
-          </a:prstGeom>
-          <a:solidFill>
-            <a:schemeClr val="bg1"/>
-          </a:solidFill>
-          <a:ln>
-            <a:noFill/>
-          </a:ln>
-        </p:spPr>
-        <p:style>
-          <a:lnRef idx="2">
-            <a:schemeClr val="accent1">
-              <a:shade val="50000"/>
-            </a:schemeClr>
-          </a:lnRef>
-          <a:fillRef idx="1">
-            <a:schemeClr val="accent1"/>
-          </a:fillRef>
-          <a:effectRef idx="0">
-            <a:schemeClr val="accent1"/>
-          </a:effectRef>
-          <a:fontRef idx="minor">
-            <a:schemeClr val="lt1"/>
-          </a:fontRef>
-        </p:style>
-        <p:txBody>
-          <a:bodyPr rtlCol="0" anchor="ctr"/>
-          <a:lstStyle/>
-          <a:p>
-            <a:pPr algn="ctr"/>
-            <a:endParaRPr lang="en-US">
-              <a:solidFill>
-                <a:srgbClr val="DB5B5C"/>
-              </a:solidFill>
-            </a:endParaRPr>
-          </a:p>
-        </p:txBody>
-      </p:sp>
-      <p:sp>
-        <p:nvSpPr>
-          <p:cNvPr id="15" name="Rectangle 14">
-            <a:extLst>
-              <a:ext uri="{FF2B5EF4-FFF2-40B4-BE49-F238E27FC236}">
-                <a16:creationId xmlns:a16="http://schemas.microsoft.com/office/drawing/2014/main" id="{AD0A7C9C-CA2C-4B9B-A125-2D09D5573B44}"/>
-              </a:ext>
-            </a:extLst>
-          </p:cNvPr>
-          <p:cNvSpPr/>
-          <p:nvPr/>
-        </p:nvSpPr>
-        <p:spPr>
-          <a:xfrm>
-            <a:off x="1" y="6677247"/>
-            <a:ext cx="12191999" cy="190143"/>
-          </a:xfrm>
-          <a:prstGeom prst="rect">
-            <a:avLst/>
-          </a:prstGeom>
-          <a:solidFill>
-            <a:schemeClr val="bg1"/>
-          </a:solidFill>
-          <a:ln>
-            <a:noFill/>
-          </a:ln>
-        </p:spPr>
-        <p:style>
-          <a:lnRef idx="2">
-            <a:schemeClr val="accent1">
-              <a:shade val="50000"/>
-            </a:schemeClr>
-          </a:lnRef>
-          <a:fillRef idx="1">
-            <a:schemeClr val="accent1"/>
-          </a:fillRef>
-          <a:effectRef idx="0">
-            <a:schemeClr val="accent1"/>
-          </a:effectRef>
-          <a:fontRef idx="minor">
-            <a:schemeClr val="lt1"/>
-          </a:fontRef>
-        </p:style>
-        <p:txBody>
-          <a:bodyPr rtlCol="0" anchor="ctr"/>
-          <a:lstStyle/>
-          <a:p>
-            <a:pPr algn="ctr"/>
-            <a:endParaRPr lang="en-US">
-              <a:solidFill>
-                <a:srgbClr val="DB5B5C"/>
-              </a:solidFill>
-            </a:endParaRPr>
-          </a:p>
-        </p:txBody>
-      </p:sp>
-      <p:sp>
-        <p:nvSpPr>
-          <p:cNvPr id="16" name="Rectangle 15">
-            <a:extLst>
-              <a:ext uri="{FF2B5EF4-FFF2-40B4-BE49-F238E27FC236}">
-                <a16:creationId xmlns:a16="http://schemas.microsoft.com/office/drawing/2014/main" id="{74A085FC-1866-46D4-97F7-51AA45E48D4F}"/>
-              </a:ext>
-            </a:extLst>
-          </p:cNvPr>
-          <p:cNvSpPr/>
-          <p:nvPr/>
-        </p:nvSpPr>
-        <p:spPr>
-          <a:xfrm rot="4092292">
-            <a:off x="5790668" y="4094517"/>
-            <a:ext cx="5446699" cy="137038"/>
-          </a:xfrm>
-          <a:prstGeom prst="rect">
-            <a:avLst/>
-          </a:prstGeom>
-          <a:solidFill>
-            <a:schemeClr val="bg1"/>
-          </a:solidFill>
-          <a:ln>
-            <a:noFill/>
-          </a:ln>
-        </p:spPr>
-        <p:style>
-          <a:lnRef idx="2">
-            <a:schemeClr val="accent1">
-              <a:shade val="50000"/>
-            </a:schemeClr>
-          </a:lnRef>
-          <a:fillRef idx="1">
-            <a:schemeClr val="accent1"/>
-          </a:fillRef>
-          <a:effectRef idx="0">
-            <a:schemeClr val="accent1"/>
-          </a:effectRef>
-          <a:fontRef idx="minor">
-            <a:schemeClr val="lt1"/>
-          </a:fontRef>
-        </p:style>
-        <p:txBody>
-          <a:bodyPr rtlCol="0" anchor="ctr"/>
-          <a:lstStyle/>
-          <a:p>
-            <a:pPr algn="ctr"/>
-            <a:endParaRPr lang="en-US">
-              <a:solidFill>
-                <a:srgbClr val="DB5B5C"/>
-              </a:solidFill>
-            </a:endParaRPr>
-          </a:p>
-        </p:txBody>
-      </p:sp>
-    </p:spTree>
-    <p:extLst>
-      <p:ext uri="{BB962C8B-B14F-4D97-AF65-F5344CB8AC3E}">
-        <p14:creationId xmlns:p14="http://schemas.microsoft.com/office/powerpoint/2010/main" val="1297707072"/>
-      </p:ext>
-    </p:extLst>
-  </p:cSld>
-  <p:clrMapOvr>
-    <a:overrideClrMapping bg1="dk1" tx1="lt1" bg2="dk2" tx2="lt2" accent1="accent1" accent2="accent2" accent3="accent3" accent4="accent4" accent5="accent5" accent6="accent6" hlink="hlink" folHlink="folHlink"/>
-  </p:clrMapOvr>
-</p:sld>
-</file>
-
-<file path=ppt/slides/slide13.xml><?xml version="1.0" encoding="utf-8"?>
-<p:sld xmlns:a="http://schemas.openxmlformats.org/drawingml/2006/main" xmlns:r="http://schemas.openxmlformats.org/officeDocument/2006/relationships" xmlns:p="http://schemas.openxmlformats.org/presentationml/2006/main">
-  <p:cSld>
-    <p:bg>
-      <p:bgPr>
-        <a:solidFill>
-          <a:srgbClr val="395583"/>
-        </a:solidFill>
-        <a:effectLst/>
-      </p:bgPr>
-    </p:bg>
-    <p:spTree>
-      <p:nvGrpSpPr>
-        <p:cNvPr id="1" name=""/>
-        <p:cNvGrpSpPr/>
-        <p:nvPr/>
-      </p:nvGrpSpPr>
-      <p:grpSpPr>
-        <a:xfrm>
-          <a:off x="0" y="0"/>
-          <a:ext cx="0" cy="0"/>
-          <a:chOff x="0" y="0"/>
-          <a:chExt cx="0" cy="0"/>
-        </a:xfrm>
-      </p:grpSpPr>
-      <p:sp>
-        <p:nvSpPr>
-          <p:cNvPr id="25" name="Rectangle 24">
-            <a:extLst>
-              <a:ext uri="{FF2B5EF4-FFF2-40B4-BE49-F238E27FC236}">
-                <a16:creationId xmlns:a16="http://schemas.microsoft.com/office/drawing/2014/main" id="{A6792F05-2FD4-4F18-815E-15391E8B4A0E}"/>
-              </a:ext>
-              <a:ext uri="{C183D7F6-B498-43B3-948B-1728B52AA6E4}">
-                <adec:decorative xmlns:adec="http://schemas.microsoft.com/office/drawing/2017/decorative" val="1"/>
-              </a:ext>
-            </a:extLst>
-          </p:cNvPr>
-          <p:cNvSpPr>
-            <a:spLocks noGrp="1" noRot="1" noChangeAspect="1" noMove="1" noResize="1" noEditPoints="1" noAdjustHandles="1" noChangeArrowheads="1" noChangeShapeType="1" noTextEdit="1"/>
-          </p:cNvSpPr>
-          <p:nvPr>
-            <p:extLst>
-              <p:ext uri="{386F3935-93C4-4BCD-93E2-E3B085C9AB24}">
-                <p16:designElem xmlns:p16="http://schemas.microsoft.com/office/powerpoint/2015/main" val="1"/>
-              </p:ext>
-            </p:extLst>
-          </p:nvPr>
-        </p:nvSpPr>
-        <p:spPr>
-          <a:xfrm>
-            <a:off x="0" y="0"/>
-            <a:ext cx="12191999" cy="6858000"/>
-          </a:xfrm>
-          <a:prstGeom prst="rect">
-            <a:avLst/>
-          </a:prstGeom>
-          <a:solidFill>
-            <a:srgbClr val="395583"/>
-          </a:solidFill>
-          <a:ln>
-            <a:noFill/>
-          </a:ln>
-        </p:spPr>
-        <p:style>
-          <a:lnRef idx="2">
-            <a:schemeClr val="accent1">
-              <a:shade val="50000"/>
-            </a:schemeClr>
-          </a:lnRef>
-          <a:fillRef idx="1">
-            <a:schemeClr val="accent1"/>
-          </a:fillRef>
-          <a:effectRef idx="0">
-            <a:schemeClr val="accent1"/>
-          </a:effectRef>
-          <a:fontRef idx="minor">
-            <a:schemeClr val="lt1"/>
-          </a:fontRef>
-        </p:style>
-        <p:txBody>
-          <a:bodyPr rtlCol="0" anchor="ctr"/>
-          <a:lstStyle/>
-          <a:p>
-            <a:pPr algn="ctr"/>
-            <a:endParaRPr lang="en-US"/>
-          </a:p>
-        </p:txBody>
-      </p:sp>
-      <p:sp>
-        <p:nvSpPr>
-          <p:cNvPr id="2" name="Title 1">
-            <a:extLst>
-              <a:ext uri="{FF2B5EF4-FFF2-40B4-BE49-F238E27FC236}">
-                <a16:creationId xmlns:a16="http://schemas.microsoft.com/office/drawing/2014/main" id="{2589AFCC-0FF0-498C-B11F-8990DF0DAAA5}"/>
-              </a:ext>
-            </a:extLst>
-          </p:cNvPr>
-          <p:cNvSpPr>
-            <a:spLocks noGrp="1"/>
-          </p:cNvSpPr>
-          <p:nvPr>
-            <p:ph type="title"/>
-          </p:nvPr>
-        </p:nvSpPr>
-        <p:spPr>
-          <a:xfrm>
-            <a:off x="838200" y="365125"/>
-            <a:ext cx="10515600" cy="1325563"/>
-          </a:xfrm>
-        </p:spPr>
-        <p:txBody>
-          <a:bodyPr>
-            <a:normAutofit/>
-          </a:bodyPr>
-          <a:lstStyle/>
-          <a:p>
-            <a:r>
-              <a:rPr lang="en-US" b="1" dirty="0">
-                <a:latin typeface="Selawik Semibold" panose="020B0604020202020204" pitchFamily="34" charset="0"/>
-              </a:rPr>
-              <a:t>Analytics Across the Organizations</a:t>
-            </a:r>
-          </a:p>
-        </p:txBody>
-      </p:sp>
-      <p:sp>
-        <p:nvSpPr>
-          <p:cNvPr id="9" name="Content Placeholder 8">
-            <a:extLst>
-              <a:ext uri="{FF2B5EF4-FFF2-40B4-BE49-F238E27FC236}">
-                <a16:creationId xmlns:a16="http://schemas.microsoft.com/office/drawing/2014/main" id="{2D995594-59F2-4020-AB6F-751BAE84ADB3}"/>
-              </a:ext>
-            </a:extLst>
-          </p:cNvPr>
-          <p:cNvSpPr>
-            <a:spLocks noGrp="1"/>
-          </p:cNvSpPr>
-          <p:nvPr>
-            <p:ph idx="1"/>
-          </p:nvPr>
-        </p:nvSpPr>
-        <p:spPr>
-          <a:xfrm>
-            <a:off x="838199" y="2021249"/>
-            <a:ext cx="7882219" cy="4366104"/>
-          </a:xfrm>
-        </p:spPr>
-        <p:txBody>
-          <a:bodyPr>
-            <a:normAutofit/>
-          </a:bodyPr>
-          <a:lstStyle/>
-          <a:p>
-            <a:r>
-              <a:rPr lang="en-US" sz="2400" dirty="0">
-                <a:latin typeface="Selawik Semibold" panose="020B0702040204020203" pitchFamily="34" charset="0"/>
-              </a:rPr>
-              <a:t>Clear Process for Hiring/Evaluating Analysts</a:t>
-            </a:r>
-          </a:p>
-          <a:p>
-            <a:pPr lvl="1"/>
-            <a:r>
-              <a:rPr lang="en-US" sz="2000" dirty="0">
-                <a:latin typeface="Selawik Semibold" panose="020B0702040204020203" pitchFamily="34" charset="0"/>
-              </a:rPr>
-              <a:t>Strongly Agree (13.3%/14.3%)</a:t>
-            </a:r>
-          </a:p>
-          <a:p>
-            <a:pPr lvl="1"/>
-            <a:r>
-              <a:rPr lang="en-US" sz="2000" dirty="0">
-                <a:latin typeface="Selawik Semibold" panose="020B0702040204020203" pitchFamily="34" charset="0"/>
-              </a:rPr>
-              <a:t>Somewhat Agree (13.3%/14.3%)</a:t>
-            </a:r>
-          </a:p>
-          <a:p>
-            <a:pPr lvl="1"/>
-            <a:r>
-              <a:rPr lang="en-US" sz="2000" dirty="0">
-                <a:latin typeface="Selawik Semibold" panose="020B0702040204020203" pitchFamily="34" charset="0"/>
-              </a:rPr>
-              <a:t>Neutral (26.7%/28.6%)</a:t>
-            </a:r>
-          </a:p>
-          <a:p>
-            <a:pPr lvl="1"/>
-            <a:r>
-              <a:rPr lang="en-US" sz="2000" dirty="0">
-                <a:latin typeface="Selawik Semibold" panose="020B0702040204020203" pitchFamily="34" charset="0"/>
-              </a:rPr>
-              <a:t>Somewhat Disagree (13.4%/21.4%)</a:t>
-            </a:r>
-          </a:p>
-          <a:p>
-            <a:pPr lvl="1"/>
-            <a:r>
-              <a:rPr lang="en-US" sz="2000" dirty="0">
-                <a:latin typeface="Selawik Semibold" panose="020B0702040204020203" pitchFamily="34" charset="0"/>
-              </a:rPr>
-              <a:t>Strongly Disagree (33.3%/21.4%)</a:t>
-            </a:r>
-          </a:p>
-          <a:p>
-            <a:pPr lvl="1"/>
-            <a:endParaRPr lang="en-US" sz="2000" dirty="0">
-              <a:latin typeface="Selawik Semibold" panose="020B0702040204020203" pitchFamily="34" charset="0"/>
-            </a:endParaRPr>
-          </a:p>
-          <a:p>
-            <a:r>
-              <a:rPr lang="en-US" sz="2400" dirty="0">
-                <a:latin typeface="Selawik Semibold" panose="020B0702040204020203" pitchFamily="34" charset="0"/>
-              </a:rPr>
-              <a:t>Analytic Resources in Line with Strategic Game Plan</a:t>
-            </a:r>
-          </a:p>
-          <a:p>
-            <a:pPr lvl="1"/>
-            <a:r>
-              <a:rPr lang="en-US" sz="2000" dirty="0">
-                <a:latin typeface="Selawik Semibold" panose="020B0702040204020203" pitchFamily="34" charset="0"/>
-              </a:rPr>
-              <a:t>Strongly Agree (26.7%)</a:t>
-            </a:r>
-          </a:p>
-          <a:p>
-            <a:pPr lvl="1"/>
-            <a:r>
-              <a:rPr lang="en-US" sz="2000" dirty="0">
-                <a:latin typeface="Selawik Semibold" panose="020B0702040204020203" pitchFamily="34" charset="0"/>
-              </a:rPr>
-              <a:t>Somewhat Agree (33.3%)</a:t>
-            </a:r>
-          </a:p>
-          <a:p>
-            <a:pPr lvl="1"/>
-            <a:r>
-              <a:rPr lang="en-US" sz="2000" dirty="0">
-                <a:latin typeface="Selawik Semibold" panose="020B0702040204020203" pitchFamily="34" charset="0"/>
-              </a:rPr>
-              <a:t>Neutral (33.3%)</a:t>
-            </a:r>
-          </a:p>
-          <a:p>
-            <a:pPr lvl="1"/>
-            <a:r>
-              <a:rPr lang="en-US" sz="2000" dirty="0">
-                <a:latin typeface="Selawik Semibold" panose="020B0702040204020203" pitchFamily="34" charset="0"/>
-              </a:rPr>
-              <a:t>Strongly Disagree (6.7%)</a:t>
-            </a:r>
-          </a:p>
-          <a:p>
-            <a:endParaRPr lang="en-US" sz="2400" dirty="0">
-              <a:latin typeface="Selawik Semibold" panose="020B0702040204020203" pitchFamily="34" charset="0"/>
-            </a:endParaRPr>
-          </a:p>
-        </p:txBody>
-      </p:sp>
-      <p:pic>
-        <p:nvPicPr>
-          <p:cNvPr id="4" name="Picture 3" descr="A drawing of a cartoon character&#10;&#10;Description automatically generated">
-            <a:extLst>
-              <a:ext uri="{FF2B5EF4-FFF2-40B4-BE49-F238E27FC236}">
-                <a16:creationId xmlns:a16="http://schemas.microsoft.com/office/drawing/2014/main" id="{A7FDC859-D890-4904-9C64-27F43DA90453}"/>
-              </a:ext>
-            </a:extLst>
-          </p:cNvPr>
-          <p:cNvPicPr>
-            <a:picLocks noChangeAspect="1"/>
-          </p:cNvPicPr>
-          <p:nvPr/>
-        </p:nvPicPr>
-        <p:blipFill rotWithShape="1">
-          <a:blip r:embed="rId2">
-            <a:extLst>
-              <a:ext uri="{28A0092B-C50C-407E-A947-70E740481C1C}">
-                <a14:useLocalDpi xmlns:a14="http://schemas.microsoft.com/office/drawing/2010/main" val="0"/>
-              </a:ext>
-            </a:extLst>
-          </a:blip>
-          <a:srcRect t="5616" r="2" b="2"/>
-          <a:stretch/>
-        </p:blipFill>
-        <p:spPr>
-          <a:xfrm>
-            <a:off x="7471144" y="1700078"/>
-            <a:ext cx="4720855" cy="2583792"/>
-          </a:xfrm>
-          <a:custGeom>
-            <a:avLst/>
-            <a:gdLst>
-              <a:gd name="connsiteX0" fmla="*/ 0 w 5475077"/>
-              <a:gd name="connsiteY0" fmla="*/ 0 h 2583792"/>
-              <a:gd name="connsiteX1" fmla="*/ 5475077 w 5475077"/>
-              <a:gd name="connsiteY1" fmla="*/ 0 h 2583792"/>
-              <a:gd name="connsiteX2" fmla="*/ 5475077 w 5475077"/>
-              <a:gd name="connsiteY2" fmla="*/ 2583792 h 2583792"/>
-              <a:gd name="connsiteX3" fmla="*/ 1197192 w 5475077"/>
-              <a:gd name="connsiteY3" fmla="*/ 2583792 h 2583792"/>
-            </a:gdLst>
-            <a:ahLst/>
-            <a:cxnLst>
-              <a:cxn ang="0">
-                <a:pos x="connsiteX0" y="connsiteY0"/>
-              </a:cxn>
-              <a:cxn ang="0">
-                <a:pos x="connsiteX1" y="connsiteY1"/>
-              </a:cxn>
-              <a:cxn ang="0">
-                <a:pos x="connsiteX2" y="connsiteY2"/>
-              </a:cxn>
-              <a:cxn ang="0">
-                <a:pos x="connsiteX3" y="connsiteY3"/>
-              </a:cxn>
-            </a:cxnLst>
-            <a:rect l="l" t="t" r="r" b="b"/>
-            <a:pathLst>
-              <a:path w="5475077" h="2583792">
-                <a:moveTo>
-                  <a:pt x="0" y="0"/>
-                </a:moveTo>
-                <a:lnTo>
-                  <a:pt x="5475077" y="0"/>
-                </a:lnTo>
-                <a:lnTo>
-                  <a:pt x="5475077" y="2583792"/>
-                </a:lnTo>
-                <a:lnTo>
-                  <a:pt x="1197192" y="2583792"/>
-                </a:lnTo>
-                <a:close/>
-              </a:path>
-            </a:pathLst>
-          </a:custGeom>
-        </p:spPr>
-      </p:pic>
-      <p:pic>
-        <p:nvPicPr>
-          <p:cNvPr id="5" name="Content Placeholder 4" descr="A picture containing indoor&#10;&#10;Description automatically generated">
-            <a:extLst>
-              <a:ext uri="{FF2B5EF4-FFF2-40B4-BE49-F238E27FC236}">
-                <a16:creationId xmlns:a16="http://schemas.microsoft.com/office/drawing/2014/main" id="{A58F0E55-21F3-485B-A07F-1CE74177BDD2}"/>
-              </a:ext>
-            </a:extLst>
-          </p:cNvPr>
-          <p:cNvPicPr>
-            <a:picLocks noChangeAspect="1"/>
-          </p:cNvPicPr>
-          <p:nvPr/>
-        </p:nvPicPr>
-        <p:blipFill rotWithShape="1">
-          <a:blip r:embed="rId3">
-            <a:extLst>
-              <a:ext uri="{28A0092B-C50C-407E-A947-70E740481C1C}">
-                <a14:useLocalDpi xmlns:a14="http://schemas.microsoft.com/office/drawing/2010/main" val="0"/>
-              </a:ext>
-            </a:extLst>
-          </a:blip>
-          <a:srcRect t="5300" r="3" b="6859"/>
-          <a:stretch/>
-        </p:blipFill>
-        <p:spPr>
-          <a:xfrm>
-            <a:off x="8491869" y="4283870"/>
-            <a:ext cx="3700129" cy="2583520"/>
-          </a:xfrm>
-          <a:custGeom>
-            <a:avLst/>
-            <a:gdLst>
-              <a:gd name="connsiteX0" fmla="*/ 0 w 4277884"/>
-              <a:gd name="connsiteY0" fmla="*/ 0 h 2583520"/>
-              <a:gd name="connsiteX1" fmla="*/ 4277884 w 4277884"/>
-              <a:gd name="connsiteY1" fmla="*/ 0 h 2583520"/>
-              <a:gd name="connsiteX2" fmla="*/ 4277884 w 4277884"/>
-              <a:gd name="connsiteY2" fmla="*/ 2583520 h 2583520"/>
-              <a:gd name="connsiteX3" fmla="*/ 1192437 w 4277884"/>
-              <a:gd name="connsiteY3" fmla="*/ 2583520 h 2583520"/>
-              <a:gd name="connsiteX4" fmla="*/ 1188085 w 4277884"/>
-              <a:gd name="connsiteY4" fmla="*/ 2574129 h 2583520"/>
-              <a:gd name="connsiteX5" fmla="*/ 1192715 w 4277884"/>
-              <a:gd name="connsiteY5" fmla="*/ 2574129 h 2583520"/>
-            </a:gdLst>
-            <a:ahLst/>
-            <a:cxnLst>
-              <a:cxn ang="0">
-                <a:pos x="connsiteX0" y="connsiteY0"/>
-              </a:cxn>
-              <a:cxn ang="0">
-                <a:pos x="connsiteX1" y="connsiteY1"/>
-              </a:cxn>
-              <a:cxn ang="0">
-                <a:pos x="connsiteX2" y="connsiteY2"/>
-              </a:cxn>
-              <a:cxn ang="0">
-                <a:pos x="connsiteX3" y="connsiteY3"/>
-              </a:cxn>
-              <a:cxn ang="0">
-                <a:pos x="connsiteX4" y="connsiteY4"/>
-              </a:cxn>
-              <a:cxn ang="0">
-                <a:pos x="connsiteX5" y="connsiteY5"/>
-              </a:cxn>
-            </a:cxnLst>
-            <a:rect l="l" t="t" r="r" b="b"/>
-            <a:pathLst>
-              <a:path w="4277884" h="2583520">
-                <a:moveTo>
-                  <a:pt x="0" y="0"/>
-                </a:moveTo>
-                <a:lnTo>
-                  <a:pt x="4277884" y="0"/>
-                </a:lnTo>
-                <a:lnTo>
-                  <a:pt x="4277884" y="2583520"/>
-                </a:lnTo>
-                <a:lnTo>
-                  <a:pt x="1192437" y="2583520"/>
-                </a:lnTo>
-                <a:lnTo>
-                  <a:pt x="1188085" y="2574129"/>
-                </a:lnTo>
-                <a:lnTo>
-                  <a:pt x="1192715" y="2574129"/>
-                </a:lnTo>
-                <a:close/>
-              </a:path>
-            </a:pathLst>
-          </a:custGeom>
-        </p:spPr>
-      </p:pic>
-      <p:sp>
-        <p:nvSpPr>
-          <p:cNvPr id="6" name="Rectangle 5">
-            <a:extLst>
-              <a:ext uri="{FF2B5EF4-FFF2-40B4-BE49-F238E27FC236}">
-                <a16:creationId xmlns:a16="http://schemas.microsoft.com/office/drawing/2014/main" id="{A2901312-C3C2-4CEC-80EF-823AB4FBB726}"/>
-              </a:ext>
-            </a:extLst>
-          </p:cNvPr>
-          <p:cNvSpPr/>
-          <p:nvPr/>
-        </p:nvSpPr>
-        <p:spPr>
-          <a:xfrm>
-            <a:off x="-1" y="1608918"/>
-            <a:ext cx="12191999" cy="91160"/>
-          </a:xfrm>
-          <a:prstGeom prst="rect">
-            <a:avLst/>
-          </a:prstGeom>
-          <a:solidFill>
-            <a:schemeClr val="bg1"/>
-          </a:solidFill>
-          <a:ln>
-            <a:noFill/>
-          </a:ln>
-        </p:spPr>
-        <p:style>
-          <a:lnRef idx="2">
-            <a:schemeClr val="accent1">
-              <a:shade val="50000"/>
-            </a:schemeClr>
-          </a:lnRef>
-          <a:fillRef idx="1">
-            <a:schemeClr val="accent1"/>
-          </a:fillRef>
-          <a:effectRef idx="0">
-            <a:schemeClr val="accent1"/>
-          </a:effectRef>
-          <a:fontRef idx="minor">
-            <a:schemeClr val="lt1"/>
-          </a:fontRef>
-        </p:style>
-        <p:txBody>
-          <a:bodyPr rtlCol="0" anchor="ctr"/>
-          <a:lstStyle/>
-          <a:p>
-            <a:pPr algn="ctr"/>
-            <a:endParaRPr lang="en-US">
-              <a:solidFill>
-                <a:srgbClr val="DB5B5C"/>
-              </a:solidFill>
-            </a:endParaRPr>
-          </a:p>
-        </p:txBody>
-      </p:sp>
-      <p:sp>
-        <p:nvSpPr>
-          <p:cNvPr id="15" name="Rectangle 14">
-            <a:extLst>
-              <a:ext uri="{FF2B5EF4-FFF2-40B4-BE49-F238E27FC236}">
-                <a16:creationId xmlns:a16="http://schemas.microsoft.com/office/drawing/2014/main" id="{AD0A7C9C-CA2C-4B9B-A125-2D09D5573B44}"/>
-              </a:ext>
-            </a:extLst>
-          </p:cNvPr>
-          <p:cNvSpPr/>
-          <p:nvPr/>
-        </p:nvSpPr>
-        <p:spPr>
-          <a:xfrm>
-            <a:off x="1" y="6677247"/>
-            <a:ext cx="12191999" cy="190143"/>
-          </a:xfrm>
-          <a:prstGeom prst="rect">
-            <a:avLst/>
-          </a:prstGeom>
-          <a:solidFill>
-            <a:schemeClr val="bg1"/>
-          </a:solidFill>
-          <a:ln>
-            <a:noFill/>
-          </a:ln>
-        </p:spPr>
-        <p:style>
-          <a:lnRef idx="2">
-            <a:schemeClr val="accent1">
-              <a:shade val="50000"/>
-            </a:schemeClr>
-          </a:lnRef>
-          <a:fillRef idx="1">
-            <a:schemeClr val="accent1"/>
-          </a:fillRef>
-          <a:effectRef idx="0">
-            <a:schemeClr val="accent1"/>
-          </a:effectRef>
-          <a:fontRef idx="minor">
-            <a:schemeClr val="lt1"/>
-          </a:fontRef>
-        </p:style>
-        <p:txBody>
-          <a:bodyPr rtlCol="0" anchor="ctr"/>
-          <a:lstStyle/>
-          <a:p>
-            <a:pPr algn="ctr"/>
-            <a:endParaRPr lang="en-US">
-              <a:solidFill>
-                <a:srgbClr val="DB5B5C"/>
-              </a:solidFill>
-            </a:endParaRPr>
-          </a:p>
-        </p:txBody>
-      </p:sp>
-      <p:sp>
-        <p:nvSpPr>
-          <p:cNvPr id="16" name="Rectangle 15">
-            <a:extLst>
-              <a:ext uri="{FF2B5EF4-FFF2-40B4-BE49-F238E27FC236}">
-                <a16:creationId xmlns:a16="http://schemas.microsoft.com/office/drawing/2014/main" id="{74A085FC-1866-46D4-97F7-51AA45E48D4F}"/>
-              </a:ext>
-            </a:extLst>
-          </p:cNvPr>
-          <p:cNvSpPr/>
-          <p:nvPr/>
-        </p:nvSpPr>
-        <p:spPr>
-          <a:xfrm rot="4092292">
-            <a:off x="5790668" y="4094517"/>
-            <a:ext cx="5446699" cy="137038"/>
-          </a:xfrm>
-          <a:prstGeom prst="rect">
-            <a:avLst/>
-          </a:prstGeom>
-          <a:solidFill>
-            <a:schemeClr val="bg1"/>
-          </a:solidFill>
-          <a:ln>
-            <a:noFill/>
-          </a:ln>
-        </p:spPr>
-        <p:style>
-          <a:lnRef idx="2">
-            <a:schemeClr val="accent1">
-              <a:shade val="50000"/>
-            </a:schemeClr>
-          </a:lnRef>
-          <a:fillRef idx="1">
-            <a:schemeClr val="accent1"/>
-          </a:fillRef>
-          <a:effectRef idx="0">
-            <a:schemeClr val="accent1"/>
-          </a:effectRef>
-          <a:fontRef idx="minor">
-            <a:schemeClr val="lt1"/>
-          </a:fontRef>
-        </p:style>
-        <p:txBody>
-          <a:bodyPr rtlCol="0" anchor="ctr"/>
-          <a:lstStyle/>
-          <a:p>
-            <a:pPr algn="ctr"/>
-            <a:endParaRPr lang="en-US">
-              <a:solidFill>
-                <a:srgbClr val="DB5B5C"/>
-              </a:solidFill>
-            </a:endParaRPr>
-          </a:p>
-        </p:txBody>
-      </p:sp>
-    </p:spTree>
-    <p:extLst>
-      <p:ext uri="{BB962C8B-B14F-4D97-AF65-F5344CB8AC3E}">
-        <p14:creationId xmlns:p14="http://schemas.microsoft.com/office/powerpoint/2010/main" val="2540240952"/>
-      </p:ext>
-    </p:extLst>
-  </p:cSld>
-  <p:clrMapOvr>
-    <a:overrideClrMapping bg1="dk1" tx1="lt1" bg2="dk2" tx2="lt2" accent1="accent1" accent2="accent2" accent3="accent3" accent4="accent4" accent5="accent5" accent6="accent6" hlink="hlink" folHlink="folHlink"/>
-  </p:clrMapOvr>
-</p:sld>
-</file>
-
-<file path=ppt/slides/slide14.xml><?xml version="1.0" encoding="utf-8"?>
-<p:sld xmlns:a="http://schemas.openxmlformats.org/drawingml/2006/main" xmlns:r="http://schemas.openxmlformats.org/officeDocument/2006/relationships" xmlns:p="http://schemas.openxmlformats.org/presentationml/2006/main">
-  <p:cSld>
-    <p:bg>
-      <p:bgPr>
-        <a:solidFill>
-          <a:srgbClr val="395583"/>
-        </a:solidFill>
-        <a:effectLst/>
-      </p:bgPr>
-    </p:bg>
-    <p:spTree>
-      <p:nvGrpSpPr>
-        <p:cNvPr id="1" name=""/>
-        <p:cNvGrpSpPr/>
-        <p:nvPr/>
-      </p:nvGrpSpPr>
-      <p:grpSpPr>
-        <a:xfrm>
-          <a:off x="0" y="0"/>
-          <a:ext cx="0" cy="0"/>
-          <a:chOff x="0" y="0"/>
-          <a:chExt cx="0" cy="0"/>
-        </a:xfrm>
-      </p:grpSpPr>
-      <p:sp>
-        <p:nvSpPr>
-          <p:cNvPr id="25" name="Rectangle 24">
-            <a:extLst>
-              <a:ext uri="{FF2B5EF4-FFF2-40B4-BE49-F238E27FC236}">
-                <a16:creationId xmlns:a16="http://schemas.microsoft.com/office/drawing/2014/main" id="{A6792F05-2FD4-4F18-815E-15391E8B4A0E}"/>
-              </a:ext>
-              <a:ext uri="{C183D7F6-B498-43B3-948B-1728B52AA6E4}">
-                <adec:decorative xmlns:adec="http://schemas.microsoft.com/office/drawing/2017/decorative" val="1"/>
-              </a:ext>
-            </a:extLst>
-          </p:cNvPr>
-          <p:cNvSpPr>
-            <a:spLocks noGrp="1" noRot="1" noChangeAspect="1" noMove="1" noResize="1" noEditPoints="1" noAdjustHandles="1" noChangeArrowheads="1" noChangeShapeType="1" noTextEdit="1"/>
-          </p:cNvSpPr>
-          <p:nvPr>
-            <p:extLst>
-              <p:ext uri="{386F3935-93C4-4BCD-93E2-E3B085C9AB24}">
-                <p16:designElem xmlns:p16="http://schemas.microsoft.com/office/powerpoint/2015/main" val="1"/>
-              </p:ext>
-            </p:extLst>
-          </p:nvPr>
-        </p:nvSpPr>
-        <p:spPr>
-          <a:xfrm>
-            <a:off x="0" y="0"/>
-            <a:ext cx="12191999" cy="6858000"/>
-          </a:xfrm>
-          <a:prstGeom prst="rect">
-            <a:avLst/>
-          </a:prstGeom>
-          <a:solidFill>
-            <a:srgbClr val="395583"/>
-          </a:solidFill>
-          <a:ln>
-            <a:noFill/>
-          </a:ln>
-        </p:spPr>
-        <p:style>
-          <a:lnRef idx="2">
-            <a:schemeClr val="accent1">
-              <a:shade val="50000"/>
-            </a:schemeClr>
-          </a:lnRef>
-          <a:fillRef idx="1">
-            <a:schemeClr val="accent1"/>
-          </a:fillRef>
-          <a:effectRef idx="0">
-            <a:schemeClr val="accent1"/>
-          </a:effectRef>
-          <a:fontRef idx="minor">
-            <a:schemeClr val="lt1"/>
-          </a:fontRef>
-        </p:style>
-        <p:txBody>
-          <a:bodyPr rtlCol="0" anchor="ctr"/>
-          <a:lstStyle/>
-          <a:p>
-            <a:pPr algn="ctr"/>
-            <a:endParaRPr lang="en-US"/>
-          </a:p>
-        </p:txBody>
-      </p:sp>
-      <p:sp>
-        <p:nvSpPr>
-          <p:cNvPr id="2" name="Title 1">
-            <a:extLst>
-              <a:ext uri="{FF2B5EF4-FFF2-40B4-BE49-F238E27FC236}">
-                <a16:creationId xmlns:a16="http://schemas.microsoft.com/office/drawing/2014/main" id="{2589AFCC-0FF0-498C-B11F-8990DF0DAAA5}"/>
-              </a:ext>
-            </a:extLst>
-          </p:cNvPr>
-          <p:cNvSpPr>
-            <a:spLocks noGrp="1"/>
-          </p:cNvSpPr>
-          <p:nvPr>
-            <p:ph type="title"/>
-          </p:nvPr>
-        </p:nvSpPr>
-        <p:spPr>
-          <a:xfrm>
-            <a:off x="838200" y="365125"/>
-            <a:ext cx="10515600" cy="1325563"/>
-          </a:xfrm>
-        </p:spPr>
-        <p:txBody>
-          <a:bodyPr>
-            <a:normAutofit/>
-          </a:bodyPr>
-          <a:lstStyle/>
-          <a:p>
-            <a:r>
-              <a:rPr lang="en-US" b="1" dirty="0">
-                <a:latin typeface="Selawik Semibold" panose="020B0604020202020204" pitchFamily="34" charset="0"/>
-              </a:rPr>
-              <a:t>Data Management</a:t>
-            </a:r>
-          </a:p>
-        </p:txBody>
-      </p:sp>
-      <p:sp>
-        <p:nvSpPr>
-          <p:cNvPr id="9" name="Content Placeholder 8">
-            <a:extLst>
-              <a:ext uri="{FF2B5EF4-FFF2-40B4-BE49-F238E27FC236}">
-                <a16:creationId xmlns:a16="http://schemas.microsoft.com/office/drawing/2014/main" id="{2D995594-59F2-4020-AB6F-751BAE84ADB3}"/>
-              </a:ext>
-            </a:extLst>
-          </p:cNvPr>
-          <p:cNvSpPr>
-            <a:spLocks noGrp="1"/>
-          </p:cNvSpPr>
-          <p:nvPr>
-            <p:ph idx="1"/>
-          </p:nvPr>
-        </p:nvSpPr>
-        <p:spPr>
-          <a:xfrm>
-            <a:off x="838199" y="2021249"/>
-            <a:ext cx="7882219" cy="4366104"/>
-          </a:xfrm>
-        </p:spPr>
-        <p:txBody>
-          <a:bodyPr>
-            <a:normAutofit/>
-          </a:bodyPr>
-          <a:lstStyle/>
-          <a:p>
-            <a:r>
-              <a:rPr lang="en-US" sz="2400" dirty="0">
-                <a:latin typeface="Selawik Semibold" panose="020B0702040204020203" pitchFamily="34" charset="0"/>
-              </a:rPr>
-              <a:t>Process</a:t>
-            </a:r>
-          </a:p>
-          <a:p>
-            <a:endParaRPr lang="en-US" sz="2400" dirty="0">
-              <a:latin typeface="Selawik Semibold" panose="020B0702040204020203" pitchFamily="34" charset="0"/>
-            </a:endParaRPr>
-          </a:p>
-          <a:p>
-            <a:endParaRPr lang="en-US" sz="2400" dirty="0">
-              <a:latin typeface="Selawik Semibold" panose="020B0702040204020203" pitchFamily="34" charset="0"/>
-            </a:endParaRPr>
-          </a:p>
-          <a:p>
-            <a:endParaRPr lang="en-US" sz="2400" dirty="0">
-              <a:latin typeface="Selawik Semibold" panose="020B0702040204020203" pitchFamily="34" charset="0"/>
-            </a:endParaRPr>
-          </a:p>
-          <a:p>
-            <a:r>
-              <a:rPr lang="en-US" sz="2400" dirty="0" err="1">
-                <a:latin typeface="Selawik Semibold" panose="020B0702040204020203" pitchFamily="34" charset="0"/>
-              </a:rPr>
-              <a:t>dafd</a:t>
-            </a:r>
-            <a:endParaRPr lang="en-US" sz="2400" dirty="0">
-              <a:latin typeface="Selawik Semibold" panose="020B0702040204020203" pitchFamily="34" charset="0"/>
-            </a:endParaRPr>
-          </a:p>
-          <a:p>
-            <a:endParaRPr lang="en-US" sz="2400" dirty="0">
-              <a:latin typeface="Selawik Semibold" panose="020B0702040204020203" pitchFamily="34" charset="0"/>
-            </a:endParaRPr>
-          </a:p>
-        </p:txBody>
-      </p:sp>
-      <p:pic>
-        <p:nvPicPr>
-          <p:cNvPr id="4" name="Picture 3" descr="A drawing of a cartoon character&#10;&#10;Description automatically generated">
-            <a:extLst>
-              <a:ext uri="{FF2B5EF4-FFF2-40B4-BE49-F238E27FC236}">
-                <a16:creationId xmlns:a16="http://schemas.microsoft.com/office/drawing/2014/main" id="{A7FDC859-D890-4904-9C64-27F43DA90453}"/>
-              </a:ext>
-            </a:extLst>
-          </p:cNvPr>
-          <p:cNvPicPr>
-            <a:picLocks noChangeAspect="1"/>
-          </p:cNvPicPr>
-          <p:nvPr/>
-        </p:nvPicPr>
-        <p:blipFill rotWithShape="1">
-          <a:blip r:embed="rId2">
-            <a:extLst>
-              <a:ext uri="{28A0092B-C50C-407E-A947-70E740481C1C}">
-                <a14:useLocalDpi xmlns:a14="http://schemas.microsoft.com/office/drawing/2010/main" val="0"/>
-              </a:ext>
-            </a:extLst>
-          </a:blip>
-          <a:srcRect t="5616" r="2" b="2"/>
-          <a:stretch/>
-        </p:blipFill>
-        <p:spPr>
-          <a:xfrm>
-            <a:off x="7471144" y="1700078"/>
-            <a:ext cx="4720855" cy="2583792"/>
-          </a:xfrm>
-          <a:custGeom>
-            <a:avLst/>
-            <a:gdLst>
-              <a:gd name="connsiteX0" fmla="*/ 0 w 5475077"/>
-              <a:gd name="connsiteY0" fmla="*/ 0 h 2583792"/>
-              <a:gd name="connsiteX1" fmla="*/ 5475077 w 5475077"/>
-              <a:gd name="connsiteY1" fmla="*/ 0 h 2583792"/>
-              <a:gd name="connsiteX2" fmla="*/ 5475077 w 5475077"/>
-              <a:gd name="connsiteY2" fmla="*/ 2583792 h 2583792"/>
-              <a:gd name="connsiteX3" fmla="*/ 1197192 w 5475077"/>
-              <a:gd name="connsiteY3" fmla="*/ 2583792 h 2583792"/>
-            </a:gdLst>
-            <a:ahLst/>
-            <a:cxnLst>
-              <a:cxn ang="0">
-                <a:pos x="connsiteX0" y="connsiteY0"/>
-              </a:cxn>
-              <a:cxn ang="0">
-                <a:pos x="connsiteX1" y="connsiteY1"/>
-              </a:cxn>
-              <a:cxn ang="0">
-                <a:pos x="connsiteX2" y="connsiteY2"/>
-              </a:cxn>
-              <a:cxn ang="0">
-                <a:pos x="connsiteX3" y="connsiteY3"/>
-              </a:cxn>
-            </a:cxnLst>
-            <a:rect l="l" t="t" r="r" b="b"/>
-            <a:pathLst>
-              <a:path w="5475077" h="2583792">
-                <a:moveTo>
-                  <a:pt x="0" y="0"/>
-                </a:moveTo>
-                <a:lnTo>
-                  <a:pt x="5475077" y="0"/>
-                </a:lnTo>
-                <a:lnTo>
-                  <a:pt x="5475077" y="2583792"/>
-                </a:lnTo>
-                <a:lnTo>
-                  <a:pt x="1197192" y="2583792"/>
-                </a:lnTo>
-                <a:close/>
-              </a:path>
-            </a:pathLst>
-          </a:custGeom>
-        </p:spPr>
-      </p:pic>
-      <p:pic>
-        <p:nvPicPr>
-          <p:cNvPr id="5" name="Content Placeholder 4" descr="A picture containing indoor&#10;&#10;Description automatically generated">
-            <a:extLst>
-              <a:ext uri="{FF2B5EF4-FFF2-40B4-BE49-F238E27FC236}">
-                <a16:creationId xmlns:a16="http://schemas.microsoft.com/office/drawing/2014/main" id="{A58F0E55-21F3-485B-A07F-1CE74177BDD2}"/>
-              </a:ext>
-            </a:extLst>
-          </p:cNvPr>
-          <p:cNvPicPr>
-            <a:picLocks noChangeAspect="1"/>
-          </p:cNvPicPr>
-          <p:nvPr/>
-        </p:nvPicPr>
-        <p:blipFill rotWithShape="1">
-          <a:blip r:embed="rId3">
-            <a:extLst>
-              <a:ext uri="{28A0092B-C50C-407E-A947-70E740481C1C}">
-                <a14:useLocalDpi xmlns:a14="http://schemas.microsoft.com/office/drawing/2010/main" val="0"/>
-              </a:ext>
-            </a:extLst>
-          </a:blip>
-          <a:srcRect t="5300" r="3" b="6859"/>
-          <a:stretch/>
-        </p:blipFill>
-        <p:spPr>
-          <a:xfrm>
-            <a:off x="8491869" y="4283870"/>
-            <a:ext cx="3700129" cy="2583520"/>
-          </a:xfrm>
-          <a:custGeom>
-            <a:avLst/>
-            <a:gdLst>
-              <a:gd name="connsiteX0" fmla="*/ 0 w 4277884"/>
-              <a:gd name="connsiteY0" fmla="*/ 0 h 2583520"/>
-              <a:gd name="connsiteX1" fmla="*/ 4277884 w 4277884"/>
-              <a:gd name="connsiteY1" fmla="*/ 0 h 2583520"/>
-              <a:gd name="connsiteX2" fmla="*/ 4277884 w 4277884"/>
-              <a:gd name="connsiteY2" fmla="*/ 2583520 h 2583520"/>
-              <a:gd name="connsiteX3" fmla="*/ 1192437 w 4277884"/>
-              <a:gd name="connsiteY3" fmla="*/ 2583520 h 2583520"/>
-              <a:gd name="connsiteX4" fmla="*/ 1188085 w 4277884"/>
-              <a:gd name="connsiteY4" fmla="*/ 2574129 h 2583520"/>
-              <a:gd name="connsiteX5" fmla="*/ 1192715 w 4277884"/>
-              <a:gd name="connsiteY5" fmla="*/ 2574129 h 2583520"/>
-            </a:gdLst>
-            <a:ahLst/>
-            <a:cxnLst>
-              <a:cxn ang="0">
-                <a:pos x="connsiteX0" y="connsiteY0"/>
-              </a:cxn>
-              <a:cxn ang="0">
-                <a:pos x="connsiteX1" y="connsiteY1"/>
-              </a:cxn>
-              <a:cxn ang="0">
-                <a:pos x="connsiteX2" y="connsiteY2"/>
-              </a:cxn>
-              <a:cxn ang="0">
-                <a:pos x="connsiteX3" y="connsiteY3"/>
-              </a:cxn>
-              <a:cxn ang="0">
-                <a:pos x="connsiteX4" y="connsiteY4"/>
-              </a:cxn>
-              <a:cxn ang="0">
-                <a:pos x="connsiteX5" y="connsiteY5"/>
-              </a:cxn>
-            </a:cxnLst>
-            <a:rect l="l" t="t" r="r" b="b"/>
-            <a:pathLst>
-              <a:path w="4277884" h="2583520">
-                <a:moveTo>
-                  <a:pt x="0" y="0"/>
-                </a:moveTo>
-                <a:lnTo>
-                  <a:pt x="4277884" y="0"/>
-                </a:lnTo>
-                <a:lnTo>
-                  <a:pt x="4277884" y="2583520"/>
-                </a:lnTo>
-                <a:lnTo>
-                  <a:pt x="1192437" y="2583520"/>
-                </a:lnTo>
-                <a:lnTo>
-                  <a:pt x="1188085" y="2574129"/>
-                </a:lnTo>
-                <a:lnTo>
-                  <a:pt x="1192715" y="2574129"/>
-                </a:lnTo>
-                <a:close/>
-              </a:path>
-            </a:pathLst>
-          </a:custGeom>
-        </p:spPr>
-      </p:pic>
-      <p:sp>
-        <p:nvSpPr>
-          <p:cNvPr id="6" name="Rectangle 5">
-            <a:extLst>
-              <a:ext uri="{FF2B5EF4-FFF2-40B4-BE49-F238E27FC236}">
-                <a16:creationId xmlns:a16="http://schemas.microsoft.com/office/drawing/2014/main" id="{A2901312-C3C2-4CEC-80EF-823AB4FBB726}"/>
-              </a:ext>
-            </a:extLst>
-          </p:cNvPr>
-          <p:cNvSpPr/>
-          <p:nvPr/>
-        </p:nvSpPr>
-        <p:spPr>
-          <a:xfrm>
-            <a:off x="-1" y="1608918"/>
-            <a:ext cx="12191999" cy="91160"/>
-          </a:xfrm>
-          <a:prstGeom prst="rect">
-            <a:avLst/>
-          </a:prstGeom>
-          <a:solidFill>
-            <a:schemeClr val="bg1"/>
-          </a:solidFill>
-          <a:ln>
-            <a:noFill/>
-          </a:ln>
-        </p:spPr>
-        <p:style>
-          <a:lnRef idx="2">
-            <a:schemeClr val="accent1">
-              <a:shade val="50000"/>
-            </a:schemeClr>
-          </a:lnRef>
-          <a:fillRef idx="1">
-            <a:schemeClr val="accent1"/>
-          </a:fillRef>
-          <a:effectRef idx="0">
-            <a:schemeClr val="accent1"/>
-          </a:effectRef>
-          <a:fontRef idx="minor">
-            <a:schemeClr val="lt1"/>
-          </a:fontRef>
-        </p:style>
-        <p:txBody>
-          <a:bodyPr rtlCol="0" anchor="ctr"/>
-          <a:lstStyle/>
-          <a:p>
-            <a:pPr algn="ctr"/>
-            <a:endParaRPr lang="en-US">
-              <a:solidFill>
-                <a:srgbClr val="DB5B5C"/>
-              </a:solidFill>
-            </a:endParaRPr>
-          </a:p>
-        </p:txBody>
-      </p:sp>
-      <p:sp>
-        <p:nvSpPr>
-          <p:cNvPr id="15" name="Rectangle 14">
-            <a:extLst>
-              <a:ext uri="{FF2B5EF4-FFF2-40B4-BE49-F238E27FC236}">
-                <a16:creationId xmlns:a16="http://schemas.microsoft.com/office/drawing/2014/main" id="{AD0A7C9C-CA2C-4B9B-A125-2D09D5573B44}"/>
-              </a:ext>
-            </a:extLst>
-          </p:cNvPr>
-          <p:cNvSpPr/>
-          <p:nvPr/>
-        </p:nvSpPr>
-        <p:spPr>
-          <a:xfrm>
-            <a:off x="1" y="6677247"/>
-            <a:ext cx="12191999" cy="190143"/>
-          </a:xfrm>
-          <a:prstGeom prst="rect">
-            <a:avLst/>
-          </a:prstGeom>
-          <a:solidFill>
-            <a:schemeClr val="bg1"/>
-          </a:solidFill>
-          <a:ln>
-            <a:noFill/>
-          </a:ln>
-        </p:spPr>
-        <p:style>
-          <a:lnRef idx="2">
-            <a:schemeClr val="accent1">
-              <a:shade val="50000"/>
-            </a:schemeClr>
-          </a:lnRef>
-          <a:fillRef idx="1">
-            <a:schemeClr val="accent1"/>
-          </a:fillRef>
-          <a:effectRef idx="0">
-            <a:schemeClr val="accent1"/>
-          </a:effectRef>
-          <a:fontRef idx="minor">
-            <a:schemeClr val="lt1"/>
-          </a:fontRef>
-        </p:style>
-        <p:txBody>
-          <a:bodyPr rtlCol="0" anchor="ctr"/>
-          <a:lstStyle/>
-          <a:p>
-            <a:pPr algn="ctr"/>
-            <a:endParaRPr lang="en-US">
-              <a:solidFill>
-                <a:srgbClr val="DB5B5C"/>
-              </a:solidFill>
-            </a:endParaRPr>
-          </a:p>
-        </p:txBody>
-      </p:sp>
-      <p:sp>
-        <p:nvSpPr>
-          <p:cNvPr id="16" name="Rectangle 15">
-            <a:extLst>
-              <a:ext uri="{FF2B5EF4-FFF2-40B4-BE49-F238E27FC236}">
-                <a16:creationId xmlns:a16="http://schemas.microsoft.com/office/drawing/2014/main" id="{74A085FC-1866-46D4-97F7-51AA45E48D4F}"/>
-              </a:ext>
-            </a:extLst>
-          </p:cNvPr>
-          <p:cNvSpPr/>
-          <p:nvPr/>
-        </p:nvSpPr>
-        <p:spPr>
-          <a:xfrm rot="4092292">
-            <a:off x="5790668" y="4094517"/>
-            <a:ext cx="5446699" cy="137038"/>
-          </a:xfrm>
-          <a:prstGeom prst="rect">
-            <a:avLst/>
-          </a:prstGeom>
-          <a:solidFill>
-            <a:schemeClr val="bg1"/>
-          </a:solidFill>
-          <a:ln>
-            <a:noFill/>
-          </a:ln>
-        </p:spPr>
-        <p:style>
-          <a:lnRef idx="2">
-            <a:schemeClr val="accent1">
-              <a:shade val="50000"/>
-            </a:schemeClr>
-          </a:lnRef>
-          <a:fillRef idx="1">
-            <a:schemeClr val="accent1"/>
-          </a:fillRef>
-          <a:effectRef idx="0">
-            <a:schemeClr val="accent1"/>
-          </a:effectRef>
-          <a:fontRef idx="minor">
-            <a:schemeClr val="lt1"/>
-          </a:fontRef>
-        </p:style>
-        <p:txBody>
-          <a:bodyPr rtlCol="0" anchor="ctr"/>
-          <a:lstStyle/>
-          <a:p>
-            <a:pPr algn="ctr"/>
-            <a:endParaRPr lang="en-US">
-              <a:solidFill>
-                <a:srgbClr val="DB5B5C"/>
-              </a:solidFill>
-            </a:endParaRPr>
-          </a:p>
-        </p:txBody>
-      </p:sp>
-      <p:sp>
-        <p:nvSpPr>
-          <p:cNvPr id="3" name="TextBox 2">
-            <a:extLst>
-              <a:ext uri="{FF2B5EF4-FFF2-40B4-BE49-F238E27FC236}">
-                <a16:creationId xmlns:a16="http://schemas.microsoft.com/office/drawing/2014/main" id="{D45C09DE-F61E-41DC-8225-3BDE0130776C}"/>
-              </a:ext>
-            </a:extLst>
-          </p:cNvPr>
-          <p:cNvSpPr txBox="1"/>
-          <p:nvPr/>
-        </p:nvSpPr>
-        <p:spPr>
-          <a:xfrm>
-            <a:off x="1385047" y="4834218"/>
-            <a:ext cx="3193677" cy="369332"/>
-          </a:xfrm>
-          <a:prstGeom prst="rect">
-            <a:avLst/>
-          </a:prstGeom>
-        </p:spPr>
-        <p:style>
-          <a:lnRef idx="1">
-            <a:schemeClr val="dk1"/>
-          </a:lnRef>
-          <a:fillRef idx="3">
-            <a:schemeClr val="dk1"/>
-          </a:fillRef>
-          <a:effectRef idx="2">
-            <a:schemeClr val="dk1"/>
-          </a:effectRef>
-          <a:fontRef idx="minor">
-            <a:schemeClr val="lt1"/>
-          </a:fontRef>
-        </p:style>
-        <p:txBody>
-          <a:bodyPr wrap="square" rtlCol="0">
-            <a:spAutoFit/>
-          </a:bodyPr>
-          <a:lstStyle/>
-          <a:p>
-            <a:endParaRPr lang="en-US" dirty="0"/>
-          </a:p>
-        </p:txBody>
-      </p:sp>
-    </p:spTree>
-    <p:extLst>
-      <p:ext uri="{BB962C8B-B14F-4D97-AF65-F5344CB8AC3E}">
-        <p14:creationId xmlns:p14="http://schemas.microsoft.com/office/powerpoint/2010/main" val="137875684"/>
-      </p:ext>
-    </p:extLst>
-  </p:cSld>
-  <p:clrMapOvr>
-    <a:overrideClrMapping bg1="dk1" tx1="lt1" bg2="dk2" tx2="lt2" accent1="accent1" accent2="accent2" accent3="accent3" accent4="accent4" accent5="accent5" accent6="accent6" hlink="hlink" folHlink="folHlink"/>
-  </p:clrMapOvr>
-</p:sld>
-</file>
-
-<file path=ppt/slides/slide15.xml><?xml version="1.0" encoding="utf-8"?>
 <p:sld xmlns:a="http://schemas.openxmlformats.org/drawingml/2006/main" xmlns:r="http://schemas.openxmlformats.org/officeDocument/2006/relationships" xmlns:p="http://schemas.openxmlformats.org/presentationml/2006/main">
   <p:cSld>
     <p:bg>
@@ -8086,7 +4595,7 @@
               <a:rPr lang="en-US" b="1" dirty="0">
                 <a:latin typeface="Selawik Semibold" panose="020B0604020202020204" pitchFamily="34" charset="0"/>
               </a:rPr>
-              <a:t>Data Management</a:t>
+              <a:t>Analytics Across the Organizations</a:t>
             </a:r>
           </a:p>
         </p:txBody>
@@ -8109,8 +4618,8 @@
         </p:nvSpPr>
         <p:spPr>
           <a:xfrm>
-            <a:off x="838199" y="2021249"/>
-            <a:ext cx="7828430" cy="4646608"/>
+            <a:off x="838200" y="2021249"/>
+            <a:ext cx="6994712" cy="4155713"/>
           </a:xfrm>
         </p:spPr>
         <p:txBody>
@@ -8123,16 +4632,45 @@
               <a:rPr lang="en-US" sz="2400" dirty="0">
                 <a:latin typeface="Selawik Semibold" panose="020B0702040204020203" pitchFamily="34" charset="0"/>
               </a:rPr>
-              <a:t>Different Sources: What are some examples?</a:t>
-            </a:r>
-          </a:p>
-          <a:p>
-            <a:pPr lvl="1"/>
+              <a:t>Sports Analytics Use Survey (2013)</a:t>
+            </a:r>
+          </a:p>
+          <a:p>
+            <a:endParaRPr lang="en-US" sz="2400" dirty="0">
+              <a:latin typeface="Selawik Semibold" panose="020B0702040204020203" pitchFamily="34" charset="0"/>
+            </a:endParaRPr>
+          </a:p>
+          <a:p>
+            <a:r>
+              <a:rPr lang="en-US" sz="2400" dirty="0">
+                <a:latin typeface="Selawik Semibold" panose="020B0702040204020203" pitchFamily="34" charset="0"/>
+              </a:rPr>
+              <a:t>Sample of 27 People</a:t>
+            </a:r>
             <a:r>
               <a:rPr lang="en-US" sz="2000" dirty="0">
                 <a:latin typeface="Selawik Semibold" panose="020B0702040204020203" pitchFamily="34" charset="0"/>
               </a:rPr>
-              <a:t>Quantitative and Qualitative</a:t>
+              <a:t> </a:t>
+            </a:r>
+            <a:r>
+              <a:rPr lang="en-US" sz="2400" dirty="0">
+                <a:latin typeface="Selawik Semibold" panose="020B0702040204020203" pitchFamily="34" charset="0"/>
+              </a:rPr>
+              <a:t>(NFL, MLB, NBA, EPL)</a:t>
+            </a:r>
+          </a:p>
+          <a:p>
+            <a:endParaRPr lang="en-US" sz="2400" dirty="0">
+              <a:latin typeface="Selawik Semibold" panose="020B0702040204020203" pitchFamily="34" charset="0"/>
+            </a:endParaRPr>
+          </a:p>
+          <a:p>
+            <a:r>
+              <a:rPr lang="en-US" sz="2400" dirty="0">
+                <a:latin typeface="Selawik Semibold" panose="020B0702040204020203" pitchFamily="34" charset="0"/>
+              </a:rPr>
+              <a:t>How Many Different Sources?</a:t>
             </a:r>
           </a:p>
           <a:p>
@@ -8141,7 +4679,7 @@
               <a:rPr lang="en-US" sz="2000" dirty="0">
                 <a:latin typeface="Selawik Semibold" panose="020B0702040204020203" pitchFamily="34" charset="0"/>
               </a:rPr>
-              <a:t>Objective and Subjective</a:t>
+              <a:t>1-2 (6.7%) </a:t>
             </a:r>
           </a:p>
           <a:p>
@@ -8150,55 +4688,7 @@
               <a:rPr lang="en-US" sz="2000" dirty="0">
                 <a:latin typeface="Selawik Semibold" panose="020B0702040204020203" pitchFamily="34" charset="0"/>
               </a:rPr>
-              <a:t>Text and Images and Video</a:t>
-            </a:r>
-          </a:p>
-          <a:p>
-            <a:pPr marL="457200" lvl="1" indent="0">
-              <a:buNone/>
-            </a:pPr>
-            <a:endParaRPr lang="en-US" sz="2200" dirty="0">
-              <a:latin typeface="Selawik Semibold" panose="020B0702040204020203" pitchFamily="34" charset="0"/>
-            </a:endParaRPr>
-          </a:p>
-          <a:p>
-            <a:r>
-              <a:rPr lang="en-US" sz="2400" dirty="0">
-                <a:latin typeface="Selawik Semibold" panose="020B0702040204020203" pitchFamily="34" charset="0"/>
-              </a:rPr>
-              <a:t>Increasing Number of Sources</a:t>
-            </a:r>
-          </a:p>
-          <a:p>
-            <a:pPr marL="457200" lvl="1" indent="0">
-              <a:buNone/>
-            </a:pPr>
-            <a:endParaRPr lang="en-US" sz="2000" dirty="0">
-              <a:latin typeface="Selawik Semibold" panose="020B0702040204020203" pitchFamily="34" charset="0"/>
-            </a:endParaRPr>
-          </a:p>
-          <a:p>
-            <a:r>
-              <a:rPr lang="en-US" sz="2400" dirty="0">
-                <a:latin typeface="Selawik Semibold" panose="020B0702040204020203" pitchFamily="34" charset="0"/>
-              </a:rPr>
-              <a:t>Increasing Volume from Those Sources</a:t>
-            </a:r>
-          </a:p>
-          <a:p>
-            <a:pPr marL="457200" lvl="1" indent="0">
-              <a:buNone/>
-            </a:pPr>
-            <a:endParaRPr lang="en-US" sz="2000" dirty="0">
-              <a:latin typeface="Selawik Semibold" panose="020B0702040204020203" pitchFamily="34" charset="0"/>
-            </a:endParaRPr>
-          </a:p>
-          <a:p>
-            <a:r>
-              <a:rPr lang="en-US" sz="2400" dirty="0">
-                <a:latin typeface="Selawik Semibold" panose="020B0702040204020203" pitchFamily="34" charset="0"/>
-              </a:rPr>
-              <a:t>Data Comes Structured and Unstructured</a:t>
+              <a:t>3-4 (33.3%) </a:t>
             </a:r>
           </a:p>
           <a:p>
@@ -8207,7 +4697,7 @@
               <a:rPr lang="en-US" sz="2000" dirty="0">
                 <a:latin typeface="Selawik Semibold" panose="020B0702040204020203" pitchFamily="34" charset="0"/>
               </a:rPr>
-              <a:t>Structured is Easier to Analyze</a:t>
+              <a:t>5-6 (13.3%) </a:t>
             </a:r>
           </a:p>
           <a:p>
@@ -8216,44 +4706,8 @@
               <a:rPr lang="en-US" sz="2000" dirty="0">
                 <a:latin typeface="Selawik Semibold" panose="020B0702040204020203" pitchFamily="34" charset="0"/>
               </a:rPr>
-              <a:t>Unstructured is More Flexible</a:t>
-            </a:r>
-          </a:p>
-          <a:p>
-            <a:pPr lvl="1"/>
-            <a:endParaRPr lang="en-US" sz="2000" dirty="0">
-              <a:latin typeface="Selawik Semibold" panose="020B0702040204020203" pitchFamily="34" charset="0"/>
-            </a:endParaRPr>
-          </a:p>
-          <a:p>
-            <a:pPr lvl="1"/>
-            <a:endParaRPr lang="en-US" sz="2000" dirty="0">
-              <a:latin typeface="Selawik Semibold" panose="020B0702040204020203" pitchFamily="34" charset="0"/>
-            </a:endParaRPr>
-          </a:p>
-          <a:p>
-            <a:pPr lvl="1"/>
-            <a:endParaRPr lang="en-US" sz="1600" dirty="0">
-              <a:latin typeface="Selawik Semibold" panose="020B0702040204020203" pitchFamily="34" charset="0"/>
-            </a:endParaRPr>
-          </a:p>
-          <a:p>
-            <a:pPr lvl="1"/>
-            <a:endParaRPr lang="en-US" sz="2000" dirty="0">
-              <a:latin typeface="Selawik Semibold" panose="020B0702040204020203" pitchFamily="34" charset="0"/>
-            </a:endParaRPr>
-          </a:p>
-          <a:p>
-            <a:pPr lvl="1"/>
-            <a:endParaRPr lang="en-US" sz="2000" dirty="0">
-              <a:latin typeface="Selawik Semibold" panose="020B0702040204020203" pitchFamily="34" charset="0"/>
-            </a:endParaRPr>
-          </a:p>
-          <a:p>
-            <a:pPr lvl="1"/>
-            <a:endParaRPr lang="en-US" sz="2000" dirty="0">
-              <a:latin typeface="Selawik Semibold" panose="020B0702040204020203" pitchFamily="34" charset="0"/>
-            </a:endParaRPr>
+              <a:t>&gt;6 (46.71%) </a:t>
+            </a:r>
           </a:p>
         </p:txBody>
       </p:sp>
@@ -8272,7 +4726,7 @@
           <p:nvPr/>
         </p:nvPicPr>
         <p:blipFill rotWithShape="1">
-          <a:blip r:embed="rId3">
+          <a:blip r:embed="rId2">
             <a:extLst>
               <a:ext uri="{28A0092B-C50C-407E-A947-70E740481C1C}">
                 <a14:useLocalDpi xmlns:a14="http://schemas.microsoft.com/office/drawing/2010/main" val="0"/>
@@ -8350,7 +4804,7 @@
           <p:nvPr/>
         </p:nvPicPr>
         <p:blipFill rotWithShape="1">
-          <a:blip r:embed="rId4">
+          <a:blip r:embed="rId3">
             <a:extLst>
               <a:ext uri="{28A0092B-C50C-407E-A947-70E740481C1C}">
                 <a14:useLocalDpi xmlns:a14="http://schemas.microsoft.com/office/drawing/2010/main" val="0"/>
@@ -8600,7 +5054,7 @@
     </p:spTree>
     <p:extLst>
       <p:ext uri="{BB962C8B-B14F-4D97-AF65-F5344CB8AC3E}">
-        <p14:creationId xmlns:p14="http://schemas.microsoft.com/office/powerpoint/2010/main" val="2720642213"/>
+        <p14:creationId xmlns:p14="http://schemas.microsoft.com/office/powerpoint/2010/main" val="1770409084"/>
       </p:ext>
     </p:extLst>
   </p:cSld>
@@ -8730,7 +5184,7 @@
               <a:rPr lang="en-US" b="1" dirty="0">
                 <a:latin typeface="Selawik Semibold" panose="020B0604020202020204" pitchFamily="34" charset="0"/>
               </a:rPr>
-              <a:t>Data Management</a:t>
+              <a:t>Analytics Across the Organizations</a:t>
             </a:r>
           </a:p>
         </p:txBody>
@@ -8753,8 +5207,8 @@
         </p:nvSpPr>
         <p:spPr>
           <a:xfrm>
-            <a:off x="838199" y="2021249"/>
-            <a:ext cx="7828430" cy="4646608"/>
+            <a:off x="838200" y="2021249"/>
+            <a:ext cx="6994712" cy="4155713"/>
           </a:xfrm>
         </p:spPr>
         <p:txBody>
@@ -8767,38 +5221,7 @@
               <a:rPr lang="en-US" sz="2400" dirty="0">
                 <a:latin typeface="Selawik Semibold" panose="020B0702040204020203" pitchFamily="34" charset="0"/>
               </a:rPr>
-              <a:t>Process of Data Management</a:t>
-            </a:r>
-          </a:p>
-          <a:p>
-            <a:endParaRPr lang="en-US" sz="2400" dirty="0">
-              <a:latin typeface="Selawik Semibold" panose="020B0702040204020203" pitchFamily="34" charset="0"/>
-            </a:endParaRPr>
-          </a:p>
-          <a:p>
-            <a:pPr marL="0" indent="0">
-              <a:buNone/>
-            </a:pPr>
-            <a:endParaRPr lang="en-US" sz="2400" dirty="0">
-              <a:latin typeface="Selawik Semibold" panose="020B0702040204020203" pitchFamily="34" charset="0"/>
-            </a:endParaRPr>
-          </a:p>
-          <a:p>
-            <a:endParaRPr lang="en-US" sz="2400" dirty="0">
-              <a:latin typeface="Selawik Semibold" panose="020B0702040204020203" pitchFamily="34" charset="0"/>
-            </a:endParaRPr>
-          </a:p>
-          <a:p>
-            <a:endParaRPr lang="en-US" sz="2400" dirty="0">
-              <a:latin typeface="Selawik Semibold" panose="020B0702040204020203" pitchFamily="34" charset="0"/>
-            </a:endParaRPr>
-          </a:p>
-          <a:p>
-            <a:r>
-              <a:rPr lang="en-US" sz="2400" dirty="0">
-                <a:latin typeface="Selawik Semibold" panose="020B0702040204020203" pitchFamily="34" charset="0"/>
-              </a:rPr>
-              <a:t>Standardization</a:t>
+              <a:t>How Much Data is Centralized?</a:t>
             </a:r>
           </a:p>
           <a:p>
@@ -8807,7 +5230,7 @@
               <a:rPr lang="en-US" sz="2000" dirty="0">
                 <a:latin typeface="Selawik Semibold" panose="020B0702040204020203" pitchFamily="34" charset="0"/>
               </a:rPr>
-              <a:t>Purpose: To Make Combining Data Easy</a:t>
+              <a:t>All (31.3%)</a:t>
             </a:r>
           </a:p>
           <a:p>
@@ -8816,7 +5239,7 @@
               <a:rPr lang="en-US" sz="2000" dirty="0">
                 <a:latin typeface="Selawik Semibold" panose="020B0702040204020203" pitchFamily="34" charset="0"/>
               </a:rPr>
-              <a:t>Know All Sources of Data in the Organization</a:t>
+              <a:t>Most (37.4%)</a:t>
             </a:r>
           </a:p>
           <a:p>
@@ -8825,16 +5248,7 @@
               <a:rPr lang="en-US" sz="2000" dirty="0">
                 <a:latin typeface="Selawik Semibold" panose="020B0702040204020203" pitchFamily="34" charset="0"/>
               </a:rPr>
-              <a:t>Create a Data Inventory: Variable, Description, Format</a:t>
-            </a:r>
-          </a:p>
-          <a:p>
-            <a:pPr lvl="1"/>
-            <a:r>
-              <a:rPr lang="en-US" sz="2000" dirty="0">
-                <a:latin typeface="Selawik Semibold" panose="020B0702040204020203" pitchFamily="34" charset="0"/>
-              </a:rPr>
-              <a:t>Different Departments, but Same Format</a:t>
+              <a:t>Some (31.3%)</a:t>
             </a:r>
           </a:p>
           <a:p>
@@ -8844,34 +5258,39 @@
             </a:endParaRPr>
           </a:p>
           <a:p>
+            <a:r>
+              <a:rPr lang="en-US" sz="2400" dirty="0">
+                <a:latin typeface="Selawik Semibold" panose="020B0702040204020203" pitchFamily="34" charset="0"/>
+              </a:rPr>
+              <a:t>How Much Data is Dependent on One Person?</a:t>
+            </a:r>
+          </a:p>
+          <a:p>
             <a:pPr lvl="1"/>
-            <a:endParaRPr lang="en-US" sz="2000" dirty="0">
-              <a:latin typeface="Selawik Semibold" panose="020B0702040204020203" pitchFamily="34" charset="0"/>
-            </a:endParaRPr>
+            <a:r>
+              <a:rPr lang="en-US" sz="2000" dirty="0">
+                <a:latin typeface="Selawik Semibold" panose="020B0702040204020203" pitchFamily="34" charset="0"/>
+              </a:rPr>
+              <a:t>Some (50.0%)</a:t>
+            </a:r>
           </a:p>
           <a:p>
             <a:pPr lvl="1"/>
-            <a:endParaRPr lang="en-US" sz="1600" dirty="0">
-              <a:latin typeface="Selawik Semibold" panose="020B0702040204020203" pitchFamily="34" charset="0"/>
-            </a:endParaRPr>
+            <a:r>
+              <a:rPr lang="en-US" sz="2000" dirty="0">
+                <a:latin typeface="Selawik Semibold" panose="020B0702040204020203" pitchFamily="34" charset="0"/>
+              </a:rPr>
+              <a:t>Most (43.7%)</a:t>
+            </a:r>
           </a:p>
           <a:p>
             <a:pPr lvl="1"/>
-            <a:endParaRPr lang="en-US" sz="2000" dirty="0">
-              <a:latin typeface="Selawik Semibold" panose="020B0702040204020203" pitchFamily="34" charset="0"/>
-            </a:endParaRPr>
-          </a:p>
-          <a:p>
-            <a:pPr lvl="1"/>
-            <a:endParaRPr lang="en-US" sz="2000" dirty="0">
-              <a:latin typeface="Selawik Semibold" panose="020B0702040204020203" pitchFamily="34" charset="0"/>
-            </a:endParaRPr>
-          </a:p>
-          <a:p>
-            <a:pPr lvl="1"/>
-            <a:endParaRPr lang="en-US" sz="2000" dirty="0">
-              <a:latin typeface="Selawik Semibold" panose="020B0702040204020203" pitchFamily="34" charset="0"/>
-            </a:endParaRPr>
+            <a:r>
+              <a:rPr lang="en-US" sz="2000" dirty="0">
+                <a:latin typeface="Selawik Semibold" panose="020B0702040204020203" pitchFamily="34" charset="0"/>
+              </a:rPr>
+              <a:t>All Data Centralized (6.3%)</a:t>
+            </a:r>
           </a:p>
         </p:txBody>
       </p:sp>
@@ -8890,7 +5309,7 @@
           <p:nvPr/>
         </p:nvPicPr>
         <p:blipFill rotWithShape="1">
-          <a:blip r:embed="rId3">
+          <a:blip r:embed="rId2">
             <a:extLst>
               <a:ext uri="{28A0092B-C50C-407E-A947-70E740481C1C}">
                 <a14:useLocalDpi xmlns:a14="http://schemas.microsoft.com/office/drawing/2010/main" val="0"/>
@@ -8968,7 +5387,7 @@
           <p:nvPr/>
         </p:nvPicPr>
         <p:blipFill rotWithShape="1">
-          <a:blip r:embed="rId4">
+          <a:blip r:embed="rId3">
             <a:extLst>
               <a:ext uri="{28A0092B-C50C-407E-A947-70E740481C1C}">
                 <a14:useLocalDpi xmlns:a14="http://schemas.microsoft.com/office/drawing/2010/main" val="0"/>
@@ -9215,246 +5634,10 @@
           </a:p>
         </p:txBody>
       </p:sp>
-      <p:sp>
-        <p:nvSpPr>
-          <p:cNvPr id="3" name="TextBox 2">
-            <a:extLst>
-              <a:ext uri="{FF2B5EF4-FFF2-40B4-BE49-F238E27FC236}">
-                <a16:creationId xmlns:a16="http://schemas.microsoft.com/office/drawing/2014/main" id="{0BC9FB60-93AF-48C3-8108-E3DE0B199017}"/>
-              </a:ext>
-            </a:extLst>
-          </p:cNvPr>
-          <p:cNvSpPr txBox="1"/>
-          <p:nvPr/>
-        </p:nvSpPr>
-        <p:spPr>
-          <a:xfrm>
-            <a:off x="1151542" y="2430403"/>
-            <a:ext cx="1842247" cy="400110"/>
-          </a:xfrm>
-          <a:prstGeom prst="rect">
-            <a:avLst/>
-          </a:prstGeom>
-        </p:spPr>
-        <p:style>
-          <a:lnRef idx="1">
-            <a:schemeClr val="dk1"/>
-          </a:lnRef>
-          <a:fillRef idx="3">
-            <a:schemeClr val="dk1"/>
-          </a:fillRef>
-          <a:effectRef idx="2">
-            <a:schemeClr val="dk1"/>
-          </a:effectRef>
-          <a:fontRef idx="minor">
-            <a:schemeClr val="lt1"/>
-          </a:fontRef>
-        </p:style>
-        <p:txBody>
-          <a:bodyPr wrap="square" rtlCol="0">
-            <a:spAutoFit/>
-          </a:bodyPr>
-          <a:lstStyle/>
-          <a:p>
-            <a:r>
-              <a:rPr lang="en-US" sz="2000" dirty="0"/>
-              <a:t>Standardization</a:t>
-            </a:r>
-          </a:p>
-        </p:txBody>
-      </p:sp>
-      <p:sp>
-        <p:nvSpPr>
-          <p:cNvPr id="11" name="TextBox 10">
-            <a:extLst>
-              <a:ext uri="{FF2B5EF4-FFF2-40B4-BE49-F238E27FC236}">
-                <a16:creationId xmlns:a16="http://schemas.microsoft.com/office/drawing/2014/main" id="{E645A782-F7B1-4831-B4E2-4DCF9A627D90}"/>
-              </a:ext>
-            </a:extLst>
-          </p:cNvPr>
-          <p:cNvSpPr txBox="1"/>
-          <p:nvPr/>
-        </p:nvSpPr>
-        <p:spPr>
-          <a:xfrm>
-            <a:off x="2993790" y="3039612"/>
-            <a:ext cx="1672340" cy="400110"/>
-          </a:xfrm>
-          <a:prstGeom prst="rect">
-            <a:avLst/>
-          </a:prstGeom>
-        </p:spPr>
-        <p:style>
-          <a:lnRef idx="1">
-            <a:schemeClr val="dk1"/>
-          </a:lnRef>
-          <a:fillRef idx="3">
-            <a:schemeClr val="dk1"/>
-          </a:fillRef>
-          <a:effectRef idx="2">
-            <a:schemeClr val="dk1"/>
-          </a:effectRef>
-          <a:fontRef idx="minor">
-            <a:schemeClr val="lt1"/>
-          </a:fontRef>
-        </p:style>
-        <p:txBody>
-          <a:bodyPr wrap="square" rtlCol="0">
-            <a:spAutoFit/>
-          </a:bodyPr>
-          <a:lstStyle/>
-          <a:p>
-            <a:r>
-              <a:rPr lang="en-US" sz="2000" dirty="0"/>
-              <a:t>Centralization</a:t>
-            </a:r>
-          </a:p>
-        </p:txBody>
-      </p:sp>
-      <p:sp>
-        <p:nvSpPr>
-          <p:cNvPr id="12" name="TextBox 11">
-            <a:extLst>
-              <a:ext uri="{FF2B5EF4-FFF2-40B4-BE49-F238E27FC236}">
-                <a16:creationId xmlns:a16="http://schemas.microsoft.com/office/drawing/2014/main" id="{AA84186E-A6F5-4A1A-889E-85499C2BEC7C}"/>
-              </a:ext>
-            </a:extLst>
-          </p:cNvPr>
-          <p:cNvSpPr txBox="1"/>
-          <p:nvPr/>
-        </p:nvSpPr>
-        <p:spPr>
-          <a:xfrm>
-            <a:off x="4667217" y="3666886"/>
-            <a:ext cx="1385471" cy="400110"/>
-          </a:xfrm>
-          <a:prstGeom prst="rect">
-            <a:avLst/>
-          </a:prstGeom>
-        </p:spPr>
-        <p:style>
-          <a:lnRef idx="1">
-            <a:schemeClr val="dk1"/>
-          </a:lnRef>
-          <a:fillRef idx="3">
-            <a:schemeClr val="dk1"/>
-          </a:fillRef>
-          <a:effectRef idx="2">
-            <a:schemeClr val="dk1"/>
-          </a:effectRef>
-          <a:fontRef idx="minor">
-            <a:schemeClr val="lt1"/>
-          </a:fontRef>
-        </p:style>
-        <p:txBody>
-          <a:bodyPr wrap="square" rtlCol="0">
-            <a:spAutoFit/>
-          </a:bodyPr>
-          <a:lstStyle/>
-          <a:p>
-            <a:r>
-              <a:rPr lang="en-US" sz="2000" dirty="0"/>
-              <a:t>Integration</a:t>
-            </a:r>
-          </a:p>
-        </p:txBody>
-      </p:sp>
-      <p:sp>
-        <p:nvSpPr>
-          <p:cNvPr id="7" name="Arrow: Bent-Up 6">
-            <a:extLst>
-              <a:ext uri="{FF2B5EF4-FFF2-40B4-BE49-F238E27FC236}">
-                <a16:creationId xmlns:a16="http://schemas.microsoft.com/office/drawing/2014/main" id="{DF48DFEE-0DC5-4F7F-A104-EED4884CC8E7}"/>
-              </a:ext>
-            </a:extLst>
-          </p:cNvPr>
-          <p:cNvSpPr/>
-          <p:nvPr/>
-        </p:nvSpPr>
-        <p:spPr>
-          <a:xfrm rot="5400000">
-            <a:off x="2516419" y="2922333"/>
-            <a:ext cx="388146" cy="400110"/>
-          </a:xfrm>
-          <a:prstGeom prst="bentUpArrow">
-            <a:avLst/>
-          </a:prstGeom>
-        </p:spPr>
-        <p:style>
-          <a:lnRef idx="2">
-            <a:schemeClr val="dk1">
-              <a:shade val="50000"/>
-            </a:schemeClr>
-          </a:lnRef>
-          <a:fillRef idx="1">
-            <a:schemeClr val="dk1"/>
-          </a:fillRef>
-          <a:effectRef idx="0">
-            <a:schemeClr val="dk1"/>
-          </a:effectRef>
-          <a:fontRef idx="minor">
-            <a:schemeClr val="lt1"/>
-          </a:fontRef>
-        </p:style>
-        <p:txBody>
-          <a:bodyPr rtlCol="0" anchor="ctr"/>
-          <a:lstStyle/>
-          <a:p>
-            <a:pPr algn="ctr"/>
-            <a:endParaRPr lang="en-US"/>
-          </a:p>
-        </p:txBody>
-      </p:sp>
-      <p:sp>
-        <p:nvSpPr>
-          <p:cNvPr id="14" name="Arrow: Bent-Up 13">
-            <a:extLst>
-              <a:ext uri="{FF2B5EF4-FFF2-40B4-BE49-F238E27FC236}">
-                <a16:creationId xmlns:a16="http://schemas.microsoft.com/office/drawing/2014/main" id="{B0C12E52-13E6-404E-9B08-FF6792973A6B}"/>
-              </a:ext>
-            </a:extLst>
-          </p:cNvPr>
-          <p:cNvSpPr/>
-          <p:nvPr/>
-        </p:nvSpPr>
-        <p:spPr>
-          <a:xfrm rot="5400000">
-            <a:off x="4190198" y="3560838"/>
-            <a:ext cx="388146" cy="400110"/>
-          </a:xfrm>
-          <a:prstGeom prst="bentUpArrow">
-            <a:avLst/>
-          </a:prstGeom>
-        </p:spPr>
-        <p:style>
-          <a:lnRef idx="2">
-            <a:schemeClr val="dk1">
-              <a:shade val="50000"/>
-            </a:schemeClr>
-          </a:lnRef>
-          <a:fillRef idx="1">
-            <a:schemeClr val="dk1"/>
-          </a:fillRef>
-          <a:effectRef idx="0">
-            <a:schemeClr val="dk1"/>
-          </a:effectRef>
-          <a:fontRef idx="minor">
-            <a:schemeClr val="lt1"/>
-          </a:fontRef>
-        </p:style>
-        <p:txBody>
-          <a:bodyPr rtlCol="0" anchor="ctr"/>
-          <a:lstStyle/>
-          <a:p>
-            <a:pPr algn="ctr"/>
-            <a:endParaRPr lang="en-US"/>
-          </a:p>
-        </p:txBody>
-      </p:sp>
     </p:spTree>
     <p:extLst>
       <p:ext uri="{BB962C8B-B14F-4D97-AF65-F5344CB8AC3E}">
-        <p14:creationId xmlns:p14="http://schemas.microsoft.com/office/powerpoint/2010/main" val="4079849196"/>
+        <p14:creationId xmlns:p14="http://schemas.microsoft.com/office/powerpoint/2010/main" val="2318904332"/>
       </p:ext>
     </p:extLst>
   </p:cSld>
@@ -9584,7 +5767,7 @@
               <a:rPr lang="en-US" b="1" dirty="0">
                 <a:latin typeface="Selawik Semibold" panose="020B0604020202020204" pitchFamily="34" charset="0"/>
               </a:rPr>
-              <a:t>Data Management</a:t>
+              <a:t>Analytics Across the Organizations</a:t>
             </a:r>
           </a:p>
         </p:txBody>
@@ -9608,7 +5791,7 @@
         <p:spPr>
           <a:xfrm>
             <a:off x="838199" y="2021249"/>
-            <a:ext cx="7828430" cy="4646608"/>
+            <a:ext cx="7653667" cy="4366104"/>
           </a:xfrm>
         </p:spPr>
         <p:txBody>
@@ -9621,7 +5804,7 @@
               <a:rPr lang="en-US" sz="2400" dirty="0">
                 <a:latin typeface="Selawik Semibold" panose="020B0702040204020203" pitchFamily="34" charset="0"/>
               </a:rPr>
-              <a:t>Centralization</a:t>
+              <a:t>Is Data Checked for Errors?</a:t>
             </a:r>
           </a:p>
           <a:p>
@@ -9630,7 +5813,7 @@
               <a:rPr lang="en-US" sz="2000" dirty="0">
                 <a:latin typeface="Selawik Semibold" panose="020B0702040204020203" pitchFamily="34" charset="0"/>
               </a:rPr>
-              <a:t>Purpose: To Make Acquiring Data Easy</a:t>
+              <a:t>Always (31.3%)</a:t>
             </a:r>
           </a:p>
           <a:p>
@@ -9639,7 +5822,7 @@
               <a:rPr lang="en-US" sz="2000" dirty="0">
                 <a:latin typeface="Selawik Semibold" panose="020B0702040204020203" pitchFamily="34" charset="0"/>
               </a:rPr>
-              <a:t>Stored and Protected  in the Same Location</a:t>
+              <a:t>Usually (37.5%)</a:t>
             </a:r>
           </a:p>
           <a:p>
@@ -9648,7 +5831,7 @@
               <a:rPr lang="en-US" sz="2000" dirty="0">
                 <a:latin typeface="Selawik Semibold" panose="020B0702040204020203" pitchFamily="34" charset="0"/>
               </a:rPr>
-              <a:t>Accessible by All Decision Makers</a:t>
+              <a:t>Sometimes (18.8%)</a:t>
             </a:r>
           </a:p>
           <a:p>
@@ -9657,7 +5840,16 @@
               <a:rPr lang="en-US" sz="2000" dirty="0">
                 <a:latin typeface="Selawik Semibold" panose="020B0702040204020203" pitchFamily="34" charset="0"/>
               </a:rPr>
-              <a:t>Continual Assessment of Data Quality Via Multiple Eyes</a:t>
+              <a:t>Occasionally (6.1%)</a:t>
+            </a:r>
+          </a:p>
+          <a:p>
+            <a:pPr lvl="1"/>
+            <a:r>
+              <a:rPr lang="en-US" sz="2000" dirty="0">
+                <a:latin typeface="Selawik Semibold" panose="020B0702040204020203" pitchFamily="34" charset="0"/>
+              </a:rPr>
+              <a:t>Rarely (6.3%)</a:t>
             </a:r>
           </a:p>
           <a:p>
@@ -9671,7 +5863,7 @@
               <a:rPr lang="en-US" sz="2400" dirty="0">
                 <a:latin typeface="Selawik Semibold" panose="020B0702040204020203" pitchFamily="34" charset="0"/>
               </a:rPr>
-              <a:t>Integration</a:t>
+              <a:t>How Many Database Programmers are Employed?</a:t>
             </a:r>
           </a:p>
           <a:p>
@@ -9680,7 +5872,7 @@
               <a:rPr lang="en-US" sz="2000" dirty="0">
                 <a:latin typeface="Selawik Semibold" panose="020B0702040204020203" pitchFamily="34" charset="0"/>
               </a:rPr>
-              <a:t>Purpose: To Make Analyzing Data Easy</a:t>
+              <a:t>0 (37.5%)</a:t>
             </a:r>
           </a:p>
           <a:p>
@@ -9689,7 +5881,7 @@
               <a:rPr lang="en-US" sz="2000" dirty="0">
                 <a:latin typeface="Selawik Semibold" panose="020B0702040204020203" pitchFamily="34" charset="0"/>
               </a:rPr>
-              <a:t>Merging/Linking Data According to Unique Identifiers</a:t>
+              <a:t>1-2 (50.0%)</a:t>
             </a:r>
           </a:p>
           <a:p>
@@ -9698,101 +5890,17 @@
               <a:rPr lang="en-US" sz="2000" dirty="0">
                 <a:latin typeface="Selawik Semibold" panose="020B0702040204020203" pitchFamily="34" charset="0"/>
               </a:rPr>
-              <a:t>Examples: What Insights Could Be Learned?</a:t>
-            </a:r>
-          </a:p>
-          <a:p>
-            <a:pPr lvl="2"/>
-            <a:r>
-              <a:rPr lang="en-US" sz="1600" dirty="0">
+              <a:t>3-4 (0.0%)</a:t>
+            </a:r>
+          </a:p>
+          <a:p>
+            <a:pPr lvl="1"/>
+            <a:r>
+              <a:rPr lang="en-US" sz="2000" dirty="0">
                 <a:latin typeface="Selawik Semibold" panose="020B0702040204020203" pitchFamily="34" charset="0"/>
               </a:rPr>
-              <a:t>Training Staff Data and Coaching Staff Data</a:t>
-            </a:r>
-          </a:p>
-          <a:p>
-            <a:pPr lvl="2"/>
-            <a:r>
-              <a:rPr lang="en-US" sz="1600" dirty="0">
-                <a:latin typeface="Selawik Semibold" panose="020B0702040204020203" pitchFamily="34" charset="0"/>
-              </a:rPr>
-              <a:t>Scouting Data and Play-by-Play Data</a:t>
-            </a:r>
-          </a:p>
-          <a:p>
-            <a:pPr lvl="2"/>
-            <a:r>
-              <a:rPr lang="en-US" sz="1600" dirty="0">
-                <a:latin typeface="Selawik Semibold" panose="020B0702040204020203" pitchFamily="34" charset="0"/>
-              </a:rPr>
-              <a:t>Marketing Data and Salary Data</a:t>
-            </a:r>
-          </a:p>
-          <a:p>
-            <a:pPr lvl="2"/>
-            <a:endParaRPr lang="en-US" sz="1600" dirty="0">
-              <a:latin typeface="Selawik Semibold" panose="020B0702040204020203" pitchFamily="34" charset="0"/>
-            </a:endParaRPr>
-          </a:p>
-          <a:p>
-            <a:pPr lvl="2"/>
-            <a:endParaRPr lang="en-US" sz="1600" dirty="0">
-              <a:latin typeface="Selawik Semibold" panose="020B0702040204020203" pitchFamily="34" charset="0"/>
-            </a:endParaRPr>
-          </a:p>
-          <a:p>
-            <a:pPr lvl="1"/>
-            <a:endParaRPr lang="en-US" sz="2000" dirty="0">
-              <a:latin typeface="Selawik Semibold" panose="020B0702040204020203" pitchFamily="34" charset="0"/>
-            </a:endParaRPr>
-          </a:p>
-          <a:p>
-            <a:pPr lvl="1"/>
-            <a:endParaRPr lang="en-US" sz="2000" dirty="0">
-              <a:latin typeface="Selawik Semibold" panose="020B0702040204020203" pitchFamily="34" charset="0"/>
-            </a:endParaRPr>
-          </a:p>
-          <a:p>
-            <a:pPr lvl="1"/>
-            <a:endParaRPr lang="en-US" sz="2000" dirty="0">
-              <a:latin typeface="Selawik Semibold" panose="020B0702040204020203" pitchFamily="34" charset="0"/>
-            </a:endParaRPr>
-          </a:p>
-          <a:p>
-            <a:pPr lvl="1"/>
-            <a:endParaRPr lang="en-US" sz="2000" dirty="0">
-              <a:latin typeface="Selawik Semibold" panose="020B0702040204020203" pitchFamily="34" charset="0"/>
-            </a:endParaRPr>
-          </a:p>
-          <a:p>
-            <a:pPr lvl="1"/>
-            <a:endParaRPr lang="en-US" sz="2000" dirty="0">
-              <a:latin typeface="Selawik Semibold" panose="020B0702040204020203" pitchFamily="34" charset="0"/>
-            </a:endParaRPr>
-          </a:p>
-          <a:p>
-            <a:pPr lvl="1"/>
-            <a:endParaRPr lang="en-US" sz="1600" dirty="0">
-              <a:latin typeface="Selawik Semibold" panose="020B0702040204020203" pitchFamily="34" charset="0"/>
-            </a:endParaRPr>
-          </a:p>
-          <a:p>
-            <a:pPr lvl="1"/>
-            <a:endParaRPr lang="en-US" sz="2000" dirty="0">
-              <a:latin typeface="Selawik Semibold" panose="020B0702040204020203" pitchFamily="34" charset="0"/>
-            </a:endParaRPr>
-          </a:p>
-          <a:p>
-            <a:pPr lvl="1"/>
-            <a:endParaRPr lang="en-US" sz="2000" dirty="0">
-              <a:latin typeface="Selawik Semibold" panose="020B0702040204020203" pitchFamily="34" charset="0"/>
-            </a:endParaRPr>
-          </a:p>
-          <a:p>
-            <a:pPr lvl="1"/>
-            <a:endParaRPr lang="en-US" sz="2000" dirty="0">
-              <a:latin typeface="Selawik Semibold" panose="020B0702040204020203" pitchFamily="34" charset="0"/>
-            </a:endParaRPr>
+              <a:t>&gt;5 (12.5%)</a:t>
+            </a:r>
           </a:p>
         </p:txBody>
       </p:sp>
@@ -9811,7 +5919,7 @@
           <p:nvPr/>
         </p:nvPicPr>
         <p:blipFill rotWithShape="1">
-          <a:blip r:embed="rId3">
+          <a:blip r:embed="rId2">
             <a:extLst>
               <a:ext uri="{28A0092B-C50C-407E-A947-70E740481C1C}">
                 <a14:useLocalDpi xmlns:a14="http://schemas.microsoft.com/office/drawing/2010/main" val="0"/>
@@ -9889,7 +5997,7 @@
           <p:nvPr/>
         </p:nvPicPr>
         <p:blipFill rotWithShape="1">
-          <a:blip r:embed="rId4">
+          <a:blip r:embed="rId3">
             <a:extLst>
               <a:ext uri="{28A0092B-C50C-407E-A947-70E740481C1C}">
                 <a14:useLocalDpi xmlns:a14="http://schemas.microsoft.com/office/drawing/2010/main" val="0"/>
@@ -10139,7 +6247,7 @@
     </p:spTree>
     <p:extLst>
       <p:ext uri="{BB962C8B-B14F-4D97-AF65-F5344CB8AC3E}">
-        <p14:creationId xmlns:p14="http://schemas.microsoft.com/office/powerpoint/2010/main" val="2453610470"/>
+        <p14:creationId xmlns:p14="http://schemas.microsoft.com/office/powerpoint/2010/main" val="844394623"/>
       </p:ext>
     </p:extLst>
   </p:cSld>
@@ -10269,7 +6377,7 @@
               <a:rPr lang="en-US" b="1" dirty="0">
                 <a:latin typeface="Selawik Semibold" panose="020B0604020202020204" pitchFamily="34" charset="0"/>
               </a:rPr>
-              <a:t>Analytic Models</a:t>
+              <a:t>Analytics Across the Organizations</a:t>
             </a:r>
           </a:p>
         </p:txBody>
@@ -10293,7 +6401,7 @@
         <p:spPr>
           <a:xfrm>
             <a:off x="838199" y="2021249"/>
-            <a:ext cx="7828430" cy="2121775"/>
+            <a:ext cx="7653667" cy="4366104"/>
           </a:xfrm>
         </p:spPr>
         <p:txBody>
@@ -10306,11 +6414,8 @@
               <a:rPr lang="en-US" sz="2400" dirty="0">
                 <a:latin typeface="Selawik Semibold" panose="020B0702040204020203" pitchFamily="34" charset="0"/>
               </a:rPr>
-              <a:t>Process of Predictive Analytics</a:t>
-            </a:r>
-            <a:endParaRPr lang="en-US" sz="2000" dirty="0">
-              <a:latin typeface="Selawik Semibold" panose="020B0702040204020203" pitchFamily="34" charset="0"/>
-            </a:endParaRPr>
+              <a:t>How Many Statistical Analysts are Employed?</a:t>
+            </a:r>
           </a:p>
           <a:p>
             <a:pPr lvl="1"/>
@@ -10318,7 +6423,7 @@
               <a:rPr lang="en-US" sz="2000" dirty="0">
                 <a:latin typeface="Selawik Semibold" panose="020B0702040204020203" pitchFamily="34" charset="0"/>
               </a:rPr>
-              <a:t>Consider the Research Question or Problem</a:t>
+              <a:t>0 (20.0%)</a:t>
             </a:r>
           </a:p>
           <a:p>
@@ -10327,7 +6432,7 @@
               <a:rPr lang="en-US" sz="2000" dirty="0">
                 <a:latin typeface="Selawik Semibold" panose="020B0702040204020203" pitchFamily="34" charset="0"/>
               </a:rPr>
-              <a:t>Identify or Create Dependent Variables of Interest</a:t>
+              <a:t>1-2 (66.6%)</a:t>
             </a:r>
           </a:p>
           <a:p>
@@ -10336,7 +6441,7 @@
               <a:rPr lang="en-US" sz="2000" dirty="0">
                 <a:latin typeface="Selawik Semibold" panose="020B0702040204020203" pitchFamily="34" charset="0"/>
               </a:rPr>
-              <a:t>Incorporate All Information</a:t>
+              <a:t>3-4 (0.0%)</a:t>
             </a:r>
           </a:p>
           <a:p>
@@ -10345,29 +6450,8 @@
               <a:rPr lang="en-US" sz="2000" dirty="0">
                 <a:latin typeface="Selawik Semibold" panose="020B0702040204020203" pitchFamily="34" charset="0"/>
               </a:rPr>
-              <a:t>Find Relationships (Linear/Nonlinear)</a:t>
-            </a:r>
-          </a:p>
-          <a:p>
-            <a:pPr lvl="1"/>
-            <a:r>
-              <a:rPr lang="en-US" sz="2000" dirty="0">
-                <a:latin typeface="Selawik Semibold" panose="020B0702040204020203" pitchFamily="34" charset="0"/>
-              </a:rPr>
-              <a:t>Evaluate Model, Report, and Repeat</a:t>
-            </a:r>
-          </a:p>
-          <a:p>
-            <a:pPr lvl="1"/>
-            <a:endParaRPr lang="en-US" sz="1600" dirty="0">
-              <a:latin typeface="Selawik Semibold" panose="020B0702040204020203" pitchFamily="34" charset="0"/>
-            </a:endParaRPr>
-          </a:p>
-          <a:p>
-            <a:pPr lvl="1"/>
-            <a:endParaRPr lang="en-US" sz="1600" dirty="0">
-              <a:latin typeface="Selawik Semibold" panose="020B0702040204020203" pitchFamily="34" charset="0"/>
-            </a:endParaRPr>
+              <a:t>&gt;5 (13.3%)</a:t>
+            </a:r>
           </a:p>
           <a:p>
             <a:pPr lvl="1"/>
@@ -10376,32 +6460,28 @@
             </a:endParaRPr>
           </a:p>
           <a:p>
-            <a:pPr lvl="1"/>
-            <a:endParaRPr lang="en-US" sz="2000" dirty="0">
+            <a:r>
+              <a:rPr lang="en-US" sz="2400" dirty="0">
+                <a:latin typeface="Selawik Semibold" panose="020B0702040204020203" pitchFamily="34" charset="0"/>
+              </a:rPr>
+              <a:t>Roadblock: Difficulty Identifying Strong Applicant</a:t>
+            </a:r>
+          </a:p>
+          <a:p>
+            <a:endParaRPr lang="en-US" sz="2400" dirty="0">
               <a:latin typeface="Selawik Semibold" panose="020B0702040204020203" pitchFamily="34" charset="0"/>
             </a:endParaRPr>
           </a:p>
           <a:p>
-            <a:pPr lvl="1"/>
-            <a:endParaRPr lang="en-US" sz="1600" dirty="0">
-              <a:latin typeface="Selawik Semibold" panose="020B0702040204020203" pitchFamily="34" charset="0"/>
-            </a:endParaRPr>
-          </a:p>
-          <a:p>
-            <a:pPr lvl="1"/>
-            <a:endParaRPr lang="en-US" sz="2000" dirty="0">
-              <a:latin typeface="Selawik Semibold" panose="020B0702040204020203" pitchFamily="34" charset="0"/>
-            </a:endParaRPr>
-          </a:p>
-          <a:p>
-            <a:pPr lvl="1"/>
-            <a:endParaRPr lang="en-US" sz="2000" dirty="0">
-              <a:latin typeface="Selawik Semibold" panose="020B0702040204020203" pitchFamily="34" charset="0"/>
-            </a:endParaRPr>
-          </a:p>
-          <a:p>
-            <a:pPr lvl="1"/>
-            <a:endParaRPr lang="en-US" sz="2000" dirty="0">
+            <a:r>
+              <a:rPr lang="en-US" sz="2400" dirty="0">
+                <a:latin typeface="Selawik Semibold" panose="020B0702040204020203" pitchFamily="34" charset="0"/>
+              </a:rPr>
+              <a:t>Difficulty in Both Hiring and Evaluating</a:t>
+            </a:r>
+          </a:p>
+          <a:p>
+            <a:endParaRPr lang="en-US" sz="2400" dirty="0">
               <a:latin typeface="Selawik Semibold" panose="020B0702040204020203" pitchFamily="34" charset="0"/>
             </a:endParaRPr>
           </a:p>
@@ -10422,7 +6502,7 @@
           <p:nvPr/>
         </p:nvPicPr>
         <p:blipFill rotWithShape="1">
-          <a:blip r:embed="rId3">
+          <a:blip r:embed="rId2">
             <a:extLst>
               <a:ext uri="{28A0092B-C50C-407E-A947-70E740481C1C}">
                 <a14:useLocalDpi xmlns:a14="http://schemas.microsoft.com/office/drawing/2010/main" val="0"/>
@@ -10500,7 +6580,7 @@
           <p:nvPr/>
         </p:nvPicPr>
         <p:blipFill rotWithShape="1">
-          <a:blip r:embed="rId4">
+          <a:blip r:embed="rId3">
             <a:extLst>
               <a:ext uri="{28A0092B-C50C-407E-A947-70E740481C1C}">
                 <a14:useLocalDpi xmlns:a14="http://schemas.microsoft.com/office/drawing/2010/main" val="0"/>
@@ -10747,102 +6827,10 @@
           </a:p>
         </p:txBody>
       </p:sp>
-      <p:pic>
-        <p:nvPicPr>
-          <p:cNvPr id="8" name="Picture 7" descr="A person wearing a baseball hat&#10;&#10;Description automatically generated">
-            <a:extLst>
-              <a:ext uri="{FF2B5EF4-FFF2-40B4-BE49-F238E27FC236}">
-                <a16:creationId xmlns:a16="http://schemas.microsoft.com/office/drawing/2014/main" id="{C5EF4FD2-A254-4D38-BC2E-699FEF418FE7}"/>
-              </a:ext>
-            </a:extLst>
-          </p:cNvPr>
-          <p:cNvPicPr>
-            <a:picLocks noChangeAspect="1"/>
-          </p:cNvPicPr>
-          <p:nvPr/>
-        </p:nvPicPr>
-        <p:blipFill>
-          <a:blip r:embed="rId5">
-            <a:alphaModFix amt="35000"/>
-            <a:extLst>
-              <a:ext uri="{28A0092B-C50C-407E-A947-70E740481C1C}">
-                <a14:useLocalDpi xmlns:a14="http://schemas.microsoft.com/office/drawing/2010/main" val="0"/>
-              </a:ext>
-            </a:extLst>
-          </a:blip>
-          <a:stretch>
-            <a:fillRect/>
-          </a:stretch>
-        </p:blipFill>
-        <p:spPr>
-          <a:xfrm>
-            <a:off x="6552611" y="4627679"/>
-            <a:ext cx="1939258" cy="2048171"/>
-          </a:xfrm>
-          <a:prstGeom prst="rect">
-            <a:avLst/>
-          </a:prstGeom>
-          <a:ln>
-            <a:noFill/>
-          </a:ln>
-          <a:effectLst>
-            <a:outerShdw blurRad="292100" dist="139700" dir="2700000" algn="tl" rotWithShape="0">
-              <a:srgbClr val="333333">
-                <a:alpha val="65000"/>
-              </a:srgbClr>
-            </a:outerShdw>
-          </a:effectLst>
-        </p:spPr>
-      </p:pic>
-      <p:sp>
-        <p:nvSpPr>
-          <p:cNvPr id="3" name="TextBox 2">
-            <a:extLst>
-              <a:ext uri="{FF2B5EF4-FFF2-40B4-BE49-F238E27FC236}">
-                <a16:creationId xmlns:a16="http://schemas.microsoft.com/office/drawing/2014/main" id="{CA644AEC-B30E-4DF0-A8F3-9DBC01B8420D}"/>
-              </a:ext>
-            </a:extLst>
-          </p:cNvPr>
-          <p:cNvSpPr txBox="1"/>
-          <p:nvPr/>
-        </p:nvSpPr>
-        <p:spPr>
-          <a:xfrm>
-            <a:off x="1518393" y="5743738"/>
-            <a:ext cx="7115737" cy="954107"/>
-          </a:xfrm>
-          <a:prstGeom prst="rect">
-            <a:avLst/>
-          </a:prstGeom>
-          <a:noFill/>
-        </p:spPr>
-        <p:txBody>
-          <a:bodyPr wrap="square" rtlCol="0">
-            <a:spAutoFit/>
-          </a:bodyPr>
-          <a:lstStyle/>
-          <a:p>
-            <a:r>
-              <a:rPr lang="en-US" sz="2800" dirty="0">
-                <a:latin typeface="Selawik Semibold" panose="020B0702040204020203" pitchFamily="34" charset="0"/>
-              </a:rPr>
-              <a:t>Prediction is difficult, </a:t>
-            </a:r>
-          </a:p>
-          <a:p>
-            <a:r>
-              <a:rPr lang="en-US" sz="2800" dirty="0">
-                <a:latin typeface="Selawik Semibold" panose="020B0702040204020203" pitchFamily="34" charset="0"/>
-              </a:rPr>
-              <a:t>especially about the future.     -Yogi Berra</a:t>
-            </a:r>
-          </a:p>
-        </p:txBody>
-      </p:sp>
     </p:spTree>
     <p:extLst>
       <p:ext uri="{BB962C8B-B14F-4D97-AF65-F5344CB8AC3E}">
-        <p14:creationId xmlns:p14="http://schemas.microsoft.com/office/powerpoint/2010/main" val="441727171"/>
+        <p14:creationId xmlns:p14="http://schemas.microsoft.com/office/powerpoint/2010/main" val="1297707072"/>
       </p:ext>
     </p:extLst>
   </p:cSld>
@@ -10972,7 +6960,7 @@
               <a:rPr lang="en-US" b="1" dirty="0">
                 <a:latin typeface="Selawik Semibold" panose="020B0604020202020204" pitchFamily="34" charset="0"/>
               </a:rPr>
-              <a:t>Analytic Models</a:t>
+              <a:t>Analytics Across the Organizations</a:t>
             </a:r>
           </a:p>
         </p:txBody>
@@ -10996,7 +6984,7 @@
         <p:spPr>
           <a:xfrm>
             <a:off x="838199" y="2021249"/>
-            <a:ext cx="6954372" cy="4581257"/>
+            <a:ext cx="7882219" cy="4366104"/>
           </a:xfrm>
         </p:spPr>
         <p:txBody>
@@ -11009,25 +6997,8 @@
               <a:rPr lang="en-US" sz="2400" dirty="0">
                 <a:latin typeface="Selawik Semibold" panose="020B0702040204020203" pitchFamily="34" charset="0"/>
               </a:rPr>
-              <a:t>Five Questions for All Analyses – Ben </a:t>
-            </a:r>
-            <a:r>
-              <a:rPr lang="en-US" sz="2400" dirty="0" err="1">
-                <a:latin typeface="Selawik Semibold" panose="020B0702040204020203" pitchFamily="34" charset="0"/>
-              </a:rPr>
-              <a:t>Alamar</a:t>
-            </a:r>
-            <a:endParaRPr lang="en-US" sz="2400" dirty="0">
-              <a:latin typeface="Selawik Semibold" panose="020B0702040204020203" pitchFamily="34" charset="0"/>
-            </a:endParaRPr>
-          </a:p>
-          <a:p>
-            <a:pPr marL="0" indent="0">
-              <a:buNone/>
-            </a:pPr>
-            <a:endParaRPr lang="en-US" sz="2400" dirty="0">
-              <a:latin typeface="Selawik Semibold" panose="020B0702040204020203" pitchFamily="34" charset="0"/>
-            </a:endParaRPr>
+              <a:t>Clear Process for Hiring/Evaluating Analysts</a:t>
+            </a:r>
           </a:p>
           <a:p>
             <a:pPr lvl="1"/>
@@ -11035,16 +7006,8 @@
               <a:rPr lang="en-US" sz="2000" dirty="0">
                 <a:latin typeface="Selawik Semibold" panose="020B0702040204020203" pitchFamily="34" charset="0"/>
               </a:rPr>
-              <a:t>What was the thought process that led to the analysis? </a:t>
-            </a:r>
-          </a:p>
-          <a:p>
-            <a:pPr marL="457200" lvl="1" indent="0">
-              <a:buNone/>
-            </a:pPr>
-            <a:endParaRPr lang="en-US" sz="2000" dirty="0">
-              <a:latin typeface="Selawik Semibold" panose="020B0702040204020203" pitchFamily="34" charset="0"/>
-            </a:endParaRPr>
+              <a:t>Strongly Agree (13.3%/14.3%)</a:t>
+            </a:r>
           </a:p>
           <a:p>
             <a:pPr lvl="1"/>
@@ -11052,16 +7015,8 @@
               <a:rPr lang="en-US" sz="2000" dirty="0">
                 <a:latin typeface="Selawik Semibold" panose="020B0702040204020203" pitchFamily="34" charset="0"/>
               </a:rPr>
-              <a:t>What is the context of the result? </a:t>
-            </a:r>
-          </a:p>
-          <a:p>
-            <a:pPr marL="457200" lvl="1" indent="0">
-              <a:buNone/>
-            </a:pPr>
-            <a:endParaRPr lang="en-US" sz="2000" dirty="0">
-              <a:latin typeface="Selawik Semibold" panose="020B0702040204020203" pitchFamily="34" charset="0"/>
-            </a:endParaRPr>
+              <a:t>Somewhat Agree (13.3%/14.3%)</a:t>
+            </a:r>
           </a:p>
           <a:p>
             <a:pPr lvl="1"/>
@@ -11069,16 +7024,8 @@
               <a:rPr lang="en-US" sz="2000" dirty="0">
                 <a:latin typeface="Selawik Semibold" panose="020B0702040204020203" pitchFamily="34" charset="0"/>
               </a:rPr>
-              <a:t>How much uncertainty is in the analysis?</a:t>
-            </a:r>
-          </a:p>
-          <a:p>
-            <a:pPr marL="457200" lvl="1" indent="0">
-              <a:buNone/>
-            </a:pPr>
-            <a:endParaRPr lang="en-US" sz="2000" dirty="0">
-              <a:latin typeface="Selawik Semibold" panose="020B0702040204020203" pitchFamily="34" charset="0"/>
-            </a:endParaRPr>
+              <a:t>Neutral (26.7%/28.6%)</a:t>
+            </a:r>
           </a:p>
           <a:p>
             <a:pPr lvl="1"/>
@@ -11086,16 +7033,8 @@
               <a:rPr lang="en-US" sz="2000" dirty="0">
                 <a:latin typeface="Selawik Semibold" panose="020B0702040204020203" pitchFamily="34" charset="0"/>
               </a:rPr>
-              <a:t>How does the result inform the decision-making process?</a:t>
-            </a:r>
-          </a:p>
-          <a:p>
-            <a:pPr marL="457200" lvl="1" indent="0">
-              <a:buNone/>
-            </a:pPr>
-            <a:endParaRPr lang="en-US" sz="2000" dirty="0">
-              <a:latin typeface="Selawik Semibold" panose="020B0702040204020203" pitchFamily="34" charset="0"/>
-            </a:endParaRPr>
+              <a:t>Somewhat Disagree (13.4%/21.4%)</a:t>
+            </a:r>
           </a:p>
           <a:p>
             <a:pPr lvl="1"/>
@@ -11103,20 +7042,8 @@
               <a:rPr lang="en-US" sz="2000" dirty="0">
                 <a:latin typeface="Selawik Semibold" panose="020B0702040204020203" pitchFamily="34" charset="0"/>
               </a:rPr>
-              <a:t>How can we further reduce the uncertainty?</a:t>
-            </a:r>
-          </a:p>
-          <a:p>
-            <a:pPr lvl="2"/>
-            <a:endParaRPr lang="en-US" sz="1600" dirty="0">
-              <a:latin typeface="Selawik Semibold" panose="020B0702040204020203" pitchFamily="34" charset="0"/>
-            </a:endParaRPr>
-          </a:p>
-          <a:p>
-            <a:pPr lvl="1"/>
-            <a:endParaRPr lang="en-US" sz="1600" dirty="0">
-              <a:latin typeface="Selawik Semibold" panose="020B0702040204020203" pitchFamily="34" charset="0"/>
-            </a:endParaRPr>
+              <a:t>Strongly Disagree (33.3%/21.4%)</a:t>
+            </a:r>
           </a:p>
           <a:p>
             <a:pPr lvl="1"/>
@@ -11125,32 +7052,51 @@
             </a:endParaRPr>
           </a:p>
           <a:p>
+            <a:r>
+              <a:rPr lang="en-US" sz="2400" dirty="0">
+                <a:latin typeface="Selawik Semibold" panose="020B0702040204020203" pitchFamily="34" charset="0"/>
+              </a:rPr>
+              <a:t>Analytic Resources in Line with Strategic Game Plan</a:t>
+            </a:r>
+          </a:p>
+          <a:p>
             <a:pPr lvl="1"/>
-            <a:endParaRPr lang="en-US" sz="2000" dirty="0">
-              <a:latin typeface="Selawik Semibold" panose="020B0702040204020203" pitchFamily="34" charset="0"/>
-            </a:endParaRPr>
+            <a:r>
+              <a:rPr lang="en-US" sz="2000" dirty="0">
+                <a:latin typeface="Selawik Semibold" panose="020B0702040204020203" pitchFamily="34" charset="0"/>
+              </a:rPr>
+              <a:t>Strongly Agree (26.7%)</a:t>
+            </a:r>
           </a:p>
           <a:p>
             <a:pPr lvl="1"/>
-            <a:endParaRPr lang="en-US" sz="1600" dirty="0">
-              <a:latin typeface="Selawik Semibold" panose="020B0702040204020203" pitchFamily="34" charset="0"/>
-            </a:endParaRPr>
+            <a:r>
+              <a:rPr lang="en-US" sz="2000" dirty="0">
+                <a:latin typeface="Selawik Semibold" panose="020B0702040204020203" pitchFamily="34" charset="0"/>
+              </a:rPr>
+              <a:t>Somewhat Agree (33.3%)</a:t>
+            </a:r>
           </a:p>
           <a:p>
             <a:pPr lvl="1"/>
-            <a:endParaRPr lang="en-US" sz="2000" dirty="0">
-              <a:latin typeface="Selawik Semibold" panose="020B0702040204020203" pitchFamily="34" charset="0"/>
-            </a:endParaRPr>
+            <a:r>
+              <a:rPr lang="en-US" sz="2000" dirty="0">
+                <a:latin typeface="Selawik Semibold" panose="020B0702040204020203" pitchFamily="34" charset="0"/>
+              </a:rPr>
+              <a:t>Neutral (33.3%)</a:t>
+            </a:r>
           </a:p>
           <a:p>
             <a:pPr lvl="1"/>
-            <a:endParaRPr lang="en-US" sz="2000" dirty="0">
-              <a:latin typeface="Selawik Semibold" panose="020B0702040204020203" pitchFamily="34" charset="0"/>
-            </a:endParaRPr>
-          </a:p>
-          <a:p>
-            <a:pPr lvl="1"/>
-            <a:endParaRPr lang="en-US" sz="2000" dirty="0">
+            <a:r>
+              <a:rPr lang="en-US" sz="2000" dirty="0">
+                <a:latin typeface="Selawik Semibold" panose="020B0702040204020203" pitchFamily="34" charset="0"/>
+              </a:rPr>
+              <a:t>Strongly Disagree (6.7%)</a:t>
+            </a:r>
+          </a:p>
+          <a:p>
+            <a:endParaRPr lang="en-US" sz="2400" dirty="0">
               <a:latin typeface="Selawik Semibold" panose="020B0702040204020203" pitchFamily="34" charset="0"/>
             </a:endParaRPr>
           </a:p>
@@ -11171,7 +7117,7 @@
           <p:nvPr/>
         </p:nvPicPr>
         <p:blipFill rotWithShape="1">
-          <a:blip r:embed="rId3">
+          <a:blip r:embed="rId2">
             <a:extLst>
               <a:ext uri="{28A0092B-C50C-407E-A947-70E740481C1C}">
                 <a14:useLocalDpi xmlns:a14="http://schemas.microsoft.com/office/drawing/2010/main" val="0"/>
@@ -11249,7 +7195,7 @@
           <p:nvPr/>
         </p:nvPicPr>
         <p:blipFill rotWithShape="1">
-          <a:blip r:embed="rId4">
+          <a:blip r:embed="rId3">
             <a:extLst>
               <a:ext uri="{28A0092B-C50C-407E-A947-70E740481C1C}">
                 <a14:useLocalDpi xmlns:a14="http://schemas.microsoft.com/office/drawing/2010/main" val="0"/>
@@ -11499,7 +7445,7 @@
     </p:spTree>
     <p:extLst>
       <p:ext uri="{BB962C8B-B14F-4D97-AF65-F5344CB8AC3E}">
-        <p14:creationId xmlns:p14="http://schemas.microsoft.com/office/powerpoint/2010/main" val="3038870814"/>
+        <p14:creationId xmlns:p14="http://schemas.microsoft.com/office/powerpoint/2010/main" val="2540240952"/>
       </p:ext>
     </p:extLst>
   </p:cSld>
@@ -11629,7 +7575,7 @@
               <a:rPr lang="en-US" b="1" dirty="0">
                 <a:latin typeface="Selawik Semibold" panose="020B0604020202020204" pitchFamily="34" charset="0"/>
               </a:rPr>
-              <a:t>What is Sports Analytics?</a:t>
+              <a:t>Analytics In the Organization</a:t>
             </a:r>
           </a:p>
         </p:txBody>
@@ -11652,8 +7598,8 @@
         </p:nvSpPr>
         <p:spPr>
           <a:xfrm>
-            <a:off x="838199" y="2021249"/>
-            <a:ext cx="7922560" cy="3801327"/>
+            <a:off x="838200" y="2021249"/>
+            <a:ext cx="6994712" cy="4155713"/>
           </a:xfrm>
         </p:spPr>
         <p:txBody>
@@ -11666,7 +7612,34 @@
               <a:rPr lang="en-US" sz="2400" dirty="0">
                 <a:latin typeface="Selawik Semibold" panose="020B0702040204020203" pitchFamily="34" charset="0"/>
               </a:rPr>
-              <a:t>Information Systems</a:t>
+              <a:t>On-the-Field</a:t>
+            </a:r>
+          </a:p>
+          <a:p>
+            <a:pPr lvl="1"/>
+            <a:r>
+              <a:rPr lang="en-US" sz="2000" dirty="0">
+                <a:latin typeface="Selawik Semibold" panose="020B0702040204020203" pitchFamily="34" charset="0"/>
+              </a:rPr>
+              <a:t>Coaching</a:t>
+            </a:r>
+          </a:p>
+          <a:p>
+            <a:pPr lvl="1"/>
+            <a:r>
+              <a:rPr lang="en-US" sz="2000" dirty="0">
+                <a:latin typeface="Selawik Semibold" panose="020B0702040204020203" pitchFamily="34" charset="0"/>
+              </a:rPr>
+              <a:t>Player Development</a:t>
+            </a:r>
+          </a:p>
+          <a:p>
+            <a:pPr lvl="1"/>
+            <a:r>
+              <a:rPr lang="en-US" sz="2000" dirty="0">
+                <a:latin typeface="Selawik Semibold" panose="020B0702040204020203" pitchFamily="34" charset="0"/>
+              </a:rPr>
+              <a:t>Player Evaluation</a:t>
             </a:r>
           </a:p>
           <a:p>
@@ -11676,19 +7649,21 @@
             </a:endParaRPr>
           </a:p>
           <a:p>
+            <a:r>
+              <a:rPr lang="en-US" sz="2400" dirty="0">
+                <a:latin typeface="Selawik Semibold" panose="020B0702040204020203" pitchFamily="34" charset="0"/>
+              </a:rPr>
+              <a:t>Off-the-Field</a:t>
+            </a:r>
+          </a:p>
+          <a:p>
             <a:pPr lvl="1"/>
             <a:r>
               <a:rPr lang="en-US" sz="2000" dirty="0">
                 <a:latin typeface="Selawik Semibold" panose="020B0702040204020203" pitchFamily="34" charset="0"/>
               </a:rPr>
-              <a:t>Mechanisms for Data Delivery</a:t>
-            </a:r>
-          </a:p>
-          <a:p>
-            <a:pPr lvl="1"/>
-            <a:endParaRPr lang="en-US" sz="2000" dirty="0">
-              <a:latin typeface="Selawik Semibold" panose="020B0702040204020203" pitchFamily="34" charset="0"/>
-            </a:endParaRPr>
+              <a:t>Sales</a:t>
+            </a:r>
           </a:p>
           <a:p>
             <a:pPr lvl="1"/>
@@ -11696,14 +7671,8 @@
               <a:rPr lang="en-US" sz="2000" dirty="0">
                 <a:latin typeface="Selawik Semibold" panose="020B0702040204020203" pitchFamily="34" charset="0"/>
               </a:rPr>
-              <a:t>Organization and Presentation Matters</a:t>
-            </a:r>
-          </a:p>
-          <a:p>
-            <a:pPr lvl="1"/>
-            <a:endParaRPr lang="en-US" sz="2000" dirty="0">
-              <a:latin typeface="Selawik Semibold" panose="020B0702040204020203" pitchFamily="34" charset="0"/>
-            </a:endParaRPr>
+              <a:t>Marketing</a:t>
+            </a:r>
           </a:p>
           <a:p>
             <a:pPr lvl="1"/>
@@ -11711,14 +7680,8 @@
               <a:rPr lang="en-US" sz="2000" dirty="0">
                 <a:latin typeface="Selawik Semibold" panose="020B0702040204020203" pitchFamily="34" charset="0"/>
               </a:rPr>
-              <a:t>“One Version of the Truth” – Summarized and Centralized</a:t>
-            </a:r>
-          </a:p>
-          <a:p>
-            <a:pPr lvl="1"/>
-            <a:endParaRPr lang="en-US" sz="2000" dirty="0">
-              <a:latin typeface="Selawik Semibold" panose="020B0702040204020203" pitchFamily="34" charset="0"/>
-            </a:endParaRPr>
+              <a:t>Cap Management</a:t>
+            </a:r>
           </a:p>
           <a:p>
             <a:pPr lvl="1"/>
@@ -11726,14 +7689,8 @@
               <a:rPr lang="en-US" sz="2000" dirty="0">
                 <a:latin typeface="Selawik Semibold" panose="020B0702040204020203" pitchFamily="34" charset="0"/>
               </a:rPr>
-              <a:t>Static: Automatically Generated Reports</a:t>
-            </a:r>
-          </a:p>
-          <a:p>
-            <a:pPr lvl="1"/>
-            <a:endParaRPr lang="en-US" sz="2000" dirty="0">
-              <a:latin typeface="Selawik Semibold" panose="020B0702040204020203" pitchFamily="34" charset="0"/>
-            </a:endParaRPr>
+              <a:t>Hiring</a:t>
+            </a:r>
           </a:p>
           <a:p>
             <a:pPr lvl="1"/>
@@ -11741,38 +7698,8 @@
               <a:rPr lang="en-US" sz="2000" dirty="0">
                 <a:latin typeface="Selawik Semibold" panose="020B0702040204020203" pitchFamily="34" charset="0"/>
               </a:rPr>
-              <a:t>Interactive: Computer, Phone, Tablet, and Web Applications</a:t>
-            </a:r>
-          </a:p>
-          <a:p>
-            <a:pPr lvl="1"/>
-            <a:endParaRPr lang="en-US" sz="2000" dirty="0">
-              <a:latin typeface="Selawik Semibold" panose="020B0702040204020203" pitchFamily="34" charset="0"/>
-            </a:endParaRPr>
-          </a:p>
-          <a:p>
-            <a:pPr lvl="1"/>
-            <a:endParaRPr lang="en-US" sz="1600" dirty="0">
-              <a:latin typeface="Selawik Semibold" panose="020B0702040204020203" pitchFamily="34" charset="0"/>
-            </a:endParaRPr>
-          </a:p>
-          <a:p>
-            <a:pPr lvl="1"/>
-            <a:endParaRPr lang="en-US" sz="2000" dirty="0">
-              <a:latin typeface="Selawik Semibold" panose="020B0702040204020203" pitchFamily="34" charset="0"/>
-            </a:endParaRPr>
-          </a:p>
-          <a:p>
-            <a:pPr lvl="1"/>
-            <a:endParaRPr lang="en-US" sz="2000" dirty="0">
-              <a:latin typeface="Selawik Semibold" panose="020B0702040204020203" pitchFamily="34" charset="0"/>
-            </a:endParaRPr>
-          </a:p>
-          <a:p>
-            <a:pPr lvl="1"/>
-            <a:endParaRPr lang="en-US" sz="2000" dirty="0">
-              <a:latin typeface="Selawik Semibold" panose="020B0702040204020203" pitchFamily="34" charset="0"/>
-            </a:endParaRPr>
+              <a:t>Public Relations and Social Media</a:t>
+            </a:r>
           </a:p>
         </p:txBody>
       </p:sp>
@@ -11791,7 +7718,7 @@
           <p:nvPr/>
         </p:nvPicPr>
         <p:blipFill rotWithShape="1">
-          <a:blip r:embed="rId3">
+          <a:blip r:embed="rId2">
             <a:extLst>
               <a:ext uri="{28A0092B-C50C-407E-A947-70E740481C1C}">
                 <a14:useLocalDpi xmlns:a14="http://schemas.microsoft.com/office/drawing/2010/main" val="0"/>
@@ -11869,7 +7796,7 @@
           <p:nvPr/>
         </p:nvPicPr>
         <p:blipFill rotWithShape="1">
-          <a:blip r:embed="rId4">
+          <a:blip r:embed="rId3">
             <a:extLst>
               <a:ext uri="{28A0092B-C50C-407E-A947-70E740481C1C}">
                 <a14:useLocalDpi xmlns:a14="http://schemas.microsoft.com/office/drawing/2010/main" val="0"/>
@@ -12119,7 +8046,7 @@
     </p:spTree>
     <p:extLst>
       <p:ext uri="{BB962C8B-B14F-4D97-AF65-F5344CB8AC3E}">
-        <p14:creationId xmlns:p14="http://schemas.microsoft.com/office/powerpoint/2010/main" val="3847524711"/>
+        <p14:creationId xmlns:p14="http://schemas.microsoft.com/office/powerpoint/2010/main" val="2762272663"/>
       </p:ext>
     </p:extLst>
   </p:cSld>
@@ -12249,7 +8176,7 @@
               <a:rPr lang="en-US" b="1" dirty="0">
                 <a:latin typeface="Selawik Semibold" panose="020B0604020202020204" pitchFamily="34" charset="0"/>
               </a:rPr>
-              <a:t>Analytics In the Organization</a:t>
+              <a:t>Education in Sports Analytics</a:t>
             </a:r>
           </a:p>
         </p:txBody>
@@ -12286,94 +8213,11 @@
               <a:rPr lang="en-US" sz="2400" dirty="0">
                 <a:latin typeface="Selawik Semibold" panose="020B0702040204020203" pitchFamily="34" charset="0"/>
               </a:rPr>
-              <a:t>On-the-Field</a:t>
-            </a:r>
-          </a:p>
-          <a:p>
-            <a:pPr lvl="1"/>
-            <a:r>
-              <a:rPr lang="en-US" sz="2000" dirty="0">
-                <a:latin typeface="Selawik Semibold" panose="020B0702040204020203" pitchFamily="34" charset="0"/>
-              </a:rPr>
-              <a:t>Coaching</a:t>
-            </a:r>
-          </a:p>
-          <a:p>
-            <a:pPr lvl="1"/>
-            <a:r>
-              <a:rPr lang="en-US" sz="2000" dirty="0">
-                <a:latin typeface="Selawik Semibold" panose="020B0702040204020203" pitchFamily="34" charset="0"/>
-              </a:rPr>
-              <a:t>Player Development</a:t>
-            </a:r>
-          </a:p>
-          <a:p>
-            <a:pPr lvl="1"/>
-            <a:r>
-              <a:rPr lang="en-US" sz="2000" dirty="0">
-                <a:latin typeface="Selawik Semibold" panose="020B0702040204020203" pitchFamily="34" charset="0"/>
-              </a:rPr>
-              <a:t>Player Evaluation</a:t>
-            </a:r>
-          </a:p>
-          <a:p>
-            <a:pPr lvl="1"/>
+              <a:t>Key Journals</a:t>
+            </a:r>
             <a:endParaRPr lang="en-US" sz="2000" dirty="0">
               <a:latin typeface="Selawik Semibold" panose="020B0702040204020203" pitchFamily="34" charset="0"/>
             </a:endParaRPr>
-          </a:p>
-          <a:p>
-            <a:r>
-              <a:rPr lang="en-US" sz="2400" dirty="0">
-                <a:latin typeface="Selawik Semibold" panose="020B0702040204020203" pitchFamily="34" charset="0"/>
-              </a:rPr>
-              <a:t>Off-the-Field</a:t>
-            </a:r>
-          </a:p>
-          <a:p>
-            <a:pPr lvl="1"/>
-            <a:r>
-              <a:rPr lang="en-US" sz="2000" dirty="0">
-                <a:latin typeface="Selawik Semibold" panose="020B0702040204020203" pitchFamily="34" charset="0"/>
-              </a:rPr>
-              <a:t>Sales</a:t>
-            </a:r>
-          </a:p>
-          <a:p>
-            <a:pPr lvl="1"/>
-            <a:r>
-              <a:rPr lang="en-US" sz="2000" dirty="0">
-                <a:latin typeface="Selawik Semibold" panose="020B0702040204020203" pitchFamily="34" charset="0"/>
-              </a:rPr>
-              <a:t>Marketing</a:t>
-            </a:r>
-          </a:p>
-          <a:p>
-            <a:pPr lvl="1"/>
-            <a:r>
-              <a:rPr lang="en-US" sz="2000" dirty="0">
-                <a:latin typeface="Selawik Semibold" panose="020B0702040204020203" pitchFamily="34" charset="0"/>
-              </a:rPr>
-              <a:t>Cap Management</a:t>
-            </a:r>
-          </a:p>
-          <a:p>
-            <a:pPr lvl="1"/>
-            <a:r>
-              <a:rPr lang="en-US" sz="2000" dirty="0">
-                <a:latin typeface="Selawik Semibold" panose="020B0702040204020203" pitchFamily="34" charset="0"/>
-              </a:rPr>
-              <a:t>Hiring</a:t>
-            </a:r>
-          </a:p>
-          <a:p>
-            <a:pPr lvl="1"/>
-            <a:r>
-              <a:rPr lang="en-US" sz="2000" dirty="0">
-                <a:latin typeface="Selawik Semibold" panose="020B0702040204020203" pitchFamily="34" charset="0"/>
-              </a:rPr>
-              <a:t>Public Relations and Social Media</a:t>
-            </a:r>
           </a:p>
         </p:txBody>
       </p:sp>
@@ -12720,7 +8564,7 @@
     </p:spTree>
     <p:extLst>
       <p:ext uri="{BB962C8B-B14F-4D97-AF65-F5344CB8AC3E}">
-        <p14:creationId xmlns:p14="http://schemas.microsoft.com/office/powerpoint/2010/main" val="2762272663"/>
+        <p14:creationId xmlns:p14="http://schemas.microsoft.com/office/powerpoint/2010/main" val="3678413663"/>
       </p:ext>
     </p:extLst>
   </p:cSld>
@@ -12850,7 +8694,7 @@
               <a:rPr lang="en-US" b="1" dirty="0">
                 <a:latin typeface="Selawik Semibold" panose="020B0604020202020204" pitchFamily="34" charset="0"/>
               </a:rPr>
-              <a:t>Analytics Across the Organizations</a:t>
+              <a:t>Research in Sports Analytics</a:t>
             </a:r>
           </a:p>
         </p:txBody>
@@ -12887,82 +8731,11 @@
               <a:rPr lang="en-US" sz="2400" dirty="0">
                 <a:latin typeface="Selawik Semibold" panose="020B0702040204020203" pitchFamily="34" charset="0"/>
               </a:rPr>
-              <a:t>Sports Analytics Use Survey (2013)</a:t>
-            </a:r>
-          </a:p>
-          <a:p>
-            <a:endParaRPr lang="en-US" sz="2400" dirty="0">
+              <a:t>Key Journals</a:t>
+            </a:r>
+            <a:endParaRPr lang="en-US" sz="2000" dirty="0">
               <a:latin typeface="Selawik Semibold" panose="020B0702040204020203" pitchFamily="34" charset="0"/>
             </a:endParaRPr>
-          </a:p>
-          <a:p>
-            <a:r>
-              <a:rPr lang="en-US" sz="2400" dirty="0">
-                <a:latin typeface="Selawik Semibold" panose="020B0702040204020203" pitchFamily="34" charset="0"/>
-              </a:rPr>
-              <a:t>Sample of 27 People</a:t>
-            </a:r>
-            <a:r>
-              <a:rPr lang="en-US" sz="2000" dirty="0">
-                <a:latin typeface="Selawik Semibold" panose="020B0702040204020203" pitchFamily="34" charset="0"/>
-              </a:rPr>
-              <a:t> </a:t>
-            </a:r>
-            <a:r>
-              <a:rPr lang="en-US" sz="2400" dirty="0">
-                <a:latin typeface="Selawik Semibold" panose="020B0702040204020203" pitchFamily="34" charset="0"/>
-              </a:rPr>
-              <a:t>(NFL, MLB, NBA, EPL)</a:t>
-            </a:r>
-          </a:p>
-          <a:p>
-            <a:endParaRPr lang="en-US" sz="2400" dirty="0">
-              <a:latin typeface="Selawik Semibold" panose="020B0702040204020203" pitchFamily="34" charset="0"/>
-            </a:endParaRPr>
-          </a:p>
-          <a:p>
-            <a:r>
-              <a:rPr lang="en-US" sz="2400" dirty="0">
-                <a:latin typeface="Selawik Semibold" panose="020B0702040204020203" pitchFamily="34" charset="0"/>
-              </a:rPr>
-              <a:t>How Many Different Sources?</a:t>
-            </a:r>
-          </a:p>
-          <a:p>
-            <a:pPr lvl="1"/>
-            <a:r>
-              <a:rPr lang="en-US" sz="2000" dirty="0">
-                <a:latin typeface="Selawik Semibold" panose="020B0702040204020203" pitchFamily="34" charset="0"/>
-              </a:rPr>
-              <a:t>1-2 (6.7%) </a:t>
-            </a:r>
-          </a:p>
-          <a:p>
-            <a:pPr lvl="1"/>
-            <a:r>
-              <a:rPr lang="en-US" sz="2000" dirty="0">
-                <a:latin typeface="Selawik Semibold" panose="020B0702040204020203" pitchFamily="34" charset="0"/>
-              </a:rPr>
-              <a:t>3-4 (33.3%) </a:t>
-            </a:r>
-          </a:p>
-          <a:p>
-            <a:pPr lvl="1"/>
-            <a:r>
-              <a:rPr lang="en-US" sz="2000" dirty="0">
-                <a:latin typeface="Selawik Semibold" panose="020B0702040204020203" pitchFamily="34" charset="0"/>
-              </a:rPr>
-              <a:t>5-6 (13.3%) </a:t>
-            </a:r>
-          </a:p>
-          <a:p>
-            <a:pPr lvl="1"/>
-            <a:r>
-              <a:rPr lang="en-US" sz="2000" dirty="0">
-                <a:latin typeface="Selawik Semibold" panose="020B0702040204020203" pitchFamily="34" charset="0"/>
-              </a:rPr>
-              <a:t>&gt;6 (46.71%) </a:t>
-            </a:r>
           </a:p>
         </p:txBody>
       </p:sp>
@@ -13309,7 +9082,7 @@
     </p:spTree>
     <p:extLst>
       <p:ext uri="{BB962C8B-B14F-4D97-AF65-F5344CB8AC3E}">
-        <p14:creationId xmlns:p14="http://schemas.microsoft.com/office/powerpoint/2010/main" val="1770409084"/>
+        <p14:creationId xmlns:p14="http://schemas.microsoft.com/office/powerpoint/2010/main" val="2351506501"/>
       </p:ext>
     </p:extLst>
   </p:cSld>

--- a/Slides/Sports Analytics 3/Sports_Analytics_3_Lecture.pptx
+++ b/Slides/Sports Analytics 3/Sports_Analytics_3_Lecture.pptx
@@ -206,7 +206,7 @@
           <a:p>
             <a:fld id="{C04E5E84-956F-4423-97B3-5936A6D8EEEE}" type="datetimeFigureOut">
               <a:rPr lang="en-US" smtClean="0"/>
-              <a:t>8/26/2019</a:t>
+              <a:t>8/27/2019</a:t>
             </a:fld>
             <a:endParaRPr lang="en-US"/>
           </a:p>
@@ -620,7 +620,7 @@
           <a:p>
             <a:fld id="{3881C039-66A3-4640-815B-3B5A8B7D868D}" type="datetimeFigureOut">
               <a:rPr lang="en-US" smtClean="0"/>
-              <a:t>8/26/2019</a:t>
+              <a:t>8/27/2019</a:t>
             </a:fld>
             <a:endParaRPr lang="en-US"/>
           </a:p>
@@ -818,7 +818,7 @@
           <a:p>
             <a:fld id="{3881C039-66A3-4640-815B-3B5A8B7D868D}" type="datetimeFigureOut">
               <a:rPr lang="en-US" smtClean="0"/>
-              <a:t>8/26/2019</a:t>
+              <a:t>8/27/2019</a:t>
             </a:fld>
             <a:endParaRPr lang="en-US"/>
           </a:p>
@@ -1026,7 +1026,7 @@
           <a:p>
             <a:fld id="{3881C039-66A3-4640-815B-3B5A8B7D868D}" type="datetimeFigureOut">
               <a:rPr lang="en-US" smtClean="0"/>
-              <a:t>8/26/2019</a:t>
+              <a:t>8/27/2019</a:t>
             </a:fld>
             <a:endParaRPr lang="en-US"/>
           </a:p>
@@ -1224,7 +1224,7 @@
           <a:p>
             <a:fld id="{3881C039-66A3-4640-815B-3B5A8B7D868D}" type="datetimeFigureOut">
               <a:rPr lang="en-US" smtClean="0"/>
-              <a:t>8/26/2019</a:t>
+              <a:t>8/27/2019</a:t>
             </a:fld>
             <a:endParaRPr lang="en-US"/>
           </a:p>
@@ -1499,7 +1499,7 @@
           <a:p>
             <a:fld id="{3881C039-66A3-4640-815B-3B5A8B7D868D}" type="datetimeFigureOut">
               <a:rPr lang="en-US" smtClean="0"/>
-              <a:t>8/26/2019</a:t>
+              <a:t>8/27/2019</a:t>
             </a:fld>
             <a:endParaRPr lang="en-US"/>
           </a:p>
@@ -1764,7 +1764,7 @@
           <a:p>
             <a:fld id="{3881C039-66A3-4640-815B-3B5A8B7D868D}" type="datetimeFigureOut">
               <a:rPr lang="en-US" smtClean="0"/>
-              <a:t>8/26/2019</a:t>
+              <a:t>8/27/2019</a:t>
             </a:fld>
             <a:endParaRPr lang="en-US"/>
           </a:p>
@@ -2176,7 +2176,7 @@
           <a:p>
             <a:fld id="{3881C039-66A3-4640-815B-3B5A8B7D868D}" type="datetimeFigureOut">
               <a:rPr lang="en-US" smtClean="0"/>
-              <a:t>8/26/2019</a:t>
+              <a:t>8/27/2019</a:t>
             </a:fld>
             <a:endParaRPr lang="en-US"/>
           </a:p>
@@ -2317,7 +2317,7 @@
           <a:p>
             <a:fld id="{3881C039-66A3-4640-815B-3B5A8B7D868D}" type="datetimeFigureOut">
               <a:rPr lang="en-US" smtClean="0"/>
-              <a:t>8/26/2019</a:t>
+              <a:t>8/27/2019</a:t>
             </a:fld>
             <a:endParaRPr lang="en-US"/>
           </a:p>
@@ -2430,7 +2430,7 @@
           <a:p>
             <a:fld id="{3881C039-66A3-4640-815B-3B5A8B7D868D}" type="datetimeFigureOut">
               <a:rPr lang="en-US" smtClean="0"/>
-              <a:t>8/26/2019</a:t>
+              <a:t>8/27/2019</a:t>
             </a:fld>
             <a:endParaRPr lang="en-US"/>
           </a:p>
@@ -2741,7 +2741,7 @@
           <a:p>
             <a:fld id="{3881C039-66A3-4640-815B-3B5A8B7D868D}" type="datetimeFigureOut">
               <a:rPr lang="en-US" smtClean="0"/>
-              <a:t>8/26/2019</a:t>
+              <a:t>8/27/2019</a:t>
             </a:fld>
             <a:endParaRPr lang="en-US"/>
           </a:p>
@@ -3029,7 +3029,7 @@
           <a:p>
             <a:fld id="{3881C039-66A3-4640-815B-3B5A8B7D868D}" type="datetimeFigureOut">
               <a:rPr lang="en-US" smtClean="0"/>
-              <a:t>8/26/2019</a:t>
+              <a:t>8/27/2019</a:t>
             </a:fld>
             <a:endParaRPr lang="en-US"/>
           </a:p>
@@ -3273,7 +3273,7 @@
           <a:p>
             <a:fld id="{3881C039-66A3-4640-815B-3B5A8B7D868D}" type="datetimeFigureOut">
               <a:rPr lang="en-US" smtClean="0"/>
-              <a:t>8/26/2019</a:t>
+              <a:t>8/27/2019</a:t>
             </a:fld>
             <a:endParaRPr lang="en-US"/>
           </a:p>
@@ -4424,7 +4424,7 @@
               <a:rPr lang="en-US" sz="2800" dirty="0">
                 <a:latin typeface="Selawik Semibold" panose="020B0702040204020203" pitchFamily="34" charset="0"/>
               </a:rPr>
-              <a:t>I am not cocky. I am 95% confident. </a:t>
+              <a:t>Always Be Scoring. </a:t>
             </a:r>
           </a:p>
           <a:p>
@@ -4439,7 +4439,7 @@
               <a:rPr lang="en-US" sz="2800" dirty="0">
                 <a:latin typeface="Selawik Semibold" panose="020B0702040204020203" pitchFamily="34" charset="0"/>
               </a:rPr>
-              <a:t>- Mahatma Mario</a:t>
+              <a:t>- Mike Giannetto</a:t>
             </a:r>
           </a:p>
           <a:p>

--- a/Slides/Sports Analytics 3/Sports_Analytics_3_Lecture.pptx
+++ b/Slides/Sports Analytics 3/Sports_Analytics_3_Lecture.pptx
@@ -5,7 +5,7 @@
     <p:sldMasterId id="2147483648" r:id="rId1"/>
   </p:sldMasterIdLst>
   <p:notesMasterIdLst>
-    <p:notesMasterId r:id="rId12"/>
+    <p:notesMasterId r:id="rId23"/>
   </p:notesMasterIdLst>
   <p:sldIdLst>
     <p:sldId id="256" r:id="rId2"/>
@@ -14,10 +14,21 @@
     <p:sldId id="278" r:id="rId5"/>
     <p:sldId id="279" r:id="rId6"/>
     <p:sldId id="280" r:id="rId7"/>
-    <p:sldId id="257" r:id="rId8"/>
-    <p:sldId id="283" r:id="rId9"/>
-    <p:sldId id="282" r:id="rId10"/>
-    <p:sldId id="281" r:id="rId11"/>
+    <p:sldId id="284" r:id="rId8"/>
+    <p:sldId id="257" r:id="rId9"/>
+    <p:sldId id="285" r:id="rId10"/>
+    <p:sldId id="286" r:id="rId11"/>
+    <p:sldId id="287" r:id="rId12"/>
+    <p:sldId id="290" r:id="rId13"/>
+    <p:sldId id="289" r:id="rId14"/>
+    <p:sldId id="292" r:id="rId15"/>
+    <p:sldId id="291" r:id="rId16"/>
+    <p:sldId id="293" r:id="rId17"/>
+    <p:sldId id="294" r:id="rId18"/>
+    <p:sldId id="295" r:id="rId19"/>
+    <p:sldId id="296" r:id="rId20"/>
+    <p:sldId id="297" r:id="rId21"/>
+    <p:sldId id="281" r:id="rId22"/>
   </p:sldIdLst>
   <p:sldSz cx="12192000" cy="6858000"/>
   <p:notesSz cx="6858000" cy="9144000"/>
@@ -3912,6 +3923,7742 @@
       </p:grpSpPr>
       <p:sp>
         <p:nvSpPr>
+          <p:cNvPr id="25" name="Rectangle 24">
+            <a:extLst>
+              <a:ext uri="{FF2B5EF4-FFF2-40B4-BE49-F238E27FC236}">
+                <a16:creationId xmlns:a16="http://schemas.microsoft.com/office/drawing/2014/main" id="{A6792F05-2FD4-4F18-815E-15391E8B4A0E}"/>
+              </a:ext>
+              <a:ext uri="{C183D7F6-B498-43B3-948B-1728B52AA6E4}">
+                <adec:decorative xmlns:adec="http://schemas.microsoft.com/office/drawing/2017/decorative" val="1"/>
+              </a:ext>
+            </a:extLst>
+          </p:cNvPr>
+          <p:cNvSpPr>
+            <a:spLocks noGrp="1" noRot="1" noChangeAspect="1" noMove="1" noResize="1" noEditPoints="1" noAdjustHandles="1" noChangeArrowheads="1" noChangeShapeType="1" noTextEdit="1"/>
+          </p:cNvSpPr>
+          <p:nvPr>
+            <p:extLst>
+              <p:ext uri="{386F3935-93C4-4BCD-93E2-E3B085C9AB24}">
+                <p16:designElem xmlns:p16="http://schemas.microsoft.com/office/powerpoint/2015/main" val="1"/>
+              </p:ext>
+            </p:extLst>
+          </p:nvPr>
+        </p:nvSpPr>
+        <p:spPr>
+          <a:xfrm>
+            <a:off x="0" y="0"/>
+            <a:ext cx="12191999" cy="6858000"/>
+          </a:xfrm>
+          <a:prstGeom prst="rect">
+            <a:avLst/>
+          </a:prstGeom>
+          <a:solidFill>
+            <a:srgbClr val="395583"/>
+          </a:solidFill>
+          <a:ln>
+            <a:noFill/>
+          </a:ln>
+        </p:spPr>
+        <p:style>
+          <a:lnRef idx="2">
+            <a:schemeClr val="accent1">
+              <a:shade val="50000"/>
+            </a:schemeClr>
+          </a:lnRef>
+          <a:fillRef idx="1">
+            <a:schemeClr val="accent1"/>
+          </a:fillRef>
+          <a:effectRef idx="0">
+            <a:schemeClr val="accent1"/>
+          </a:effectRef>
+          <a:fontRef idx="minor">
+            <a:schemeClr val="lt1"/>
+          </a:fontRef>
+        </p:style>
+        <p:txBody>
+          <a:bodyPr rtlCol="0" anchor="ctr"/>
+          <a:lstStyle/>
+          <a:p>
+            <a:pPr algn="ctr"/>
+            <a:endParaRPr lang="en-US"/>
+          </a:p>
+        </p:txBody>
+      </p:sp>
+      <p:sp>
+        <p:nvSpPr>
+          <p:cNvPr id="2" name="Title 1">
+            <a:extLst>
+              <a:ext uri="{FF2B5EF4-FFF2-40B4-BE49-F238E27FC236}">
+                <a16:creationId xmlns:a16="http://schemas.microsoft.com/office/drawing/2014/main" id="{2589AFCC-0FF0-498C-B11F-8990DF0DAAA5}"/>
+              </a:ext>
+            </a:extLst>
+          </p:cNvPr>
+          <p:cNvSpPr>
+            <a:spLocks noGrp="1"/>
+          </p:cNvSpPr>
+          <p:nvPr>
+            <p:ph type="title"/>
+          </p:nvPr>
+        </p:nvSpPr>
+        <p:spPr>
+          <a:xfrm>
+            <a:off x="838200" y="365125"/>
+            <a:ext cx="10515600" cy="1325563"/>
+          </a:xfrm>
+        </p:spPr>
+        <p:txBody>
+          <a:bodyPr>
+            <a:normAutofit/>
+          </a:bodyPr>
+          <a:lstStyle/>
+          <a:p>
+            <a:r>
+              <a:rPr lang="en-US" b="1" dirty="0">
+                <a:latin typeface="Selawik Semibold" panose="020B0604020202020204" pitchFamily="34" charset="0"/>
+              </a:rPr>
+              <a:t>Industry Present</a:t>
+            </a:r>
+          </a:p>
+        </p:txBody>
+      </p:sp>
+      <p:sp>
+        <p:nvSpPr>
+          <p:cNvPr id="9" name="Content Placeholder 8">
+            <a:extLst>
+              <a:ext uri="{FF2B5EF4-FFF2-40B4-BE49-F238E27FC236}">
+                <a16:creationId xmlns:a16="http://schemas.microsoft.com/office/drawing/2014/main" id="{2D995594-59F2-4020-AB6F-751BAE84ADB3}"/>
+              </a:ext>
+            </a:extLst>
+          </p:cNvPr>
+          <p:cNvSpPr>
+            <a:spLocks noGrp="1"/>
+          </p:cNvSpPr>
+          <p:nvPr>
+            <p:ph idx="1"/>
+          </p:nvPr>
+        </p:nvSpPr>
+        <p:spPr>
+          <a:xfrm>
+            <a:off x="838199" y="2021248"/>
+            <a:ext cx="7653667" cy="4695905"/>
+          </a:xfrm>
+        </p:spPr>
+        <p:txBody>
+          <a:bodyPr>
+            <a:normAutofit/>
+          </a:bodyPr>
+          <a:lstStyle/>
+          <a:p>
+            <a:r>
+              <a:rPr lang="en-US" sz="2400" dirty="0">
+                <a:latin typeface="Selawik Semibold" panose="020B0702040204020203" pitchFamily="34" charset="0"/>
+              </a:rPr>
+              <a:t>Modern Applications of Sports Analytics</a:t>
+            </a:r>
+          </a:p>
+          <a:p>
+            <a:pPr lvl="1"/>
+            <a:endParaRPr lang="en-US" sz="2000" dirty="0">
+              <a:latin typeface="Selawik Semibold" panose="020B0702040204020203" pitchFamily="34" charset="0"/>
+            </a:endParaRPr>
+          </a:p>
+          <a:p>
+            <a:pPr lvl="1"/>
+            <a:r>
+              <a:rPr lang="en-US" sz="2000" dirty="0">
+                <a:latin typeface="Selawik Semibold" panose="020B0702040204020203" pitchFamily="34" charset="0"/>
+              </a:rPr>
+              <a:t>Benefiting Other Stakeholders</a:t>
+            </a:r>
+          </a:p>
+          <a:p>
+            <a:pPr lvl="2"/>
+            <a:r>
+              <a:rPr lang="en-US" sz="1800" dirty="0">
+                <a:latin typeface="Selawik Semibold" panose="020B0702040204020203" pitchFamily="34" charset="0"/>
+              </a:rPr>
+              <a:t>Tracking Fan Behavior Outside the Stadium</a:t>
+            </a:r>
+          </a:p>
+          <a:p>
+            <a:pPr lvl="2"/>
+            <a:r>
+              <a:rPr lang="en-US" sz="1800" dirty="0">
+                <a:latin typeface="Selawik Semibold" panose="020B0702040204020203" pitchFamily="34" charset="0"/>
+              </a:rPr>
+              <a:t>Telecommunication, Retailers, Payment Providers, Ticket Agencies, and Sponsorships</a:t>
+            </a:r>
+          </a:p>
+          <a:p>
+            <a:pPr lvl="2"/>
+            <a:r>
+              <a:rPr lang="en-US" sz="1800" dirty="0">
+                <a:latin typeface="Selawik Semibold" panose="020B0702040204020203" pitchFamily="34" charset="0"/>
+              </a:rPr>
+              <a:t>Adapt to Quick Changes in Consumer Behavior</a:t>
+            </a:r>
+          </a:p>
+          <a:p>
+            <a:pPr lvl="2"/>
+            <a:endParaRPr lang="en-US" sz="1800" dirty="0">
+              <a:latin typeface="Selawik Semibold" panose="020B0702040204020203" pitchFamily="34" charset="0"/>
+            </a:endParaRPr>
+          </a:p>
+          <a:p>
+            <a:pPr lvl="1"/>
+            <a:r>
+              <a:rPr lang="en-US" sz="2000" dirty="0">
+                <a:latin typeface="Selawik Semibold" panose="020B0702040204020203" pitchFamily="34" charset="0"/>
+              </a:rPr>
+              <a:t>Optimizing the Back-Office</a:t>
+            </a:r>
+          </a:p>
+          <a:p>
+            <a:pPr lvl="2"/>
+            <a:r>
+              <a:rPr lang="en-US" sz="1600" dirty="0">
+                <a:latin typeface="Selawik Semibold" panose="020B0702040204020203" pitchFamily="34" charset="0"/>
+              </a:rPr>
+              <a:t>HR Practices</a:t>
+            </a:r>
+          </a:p>
+          <a:p>
+            <a:pPr lvl="2"/>
+            <a:r>
+              <a:rPr lang="en-US" sz="1600" dirty="0">
+                <a:latin typeface="Selawik Semibold" panose="020B0702040204020203" pitchFamily="34" charset="0"/>
+              </a:rPr>
+              <a:t>Game Scheduling</a:t>
+            </a:r>
+          </a:p>
+          <a:p>
+            <a:pPr lvl="2"/>
+            <a:r>
+              <a:rPr lang="en-US" sz="1600" dirty="0">
+                <a:latin typeface="Selawik Semibold" panose="020B0702040204020203" pitchFamily="34" charset="0"/>
+              </a:rPr>
+              <a:t>Supply Chain Management and Logistics</a:t>
+            </a:r>
+          </a:p>
+          <a:p>
+            <a:pPr lvl="2"/>
+            <a:r>
+              <a:rPr lang="en-US" sz="1600" dirty="0">
+                <a:latin typeface="Selawik Semibold" panose="020B0702040204020203" pitchFamily="34" charset="0"/>
+              </a:rPr>
+              <a:t>Marketing and Promotions</a:t>
+            </a:r>
+          </a:p>
+          <a:p>
+            <a:pPr lvl="2"/>
+            <a:r>
+              <a:rPr lang="en-US" sz="1600" dirty="0">
+                <a:latin typeface="Selawik Semibold" panose="020B0702040204020203" pitchFamily="34" charset="0"/>
+              </a:rPr>
+              <a:t>Procurement of Goods and Services</a:t>
+            </a:r>
+          </a:p>
+          <a:p>
+            <a:pPr lvl="2"/>
+            <a:endParaRPr lang="en-US" sz="1600" dirty="0">
+              <a:latin typeface="Selawik Semibold" panose="020B0702040204020203" pitchFamily="34" charset="0"/>
+            </a:endParaRPr>
+          </a:p>
+          <a:p>
+            <a:pPr lvl="2"/>
+            <a:endParaRPr lang="en-US" sz="1800" dirty="0">
+              <a:latin typeface="Selawik Semibold" panose="020B0702040204020203" pitchFamily="34" charset="0"/>
+            </a:endParaRPr>
+          </a:p>
+          <a:p>
+            <a:pPr lvl="1"/>
+            <a:endParaRPr lang="en-US" sz="2200" dirty="0">
+              <a:latin typeface="Selawik Semibold" panose="020B0702040204020203" pitchFamily="34" charset="0"/>
+            </a:endParaRPr>
+          </a:p>
+        </p:txBody>
+      </p:sp>
+      <p:pic>
+        <p:nvPicPr>
+          <p:cNvPr id="4" name="Picture 3" descr="A drawing of a cartoon character&#10;&#10;Description automatically generated">
+            <a:extLst>
+              <a:ext uri="{FF2B5EF4-FFF2-40B4-BE49-F238E27FC236}">
+                <a16:creationId xmlns:a16="http://schemas.microsoft.com/office/drawing/2014/main" id="{A7FDC859-D890-4904-9C64-27F43DA90453}"/>
+              </a:ext>
+            </a:extLst>
+          </p:cNvPr>
+          <p:cNvPicPr>
+            <a:picLocks noChangeAspect="1"/>
+          </p:cNvPicPr>
+          <p:nvPr/>
+        </p:nvPicPr>
+        <p:blipFill rotWithShape="1">
+          <a:blip r:embed="rId2">
+            <a:extLst>
+              <a:ext uri="{28A0092B-C50C-407E-A947-70E740481C1C}">
+                <a14:useLocalDpi xmlns:a14="http://schemas.microsoft.com/office/drawing/2010/main" val="0"/>
+              </a:ext>
+            </a:extLst>
+          </a:blip>
+          <a:srcRect t="5616" r="2" b="2"/>
+          <a:stretch/>
+        </p:blipFill>
+        <p:spPr>
+          <a:xfrm>
+            <a:off x="7471144" y="1700078"/>
+            <a:ext cx="4720855" cy="2583792"/>
+          </a:xfrm>
+          <a:custGeom>
+            <a:avLst/>
+            <a:gdLst>
+              <a:gd name="connsiteX0" fmla="*/ 0 w 5475077"/>
+              <a:gd name="connsiteY0" fmla="*/ 0 h 2583792"/>
+              <a:gd name="connsiteX1" fmla="*/ 5475077 w 5475077"/>
+              <a:gd name="connsiteY1" fmla="*/ 0 h 2583792"/>
+              <a:gd name="connsiteX2" fmla="*/ 5475077 w 5475077"/>
+              <a:gd name="connsiteY2" fmla="*/ 2583792 h 2583792"/>
+              <a:gd name="connsiteX3" fmla="*/ 1197192 w 5475077"/>
+              <a:gd name="connsiteY3" fmla="*/ 2583792 h 2583792"/>
+            </a:gdLst>
+            <a:ahLst/>
+            <a:cxnLst>
+              <a:cxn ang="0">
+                <a:pos x="connsiteX0" y="connsiteY0"/>
+              </a:cxn>
+              <a:cxn ang="0">
+                <a:pos x="connsiteX1" y="connsiteY1"/>
+              </a:cxn>
+              <a:cxn ang="0">
+                <a:pos x="connsiteX2" y="connsiteY2"/>
+              </a:cxn>
+              <a:cxn ang="0">
+                <a:pos x="connsiteX3" y="connsiteY3"/>
+              </a:cxn>
+            </a:cxnLst>
+            <a:rect l="l" t="t" r="r" b="b"/>
+            <a:pathLst>
+              <a:path w="5475077" h="2583792">
+                <a:moveTo>
+                  <a:pt x="0" y="0"/>
+                </a:moveTo>
+                <a:lnTo>
+                  <a:pt x="5475077" y="0"/>
+                </a:lnTo>
+                <a:lnTo>
+                  <a:pt x="5475077" y="2583792"/>
+                </a:lnTo>
+                <a:lnTo>
+                  <a:pt x="1197192" y="2583792"/>
+                </a:lnTo>
+                <a:close/>
+              </a:path>
+            </a:pathLst>
+          </a:custGeom>
+        </p:spPr>
+      </p:pic>
+      <p:pic>
+        <p:nvPicPr>
+          <p:cNvPr id="5" name="Content Placeholder 4" descr="A picture containing indoor&#10;&#10;Description automatically generated">
+            <a:extLst>
+              <a:ext uri="{FF2B5EF4-FFF2-40B4-BE49-F238E27FC236}">
+                <a16:creationId xmlns:a16="http://schemas.microsoft.com/office/drawing/2014/main" id="{A58F0E55-21F3-485B-A07F-1CE74177BDD2}"/>
+              </a:ext>
+            </a:extLst>
+          </p:cNvPr>
+          <p:cNvPicPr>
+            <a:picLocks noChangeAspect="1"/>
+          </p:cNvPicPr>
+          <p:nvPr/>
+        </p:nvPicPr>
+        <p:blipFill rotWithShape="1">
+          <a:blip r:embed="rId3">
+            <a:extLst>
+              <a:ext uri="{28A0092B-C50C-407E-A947-70E740481C1C}">
+                <a14:useLocalDpi xmlns:a14="http://schemas.microsoft.com/office/drawing/2010/main" val="0"/>
+              </a:ext>
+            </a:extLst>
+          </a:blip>
+          <a:srcRect t="5300" r="3" b="6859"/>
+          <a:stretch/>
+        </p:blipFill>
+        <p:spPr>
+          <a:xfrm>
+            <a:off x="8491869" y="4283870"/>
+            <a:ext cx="3700129" cy="2583520"/>
+          </a:xfrm>
+          <a:custGeom>
+            <a:avLst/>
+            <a:gdLst>
+              <a:gd name="connsiteX0" fmla="*/ 0 w 4277884"/>
+              <a:gd name="connsiteY0" fmla="*/ 0 h 2583520"/>
+              <a:gd name="connsiteX1" fmla="*/ 4277884 w 4277884"/>
+              <a:gd name="connsiteY1" fmla="*/ 0 h 2583520"/>
+              <a:gd name="connsiteX2" fmla="*/ 4277884 w 4277884"/>
+              <a:gd name="connsiteY2" fmla="*/ 2583520 h 2583520"/>
+              <a:gd name="connsiteX3" fmla="*/ 1192437 w 4277884"/>
+              <a:gd name="connsiteY3" fmla="*/ 2583520 h 2583520"/>
+              <a:gd name="connsiteX4" fmla="*/ 1188085 w 4277884"/>
+              <a:gd name="connsiteY4" fmla="*/ 2574129 h 2583520"/>
+              <a:gd name="connsiteX5" fmla="*/ 1192715 w 4277884"/>
+              <a:gd name="connsiteY5" fmla="*/ 2574129 h 2583520"/>
+            </a:gdLst>
+            <a:ahLst/>
+            <a:cxnLst>
+              <a:cxn ang="0">
+                <a:pos x="connsiteX0" y="connsiteY0"/>
+              </a:cxn>
+              <a:cxn ang="0">
+                <a:pos x="connsiteX1" y="connsiteY1"/>
+              </a:cxn>
+              <a:cxn ang="0">
+                <a:pos x="connsiteX2" y="connsiteY2"/>
+              </a:cxn>
+              <a:cxn ang="0">
+                <a:pos x="connsiteX3" y="connsiteY3"/>
+              </a:cxn>
+              <a:cxn ang="0">
+                <a:pos x="connsiteX4" y="connsiteY4"/>
+              </a:cxn>
+              <a:cxn ang="0">
+                <a:pos x="connsiteX5" y="connsiteY5"/>
+              </a:cxn>
+            </a:cxnLst>
+            <a:rect l="l" t="t" r="r" b="b"/>
+            <a:pathLst>
+              <a:path w="4277884" h="2583520">
+                <a:moveTo>
+                  <a:pt x="0" y="0"/>
+                </a:moveTo>
+                <a:lnTo>
+                  <a:pt x="4277884" y="0"/>
+                </a:lnTo>
+                <a:lnTo>
+                  <a:pt x="4277884" y="2583520"/>
+                </a:lnTo>
+                <a:lnTo>
+                  <a:pt x="1192437" y="2583520"/>
+                </a:lnTo>
+                <a:lnTo>
+                  <a:pt x="1188085" y="2574129"/>
+                </a:lnTo>
+                <a:lnTo>
+                  <a:pt x="1192715" y="2574129"/>
+                </a:lnTo>
+                <a:close/>
+              </a:path>
+            </a:pathLst>
+          </a:custGeom>
+        </p:spPr>
+      </p:pic>
+      <p:sp>
+        <p:nvSpPr>
+          <p:cNvPr id="6" name="Rectangle 5">
+            <a:extLst>
+              <a:ext uri="{FF2B5EF4-FFF2-40B4-BE49-F238E27FC236}">
+                <a16:creationId xmlns:a16="http://schemas.microsoft.com/office/drawing/2014/main" id="{A2901312-C3C2-4CEC-80EF-823AB4FBB726}"/>
+              </a:ext>
+            </a:extLst>
+          </p:cNvPr>
+          <p:cNvSpPr/>
+          <p:nvPr/>
+        </p:nvSpPr>
+        <p:spPr>
+          <a:xfrm>
+            <a:off x="-1" y="1608918"/>
+            <a:ext cx="12191999" cy="91160"/>
+          </a:xfrm>
+          <a:prstGeom prst="rect">
+            <a:avLst/>
+          </a:prstGeom>
+          <a:solidFill>
+            <a:schemeClr val="bg1"/>
+          </a:solidFill>
+          <a:ln>
+            <a:noFill/>
+          </a:ln>
+        </p:spPr>
+        <p:style>
+          <a:lnRef idx="2">
+            <a:schemeClr val="accent1">
+              <a:shade val="50000"/>
+            </a:schemeClr>
+          </a:lnRef>
+          <a:fillRef idx="1">
+            <a:schemeClr val="accent1"/>
+          </a:fillRef>
+          <a:effectRef idx="0">
+            <a:schemeClr val="accent1"/>
+          </a:effectRef>
+          <a:fontRef idx="minor">
+            <a:schemeClr val="lt1"/>
+          </a:fontRef>
+        </p:style>
+        <p:txBody>
+          <a:bodyPr rtlCol="0" anchor="ctr"/>
+          <a:lstStyle/>
+          <a:p>
+            <a:pPr algn="ctr"/>
+            <a:endParaRPr lang="en-US">
+              <a:solidFill>
+                <a:srgbClr val="DB5B5C"/>
+              </a:solidFill>
+            </a:endParaRPr>
+          </a:p>
+        </p:txBody>
+      </p:sp>
+      <p:sp>
+        <p:nvSpPr>
+          <p:cNvPr id="15" name="Rectangle 14">
+            <a:extLst>
+              <a:ext uri="{FF2B5EF4-FFF2-40B4-BE49-F238E27FC236}">
+                <a16:creationId xmlns:a16="http://schemas.microsoft.com/office/drawing/2014/main" id="{AD0A7C9C-CA2C-4B9B-A125-2D09D5573B44}"/>
+              </a:ext>
+            </a:extLst>
+          </p:cNvPr>
+          <p:cNvSpPr/>
+          <p:nvPr/>
+        </p:nvSpPr>
+        <p:spPr>
+          <a:xfrm>
+            <a:off x="1" y="6677247"/>
+            <a:ext cx="12191999" cy="190143"/>
+          </a:xfrm>
+          <a:prstGeom prst="rect">
+            <a:avLst/>
+          </a:prstGeom>
+          <a:solidFill>
+            <a:schemeClr val="bg1"/>
+          </a:solidFill>
+          <a:ln>
+            <a:noFill/>
+          </a:ln>
+        </p:spPr>
+        <p:style>
+          <a:lnRef idx="2">
+            <a:schemeClr val="accent1">
+              <a:shade val="50000"/>
+            </a:schemeClr>
+          </a:lnRef>
+          <a:fillRef idx="1">
+            <a:schemeClr val="accent1"/>
+          </a:fillRef>
+          <a:effectRef idx="0">
+            <a:schemeClr val="accent1"/>
+          </a:effectRef>
+          <a:fontRef idx="minor">
+            <a:schemeClr val="lt1"/>
+          </a:fontRef>
+        </p:style>
+        <p:txBody>
+          <a:bodyPr rtlCol="0" anchor="ctr"/>
+          <a:lstStyle/>
+          <a:p>
+            <a:pPr algn="ctr"/>
+            <a:endParaRPr lang="en-US">
+              <a:solidFill>
+                <a:srgbClr val="DB5B5C"/>
+              </a:solidFill>
+            </a:endParaRPr>
+          </a:p>
+        </p:txBody>
+      </p:sp>
+      <p:sp>
+        <p:nvSpPr>
+          <p:cNvPr id="16" name="Rectangle 15">
+            <a:extLst>
+              <a:ext uri="{FF2B5EF4-FFF2-40B4-BE49-F238E27FC236}">
+                <a16:creationId xmlns:a16="http://schemas.microsoft.com/office/drawing/2014/main" id="{74A085FC-1866-46D4-97F7-51AA45E48D4F}"/>
+              </a:ext>
+            </a:extLst>
+          </p:cNvPr>
+          <p:cNvSpPr/>
+          <p:nvPr/>
+        </p:nvSpPr>
+        <p:spPr>
+          <a:xfrm rot="4092292">
+            <a:off x="5790668" y="4094517"/>
+            <a:ext cx="5446699" cy="137038"/>
+          </a:xfrm>
+          <a:prstGeom prst="rect">
+            <a:avLst/>
+          </a:prstGeom>
+          <a:solidFill>
+            <a:schemeClr val="bg1"/>
+          </a:solidFill>
+          <a:ln>
+            <a:noFill/>
+          </a:ln>
+        </p:spPr>
+        <p:style>
+          <a:lnRef idx="2">
+            <a:schemeClr val="accent1">
+              <a:shade val="50000"/>
+            </a:schemeClr>
+          </a:lnRef>
+          <a:fillRef idx="1">
+            <a:schemeClr val="accent1"/>
+          </a:fillRef>
+          <a:effectRef idx="0">
+            <a:schemeClr val="accent1"/>
+          </a:effectRef>
+          <a:fontRef idx="minor">
+            <a:schemeClr val="lt1"/>
+          </a:fontRef>
+        </p:style>
+        <p:txBody>
+          <a:bodyPr rtlCol="0" anchor="ctr"/>
+          <a:lstStyle/>
+          <a:p>
+            <a:pPr algn="ctr"/>
+            <a:endParaRPr lang="en-US">
+              <a:solidFill>
+                <a:srgbClr val="DB5B5C"/>
+              </a:solidFill>
+            </a:endParaRPr>
+          </a:p>
+        </p:txBody>
+      </p:sp>
+    </p:spTree>
+    <p:extLst>
+      <p:ext uri="{BB962C8B-B14F-4D97-AF65-F5344CB8AC3E}">
+        <p14:creationId xmlns:p14="http://schemas.microsoft.com/office/powerpoint/2010/main" val="2738960413"/>
+      </p:ext>
+    </p:extLst>
+  </p:cSld>
+  <p:clrMapOvr>
+    <a:overrideClrMapping bg1="dk1" tx1="lt1" bg2="dk2" tx2="lt2" accent1="accent1" accent2="accent2" accent3="accent3" accent4="accent4" accent5="accent5" accent6="accent6" hlink="hlink" folHlink="folHlink"/>
+  </p:clrMapOvr>
+</p:sld>
+</file>
+
+<file path=ppt/slides/slide11.xml><?xml version="1.0" encoding="utf-8"?>
+<p:sld xmlns:a="http://schemas.openxmlformats.org/drawingml/2006/main" xmlns:r="http://schemas.openxmlformats.org/officeDocument/2006/relationships" xmlns:p="http://schemas.openxmlformats.org/presentationml/2006/main">
+  <p:cSld>
+    <p:bg>
+      <p:bgPr>
+        <a:solidFill>
+          <a:srgbClr val="395583"/>
+        </a:solidFill>
+        <a:effectLst/>
+      </p:bgPr>
+    </p:bg>
+    <p:spTree>
+      <p:nvGrpSpPr>
+        <p:cNvPr id="1" name=""/>
+        <p:cNvGrpSpPr/>
+        <p:nvPr/>
+      </p:nvGrpSpPr>
+      <p:grpSpPr>
+        <a:xfrm>
+          <a:off x="0" y="0"/>
+          <a:ext cx="0" cy="0"/>
+          <a:chOff x="0" y="0"/>
+          <a:chExt cx="0" cy="0"/>
+        </a:xfrm>
+      </p:grpSpPr>
+      <p:sp>
+        <p:nvSpPr>
+          <p:cNvPr id="25" name="Rectangle 24">
+            <a:extLst>
+              <a:ext uri="{FF2B5EF4-FFF2-40B4-BE49-F238E27FC236}">
+                <a16:creationId xmlns:a16="http://schemas.microsoft.com/office/drawing/2014/main" id="{A6792F05-2FD4-4F18-815E-15391E8B4A0E}"/>
+              </a:ext>
+              <a:ext uri="{C183D7F6-B498-43B3-948B-1728B52AA6E4}">
+                <adec:decorative xmlns:adec="http://schemas.microsoft.com/office/drawing/2017/decorative" val="1"/>
+              </a:ext>
+            </a:extLst>
+          </p:cNvPr>
+          <p:cNvSpPr>
+            <a:spLocks noGrp="1" noRot="1" noChangeAspect="1" noMove="1" noResize="1" noEditPoints="1" noAdjustHandles="1" noChangeArrowheads="1" noChangeShapeType="1" noTextEdit="1"/>
+          </p:cNvSpPr>
+          <p:nvPr>
+            <p:extLst>
+              <p:ext uri="{386F3935-93C4-4BCD-93E2-E3B085C9AB24}">
+                <p16:designElem xmlns:p16="http://schemas.microsoft.com/office/powerpoint/2015/main" val="1"/>
+              </p:ext>
+            </p:extLst>
+          </p:nvPr>
+        </p:nvSpPr>
+        <p:spPr>
+          <a:xfrm>
+            <a:off x="0" y="0"/>
+            <a:ext cx="12191999" cy="6858000"/>
+          </a:xfrm>
+          <a:prstGeom prst="rect">
+            <a:avLst/>
+          </a:prstGeom>
+          <a:solidFill>
+            <a:srgbClr val="395583"/>
+          </a:solidFill>
+          <a:ln>
+            <a:noFill/>
+          </a:ln>
+        </p:spPr>
+        <p:style>
+          <a:lnRef idx="2">
+            <a:schemeClr val="accent1">
+              <a:shade val="50000"/>
+            </a:schemeClr>
+          </a:lnRef>
+          <a:fillRef idx="1">
+            <a:schemeClr val="accent1"/>
+          </a:fillRef>
+          <a:effectRef idx="0">
+            <a:schemeClr val="accent1"/>
+          </a:effectRef>
+          <a:fontRef idx="minor">
+            <a:schemeClr val="lt1"/>
+          </a:fontRef>
+        </p:style>
+        <p:txBody>
+          <a:bodyPr rtlCol="0" anchor="ctr"/>
+          <a:lstStyle/>
+          <a:p>
+            <a:pPr algn="ctr"/>
+            <a:endParaRPr lang="en-US"/>
+          </a:p>
+        </p:txBody>
+      </p:sp>
+      <p:sp>
+        <p:nvSpPr>
+          <p:cNvPr id="2" name="Title 1">
+            <a:extLst>
+              <a:ext uri="{FF2B5EF4-FFF2-40B4-BE49-F238E27FC236}">
+                <a16:creationId xmlns:a16="http://schemas.microsoft.com/office/drawing/2014/main" id="{2589AFCC-0FF0-498C-B11F-8990DF0DAAA5}"/>
+              </a:ext>
+            </a:extLst>
+          </p:cNvPr>
+          <p:cNvSpPr>
+            <a:spLocks noGrp="1"/>
+          </p:cNvSpPr>
+          <p:nvPr>
+            <p:ph type="title"/>
+          </p:nvPr>
+        </p:nvSpPr>
+        <p:spPr>
+          <a:xfrm>
+            <a:off x="838200" y="365125"/>
+            <a:ext cx="10515600" cy="1325563"/>
+          </a:xfrm>
+        </p:spPr>
+        <p:txBody>
+          <a:bodyPr>
+            <a:normAutofit/>
+          </a:bodyPr>
+          <a:lstStyle/>
+          <a:p>
+            <a:r>
+              <a:rPr lang="en-US" b="1" dirty="0">
+                <a:latin typeface="Selawik Semibold" panose="020B0604020202020204" pitchFamily="34" charset="0"/>
+              </a:rPr>
+              <a:t>Industry Present</a:t>
+            </a:r>
+          </a:p>
+        </p:txBody>
+      </p:sp>
+      <p:sp>
+        <p:nvSpPr>
+          <p:cNvPr id="9" name="Content Placeholder 8">
+            <a:extLst>
+              <a:ext uri="{FF2B5EF4-FFF2-40B4-BE49-F238E27FC236}">
+                <a16:creationId xmlns:a16="http://schemas.microsoft.com/office/drawing/2014/main" id="{2D995594-59F2-4020-AB6F-751BAE84ADB3}"/>
+              </a:ext>
+            </a:extLst>
+          </p:cNvPr>
+          <p:cNvSpPr>
+            <a:spLocks noGrp="1"/>
+          </p:cNvSpPr>
+          <p:nvPr>
+            <p:ph idx="1"/>
+          </p:nvPr>
+        </p:nvSpPr>
+        <p:spPr>
+          <a:xfrm>
+            <a:off x="838199" y="2021248"/>
+            <a:ext cx="7086601" cy="4695905"/>
+          </a:xfrm>
+        </p:spPr>
+        <p:txBody>
+          <a:bodyPr>
+            <a:normAutofit/>
+          </a:bodyPr>
+          <a:lstStyle/>
+          <a:p>
+            <a:r>
+              <a:rPr lang="en-US" sz="2400" dirty="0">
+                <a:latin typeface="Selawik Semibold" panose="020B0702040204020203" pitchFamily="34" charset="0"/>
+              </a:rPr>
+              <a:t>Modern Applications of Sports Analytics</a:t>
+            </a:r>
+          </a:p>
+          <a:p>
+            <a:pPr lvl="1"/>
+            <a:endParaRPr lang="en-US" sz="2000" b="1" dirty="0">
+              <a:latin typeface="Selawik Semibold" panose="020B0702040204020203" pitchFamily="34" charset="0"/>
+            </a:endParaRPr>
+          </a:p>
+          <a:p>
+            <a:pPr lvl="1"/>
+            <a:r>
+              <a:rPr lang="en-US" sz="2000" dirty="0">
+                <a:latin typeface="Selawik Semibold" panose="020B0702040204020203" pitchFamily="34" charset="0"/>
+              </a:rPr>
+              <a:t>Advancing Sports Gambling</a:t>
+            </a:r>
+          </a:p>
+          <a:p>
+            <a:pPr lvl="2"/>
+            <a:r>
+              <a:rPr lang="en-US" sz="1800" dirty="0">
+                <a:latin typeface="Selawik Semibold" panose="020B0702040204020203" pitchFamily="34" charset="0"/>
+              </a:rPr>
+              <a:t>Supreme Court Ruling Previous Statute Violated 10</a:t>
+            </a:r>
+            <a:r>
+              <a:rPr lang="en-US" sz="1800" baseline="30000" dirty="0">
+                <a:latin typeface="Selawik Semibold" panose="020B0702040204020203" pitchFamily="34" charset="0"/>
+              </a:rPr>
+              <a:t>th</a:t>
+            </a:r>
+            <a:r>
+              <a:rPr lang="en-US" sz="1800" dirty="0">
+                <a:latin typeface="Selawik Semibold" panose="020B0702040204020203" pitchFamily="34" charset="0"/>
+              </a:rPr>
+              <a:t> Amendment (Murphy v. National Collegiate Athletic Association)</a:t>
+            </a:r>
+          </a:p>
+          <a:p>
+            <a:pPr lvl="2"/>
+            <a:r>
+              <a:rPr lang="en-US" sz="1800" dirty="0">
+                <a:latin typeface="Selawik Semibold" panose="020B0702040204020203" pitchFamily="34" charset="0"/>
+              </a:rPr>
+              <a:t>States Free to Legislate Gambling</a:t>
+            </a:r>
+          </a:p>
+          <a:p>
+            <a:pPr lvl="2"/>
+            <a:r>
+              <a:rPr lang="en-US" sz="1800" dirty="0">
+                <a:latin typeface="Selawik Semibold" panose="020B0702040204020203" pitchFamily="34" charset="0"/>
+              </a:rPr>
+              <a:t>Improvement of Gambling Products</a:t>
+            </a:r>
+          </a:p>
+          <a:p>
+            <a:pPr lvl="2"/>
+            <a:r>
+              <a:rPr lang="en-US" sz="1800" dirty="0">
+                <a:latin typeface="Selawik Semibold" panose="020B0702040204020203" pitchFamily="34" charset="0"/>
+              </a:rPr>
+              <a:t>Data Aggregation and Visualization for Bettors </a:t>
+            </a:r>
+          </a:p>
+          <a:p>
+            <a:pPr lvl="2"/>
+            <a:r>
+              <a:rPr lang="en-US" sz="1800" dirty="0">
+                <a:latin typeface="Selawik Semibold" panose="020B0702040204020203" pitchFamily="34" charset="0"/>
+              </a:rPr>
+              <a:t>Develop Daily Fantasy Sports</a:t>
+            </a:r>
+          </a:p>
+          <a:p>
+            <a:pPr lvl="2"/>
+            <a:r>
+              <a:rPr lang="en-US" sz="1800" dirty="0">
+                <a:latin typeface="Selawik Semibold" panose="020B0702040204020203" pitchFamily="34" charset="0"/>
+              </a:rPr>
+              <a:t>Worth Over $5B According to Nevada Gaming Control Board (NGCB)</a:t>
+            </a:r>
+          </a:p>
+          <a:p>
+            <a:pPr lvl="2"/>
+            <a:endParaRPr lang="en-US" sz="1800" dirty="0">
+              <a:latin typeface="Selawik Semibold" panose="020B0702040204020203" pitchFamily="34" charset="0"/>
+            </a:endParaRPr>
+          </a:p>
+          <a:p>
+            <a:pPr lvl="1"/>
+            <a:endParaRPr lang="en-US" sz="2200" dirty="0">
+              <a:latin typeface="Selawik Semibold" panose="020B0702040204020203" pitchFamily="34" charset="0"/>
+            </a:endParaRPr>
+          </a:p>
+        </p:txBody>
+      </p:sp>
+      <p:pic>
+        <p:nvPicPr>
+          <p:cNvPr id="4" name="Picture 3" descr="A drawing of a cartoon character&#10;&#10;Description automatically generated">
+            <a:extLst>
+              <a:ext uri="{FF2B5EF4-FFF2-40B4-BE49-F238E27FC236}">
+                <a16:creationId xmlns:a16="http://schemas.microsoft.com/office/drawing/2014/main" id="{A7FDC859-D890-4904-9C64-27F43DA90453}"/>
+              </a:ext>
+            </a:extLst>
+          </p:cNvPr>
+          <p:cNvPicPr>
+            <a:picLocks noChangeAspect="1"/>
+          </p:cNvPicPr>
+          <p:nvPr/>
+        </p:nvPicPr>
+        <p:blipFill rotWithShape="1">
+          <a:blip r:embed="rId2">
+            <a:extLst>
+              <a:ext uri="{28A0092B-C50C-407E-A947-70E740481C1C}">
+                <a14:useLocalDpi xmlns:a14="http://schemas.microsoft.com/office/drawing/2010/main" val="0"/>
+              </a:ext>
+            </a:extLst>
+          </a:blip>
+          <a:srcRect t="5616" r="2" b="2"/>
+          <a:stretch/>
+        </p:blipFill>
+        <p:spPr>
+          <a:xfrm>
+            <a:off x="7471144" y="1700078"/>
+            <a:ext cx="4720855" cy="2583792"/>
+          </a:xfrm>
+          <a:custGeom>
+            <a:avLst/>
+            <a:gdLst>
+              <a:gd name="connsiteX0" fmla="*/ 0 w 5475077"/>
+              <a:gd name="connsiteY0" fmla="*/ 0 h 2583792"/>
+              <a:gd name="connsiteX1" fmla="*/ 5475077 w 5475077"/>
+              <a:gd name="connsiteY1" fmla="*/ 0 h 2583792"/>
+              <a:gd name="connsiteX2" fmla="*/ 5475077 w 5475077"/>
+              <a:gd name="connsiteY2" fmla="*/ 2583792 h 2583792"/>
+              <a:gd name="connsiteX3" fmla="*/ 1197192 w 5475077"/>
+              <a:gd name="connsiteY3" fmla="*/ 2583792 h 2583792"/>
+            </a:gdLst>
+            <a:ahLst/>
+            <a:cxnLst>
+              <a:cxn ang="0">
+                <a:pos x="connsiteX0" y="connsiteY0"/>
+              </a:cxn>
+              <a:cxn ang="0">
+                <a:pos x="connsiteX1" y="connsiteY1"/>
+              </a:cxn>
+              <a:cxn ang="0">
+                <a:pos x="connsiteX2" y="connsiteY2"/>
+              </a:cxn>
+              <a:cxn ang="0">
+                <a:pos x="connsiteX3" y="connsiteY3"/>
+              </a:cxn>
+            </a:cxnLst>
+            <a:rect l="l" t="t" r="r" b="b"/>
+            <a:pathLst>
+              <a:path w="5475077" h="2583792">
+                <a:moveTo>
+                  <a:pt x="0" y="0"/>
+                </a:moveTo>
+                <a:lnTo>
+                  <a:pt x="5475077" y="0"/>
+                </a:lnTo>
+                <a:lnTo>
+                  <a:pt x="5475077" y="2583792"/>
+                </a:lnTo>
+                <a:lnTo>
+                  <a:pt x="1197192" y="2583792"/>
+                </a:lnTo>
+                <a:close/>
+              </a:path>
+            </a:pathLst>
+          </a:custGeom>
+        </p:spPr>
+      </p:pic>
+      <p:pic>
+        <p:nvPicPr>
+          <p:cNvPr id="5" name="Content Placeholder 4" descr="A picture containing indoor&#10;&#10;Description automatically generated">
+            <a:extLst>
+              <a:ext uri="{FF2B5EF4-FFF2-40B4-BE49-F238E27FC236}">
+                <a16:creationId xmlns:a16="http://schemas.microsoft.com/office/drawing/2014/main" id="{A58F0E55-21F3-485B-A07F-1CE74177BDD2}"/>
+              </a:ext>
+            </a:extLst>
+          </p:cNvPr>
+          <p:cNvPicPr>
+            <a:picLocks noChangeAspect="1"/>
+          </p:cNvPicPr>
+          <p:nvPr/>
+        </p:nvPicPr>
+        <p:blipFill rotWithShape="1">
+          <a:blip r:embed="rId3">
+            <a:extLst>
+              <a:ext uri="{28A0092B-C50C-407E-A947-70E740481C1C}">
+                <a14:useLocalDpi xmlns:a14="http://schemas.microsoft.com/office/drawing/2010/main" val="0"/>
+              </a:ext>
+            </a:extLst>
+          </a:blip>
+          <a:srcRect t="5300" r="3" b="6859"/>
+          <a:stretch/>
+        </p:blipFill>
+        <p:spPr>
+          <a:xfrm>
+            <a:off x="8491869" y="4283870"/>
+            <a:ext cx="3700129" cy="2583520"/>
+          </a:xfrm>
+          <a:custGeom>
+            <a:avLst/>
+            <a:gdLst>
+              <a:gd name="connsiteX0" fmla="*/ 0 w 4277884"/>
+              <a:gd name="connsiteY0" fmla="*/ 0 h 2583520"/>
+              <a:gd name="connsiteX1" fmla="*/ 4277884 w 4277884"/>
+              <a:gd name="connsiteY1" fmla="*/ 0 h 2583520"/>
+              <a:gd name="connsiteX2" fmla="*/ 4277884 w 4277884"/>
+              <a:gd name="connsiteY2" fmla="*/ 2583520 h 2583520"/>
+              <a:gd name="connsiteX3" fmla="*/ 1192437 w 4277884"/>
+              <a:gd name="connsiteY3" fmla="*/ 2583520 h 2583520"/>
+              <a:gd name="connsiteX4" fmla="*/ 1188085 w 4277884"/>
+              <a:gd name="connsiteY4" fmla="*/ 2574129 h 2583520"/>
+              <a:gd name="connsiteX5" fmla="*/ 1192715 w 4277884"/>
+              <a:gd name="connsiteY5" fmla="*/ 2574129 h 2583520"/>
+            </a:gdLst>
+            <a:ahLst/>
+            <a:cxnLst>
+              <a:cxn ang="0">
+                <a:pos x="connsiteX0" y="connsiteY0"/>
+              </a:cxn>
+              <a:cxn ang="0">
+                <a:pos x="connsiteX1" y="connsiteY1"/>
+              </a:cxn>
+              <a:cxn ang="0">
+                <a:pos x="connsiteX2" y="connsiteY2"/>
+              </a:cxn>
+              <a:cxn ang="0">
+                <a:pos x="connsiteX3" y="connsiteY3"/>
+              </a:cxn>
+              <a:cxn ang="0">
+                <a:pos x="connsiteX4" y="connsiteY4"/>
+              </a:cxn>
+              <a:cxn ang="0">
+                <a:pos x="connsiteX5" y="connsiteY5"/>
+              </a:cxn>
+            </a:cxnLst>
+            <a:rect l="l" t="t" r="r" b="b"/>
+            <a:pathLst>
+              <a:path w="4277884" h="2583520">
+                <a:moveTo>
+                  <a:pt x="0" y="0"/>
+                </a:moveTo>
+                <a:lnTo>
+                  <a:pt x="4277884" y="0"/>
+                </a:lnTo>
+                <a:lnTo>
+                  <a:pt x="4277884" y="2583520"/>
+                </a:lnTo>
+                <a:lnTo>
+                  <a:pt x="1192437" y="2583520"/>
+                </a:lnTo>
+                <a:lnTo>
+                  <a:pt x="1188085" y="2574129"/>
+                </a:lnTo>
+                <a:lnTo>
+                  <a:pt x="1192715" y="2574129"/>
+                </a:lnTo>
+                <a:close/>
+              </a:path>
+            </a:pathLst>
+          </a:custGeom>
+        </p:spPr>
+      </p:pic>
+      <p:sp>
+        <p:nvSpPr>
+          <p:cNvPr id="6" name="Rectangle 5">
+            <a:extLst>
+              <a:ext uri="{FF2B5EF4-FFF2-40B4-BE49-F238E27FC236}">
+                <a16:creationId xmlns:a16="http://schemas.microsoft.com/office/drawing/2014/main" id="{A2901312-C3C2-4CEC-80EF-823AB4FBB726}"/>
+              </a:ext>
+            </a:extLst>
+          </p:cNvPr>
+          <p:cNvSpPr/>
+          <p:nvPr/>
+        </p:nvSpPr>
+        <p:spPr>
+          <a:xfrm>
+            <a:off x="-1" y="1608918"/>
+            <a:ext cx="12191999" cy="91160"/>
+          </a:xfrm>
+          <a:prstGeom prst="rect">
+            <a:avLst/>
+          </a:prstGeom>
+          <a:solidFill>
+            <a:schemeClr val="bg1"/>
+          </a:solidFill>
+          <a:ln>
+            <a:noFill/>
+          </a:ln>
+        </p:spPr>
+        <p:style>
+          <a:lnRef idx="2">
+            <a:schemeClr val="accent1">
+              <a:shade val="50000"/>
+            </a:schemeClr>
+          </a:lnRef>
+          <a:fillRef idx="1">
+            <a:schemeClr val="accent1"/>
+          </a:fillRef>
+          <a:effectRef idx="0">
+            <a:schemeClr val="accent1"/>
+          </a:effectRef>
+          <a:fontRef idx="minor">
+            <a:schemeClr val="lt1"/>
+          </a:fontRef>
+        </p:style>
+        <p:txBody>
+          <a:bodyPr rtlCol="0" anchor="ctr"/>
+          <a:lstStyle/>
+          <a:p>
+            <a:pPr algn="ctr"/>
+            <a:endParaRPr lang="en-US">
+              <a:solidFill>
+                <a:srgbClr val="DB5B5C"/>
+              </a:solidFill>
+            </a:endParaRPr>
+          </a:p>
+        </p:txBody>
+      </p:sp>
+      <p:sp>
+        <p:nvSpPr>
+          <p:cNvPr id="15" name="Rectangle 14">
+            <a:extLst>
+              <a:ext uri="{FF2B5EF4-FFF2-40B4-BE49-F238E27FC236}">
+                <a16:creationId xmlns:a16="http://schemas.microsoft.com/office/drawing/2014/main" id="{AD0A7C9C-CA2C-4B9B-A125-2D09D5573B44}"/>
+              </a:ext>
+            </a:extLst>
+          </p:cNvPr>
+          <p:cNvSpPr/>
+          <p:nvPr/>
+        </p:nvSpPr>
+        <p:spPr>
+          <a:xfrm>
+            <a:off x="1" y="6677247"/>
+            <a:ext cx="12191999" cy="190143"/>
+          </a:xfrm>
+          <a:prstGeom prst="rect">
+            <a:avLst/>
+          </a:prstGeom>
+          <a:solidFill>
+            <a:schemeClr val="bg1"/>
+          </a:solidFill>
+          <a:ln>
+            <a:noFill/>
+          </a:ln>
+        </p:spPr>
+        <p:style>
+          <a:lnRef idx="2">
+            <a:schemeClr val="accent1">
+              <a:shade val="50000"/>
+            </a:schemeClr>
+          </a:lnRef>
+          <a:fillRef idx="1">
+            <a:schemeClr val="accent1"/>
+          </a:fillRef>
+          <a:effectRef idx="0">
+            <a:schemeClr val="accent1"/>
+          </a:effectRef>
+          <a:fontRef idx="minor">
+            <a:schemeClr val="lt1"/>
+          </a:fontRef>
+        </p:style>
+        <p:txBody>
+          <a:bodyPr rtlCol="0" anchor="ctr"/>
+          <a:lstStyle/>
+          <a:p>
+            <a:pPr algn="ctr"/>
+            <a:endParaRPr lang="en-US">
+              <a:solidFill>
+                <a:srgbClr val="DB5B5C"/>
+              </a:solidFill>
+            </a:endParaRPr>
+          </a:p>
+        </p:txBody>
+      </p:sp>
+      <p:sp>
+        <p:nvSpPr>
+          <p:cNvPr id="16" name="Rectangle 15">
+            <a:extLst>
+              <a:ext uri="{FF2B5EF4-FFF2-40B4-BE49-F238E27FC236}">
+                <a16:creationId xmlns:a16="http://schemas.microsoft.com/office/drawing/2014/main" id="{74A085FC-1866-46D4-97F7-51AA45E48D4F}"/>
+              </a:ext>
+            </a:extLst>
+          </p:cNvPr>
+          <p:cNvSpPr/>
+          <p:nvPr/>
+        </p:nvSpPr>
+        <p:spPr>
+          <a:xfrm rot="4092292">
+            <a:off x="5790668" y="4094517"/>
+            <a:ext cx="5446699" cy="137038"/>
+          </a:xfrm>
+          <a:prstGeom prst="rect">
+            <a:avLst/>
+          </a:prstGeom>
+          <a:solidFill>
+            <a:schemeClr val="bg1"/>
+          </a:solidFill>
+          <a:ln>
+            <a:noFill/>
+          </a:ln>
+        </p:spPr>
+        <p:style>
+          <a:lnRef idx="2">
+            <a:schemeClr val="accent1">
+              <a:shade val="50000"/>
+            </a:schemeClr>
+          </a:lnRef>
+          <a:fillRef idx="1">
+            <a:schemeClr val="accent1"/>
+          </a:fillRef>
+          <a:effectRef idx="0">
+            <a:schemeClr val="accent1"/>
+          </a:effectRef>
+          <a:fontRef idx="minor">
+            <a:schemeClr val="lt1"/>
+          </a:fontRef>
+        </p:style>
+        <p:txBody>
+          <a:bodyPr rtlCol="0" anchor="ctr"/>
+          <a:lstStyle/>
+          <a:p>
+            <a:pPr algn="ctr"/>
+            <a:endParaRPr lang="en-US">
+              <a:solidFill>
+                <a:srgbClr val="DB5B5C"/>
+              </a:solidFill>
+            </a:endParaRPr>
+          </a:p>
+        </p:txBody>
+      </p:sp>
+    </p:spTree>
+    <p:extLst>
+      <p:ext uri="{BB962C8B-B14F-4D97-AF65-F5344CB8AC3E}">
+        <p14:creationId xmlns:p14="http://schemas.microsoft.com/office/powerpoint/2010/main" val="328255060"/>
+      </p:ext>
+    </p:extLst>
+  </p:cSld>
+  <p:clrMapOvr>
+    <a:overrideClrMapping bg1="dk1" tx1="lt1" bg2="dk2" tx2="lt2" accent1="accent1" accent2="accent2" accent3="accent3" accent4="accent4" accent5="accent5" accent6="accent6" hlink="hlink" folHlink="folHlink"/>
+  </p:clrMapOvr>
+</p:sld>
+</file>
+
+<file path=ppt/slides/slide12.xml><?xml version="1.0" encoding="utf-8"?>
+<p:sld xmlns:a="http://schemas.openxmlformats.org/drawingml/2006/main" xmlns:r="http://schemas.openxmlformats.org/officeDocument/2006/relationships" xmlns:p="http://schemas.openxmlformats.org/presentationml/2006/main">
+  <p:cSld>
+    <p:bg>
+      <p:bgPr>
+        <a:solidFill>
+          <a:srgbClr val="395583"/>
+        </a:solidFill>
+        <a:effectLst/>
+      </p:bgPr>
+    </p:bg>
+    <p:spTree>
+      <p:nvGrpSpPr>
+        <p:cNvPr id="1" name=""/>
+        <p:cNvGrpSpPr/>
+        <p:nvPr/>
+      </p:nvGrpSpPr>
+      <p:grpSpPr>
+        <a:xfrm>
+          <a:off x="0" y="0"/>
+          <a:ext cx="0" cy="0"/>
+          <a:chOff x="0" y="0"/>
+          <a:chExt cx="0" cy="0"/>
+        </a:xfrm>
+      </p:grpSpPr>
+      <p:sp>
+        <p:nvSpPr>
+          <p:cNvPr id="25" name="Rectangle 24">
+            <a:extLst>
+              <a:ext uri="{FF2B5EF4-FFF2-40B4-BE49-F238E27FC236}">
+                <a16:creationId xmlns:a16="http://schemas.microsoft.com/office/drawing/2014/main" id="{A6792F05-2FD4-4F18-815E-15391E8B4A0E}"/>
+              </a:ext>
+              <a:ext uri="{C183D7F6-B498-43B3-948B-1728B52AA6E4}">
+                <adec:decorative xmlns:adec="http://schemas.microsoft.com/office/drawing/2017/decorative" val="1"/>
+              </a:ext>
+            </a:extLst>
+          </p:cNvPr>
+          <p:cNvSpPr>
+            <a:spLocks noGrp="1" noRot="1" noChangeAspect="1" noMove="1" noResize="1" noEditPoints="1" noAdjustHandles="1" noChangeArrowheads="1" noChangeShapeType="1" noTextEdit="1"/>
+          </p:cNvSpPr>
+          <p:nvPr>
+            <p:extLst>
+              <p:ext uri="{386F3935-93C4-4BCD-93E2-E3B085C9AB24}">
+                <p16:designElem xmlns:p16="http://schemas.microsoft.com/office/powerpoint/2015/main" val="1"/>
+              </p:ext>
+            </p:extLst>
+          </p:nvPr>
+        </p:nvSpPr>
+        <p:spPr>
+          <a:xfrm>
+            <a:off x="0" y="0"/>
+            <a:ext cx="12191999" cy="6858000"/>
+          </a:xfrm>
+          <a:prstGeom prst="rect">
+            <a:avLst/>
+          </a:prstGeom>
+          <a:solidFill>
+            <a:srgbClr val="395583"/>
+          </a:solidFill>
+          <a:ln>
+            <a:noFill/>
+          </a:ln>
+        </p:spPr>
+        <p:style>
+          <a:lnRef idx="2">
+            <a:schemeClr val="accent1">
+              <a:shade val="50000"/>
+            </a:schemeClr>
+          </a:lnRef>
+          <a:fillRef idx="1">
+            <a:schemeClr val="accent1"/>
+          </a:fillRef>
+          <a:effectRef idx="0">
+            <a:schemeClr val="accent1"/>
+          </a:effectRef>
+          <a:fontRef idx="minor">
+            <a:schemeClr val="lt1"/>
+          </a:fontRef>
+        </p:style>
+        <p:txBody>
+          <a:bodyPr rtlCol="0" anchor="ctr"/>
+          <a:lstStyle/>
+          <a:p>
+            <a:pPr algn="ctr"/>
+            <a:endParaRPr lang="en-US"/>
+          </a:p>
+        </p:txBody>
+      </p:sp>
+      <p:sp>
+        <p:nvSpPr>
+          <p:cNvPr id="2" name="Title 1">
+            <a:extLst>
+              <a:ext uri="{FF2B5EF4-FFF2-40B4-BE49-F238E27FC236}">
+                <a16:creationId xmlns:a16="http://schemas.microsoft.com/office/drawing/2014/main" id="{2589AFCC-0FF0-498C-B11F-8990DF0DAAA5}"/>
+              </a:ext>
+            </a:extLst>
+          </p:cNvPr>
+          <p:cNvSpPr>
+            <a:spLocks noGrp="1"/>
+          </p:cNvSpPr>
+          <p:nvPr>
+            <p:ph type="title"/>
+          </p:nvPr>
+        </p:nvSpPr>
+        <p:spPr>
+          <a:xfrm>
+            <a:off x="838200" y="365125"/>
+            <a:ext cx="10515600" cy="1325563"/>
+          </a:xfrm>
+        </p:spPr>
+        <p:txBody>
+          <a:bodyPr>
+            <a:normAutofit/>
+          </a:bodyPr>
+          <a:lstStyle/>
+          <a:p>
+            <a:r>
+              <a:rPr lang="en-US" b="1" dirty="0">
+                <a:latin typeface="Selawik Semibold" panose="020B0604020202020204" pitchFamily="34" charset="0"/>
+              </a:rPr>
+              <a:t>Your Industry Future</a:t>
+            </a:r>
+          </a:p>
+        </p:txBody>
+      </p:sp>
+      <p:sp>
+        <p:nvSpPr>
+          <p:cNvPr id="9" name="Content Placeholder 8">
+            <a:extLst>
+              <a:ext uri="{FF2B5EF4-FFF2-40B4-BE49-F238E27FC236}">
+                <a16:creationId xmlns:a16="http://schemas.microsoft.com/office/drawing/2014/main" id="{2D995594-59F2-4020-AB6F-751BAE84ADB3}"/>
+              </a:ext>
+            </a:extLst>
+          </p:cNvPr>
+          <p:cNvSpPr>
+            <a:spLocks noGrp="1"/>
+          </p:cNvSpPr>
+          <p:nvPr>
+            <p:ph idx="1"/>
+          </p:nvPr>
+        </p:nvSpPr>
+        <p:spPr>
+          <a:xfrm>
+            <a:off x="838199" y="2021248"/>
+            <a:ext cx="8107018" cy="4695905"/>
+          </a:xfrm>
+        </p:spPr>
+        <p:txBody>
+          <a:bodyPr>
+            <a:normAutofit lnSpcReduction="10000"/>
+          </a:bodyPr>
+          <a:lstStyle/>
+          <a:p>
+            <a:r>
+              <a:rPr lang="en-US" sz="2400" dirty="0">
+                <a:latin typeface="Selawik Semibold" panose="020B0702040204020203" pitchFamily="34" charset="0"/>
+              </a:rPr>
+              <a:t>Prerequisites by Howard Hamilton </a:t>
+            </a:r>
+          </a:p>
+          <a:p>
+            <a:pPr marL="0" indent="0">
+              <a:buNone/>
+            </a:pPr>
+            <a:r>
+              <a:rPr lang="en-US" sz="2400" dirty="0">
+                <a:latin typeface="Selawik Semibold" panose="020B0702040204020203" pitchFamily="34" charset="0"/>
+              </a:rPr>
+              <a:t>   (</a:t>
+            </a:r>
+            <a:r>
+              <a:rPr lang="en-US" sz="2400" dirty="0" err="1">
+                <a:latin typeface="Selawik Semibold" panose="020B0702040204020203" pitchFamily="34" charset="0"/>
+              </a:rPr>
+              <a:t>Soccermetrics</a:t>
+            </a:r>
+            <a:r>
+              <a:rPr lang="en-US" sz="2400" dirty="0">
+                <a:latin typeface="Selawik Semibold" panose="020B0702040204020203" pitchFamily="34" charset="0"/>
+              </a:rPr>
+              <a:t>)</a:t>
+            </a:r>
+          </a:p>
+          <a:p>
+            <a:pPr lvl="1"/>
+            <a:endParaRPr lang="en-US" sz="2000" dirty="0">
+              <a:latin typeface="Selawik Semibold" panose="020B0702040204020203" pitchFamily="34" charset="0"/>
+            </a:endParaRPr>
+          </a:p>
+          <a:p>
+            <a:pPr lvl="1"/>
+            <a:r>
+              <a:rPr lang="en-US" sz="2000" dirty="0">
+                <a:latin typeface="Selawik Semibold" panose="020B0702040204020203" pitchFamily="34" charset="0"/>
+              </a:rPr>
+              <a:t>Technical Skills</a:t>
+            </a:r>
+          </a:p>
+          <a:p>
+            <a:pPr lvl="2"/>
+            <a:r>
+              <a:rPr lang="en-US" sz="1800" dirty="0">
+                <a:latin typeface="Selawik Semibold" panose="020B0702040204020203" pitchFamily="34" charset="0"/>
+              </a:rPr>
+              <a:t>Mathematics (Linear Algebra/Probability Essential)</a:t>
+            </a:r>
+          </a:p>
+          <a:p>
+            <a:pPr lvl="2"/>
+            <a:r>
+              <a:rPr lang="en-US" sz="1800" dirty="0">
+                <a:latin typeface="Selawik Semibold" panose="020B0702040204020203" pitchFamily="34" charset="0"/>
+              </a:rPr>
+              <a:t>Statistics (Frequentist and Bayesian Perspectives)</a:t>
+            </a:r>
+          </a:p>
+          <a:p>
+            <a:pPr lvl="2"/>
+            <a:r>
+              <a:rPr lang="en-US" sz="1800" dirty="0">
+                <a:latin typeface="Selawik Semibold" panose="020B0702040204020203" pitchFamily="34" charset="0"/>
+              </a:rPr>
+              <a:t>Machine Learning (Supervised and Unsupervised)</a:t>
+            </a:r>
+          </a:p>
+          <a:p>
+            <a:pPr lvl="2"/>
+            <a:r>
+              <a:rPr lang="en-US" sz="1800" dirty="0">
+                <a:latin typeface="Selawik Semibold" panose="020B0702040204020203" pitchFamily="34" charset="0"/>
+              </a:rPr>
+              <a:t>Programming (R/Python, Data Structures, OOP)</a:t>
+            </a:r>
+          </a:p>
+          <a:p>
+            <a:pPr lvl="2"/>
+            <a:r>
+              <a:rPr lang="en-US" sz="1800" dirty="0">
+                <a:latin typeface="Selawik Semibold" panose="020B0702040204020203" pitchFamily="34" charset="0"/>
+              </a:rPr>
+              <a:t>Databases</a:t>
+            </a:r>
+          </a:p>
+          <a:p>
+            <a:pPr lvl="2"/>
+            <a:r>
+              <a:rPr lang="en-US" sz="1800" dirty="0">
+                <a:latin typeface="Selawik Semibold" panose="020B0702040204020203" pitchFamily="34" charset="0"/>
+              </a:rPr>
+              <a:t>Visualization</a:t>
+            </a:r>
+          </a:p>
+          <a:p>
+            <a:pPr lvl="2"/>
+            <a:endParaRPr lang="en-US" sz="1800" dirty="0">
+              <a:latin typeface="Selawik Semibold" panose="020B0702040204020203" pitchFamily="34" charset="0"/>
+            </a:endParaRPr>
+          </a:p>
+          <a:p>
+            <a:pPr lvl="1"/>
+            <a:r>
+              <a:rPr lang="en-US" sz="2000" dirty="0">
+                <a:latin typeface="Selawik Semibold" panose="020B0702040204020203" pitchFamily="34" charset="0"/>
+              </a:rPr>
+              <a:t>Socials Skills, Ethics, and the Law</a:t>
+            </a:r>
+          </a:p>
+          <a:p>
+            <a:pPr marL="457200" lvl="1" indent="0">
+              <a:buNone/>
+            </a:pPr>
+            <a:endParaRPr lang="en-US" sz="2000" dirty="0">
+              <a:latin typeface="Selawik Semibold" panose="020B0702040204020203" pitchFamily="34" charset="0"/>
+            </a:endParaRPr>
+          </a:p>
+          <a:p>
+            <a:pPr lvl="1"/>
+            <a:r>
+              <a:rPr lang="en-US" sz="2000" dirty="0">
+                <a:latin typeface="Selawik Semibold" panose="020B0702040204020203" pitchFamily="34" charset="0"/>
+              </a:rPr>
+              <a:t>Knowledgeable About All Aspects of the Sport</a:t>
+            </a:r>
+          </a:p>
+          <a:p>
+            <a:pPr lvl="2"/>
+            <a:endParaRPr lang="en-US" sz="1800" dirty="0">
+              <a:latin typeface="Selawik Semibold" panose="020B0702040204020203" pitchFamily="34" charset="0"/>
+            </a:endParaRPr>
+          </a:p>
+          <a:p>
+            <a:pPr lvl="1"/>
+            <a:endParaRPr lang="en-US" sz="2200" dirty="0">
+              <a:latin typeface="Selawik Semibold" panose="020B0702040204020203" pitchFamily="34" charset="0"/>
+            </a:endParaRPr>
+          </a:p>
+        </p:txBody>
+      </p:sp>
+      <p:pic>
+        <p:nvPicPr>
+          <p:cNvPr id="4" name="Picture 3" descr="A drawing of a cartoon character&#10;&#10;Description automatically generated">
+            <a:extLst>
+              <a:ext uri="{FF2B5EF4-FFF2-40B4-BE49-F238E27FC236}">
+                <a16:creationId xmlns:a16="http://schemas.microsoft.com/office/drawing/2014/main" id="{A7FDC859-D890-4904-9C64-27F43DA90453}"/>
+              </a:ext>
+            </a:extLst>
+          </p:cNvPr>
+          <p:cNvPicPr>
+            <a:picLocks noChangeAspect="1"/>
+          </p:cNvPicPr>
+          <p:nvPr/>
+        </p:nvPicPr>
+        <p:blipFill rotWithShape="1">
+          <a:blip r:embed="rId2">
+            <a:extLst>
+              <a:ext uri="{28A0092B-C50C-407E-A947-70E740481C1C}">
+                <a14:useLocalDpi xmlns:a14="http://schemas.microsoft.com/office/drawing/2010/main" val="0"/>
+              </a:ext>
+            </a:extLst>
+          </a:blip>
+          <a:srcRect t="5616" r="2" b="2"/>
+          <a:stretch/>
+        </p:blipFill>
+        <p:spPr>
+          <a:xfrm>
+            <a:off x="7471144" y="1700078"/>
+            <a:ext cx="4720855" cy="2583792"/>
+          </a:xfrm>
+          <a:custGeom>
+            <a:avLst/>
+            <a:gdLst>
+              <a:gd name="connsiteX0" fmla="*/ 0 w 5475077"/>
+              <a:gd name="connsiteY0" fmla="*/ 0 h 2583792"/>
+              <a:gd name="connsiteX1" fmla="*/ 5475077 w 5475077"/>
+              <a:gd name="connsiteY1" fmla="*/ 0 h 2583792"/>
+              <a:gd name="connsiteX2" fmla="*/ 5475077 w 5475077"/>
+              <a:gd name="connsiteY2" fmla="*/ 2583792 h 2583792"/>
+              <a:gd name="connsiteX3" fmla="*/ 1197192 w 5475077"/>
+              <a:gd name="connsiteY3" fmla="*/ 2583792 h 2583792"/>
+            </a:gdLst>
+            <a:ahLst/>
+            <a:cxnLst>
+              <a:cxn ang="0">
+                <a:pos x="connsiteX0" y="connsiteY0"/>
+              </a:cxn>
+              <a:cxn ang="0">
+                <a:pos x="connsiteX1" y="connsiteY1"/>
+              </a:cxn>
+              <a:cxn ang="0">
+                <a:pos x="connsiteX2" y="connsiteY2"/>
+              </a:cxn>
+              <a:cxn ang="0">
+                <a:pos x="connsiteX3" y="connsiteY3"/>
+              </a:cxn>
+            </a:cxnLst>
+            <a:rect l="l" t="t" r="r" b="b"/>
+            <a:pathLst>
+              <a:path w="5475077" h="2583792">
+                <a:moveTo>
+                  <a:pt x="0" y="0"/>
+                </a:moveTo>
+                <a:lnTo>
+                  <a:pt x="5475077" y="0"/>
+                </a:lnTo>
+                <a:lnTo>
+                  <a:pt x="5475077" y="2583792"/>
+                </a:lnTo>
+                <a:lnTo>
+                  <a:pt x="1197192" y="2583792"/>
+                </a:lnTo>
+                <a:close/>
+              </a:path>
+            </a:pathLst>
+          </a:custGeom>
+        </p:spPr>
+      </p:pic>
+      <p:pic>
+        <p:nvPicPr>
+          <p:cNvPr id="5" name="Content Placeholder 4" descr="A picture containing indoor&#10;&#10;Description automatically generated">
+            <a:extLst>
+              <a:ext uri="{FF2B5EF4-FFF2-40B4-BE49-F238E27FC236}">
+                <a16:creationId xmlns:a16="http://schemas.microsoft.com/office/drawing/2014/main" id="{A58F0E55-21F3-485B-A07F-1CE74177BDD2}"/>
+              </a:ext>
+            </a:extLst>
+          </p:cNvPr>
+          <p:cNvPicPr>
+            <a:picLocks noChangeAspect="1"/>
+          </p:cNvPicPr>
+          <p:nvPr/>
+        </p:nvPicPr>
+        <p:blipFill rotWithShape="1">
+          <a:blip r:embed="rId3">
+            <a:extLst>
+              <a:ext uri="{28A0092B-C50C-407E-A947-70E740481C1C}">
+                <a14:useLocalDpi xmlns:a14="http://schemas.microsoft.com/office/drawing/2010/main" val="0"/>
+              </a:ext>
+            </a:extLst>
+          </a:blip>
+          <a:srcRect t="5300" r="3" b="6859"/>
+          <a:stretch/>
+        </p:blipFill>
+        <p:spPr>
+          <a:xfrm>
+            <a:off x="8491869" y="4283870"/>
+            <a:ext cx="3700129" cy="2583520"/>
+          </a:xfrm>
+          <a:custGeom>
+            <a:avLst/>
+            <a:gdLst>
+              <a:gd name="connsiteX0" fmla="*/ 0 w 4277884"/>
+              <a:gd name="connsiteY0" fmla="*/ 0 h 2583520"/>
+              <a:gd name="connsiteX1" fmla="*/ 4277884 w 4277884"/>
+              <a:gd name="connsiteY1" fmla="*/ 0 h 2583520"/>
+              <a:gd name="connsiteX2" fmla="*/ 4277884 w 4277884"/>
+              <a:gd name="connsiteY2" fmla="*/ 2583520 h 2583520"/>
+              <a:gd name="connsiteX3" fmla="*/ 1192437 w 4277884"/>
+              <a:gd name="connsiteY3" fmla="*/ 2583520 h 2583520"/>
+              <a:gd name="connsiteX4" fmla="*/ 1188085 w 4277884"/>
+              <a:gd name="connsiteY4" fmla="*/ 2574129 h 2583520"/>
+              <a:gd name="connsiteX5" fmla="*/ 1192715 w 4277884"/>
+              <a:gd name="connsiteY5" fmla="*/ 2574129 h 2583520"/>
+            </a:gdLst>
+            <a:ahLst/>
+            <a:cxnLst>
+              <a:cxn ang="0">
+                <a:pos x="connsiteX0" y="connsiteY0"/>
+              </a:cxn>
+              <a:cxn ang="0">
+                <a:pos x="connsiteX1" y="connsiteY1"/>
+              </a:cxn>
+              <a:cxn ang="0">
+                <a:pos x="connsiteX2" y="connsiteY2"/>
+              </a:cxn>
+              <a:cxn ang="0">
+                <a:pos x="connsiteX3" y="connsiteY3"/>
+              </a:cxn>
+              <a:cxn ang="0">
+                <a:pos x="connsiteX4" y="connsiteY4"/>
+              </a:cxn>
+              <a:cxn ang="0">
+                <a:pos x="connsiteX5" y="connsiteY5"/>
+              </a:cxn>
+            </a:cxnLst>
+            <a:rect l="l" t="t" r="r" b="b"/>
+            <a:pathLst>
+              <a:path w="4277884" h="2583520">
+                <a:moveTo>
+                  <a:pt x="0" y="0"/>
+                </a:moveTo>
+                <a:lnTo>
+                  <a:pt x="4277884" y="0"/>
+                </a:lnTo>
+                <a:lnTo>
+                  <a:pt x="4277884" y="2583520"/>
+                </a:lnTo>
+                <a:lnTo>
+                  <a:pt x="1192437" y="2583520"/>
+                </a:lnTo>
+                <a:lnTo>
+                  <a:pt x="1188085" y="2574129"/>
+                </a:lnTo>
+                <a:lnTo>
+                  <a:pt x="1192715" y="2574129"/>
+                </a:lnTo>
+                <a:close/>
+              </a:path>
+            </a:pathLst>
+          </a:custGeom>
+        </p:spPr>
+      </p:pic>
+      <p:sp>
+        <p:nvSpPr>
+          <p:cNvPr id="6" name="Rectangle 5">
+            <a:extLst>
+              <a:ext uri="{FF2B5EF4-FFF2-40B4-BE49-F238E27FC236}">
+                <a16:creationId xmlns:a16="http://schemas.microsoft.com/office/drawing/2014/main" id="{A2901312-C3C2-4CEC-80EF-823AB4FBB726}"/>
+              </a:ext>
+            </a:extLst>
+          </p:cNvPr>
+          <p:cNvSpPr/>
+          <p:nvPr/>
+        </p:nvSpPr>
+        <p:spPr>
+          <a:xfrm>
+            <a:off x="-1" y="1608918"/>
+            <a:ext cx="12191999" cy="91160"/>
+          </a:xfrm>
+          <a:prstGeom prst="rect">
+            <a:avLst/>
+          </a:prstGeom>
+          <a:solidFill>
+            <a:schemeClr val="bg1"/>
+          </a:solidFill>
+          <a:ln>
+            <a:noFill/>
+          </a:ln>
+        </p:spPr>
+        <p:style>
+          <a:lnRef idx="2">
+            <a:schemeClr val="accent1">
+              <a:shade val="50000"/>
+            </a:schemeClr>
+          </a:lnRef>
+          <a:fillRef idx="1">
+            <a:schemeClr val="accent1"/>
+          </a:fillRef>
+          <a:effectRef idx="0">
+            <a:schemeClr val="accent1"/>
+          </a:effectRef>
+          <a:fontRef idx="minor">
+            <a:schemeClr val="lt1"/>
+          </a:fontRef>
+        </p:style>
+        <p:txBody>
+          <a:bodyPr rtlCol="0" anchor="ctr"/>
+          <a:lstStyle/>
+          <a:p>
+            <a:pPr algn="ctr"/>
+            <a:endParaRPr lang="en-US">
+              <a:solidFill>
+                <a:srgbClr val="DB5B5C"/>
+              </a:solidFill>
+            </a:endParaRPr>
+          </a:p>
+        </p:txBody>
+      </p:sp>
+      <p:sp>
+        <p:nvSpPr>
+          <p:cNvPr id="15" name="Rectangle 14">
+            <a:extLst>
+              <a:ext uri="{FF2B5EF4-FFF2-40B4-BE49-F238E27FC236}">
+                <a16:creationId xmlns:a16="http://schemas.microsoft.com/office/drawing/2014/main" id="{AD0A7C9C-CA2C-4B9B-A125-2D09D5573B44}"/>
+              </a:ext>
+            </a:extLst>
+          </p:cNvPr>
+          <p:cNvSpPr/>
+          <p:nvPr/>
+        </p:nvSpPr>
+        <p:spPr>
+          <a:xfrm>
+            <a:off x="1" y="6677247"/>
+            <a:ext cx="12191999" cy="190143"/>
+          </a:xfrm>
+          <a:prstGeom prst="rect">
+            <a:avLst/>
+          </a:prstGeom>
+          <a:solidFill>
+            <a:schemeClr val="bg1"/>
+          </a:solidFill>
+          <a:ln>
+            <a:noFill/>
+          </a:ln>
+        </p:spPr>
+        <p:style>
+          <a:lnRef idx="2">
+            <a:schemeClr val="accent1">
+              <a:shade val="50000"/>
+            </a:schemeClr>
+          </a:lnRef>
+          <a:fillRef idx="1">
+            <a:schemeClr val="accent1"/>
+          </a:fillRef>
+          <a:effectRef idx="0">
+            <a:schemeClr val="accent1"/>
+          </a:effectRef>
+          <a:fontRef idx="minor">
+            <a:schemeClr val="lt1"/>
+          </a:fontRef>
+        </p:style>
+        <p:txBody>
+          <a:bodyPr rtlCol="0" anchor="ctr"/>
+          <a:lstStyle/>
+          <a:p>
+            <a:pPr algn="ctr"/>
+            <a:endParaRPr lang="en-US">
+              <a:solidFill>
+                <a:srgbClr val="DB5B5C"/>
+              </a:solidFill>
+            </a:endParaRPr>
+          </a:p>
+        </p:txBody>
+      </p:sp>
+      <p:sp>
+        <p:nvSpPr>
+          <p:cNvPr id="16" name="Rectangle 15">
+            <a:extLst>
+              <a:ext uri="{FF2B5EF4-FFF2-40B4-BE49-F238E27FC236}">
+                <a16:creationId xmlns:a16="http://schemas.microsoft.com/office/drawing/2014/main" id="{74A085FC-1866-46D4-97F7-51AA45E48D4F}"/>
+              </a:ext>
+            </a:extLst>
+          </p:cNvPr>
+          <p:cNvSpPr/>
+          <p:nvPr/>
+        </p:nvSpPr>
+        <p:spPr>
+          <a:xfrm rot="4092292">
+            <a:off x="5790668" y="4094517"/>
+            <a:ext cx="5446699" cy="137038"/>
+          </a:xfrm>
+          <a:prstGeom prst="rect">
+            <a:avLst/>
+          </a:prstGeom>
+          <a:solidFill>
+            <a:schemeClr val="bg1"/>
+          </a:solidFill>
+          <a:ln>
+            <a:noFill/>
+          </a:ln>
+        </p:spPr>
+        <p:style>
+          <a:lnRef idx="2">
+            <a:schemeClr val="accent1">
+              <a:shade val="50000"/>
+            </a:schemeClr>
+          </a:lnRef>
+          <a:fillRef idx="1">
+            <a:schemeClr val="accent1"/>
+          </a:fillRef>
+          <a:effectRef idx="0">
+            <a:schemeClr val="accent1"/>
+          </a:effectRef>
+          <a:fontRef idx="minor">
+            <a:schemeClr val="lt1"/>
+          </a:fontRef>
+        </p:style>
+        <p:txBody>
+          <a:bodyPr rtlCol="0" anchor="ctr"/>
+          <a:lstStyle/>
+          <a:p>
+            <a:pPr algn="ctr"/>
+            <a:endParaRPr lang="en-US">
+              <a:solidFill>
+                <a:srgbClr val="DB5B5C"/>
+              </a:solidFill>
+            </a:endParaRPr>
+          </a:p>
+        </p:txBody>
+      </p:sp>
+    </p:spTree>
+    <p:extLst>
+      <p:ext uri="{BB962C8B-B14F-4D97-AF65-F5344CB8AC3E}">
+        <p14:creationId xmlns:p14="http://schemas.microsoft.com/office/powerpoint/2010/main" val="3511620189"/>
+      </p:ext>
+    </p:extLst>
+  </p:cSld>
+  <p:clrMapOvr>
+    <a:overrideClrMapping bg1="dk1" tx1="lt1" bg2="dk2" tx2="lt2" accent1="accent1" accent2="accent2" accent3="accent3" accent4="accent4" accent5="accent5" accent6="accent6" hlink="hlink" folHlink="folHlink"/>
+  </p:clrMapOvr>
+</p:sld>
+</file>
+
+<file path=ppt/slides/slide13.xml><?xml version="1.0" encoding="utf-8"?>
+<p:sld xmlns:a="http://schemas.openxmlformats.org/drawingml/2006/main" xmlns:r="http://schemas.openxmlformats.org/officeDocument/2006/relationships" xmlns:p="http://schemas.openxmlformats.org/presentationml/2006/main">
+  <p:cSld>
+    <p:bg>
+      <p:bgPr>
+        <a:solidFill>
+          <a:srgbClr val="395583"/>
+        </a:solidFill>
+        <a:effectLst/>
+      </p:bgPr>
+    </p:bg>
+    <p:spTree>
+      <p:nvGrpSpPr>
+        <p:cNvPr id="1" name=""/>
+        <p:cNvGrpSpPr/>
+        <p:nvPr/>
+      </p:nvGrpSpPr>
+      <p:grpSpPr>
+        <a:xfrm>
+          <a:off x="0" y="0"/>
+          <a:ext cx="0" cy="0"/>
+          <a:chOff x="0" y="0"/>
+          <a:chExt cx="0" cy="0"/>
+        </a:xfrm>
+      </p:grpSpPr>
+      <p:sp>
+        <p:nvSpPr>
+          <p:cNvPr id="25" name="Rectangle 24">
+            <a:extLst>
+              <a:ext uri="{FF2B5EF4-FFF2-40B4-BE49-F238E27FC236}">
+                <a16:creationId xmlns:a16="http://schemas.microsoft.com/office/drawing/2014/main" id="{A6792F05-2FD4-4F18-815E-15391E8B4A0E}"/>
+              </a:ext>
+              <a:ext uri="{C183D7F6-B498-43B3-948B-1728B52AA6E4}">
+                <adec:decorative xmlns:adec="http://schemas.microsoft.com/office/drawing/2017/decorative" val="1"/>
+              </a:ext>
+            </a:extLst>
+          </p:cNvPr>
+          <p:cNvSpPr>
+            <a:spLocks noGrp="1" noRot="1" noChangeAspect="1" noMove="1" noResize="1" noEditPoints="1" noAdjustHandles="1" noChangeArrowheads="1" noChangeShapeType="1" noTextEdit="1"/>
+          </p:cNvSpPr>
+          <p:nvPr>
+            <p:extLst>
+              <p:ext uri="{386F3935-93C4-4BCD-93E2-E3B085C9AB24}">
+                <p16:designElem xmlns:p16="http://schemas.microsoft.com/office/powerpoint/2015/main" val="1"/>
+              </p:ext>
+            </p:extLst>
+          </p:nvPr>
+        </p:nvSpPr>
+        <p:spPr>
+          <a:xfrm>
+            <a:off x="0" y="0"/>
+            <a:ext cx="12191999" cy="6858000"/>
+          </a:xfrm>
+          <a:prstGeom prst="rect">
+            <a:avLst/>
+          </a:prstGeom>
+          <a:solidFill>
+            <a:srgbClr val="395583"/>
+          </a:solidFill>
+          <a:ln>
+            <a:noFill/>
+          </a:ln>
+        </p:spPr>
+        <p:style>
+          <a:lnRef idx="2">
+            <a:schemeClr val="accent1">
+              <a:shade val="50000"/>
+            </a:schemeClr>
+          </a:lnRef>
+          <a:fillRef idx="1">
+            <a:schemeClr val="accent1"/>
+          </a:fillRef>
+          <a:effectRef idx="0">
+            <a:schemeClr val="accent1"/>
+          </a:effectRef>
+          <a:fontRef idx="minor">
+            <a:schemeClr val="lt1"/>
+          </a:fontRef>
+        </p:style>
+        <p:txBody>
+          <a:bodyPr rtlCol="0" anchor="ctr"/>
+          <a:lstStyle/>
+          <a:p>
+            <a:pPr algn="ctr"/>
+            <a:endParaRPr lang="en-US"/>
+          </a:p>
+        </p:txBody>
+      </p:sp>
+      <p:sp>
+        <p:nvSpPr>
+          <p:cNvPr id="2" name="Title 1">
+            <a:extLst>
+              <a:ext uri="{FF2B5EF4-FFF2-40B4-BE49-F238E27FC236}">
+                <a16:creationId xmlns:a16="http://schemas.microsoft.com/office/drawing/2014/main" id="{2589AFCC-0FF0-498C-B11F-8990DF0DAAA5}"/>
+              </a:ext>
+            </a:extLst>
+          </p:cNvPr>
+          <p:cNvSpPr>
+            <a:spLocks noGrp="1"/>
+          </p:cNvSpPr>
+          <p:nvPr>
+            <p:ph type="title"/>
+          </p:nvPr>
+        </p:nvSpPr>
+        <p:spPr>
+          <a:xfrm>
+            <a:off x="838200" y="365125"/>
+            <a:ext cx="10515600" cy="1325563"/>
+          </a:xfrm>
+        </p:spPr>
+        <p:txBody>
+          <a:bodyPr>
+            <a:normAutofit/>
+          </a:bodyPr>
+          <a:lstStyle/>
+          <a:p>
+            <a:r>
+              <a:rPr lang="en-US" b="1" dirty="0">
+                <a:latin typeface="Selawik Semibold" panose="020B0604020202020204" pitchFamily="34" charset="0"/>
+              </a:rPr>
+              <a:t>Your Industry Future</a:t>
+            </a:r>
+          </a:p>
+        </p:txBody>
+      </p:sp>
+      <p:sp>
+        <p:nvSpPr>
+          <p:cNvPr id="9" name="Content Placeholder 8">
+            <a:extLst>
+              <a:ext uri="{FF2B5EF4-FFF2-40B4-BE49-F238E27FC236}">
+                <a16:creationId xmlns:a16="http://schemas.microsoft.com/office/drawing/2014/main" id="{2D995594-59F2-4020-AB6F-751BAE84ADB3}"/>
+              </a:ext>
+            </a:extLst>
+          </p:cNvPr>
+          <p:cNvSpPr>
+            <a:spLocks noGrp="1"/>
+          </p:cNvSpPr>
+          <p:nvPr>
+            <p:ph idx="1"/>
+          </p:nvPr>
+        </p:nvSpPr>
+        <p:spPr>
+          <a:xfrm>
+            <a:off x="838199" y="2021248"/>
+            <a:ext cx="8107018" cy="4695905"/>
+          </a:xfrm>
+        </p:spPr>
+        <p:txBody>
+          <a:bodyPr>
+            <a:normAutofit/>
+          </a:bodyPr>
+          <a:lstStyle/>
+          <a:p>
+            <a:r>
+              <a:rPr lang="en-US" sz="2400" dirty="0">
+                <a:latin typeface="Selawik Semibold" panose="020B0702040204020203" pitchFamily="34" charset="0"/>
+              </a:rPr>
+              <a:t>Real Jobs (Indeed)</a:t>
+            </a:r>
+          </a:p>
+          <a:p>
+            <a:pPr marL="0" indent="0">
+              <a:buNone/>
+            </a:pPr>
+            <a:endParaRPr lang="en-US" sz="2400" dirty="0">
+              <a:latin typeface="Selawik Semibold" panose="020B0702040204020203" pitchFamily="34" charset="0"/>
+            </a:endParaRPr>
+          </a:p>
+          <a:p>
+            <a:pPr lvl="1"/>
+            <a:r>
+              <a:rPr lang="en-US" sz="2000" dirty="0">
+                <a:latin typeface="Selawik Semibold" panose="020B0702040204020203" pitchFamily="34" charset="0"/>
+              </a:rPr>
+              <a:t>Senior Data Engineer for Event Dynamic</a:t>
+            </a:r>
+          </a:p>
+          <a:p>
+            <a:pPr lvl="2"/>
+            <a:r>
+              <a:rPr lang="en-US" sz="1800" dirty="0">
+                <a:latin typeface="Selawik Semibold" panose="020B0702040204020203" pitchFamily="34" charset="0"/>
+              </a:rPr>
+              <a:t>Automated Ticket Pricing System</a:t>
+            </a:r>
+          </a:p>
+          <a:p>
+            <a:pPr lvl="2"/>
+            <a:r>
+              <a:rPr lang="en-US" sz="1800" dirty="0">
+                <a:latin typeface="Selawik Semibold" panose="020B0702040204020203" pitchFamily="34" charset="0"/>
+              </a:rPr>
+              <a:t>Bachelors/Masters Quantitative Field</a:t>
+            </a:r>
+          </a:p>
+          <a:p>
+            <a:pPr lvl="2"/>
+            <a:r>
+              <a:rPr lang="en-US" sz="1800" dirty="0">
+                <a:latin typeface="Selawik Semibold" panose="020B0702040204020203" pitchFamily="34" charset="0"/>
+              </a:rPr>
+              <a:t>Software Development (2 Years) and Python (1 Year)</a:t>
+            </a:r>
+          </a:p>
+          <a:p>
+            <a:pPr marL="914400" lvl="2" indent="0">
+              <a:buNone/>
+            </a:pPr>
+            <a:endParaRPr lang="en-US" sz="1600" dirty="0">
+              <a:latin typeface="Selawik Semibold" panose="020B0702040204020203" pitchFamily="34" charset="0"/>
+            </a:endParaRPr>
+          </a:p>
+          <a:p>
+            <a:pPr lvl="1"/>
+            <a:r>
+              <a:rPr lang="en-US" sz="2000" dirty="0">
+                <a:latin typeface="Selawik Semibold" panose="020B0702040204020203" pitchFamily="34" charset="0"/>
+              </a:rPr>
+              <a:t>Data Scientist for Legends</a:t>
+            </a:r>
+          </a:p>
+          <a:p>
+            <a:pPr lvl="2"/>
+            <a:r>
+              <a:rPr lang="en-US" sz="1800" dirty="0">
+                <a:latin typeface="Selawik Semibold" panose="020B0702040204020203" pitchFamily="34" charset="0"/>
+              </a:rPr>
+              <a:t>Consulting for Professional and Collegiate Teams</a:t>
+            </a:r>
+          </a:p>
+          <a:p>
+            <a:pPr lvl="2"/>
+            <a:r>
+              <a:rPr lang="en-US" sz="1800" dirty="0">
+                <a:latin typeface="Selawik Semibold" panose="020B0702040204020203" pitchFamily="34" charset="0"/>
+              </a:rPr>
+              <a:t>Design and Supervision of Predictive Models</a:t>
+            </a:r>
+          </a:p>
+          <a:p>
+            <a:pPr lvl="2"/>
+            <a:r>
+              <a:rPr lang="en-US" sz="1800" dirty="0">
+                <a:latin typeface="Selawik Semibold" panose="020B0702040204020203" pitchFamily="34" charset="0"/>
+              </a:rPr>
+              <a:t>Bachelors Degree in Quantitative Field</a:t>
+            </a:r>
+          </a:p>
+          <a:p>
+            <a:pPr lvl="2"/>
+            <a:r>
+              <a:rPr lang="en-US" sz="1800" dirty="0">
+                <a:latin typeface="Selawik Semibold" panose="020B0702040204020203" pitchFamily="34" charset="0"/>
+              </a:rPr>
+              <a:t>Programming, Data Mining, Statistical Modeling (5 years)</a:t>
+            </a:r>
+          </a:p>
+          <a:p>
+            <a:pPr lvl="2"/>
+            <a:r>
+              <a:rPr lang="en-US" sz="1800" dirty="0">
+                <a:latin typeface="Selawik Semibold" panose="020B0702040204020203" pitchFamily="34" charset="0"/>
+              </a:rPr>
+              <a:t>SQL and R (&gt;5 years)</a:t>
+            </a:r>
+          </a:p>
+          <a:p>
+            <a:pPr lvl="2"/>
+            <a:r>
+              <a:rPr lang="en-US" sz="1800" dirty="0">
+                <a:latin typeface="Selawik Semibold" panose="020B0702040204020203" pitchFamily="34" charset="0"/>
+              </a:rPr>
+              <a:t>$100K - $500K</a:t>
+            </a:r>
+          </a:p>
+          <a:p>
+            <a:pPr lvl="2"/>
+            <a:endParaRPr lang="en-US" sz="1600" dirty="0">
+              <a:latin typeface="Selawik Semibold" panose="020B0702040204020203" pitchFamily="34" charset="0"/>
+            </a:endParaRPr>
+          </a:p>
+          <a:p>
+            <a:pPr lvl="2"/>
+            <a:endParaRPr lang="en-US" sz="1600" dirty="0">
+              <a:latin typeface="Selawik Semibold" panose="020B0702040204020203" pitchFamily="34" charset="0"/>
+            </a:endParaRPr>
+          </a:p>
+          <a:p>
+            <a:endParaRPr lang="en-US" sz="2400" dirty="0">
+              <a:latin typeface="Selawik Semibold" panose="020B0702040204020203" pitchFamily="34" charset="0"/>
+            </a:endParaRPr>
+          </a:p>
+          <a:p>
+            <a:pPr lvl="1"/>
+            <a:endParaRPr lang="en-US" sz="2000" dirty="0">
+              <a:latin typeface="Selawik Semibold" panose="020B0702040204020203" pitchFamily="34" charset="0"/>
+            </a:endParaRPr>
+          </a:p>
+          <a:p>
+            <a:pPr lvl="2"/>
+            <a:endParaRPr lang="en-US" sz="1800" dirty="0">
+              <a:latin typeface="Selawik Semibold" panose="020B0702040204020203" pitchFamily="34" charset="0"/>
+            </a:endParaRPr>
+          </a:p>
+          <a:p>
+            <a:pPr lvl="1"/>
+            <a:endParaRPr lang="en-US" sz="2200" dirty="0">
+              <a:latin typeface="Selawik Semibold" panose="020B0702040204020203" pitchFamily="34" charset="0"/>
+            </a:endParaRPr>
+          </a:p>
+        </p:txBody>
+      </p:sp>
+      <p:pic>
+        <p:nvPicPr>
+          <p:cNvPr id="4" name="Picture 3" descr="A drawing of a cartoon character&#10;&#10;Description automatically generated">
+            <a:extLst>
+              <a:ext uri="{FF2B5EF4-FFF2-40B4-BE49-F238E27FC236}">
+                <a16:creationId xmlns:a16="http://schemas.microsoft.com/office/drawing/2014/main" id="{A7FDC859-D890-4904-9C64-27F43DA90453}"/>
+              </a:ext>
+            </a:extLst>
+          </p:cNvPr>
+          <p:cNvPicPr>
+            <a:picLocks noChangeAspect="1"/>
+          </p:cNvPicPr>
+          <p:nvPr/>
+        </p:nvPicPr>
+        <p:blipFill rotWithShape="1">
+          <a:blip r:embed="rId2">
+            <a:extLst>
+              <a:ext uri="{28A0092B-C50C-407E-A947-70E740481C1C}">
+                <a14:useLocalDpi xmlns:a14="http://schemas.microsoft.com/office/drawing/2010/main" val="0"/>
+              </a:ext>
+            </a:extLst>
+          </a:blip>
+          <a:srcRect t="5616" r="2" b="2"/>
+          <a:stretch/>
+        </p:blipFill>
+        <p:spPr>
+          <a:xfrm>
+            <a:off x="7471144" y="1700078"/>
+            <a:ext cx="4720855" cy="2583792"/>
+          </a:xfrm>
+          <a:custGeom>
+            <a:avLst/>
+            <a:gdLst>
+              <a:gd name="connsiteX0" fmla="*/ 0 w 5475077"/>
+              <a:gd name="connsiteY0" fmla="*/ 0 h 2583792"/>
+              <a:gd name="connsiteX1" fmla="*/ 5475077 w 5475077"/>
+              <a:gd name="connsiteY1" fmla="*/ 0 h 2583792"/>
+              <a:gd name="connsiteX2" fmla="*/ 5475077 w 5475077"/>
+              <a:gd name="connsiteY2" fmla="*/ 2583792 h 2583792"/>
+              <a:gd name="connsiteX3" fmla="*/ 1197192 w 5475077"/>
+              <a:gd name="connsiteY3" fmla="*/ 2583792 h 2583792"/>
+            </a:gdLst>
+            <a:ahLst/>
+            <a:cxnLst>
+              <a:cxn ang="0">
+                <a:pos x="connsiteX0" y="connsiteY0"/>
+              </a:cxn>
+              <a:cxn ang="0">
+                <a:pos x="connsiteX1" y="connsiteY1"/>
+              </a:cxn>
+              <a:cxn ang="0">
+                <a:pos x="connsiteX2" y="connsiteY2"/>
+              </a:cxn>
+              <a:cxn ang="0">
+                <a:pos x="connsiteX3" y="connsiteY3"/>
+              </a:cxn>
+            </a:cxnLst>
+            <a:rect l="l" t="t" r="r" b="b"/>
+            <a:pathLst>
+              <a:path w="5475077" h="2583792">
+                <a:moveTo>
+                  <a:pt x="0" y="0"/>
+                </a:moveTo>
+                <a:lnTo>
+                  <a:pt x="5475077" y="0"/>
+                </a:lnTo>
+                <a:lnTo>
+                  <a:pt x="5475077" y="2583792"/>
+                </a:lnTo>
+                <a:lnTo>
+                  <a:pt x="1197192" y="2583792"/>
+                </a:lnTo>
+                <a:close/>
+              </a:path>
+            </a:pathLst>
+          </a:custGeom>
+        </p:spPr>
+      </p:pic>
+      <p:pic>
+        <p:nvPicPr>
+          <p:cNvPr id="5" name="Content Placeholder 4" descr="A picture containing indoor&#10;&#10;Description automatically generated">
+            <a:extLst>
+              <a:ext uri="{FF2B5EF4-FFF2-40B4-BE49-F238E27FC236}">
+                <a16:creationId xmlns:a16="http://schemas.microsoft.com/office/drawing/2014/main" id="{A58F0E55-21F3-485B-A07F-1CE74177BDD2}"/>
+              </a:ext>
+            </a:extLst>
+          </p:cNvPr>
+          <p:cNvPicPr>
+            <a:picLocks noChangeAspect="1"/>
+          </p:cNvPicPr>
+          <p:nvPr/>
+        </p:nvPicPr>
+        <p:blipFill rotWithShape="1">
+          <a:blip r:embed="rId3">
+            <a:extLst>
+              <a:ext uri="{28A0092B-C50C-407E-A947-70E740481C1C}">
+                <a14:useLocalDpi xmlns:a14="http://schemas.microsoft.com/office/drawing/2010/main" val="0"/>
+              </a:ext>
+            </a:extLst>
+          </a:blip>
+          <a:srcRect t="5300" r="3" b="6859"/>
+          <a:stretch/>
+        </p:blipFill>
+        <p:spPr>
+          <a:xfrm>
+            <a:off x="8491869" y="4283870"/>
+            <a:ext cx="3700129" cy="2583520"/>
+          </a:xfrm>
+          <a:custGeom>
+            <a:avLst/>
+            <a:gdLst>
+              <a:gd name="connsiteX0" fmla="*/ 0 w 4277884"/>
+              <a:gd name="connsiteY0" fmla="*/ 0 h 2583520"/>
+              <a:gd name="connsiteX1" fmla="*/ 4277884 w 4277884"/>
+              <a:gd name="connsiteY1" fmla="*/ 0 h 2583520"/>
+              <a:gd name="connsiteX2" fmla="*/ 4277884 w 4277884"/>
+              <a:gd name="connsiteY2" fmla="*/ 2583520 h 2583520"/>
+              <a:gd name="connsiteX3" fmla="*/ 1192437 w 4277884"/>
+              <a:gd name="connsiteY3" fmla="*/ 2583520 h 2583520"/>
+              <a:gd name="connsiteX4" fmla="*/ 1188085 w 4277884"/>
+              <a:gd name="connsiteY4" fmla="*/ 2574129 h 2583520"/>
+              <a:gd name="connsiteX5" fmla="*/ 1192715 w 4277884"/>
+              <a:gd name="connsiteY5" fmla="*/ 2574129 h 2583520"/>
+            </a:gdLst>
+            <a:ahLst/>
+            <a:cxnLst>
+              <a:cxn ang="0">
+                <a:pos x="connsiteX0" y="connsiteY0"/>
+              </a:cxn>
+              <a:cxn ang="0">
+                <a:pos x="connsiteX1" y="connsiteY1"/>
+              </a:cxn>
+              <a:cxn ang="0">
+                <a:pos x="connsiteX2" y="connsiteY2"/>
+              </a:cxn>
+              <a:cxn ang="0">
+                <a:pos x="connsiteX3" y="connsiteY3"/>
+              </a:cxn>
+              <a:cxn ang="0">
+                <a:pos x="connsiteX4" y="connsiteY4"/>
+              </a:cxn>
+              <a:cxn ang="0">
+                <a:pos x="connsiteX5" y="connsiteY5"/>
+              </a:cxn>
+            </a:cxnLst>
+            <a:rect l="l" t="t" r="r" b="b"/>
+            <a:pathLst>
+              <a:path w="4277884" h="2583520">
+                <a:moveTo>
+                  <a:pt x="0" y="0"/>
+                </a:moveTo>
+                <a:lnTo>
+                  <a:pt x="4277884" y="0"/>
+                </a:lnTo>
+                <a:lnTo>
+                  <a:pt x="4277884" y="2583520"/>
+                </a:lnTo>
+                <a:lnTo>
+                  <a:pt x="1192437" y="2583520"/>
+                </a:lnTo>
+                <a:lnTo>
+                  <a:pt x="1188085" y="2574129"/>
+                </a:lnTo>
+                <a:lnTo>
+                  <a:pt x="1192715" y="2574129"/>
+                </a:lnTo>
+                <a:close/>
+              </a:path>
+            </a:pathLst>
+          </a:custGeom>
+        </p:spPr>
+      </p:pic>
+      <p:sp>
+        <p:nvSpPr>
+          <p:cNvPr id="6" name="Rectangle 5">
+            <a:extLst>
+              <a:ext uri="{FF2B5EF4-FFF2-40B4-BE49-F238E27FC236}">
+                <a16:creationId xmlns:a16="http://schemas.microsoft.com/office/drawing/2014/main" id="{A2901312-C3C2-4CEC-80EF-823AB4FBB726}"/>
+              </a:ext>
+            </a:extLst>
+          </p:cNvPr>
+          <p:cNvSpPr/>
+          <p:nvPr/>
+        </p:nvSpPr>
+        <p:spPr>
+          <a:xfrm>
+            <a:off x="-1" y="1608918"/>
+            <a:ext cx="12191999" cy="91160"/>
+          </a:xfrm>
+          <a:prstGeom prst="rect">
+            <a:avLst/>
+          </a:prstGeom>
+          <a:solidFill>
+            <a:schemeClr val="bg1"/>
+          </a:solidFill>
+          <a:ln>
+            <a:noFill/>
+          </a:ln>
+        </p:spPr>
+        <p:style>
+          <a:lnRef idx="2">
+            <a:schemeClr val="accent1">
+              <a:shade val="50000"/>
+            </a:schemeClr>
+          </a:lnRef>
+          <a:fillRef idx="1">
+            <a:schemeClr val="accent1"/>
+          </a:fillRef>
+          <a:effectRef idx="0">
+            <a:schemeClr val="accent1"/>
+          </a:effectRef>
+          <a:fontRef idx="minor">
+            <a:schemeClr val="lt1"/>
+          </a:fontRef>
+        </p:style>
+        <p:txBody>
+          <a:bodyPr rtlCol="0" anchor="ctr"/>
+          <a:lstStyle/>
+          <a:p>
+            <a:pPr algn="ctr"/>
+            <a:endParaRPr lang="en-US">
+              <a:solidFill>
+                <a:srgbClr val="DB5B5C"/>
+              </a:solidFill>
+            </a:endParaRPr>
+          </a:p>
+        </p:txBody>
+      </p:sp>
+      <p:sp>
+        <p:nvSpPr>
+          <p:cNvPr id="15" name="Rectangle 14">
+            <a:extLst>
+              <a:ext uri="{FF2B5EF4-FFF2-40B4-BE49-F238E27FC236}">
+                <a16:creationId xmlns:a16="http://schemas.microsoft.com/office/drawing/2014/main" id="{AD0A7C9C-CA2C-4B9B-A125-2D09D5573B44}"/>
+              </a:ext>
+            </a:extLst>
+          </p:cNvPr>
+          <p:cNvSpPr/>
+          <p:nvPr/>
+        </p:nvSpPr>
+        <p:spPr>
+          <a:xfrm>
+            <a:off x="1" y="6677247"/>
+            <a:ext cx="12191999" cy="190143"/>
+          </a:xfrm>
+          <a:prstGeom prst="rect">
+            <a:avLst/>
+          </a:prstGeom>
+          <a:solidFill>
+            <a:schemeClr val="bg1"/>
+          </a:solidFill>
+          <a:ln>
+            <a:noFill/>
+          </a:ln>
+        </p:spPr>
+        <p:style>
+          <a:lnRef idx="2">
+            <a:schemeClr val="accent1">
+              <a:shade val="50000"/>
+            </a:schemeClr>
+          </a:lnRef>
+          <a:fillRef idx="1">
+            <a:schemeClr val="accent1"/>
+          </a:fillRef>
+          <a:effectRef idx="0">
+            <a:schemeClr val="accent1"/>
+          </a:effectRef>
+          <a:fontRef idx="minor">
+            <a:schemeClr val="lt1"/>
+          </a:fontRef>
+        </p:style>
+        <p:txBody>
+          <a:bodyPr rtlCol="0" anchor="ctr"/>
+          <a:lstStyle/>
+          <a:p>
+            <a:pPr algn="ctr"/>
+            <a:endParaRPr lang="en-US">
+              <a:solidFill>
+                <a:srgbClr val="DB5B5C"/>
+              </a:solidFill>
+            </a:endParaRPr>
+          </a:p>
+        </p:txBody>
+      </p:sp>
+      <p:sp>
+        <p:nvSpPr>
+          <p:cNvPr id="16" name="Rectangle 15">
+            <a:extLst>
+              <a:ext uri="{FF2B5EF4-FFF2-40B4-BE49-F238E27FC236}">
+                <a16:creationId xmlns:a16="http://schemas.microsoft.com/office/drawing/2014/main" id="{74A085FC-1866-46D4-97F7-51AA45E48D4F}"/>
+              </a:ext>
+            </a:extLst>
+          </p:cNvPr>
+          <p:cNvSpPr/>
+          <p:nvPr/>
+        </p:nvSpPr>
+        <p:spPr>
+          <a:xfrm rot="4092292">
+            <a:off x="5790668" y="4094517"/>
+            <a:ext cx="5446699" cy="137038"/>
+          </a:xfrm>
+          <a:prstGeom prst="rect">
+            <a:avLst/>
+          </a:prstGeom>
+          <a:solidFill>
+            <a:schemeClr val="bg1"/>
+          </a:solidFill>
+          <a:ln>
+            <a:noFill/>
+          </a:ln>
+        </p:spPr>
+        <p:style>
+          <a:lnRef idx="2">
+            <a:schemeClr val="accent1">
+              <a:shade val="50000"/>
+            </a:schemeClr>
+          </a:lnRef>
+          <a:fillRef idx="1">
+            <a:schemeClr val="accent1"/>
+          </a:fillRef>
+          <a:effectRef idx="0">
+            <a:schemeClr val="accent1"/>
+          </a:effectRef>
+          <a:fontRef idx="minor">
+            <a:schemeClr val="lt1"/>
+          </a:fontRef>
+        </p:style>
+        <p:txBody>
+          <a:bodyPr rtlCol="0" anchor="ctr"/>
+          <a:lstStyle/>
+          <a:p>
+            <a:pPr algn="ctr"/>
+            <a:endParaRPr lang="en-US">
+              <a:solidFill>
+                <a:srgbClr val="DB5B5C"/>
+              </a:solidFill>
+            </a:endParaRPr>
+          </a:p>
+        </p:txBody>
+      </p:sp>
+    </p:spTree>
+    <p:extLst>
+      <p:ext uri="{BB962C8B-B14F-4D97-AF65-F5344CB8AC3E}">
+        <p14:creationId xmlns:p14="http://schemas.microsoft.com/office/powerpoint/2010/main" val="2082743496"/>
+      </p:ext>
+    </p:extLst>
+  </p:cSld>
+  <p:clrMapOvr>
+    <a:overrideClrMapping bg1="dk1" tx1="lt1" bg2="dk2" tx2="lt2" accent1="accent1" accent2="accent2" accent3="accent3" accent4="accent4" accent5="accent5" accent6="accent6" hlink="hlink" folHlink="folHlink"/>
+  </p:clrMapOvr>
+</p:sld>
+</file>
+
+<file path=ppt/slides/slide14.xml><?xml version="1.0" encoding="utf-8"?>
+<p:sld xmlns:a="http://schemas.openxmlformats.org/drawingml/2006/main" xmlns:r="http://schemas.openxmlformats.org/officeDocument/2006/relationships" xmlns:p="http://schemas.openxmlformats.org/presentationml/2006/main">
+  <p:cSld>
+    <p:bg>
+      <p:bgPr>
+        <a:solidFill>
+          <a:srgbClr val="395583"/>
+        </a:solidFill>
+        <a:effectLst/>
+      </p:bgPr>
+    </p:bg>
+    <p:spTree>
+      <p:nvGrpSpPr>
+        <p:cNvPr id="1" name=""/>
+        <p:cNvGrpSpPr/>
+        <p:nvPr/>
+      </p:nvGrpSpPr>
+      <p:grpSpPr>
+        <a:xfrm>
+          <a:off x="0" y="0"/>
+          <a:ext cx="0" cy="0"/>
+          <a:chOff x="0" y="0"/>
+          <a:chExt cx="0" cy="0"/>
+        </a:xfrm>
+      </p:grpSpPr>
+      <p:sp>
+        <p:nvSpPr>
+          <p:cNvPr id="25" name="Rectangle 24">
+            <a:extLst>
+              <a:ext uri="{FF2B5EF4-FFF2-40B4-BE49-F238E27FC236}">
+                <a16:creationId xmlns:a16="http://schemas.microsoft.com/office/drawing/2014/main" id="{A6792F05-2FD4-4F18-815E-15391E8B4A0E}"/>
+              </a:ext>
+              <a:ext uri="{C183D7F6-B498-43B3-948B-1728B52AA6E4}">
+                <adec:decorative xmlns:adec="http://schemas.microsoft.com/office/drawing/2017/decorative" val="1"/>
+              </a:ext>
+            </a:extLst>
+          </p:cNvPr>
+          <p:cNvSpPr>
+            <a:spLocks noGrp="1" noRot="1" noChangeAspect="1" noMove="1" noResize="1" noEditPoints="1" noAdjustHandles="1" noChangeArrowheads="1" noChangeShapeType="1" noTextEdit="1"/>
+          </p:cNvSpPr>
+          <p:nvPr>
+            <p:extLst>
+              <p:ext uri="{386F3935-93C4-4BCD-93E2-E3B085C9AB24}">
+                <p16:designElem xmlns:p16="http://schemas.microsoft.com/office/powerpoint/2015/main" val="1"/>
+              </p:ext>
+            </p:extLst>
+          </p:nvPr>
+        </p:nvSpPr>
+        <p:spPr>
+          <a:xfrm>
+            <a:off x="0" y="0"/>
+            <a:ext cx="12191999" cy="6858000"/>
+          </a:xfrm>
+          <a:prstGeom prst="rect">
+            <a:avLst/>
+          </a:prstGeom>
+          <a:solidFill>
+            <a:srgbClr val="395583"/>
+          </a:solidFill>
+          <a:ln>
+            <a:noFill/>
+          </a:ln>
+        </p:spPr>
+        <p:style>
+          <a:lnRef idx="2">
+            <a:schemeClr val="accent1">
+              <a:shade val="50000"/>
+            </a:schemeClr>
+          </a:lnRef>
+          <a:fillRef idx="1">
+            <a:schemeClr val="accent1"/>
+          </a:fillRef>
+          <a:effectRef idx="0">
+            <a:schemeClr val="accent1"/>
+          </a:effectRef>
+          <a:fontRef idx="minor">
+            <a:schemeClr val="lt1"/>
+          </a:fontRef>
+        </p:style>
+        <p:txBody>
+          <a:bodyPr rtlCol="0" anchor="ctr"/>
+          <a:lstStyle/>
+          <a:p>
+            <a:pPr algn="ctr"/>
+            <a:endParaRPr lang="en-US"/>
+          </a:p>
+        </p:txBody>
+      </p:sp>
+      <p:sp>
+        <p:nvSpPr>
+          <p:cNvPr id="2" name="Title 1">
+            <a:extLst>
+              <a:ext uri="{FF2B5EF4-FFF2-40B4-BE49-F238E27FC236}">
+                <a16:creationId xmlns:a16="http://schemas.microsoft.com/office/drawing/2014/main" id="{2589AFCC-0FF0-498C-B11F-8990DF0DAAA5}"/>
+              </a:ext>
+            </a:extLst>
+          </p:cNvPr>
+          <p:cNvSpPr>
+            <a:spLocks noGrp="1"/>
+          </p:cNvSpPr>
+          <p:nvPr>
+            <p:ph type="title"/>
+          </p:nvPr>
+        </p:nvSpPr>
+        <p:spPr>
+          <a:xfrm>
+            <a:off x="838200" y="365125"/>
+            <a:ext cx="10515600" cy="1325563"/>
+          </a:xfrm>
+        </p:spPr>
+        <p:txBody>
+          <a:bodyPr>
+            <a:normAutofit/>
+          </a:bodyPr>
+          <a:lstStyle/>
+          <a:p>
+            <a:r>
+              <a:rPr lang="en-US" b="1" dirty="0">
+                <a:latin typeface="Selawik Semibold" panose="020B0604020202020204" pitchFamily="34" charset="0"/>
+              </a:rPr>
+              <a:t>Your Industry Future</a:t>
+            </a:r>
+          </a:p>
+        </p:txBody>
+      </p:sp>
+      <p:sp>
+        <p:nvSpPr>
+          <p:cNvPr id="9" name="Content Placeholder 8">
+            <a:extLst>
+              <a:ext uri="{FF2B5EF4-FFF2-40B4-BE49-F238E27FC236}">
+                <a16:creationId xmlns:a16="http://schemas.microsoft.com/office/drawing/2014/main" id="{2D995594-59F2-4020-AB6F-751BAE84ADB3}"/>
+              </a:ext>
+            </a:extLst>
+          </p:cNvPr>
+          <p:cNvSpPr>
+            <a:spLocks noGrp="1"/>
+          </p:cNvSpPr>
+          <p:nvPr>
+            <p:ph idx="1"/>
+          </p:nvPr>
+        </p:nvSpPr>
+        <p:spPr>
+          <a:xfrm>
+            <a:off x="838199" y="2021248"/>
+            <a:ext cx="8107018" cy="4695905"/>
+          </a:xfrm>
+        </p:spPr>
+        <p:txBody>
+          <a:bodyPr>
+            <a:normAutofit/>
+          </a:bodyPr>
+          <a:lstStyle/>
+          <a:p>
+            <a:r>
+              <a:rPr lang="en-US" sz="2400" dirty="0">
+                <a:latin typeface="Selawik Semibold" panose="020B0702040204020203" pitchFamily="34" charset="0"/>
+              </a:rPr>
+              <a:t>Real Jobs (Indeed)</a:t>
+            </a:r>
+          </a:p>
+          <a:p>
+            <a:pPr marL="0" indent="0">
+              <a:buNone/>
+            </a:pPr>
+            <a:endParaRPr lang="en-US" sz="2400" dirty="0">
+              <a:latin typeface="Selawik Semibold" panose="020B0702040204020203" pitchFamily="34" charset="0"/>
+            </a:endParaRPr>
+          </a:p>
+          <a:p>
+            <a:pPr lvl="1"/>
+            <a:r>
+              <a:rPr lang="en-US" sz="2000" dirty="0">
+                <a:latin typeface="Selawik Semibold" panose="020B0702040204020203" pitchFamily="34" charset="0"/>
+              </a:rPr>
+              <a:t>Quantitative Analyst for the Philadelphia Eagles</a:t>
+            </a:r>
+          </a:p>
+          <a:p>
+            <a:pPr lvl="2"/>
+            <a:r>
+              <a:rPr lang="en-US" sz="1800" dirty="0">
+                <a:latin typeface="Selawik Semibold" panose="020B0702040204020203" pitchFamily="34" charset="0"/>
+              </a:rPr>
+              <a:t>Front Office Applications</a:t>
+            </a:r>
+          </a:p>
+          <a:p>
+            <a:pPr lvl="2"/>
+            <a:r>
+              <a:rPr lang="en-US" sz="1800" dirty="0">
+                <a:latin typeface="Selawik Semibold" panose="020B0702040204020203" pitchFamily="34" charset="0"/>
+              </a:rPr>
+              <a:t>Player Development, Game Prep, Resource Allocation</a:t>
+            </a:r>
+          </a:p>
+          <a:p>
+            <a:pPr lvl="2"/>
+            <a:r>
+              <a:rPr lang="en-US" sz="1800" dirty="0">
+                <a:latin typeface="Selawik Semibold" panose="020B0702040204020203" pitchFamily="34" charset="0"/>
+              </a:rPr>
+              <a:t>Statistics, Machine Learning, Econometrics</a:t>
+            </a:r>
+          </a:p>
+          <a:p>
+            <a:pPr lvl="2"/>
+            <a:endParaRPr lang="en-US" sz="1600" dirty="0">
+              <a:latin typeface="Selawik Semibold" panose="020B0702040204020203" pitchFamily="34" charset="0"/>
+            </a:endParaRPr>
+          </a:p>
+          <a:p>
+            <a:pPr lvl="1"/>
+            <a:r>
+              <a:rPr lang="en-US" sz="2000" dirty="0">
+                <a:latin typeface="Selawik Semibold" panose="020B0702040204020203" pitchFamily="34" charset="0"/>
+              </a:rPr>
+              <a:t>Data Scientist for Zelus Analytics</a:t>
+            </a:r>
+          </a:p>
+          <a:p>
+            <a:pPr lvl="2"/>
+            <a:r>
+              <a:rPr lang="en-US" sz="1800" dirty="0">
+                <a:latin typeface="Selawik Semibold" panose="020B0702040204020203" pitchFamily="34" charset="0"/>
+              </a:rPr>
+              <a:t>Help Professional Teams Win Championships</a:t>
+            </a:r>
+          </a:p>
+          <a:p>
+            <a:pPr lvl="2"/>
+            <a:r>
+              <a:rPr lang="en-US" sz="1800" dirty="0">
+                <a:latin typeface="Selawik Semibold" panose="020B0702040204020203" pitchFamily="34" charset="0"/>
+              </a:rPr>
+              <a:t>Develop, Validate, and Automate Models</a:t>
+            </a:r>
+          </a:p>
+          <a:p>
+            <a:pPr lvl="2"/>
+            <a:r>
+              <a:rPr lang="en-US" sz="1800" dirty="0">
+                <a:latin typeface="Selawik Semibold" panose="020B0702040204020203" pitchFamily="34" charset="0"/>
+              </a:rPr>
+              <a:t>Attend Conferences and Review Research</a:t>
+            </a:r>
+          </a:p>
+          <a:p>
+            <a:pPr lvl="2"/>
+            <a:r>
+              <a:rPr lang="en-US" sz="1800" dirty="0">
+                <a:latin typeface="Selawik Semibold" panose="020B0702040204020203" pitchFamily="34" charset="0"/>
+              </a:rPr>
+              <a:t>Bachelors in Quantitative Field</a:t>
+            </a:r>
+          </a:p>
+          <a:p>
+            <a:pPr lvl="2"/>
+            <a:r>
+              <a:rPr lang="en-US" sz="1800" dirty="0">
+                <a:latin typeface="Selawik Semibold" panose="020B0702040204020203" pitchFamily="34" charset="0"/>
+              </a:rPr>
+              <a:t>R/Python/SQL</a:t>
+            </a:r>
+          </a:p>
+          <a:p>
+            <a:pPr lvl="2"/>
+            <a:r>
+              <a:rPr lang="en-US" sz="1800" dirty="0">
+                <a:latin typeface="Selawik Semibold" panose="020B0702040204020203" pitchFamily="34" charset="0"/>
+              </a:rPr>
+              <a:t>$80K - $110K</a:t>
+            </a:r>
+          </a:p>
+          <a:p>
+            <a:pPr lvl="1"/>
+            <a:endParaRPr lang="en-US" sz="1600" dirty="0">
+              <a:latin typeface="Selawik Semibold" panose="020B0702040204020203" pitchFamily="34" charset="0"/>
+            </a:endParaRPr>
+          </a:p>
+          <a:p>
+            <a:pPr lvl="2"/>
+            <a:endParaRPr lang="en-US" sz="1600" dirty="0">
+              <a:latin typeface="Selawik Semibold" panose="020B0702040204020203" pitchFamily="34" charset="0"/>
+            </a:endParaRPr>
+          </a:p>
+          <a:p>
+            <a:pPr lvl="2"/>
+            <a:endParaRPr lang="en-US" sz="1600" dirty="0">
+              <a:latin typeface="Selawik Semibold" panose="020B0702040204020203" pitchFamily="34" charset="0"/>
+            </a:endParaRPr>
+          </a:p>
+          <a:p>
+            <a:endParaRPr lang="en-US" sz="2400" dirty="0">
+              <a:latin typeface="Selawik Semibold" panose="020B0702040204020203" pitchFamily="34" charset="0"/>
+            </a:endParaRPr>
+          </a:p>
+          <a:p>
+            <a:pPr lvl="1"/>
+            <a:endParaRPr lang="en-US" sz="2000" dirty="0">
+              <a:latin typeface="Selawik Semibold" panose="020B0702040204020203" pitchFamily="34" charset="0"/>
+            </a:endParaRPr>
+          </a:p>
+          <a:p>
+            <a:pPr lvl="2"/>
+            <a:endParaRPr lang="en-US" sz="1800" dirty="0">
+              <a:latin typeface="Selawik Semibold" panose="020B0702040204020203" pitchFamily="34" charset="0"/>
+            </a:endParaRPr>
+          </a:p>
+          <a:p>
+            <a:pPr lvl="1"/>
+            <a:endParaRPr lang="en-US" sz="2200" dirty="0">
+              <a:latin typeface="Selawik Semibold" panose="020B0702040204020203" pitchFamily="34" charset="0"/>
+            </a:endParaRPr>
+          </a:p>
+        </p:txBody>
+      </p:sp>
+      <p:pic>
+        <p:nvPicPr>
+          <p:cNvPr id="4" name="Picture 3" descr="A drawing of a cartoon character&#10;&#10;Description automatically generated">
+            <a:extLst>
+              <a:ext uri="{FF2B5EF4-FFF2-40B4-BE49-F238E27FC236}">
+                <a16:creationId xmlns:a16="http://schemas.microsoft.com/office/drawing/2014/main" id="{A7FDC859-D890-4904-9C64-27F43DA90453}"/>
+              </a:ext>
+            </a:extLst>
+          </p:cNvPr>
+          <p:cNvPicPr>
+            <a:picLocks noChangeAspect="1"/>
+          </p:cNvPicPr>
+          <p:nvPr/>
+        </p:nvPicPr>
+        <p:blipFill rotWithShape="1">
+          <a:blip r:embed="rId2">
+            <a:extLst>
+              <a:ext uri="{28A0092B-C50C-407E-A947-70E740481C1C}">
+                <a14:useLocalDpi xmlns:a14="http://schemas.microsoft.com/office/drawing/2010/main" val="0"/>
+              </a:ext>
+            </a:extLst>
+          </a:blip>
+          <a:srcRect t="5616" r="2" b="2"/>
+          <a:stretch/>
+        </p:blipFill>
+        <p:spPr>
+          <a:xfrm>
+            <a:off x="7471144" y="1700078"/>
+            <a:ext cx="4720855" cy="2583792"/>
+          </a:xfrm>
+          <a:custGeom>
+            <a:avLst/>
+            <a:gdLst>
+              <a:gd name="connsiteX0" fmla="*/ 0 w 5475077"/>
+              <a:gd name="connsiteY0" fmla="*/ 0 h 2583792"/>
+              <a:gd name="connsiteX1" fmla="*/ 5475077 w 5475077"/>
+              <a:gd name="connsiteY1" fmla="*/ 0 h 2583792"/>
+              <a:gd name="connsiteX2" fmla="*/ 5475077 w 5475077"/>
+              <a:gd name="connsiteY2" fmla="*/ 2583792 h 2583792"/>
+              <a:gd name="connsiteX3" fmla="*/ 1197192 w 5475077"/>
+              <a:gd name="connsiteY3" fmla="*/ 2583792 h 2583792"/>
+            </a:gdLst>
+            <a:ahLst/>
+            <a:cxnLst>
+              <a:cxn ang="0">
+                <a:pos x="connsiteX0" y="connsiteY0"/>
+              </a:cxn>
+              <a:cxn ang="0">
+                <a:pos x="connsiteX1" y="connsiteY1"/>
+              </a:cxn>
+              <a:cxn ang="0">
+                <a:pos x="connsiteX2" y="connsiteY2"/>
+              </a:cxn>
+              <a:cxn ang="0">
+                <a:pos x="connsiteX3" y="connsiteY3"/>
+              </a:cxn>
+            </a:cxnLst>
+            <a:rect l="l" t="t" r="r" b="b"/>
+            <a:pathLst>
+              <a:path w="5475077" h="2583792">
+                <a:moveTo>
+                  <a:pt x="0" y="0"/>
+                </a:moveTo>
+                <a:lnTo>
+                  <a:pt x="5475077" y="0"/>
+                </a:lnTo>
+                <a:lnTo>
+                  <a:pt x="5475077" y="2583792"/>
+                </a:lnTo>
+                <a:lnTo>
+                  <a:pt x="1197192" y="2583792"/>
+                </a:lnTo>
+                <a:close/>
+              </a:path>
+            </a:pathLst>
+          </a:custGeom>
+        </p:spPr>
+      </p:pic>
+      <p:pic>
+        <p:nvPicPr>
+          <p:cNvPr id="5" name="Content Placeholder 4" descr="A picture containing indoor&#10;&#10;Description automatically generated">
+            <a:extLst>
+              <a:ext uri="{FF2B5EF4-FFF2-40B4-BE49-F238E27FC236}">
+                <a16:creationId xmlns:a16="http://schemas.microsoft.com/office/drawing/2014/main" id="{A58F0E55-21F3-485B-A07F-1CE74177BDD2}"/>
+              </a:ext>
+            </a:extLst>
+          </p:cNvPr>
+          <p:cNvPicPr>
+            <a:picLocks noChangeAspect="1"/>
+          </p:cNvPicPr>
+          <p:nvPr/>
+        </p:nvPicPr>
+        <p:blipFill rotWithShape="1">
+          <a:blip r:embed="rId3">
+            <a:extLst>
+              <a:ext uri="{28A0092B-C50C-407E-A947-70E740481C1C}">
+                <a14:useLocalDpi xmlns:a14="http://schemas.microsoft.com/office/drawing/2010/main" val="0"/>
+              </a:ext>
+            </a:extLst>
+          </a:blip>
+          <a:srcRect t="5300" r="3" b="6859"/>
+          <a:stretch/>
+        </p:blipFill>
+        <p:spPr>
+          <a:xfrm>
+            <a:off x="8491869" y="4283870"/>
+            <a:ext cx="3700129" cy="2583520"/>
+          </a:xfrm>
+          <a:custGeom>
+            <a:avLst/>
+            <a:gdLst>
+              <a:gd name="connsiteX0" fmla="*/ 0 w 4277884"/>
+              <a:gd name="connsiteY0" fmla="*/ 0 h 2583520"/>
+              <a:gd name="connsiteX1" fmla="*/ 4277884 w 4277884"/>
+              <a:gd name="connsiteY1" fmla="*/ 0 h 2583520"/>
+              <a:gd name="connsiteX2" fmla="*/ 4277884 w 4277884"/>
+              <a:gd name="connsiteY2" fmla="*/ 2583520 h 2583520"/>
+              <a:gd name="connsiteX3" fmla="*/ 1192437 w 4277884"/>
+              <a:gd name="connsiteY3" fmla="*/ 2583520 h 2583520"/>
+              <a:gd name="connsiteX4" fmla="*/ 1188085 w 4277884"/>
+              <a:gd name="connsiteY4" fmla="*/ 2574129 h 2583520"/>
+              <a:gd name="connsiteX5" fmla="*/ 1192715 w 4277884"/>
+              <a:gd name="connsiteY5" fmla="*/ 2574129 h 2583520"/>
+            </a:gdLst>
+            <a:ahLst/>
+            <a:cxnLst>
+              <a:cxn ang="0">
+                <a:pos x="connsiteX0" y="connsiteY0"/>
+              </a:cxn>
+              <a:cxn ang="0">
+                <a:pos x="connsiteX1" y="connsiteY1"/>
+              </a:cxn>
+              <a:cxn ang="0">
+                <a:pos x="connsiteX2" y="connsiteY2"/>
+              </a:cxn>
+              <a:cxn ang="0">
+                <a:pos x="connsiteX3" y="connsiteY3"/>
+              </a:cxn>
+              <a:cxn ang="0">
+                <a:pos x="connsiteX4" y="connsiteY4"/>
+              </a:cxn>
+              <a:cxn ang="0">
+                <a:pos x="connsiteX5" y="connsiteY5"/>
+              </a:cxn>
+            </a:cxnLst>
+            <a:rect l="l" t="t" r="r" b="b"/>
+            <a:pathLst>
+              <a:path w="4277884" h="2583520">
+                <a:moveTo>
+                  <a:pt x="0" y="0"/>
+                </a:moveTo>
+                <a:lnTo>
+                  <a:pt x="4277884" y="0"/>
+                </a:lnTo>
+                <a:lnTo>
+                  <a:pt x="4277884" y="2583520"/>
+                </a:lnTo>
+                <a:lnTo>
+                  <a:pt x="1192437" y="2583520"/>
+                </a:lnTo>
+                <a:lnTo>
+                  <a:pt x="1188085" y="2574129"/>
+                </a:lnTo>
+                <a:lnTo>
+                  <a:pt x="1192715" y="2574129"/>
+                </a:lnTo>
+                <a:close/>
+              </a:path>
+            </a:pathLst>
+          </a:custGeom>
+        </p:spPr>
+      </p:pic>
+      <p:sp>
+        <p:nvSpPr>
+          <p:cNvPr id="6" name="Rectangle 5">
+            <a:extLst>
+              <a:ext uri="{FF2B5EF4-FFF2-40B4-BE49-F238E27FC236}">
+                <a16:creationId xmlns:a16="http://schemas.microsoft.com/office/drawing/2014/main" id="{A2901312-C3C2-4CEC-80EF-823AB4FBB726}"/>
+              </a:ext>
+            </a:extLst>
+          </p:cNvPr>
+          <p:cNvSpPr/>
+          <p:nvPr/>
+        </p:nvSpPr>
+        <p:spPr>
+          <a:xfrm>
+            <a:off x="-1" y="1608918"/>
+            <a:ext cx="12191999" cy="91160"/>
+          </a:xfrm>
+          <a:prstGeom prst="rect">
+            <a:avLst/>
+          </a:prstGeom>
+          <a:solidFill>
+            <a:schemeClr val="bg1"/>
+          </a:solidFill>
+          <a:ln>
+            <a:noFill/>
+          </a:ln>
+        </p:spPr>
+        <p:style>
+          <a:lnRef idx="2">
+            <a:schemeClr val="accent1">
+              <a:shade val="50000"/>
+            </a:schemeClr>
+          </a:lnRef>
+          <a:fillRef idx="1">
+            <a:schemeClr val="accent1"/>
+          </a:fillRef>
+          <a:effectRef idx="0">
+            <a:schemeClr val="accent1"/>
+          </a:effectRef>
+          <a:fontRef idx="minor">
+            <a:schemeClr val="lt1"/>
+          </a:fontRef>
+        </p:style>
+        <p:txBody>
+          <a:bodyPr rtlCol="0" anchor="ctr"/>
+          <a:lstStyle/>
+          <a:p>
+            <a:pPr algn="ctr"/>
+            <a:endParaRPr lang="en-US">
+              <a:solidFill>
+                <a:srgbClr val="DB5B5C"/>
+              </a:solidFill>
+            </a:endParaRPr>
+          </a:p>
+        </p:txBody>
+      </p:sp>
+      <p:sp>
+        <p:nvSpPr>
+          <p:cNvPr id="15" name="Rectangle 14">
+            <a:extLst>
+              <a:ext uri="{FF2B5EF4-FFF2-40B4-BE49-F238E27FC236}">
+                <a16:creationId xmlns:a16="http://schemas.microsoft.com/office/drawing/2014/main" id="{AD0A7C9C-CA2C-4B9B-A125-2D09D5573B44}"/>
+              </a:ext>
+            </a:extLst>
+          </p:cNvPr>
+          <p:cNvSpPr/>
+          <p:nvPr/>
+        </p:nvSpPr>
+        <p:spPr>
+          <a:xfrm>
+            <a:off x="1" y="6677247"/>
+            <a:ext cx="12191999" cy="190143"/>
+          </a:xfrm>
+          <a:prstGeom prst="rect">
+            <a:avLst/>
+          </a:prstGeom>
+          <a:solidFill>
+            <a:schemeClr val="bg1"/>
+          </a:solidFill>
+          <a:ln>
+            <a:noFill/>
+          </a:ln>
+        </p:spPr>
+        <p:style>
+          <a:lnRef idx="2">
+            <a:schemeClr val="accent1">
+              <a:shade val="50000"/>
+            </a:schemeClr>
+          </a:lnRef>
+          <a:fillRef idx="1">
+            <a:schemeClr val="accent1"/>
+          </a:fillRef>
+          <a:effectRef idx="0">
+            <a:schemeClr val="accent1"/>
+          </a:effectRef>
+          <a:fontRef idx="minor">
+            <a:schemeClr val="lt1"/>
+          </a:fontRef>
+        </p:style>
+        <p:txBody>
+          <a:bodyPr rtlCol="0" anchor="ctr"/>
+          <a:lstStyle/>
+          <a:p>
+            <a:pPr algn="ctr"/>
+            <a:endParaRPr lang="en-US">
+              <a:solidFill>
+                <a:srgbClr val="DB5B5C"/>
+              </a:solidFill>
+            </a:endParaRPr>
+          </a:p>
+        </p:txBody>
+      </p:sp>
+      <p:sp>
+        <p:nvSpPr>
+          <p:cNvPr id="16" name="Rectangle 15">
+            <a:extLst>
+              <a:ext uri="{FF2B5EF4-FFF2-40B4-BE49-F238E27FC236}">
+                <a16:creationId xmlns:a16="http://schemas.microsoft.com/office/drawing/2014/main" id="{74A085FC-1866-46D4-97F7-51AA45E48D4F}"/>
+              </a:ext>
+            </a:extLst>
+          </p:cNvPr>
+          <p:cNvSpPr/>
+          <p:nvPr/>
+        </p:nvSpPr>
+        <p:spPr>
+          <a:xfrm rot="4092292">
+            <a:off x="5790668" y="4094517"/>
+            <a:ext cx="5446699" cy="137038"/>
+          </a:xfrm>
+          <a:prstGeom prst="rect">
+            <a:avLst/>
+          </a:prstGeom>
+          <a:solidFill>
+            <a:schemeClr val="bg1"/>
+          </a:solidFill>
+          <a:ln>
+            <a:noFill/>
+          </a:ln>
+        </p:spPr>
+        <p:style>
+          <a:lnRef idx="2">
+            <a:schemeClr val="accent1">
+              <a:shade val="50000"/>
+            </a:schemeClr>
+          </a:lnRef>
+          <a:fillRef idx="1">
+            <a:schemeClr val="accent1"/>
+          </a:fillRef>
+          <a:effectRef idx="0">
+            <a:schemeClr val="accent1"/>
+          </a:effectRef>
+          <a:fontRef idx="minor">
+            <a:schemeClr val="lt1"/>
+          </a:fontRef>
+        </p:style>
+        <p:txBody>
+          <a:bodyPr rtlCol="0" anchor="ctr"/>
+          <a:lstStyle/>
+          <a:p>
+            <a:pPr algn="ctr"/>
+            <a:endParaRPr lang="en-US">
+              <a:solidFill>
+                <a:srgbClr val="DB5B5C"/>
+              </a:solidFill>
+            </a:endParaRPr>
+          </a:p>
+        </p:txBody>
+      </p:sp>
+    </p:spTree>
+    <p:extLst>
+      <p:ext uri="{BB962C8B-B14F-4D97-AF65-F5344CB8AC3E}">
+        <p14:creationId xmlns:p14="http://schemas.microsoft.com/office/powerpoint/2010/main" val="216376330"/>
+      </p:ext>
+    </p:extLst>
+  </p:cSld>
+  <p:clrMapOvr>
+    <a:overrideClrMapping bg1="dk1" tx1="lt1" bg2="dk2" tx2="lt2" accent1="accent1" accent2="accent2" accent3="accent3" accent4="accent4" accent5="accent5" accent6="accent6" hlink="hlink" folHlink="folHlink"/>
+  </p:clrMapOvr>
+</p:sld>
+</file>
+
+<file path=ppt/slides/slide15.xml><?xml version="1.0" encoding="utf-8"?>
+<p:sld xmlns:a="http://schemas.openxmlformats.org/drawingml/2006/main" xmlns:r="http://schemas.openxmlformats.org/officeDocument/2006/relationships" xmlns:p="http://schemas.openxmlformats.org/presentationml/2006/main">
+  <p:cSld>
+    <p:bg>
+      <p:bgPr>
+        <a:solidFill>
+          <a:srgbClr val="395583"/>
+        </a:solidFill>
+        <a:effectLst/>
+      </p:bgPr>
+    </p:bg>
+    <p:spTree>
+      <p:nvGrpSpPr>
+        <p:cNvPr id="1" name=""/>
+        <p:cNvGrpSpPr/>
+        <p:nvPr/>
+      </p:nvGrpSpPr>
+      <p:grpSpPr>
+        <a:xfrm>
+          <a:off x="0" y="0"/>
+          <a:ext cx="0" cy="0"/>
+          <a:chOff x="0" y="0"/>
+          <a:chExt cx="0" cy="0"/>
+        </a:xfrm>
+      </p:grpSpPr>
+      <p:sp>
+        <p:nvSpPr>
+          <p:cNvPr id="25" name="Rectangle 24">
+            <a:extLst>
+              <a:ext uri="{FF2B5EF4-FFF2-40B4-BE49-F238E27FC236}">
+                <a16:creationId xmlns:a16="http://schemas.microsoft.com/office/drawing/2014/main" id="{A6792F05-2FD4-4F18-815E-15391E8B4A0E}"/>
+              </a:ext>
+              <a:ext uri="{C183D7F6-B498-43B3-948B-1728B52AA6E4}">
+                <adec:decorative xmlns:adec="http://schemas.microsoft.com/office/drawing/2017/decorative" val="1"/>
+              </a:ext>
+            </a:extLst>
+          </p:cNvPr>
+          <p:cNvSpPr>
+            <a:spLocks noGrp="1" noRot="1" noChangeAspect="1" noMove="1" noResize="1" noEditPoints="1" noAdjustHandles="1" noChangeArrowheads="1" noChangeShapeType="1" noTextEdit="1"/>
+          </p:cNvSpPr>
+          <p:nvPr>
+            <p:extLst>
+              <p:ext uri="{386F3935-93C4-4BCD-93E2-E3B085C9AB24}">
+                <p16:designElem xmlns:p16="http://schemas.microsoft.com/office/powerpoint/2015/main" val="1"/>
+              </p:ext>
+            </p:extLst>
+          </p:nvPr>
+        </p:nvSpPr>
+        <p:spPr>
+          <a:xfrm>
+            <a:off x="0" y="0"/>
+            <a:ext cx="12191999" cy="6858000"/>
+          </a:xfrm>
+          <a:prstGeom prst="rect">
+            <a:avLst/>
+          </a:prstGeom>
+          <a:solidFill>
+            <a:srgbClr val="395583"/>
+          </a:solidFill>
+          <a:ln>
+            <a:noFill/>
+          </a:ln>
+        </p:spPr>
+        <p:style>
+          <a:lnRef idx="2">
+            <a:schemeClr val="accent1">
+              <a:shade val="50000"/>
+            </a:schemeClr>
+          </a:lnRef>
+          <a:fillRef idx="1">
+            <a:schemeClr val="accent1"/>
+          </a:fillRef>
+          <a:effectRef idx="0">
+            <a:schemeClr val="accent1"/>
+          </a:effectRef>
+          <a:fontRef idx="minor">
+            <a:schemeClr val="lt1"/>
+          </a:fontRef>
+        </p:style>
+        <p:txBody>
+          <a:bodyPr rtlCol="0" anchor="ctr"/>
+          <a:lstStyle/>
+          <a:p>
+            <a:pPr algn="ctr"/>
+            <a:endParaRPr lang="en-US"/>
+          </a:p>
+        </p:txBody>
+      </p:sp>
+      <p:sp>
+        <p:nvSpPr>
+          <p:cNvPr id="2" name="Title 1">
+            <a:extLst>
+              <a:ext uri="{FF2B5EF4-FFF2-40B4-BE49-F238E27FC236}">
+                <a16:creationId xmlns:a16="http://schemas.microsoft.com/office/drawing/2014/main" id="{2589AFCC-0FF0-498C-B11F-8990DF0DAAA5}"/>
+              </a:ext>
+            </a:extLst>
+          </p:cNvPr>
+          <p:cNvSpPr>
+            <a:spLocks noGrp="1"/>
+          </p:cNvSpPr>
+          <p:nvPr>
+            <p:ph type="title"/>
+          </p:nvPr>
+        </p:nvSpPr>
+        <p:spPr>
+          <a:xfrm>
+            <a:off x="838200" y="365125"/>
+            <a:ext cx="10515600" cy="1325563"/>
+          </a:xfrm>
+        </p:spPr>
+        <p:txBody>
+          <a:bodyPr>
+            <a:normAutofit/>
+          </a:bodyPr>
+          <a:lstStyle/>
+          <a:p>
+            <a:r>
+              <a:rPr lang="en-US" b="1" dirty="0">
+                <a:latin typeface="Selawik Semibold" panose="020B0604020202020204" pitchFamily="34" charset="0"/>
+              </a:rPr>
+              <a:t>Your Industry Future</a:t>
+            </a:r>
+          </a:p>
+        </p:txBody>
+      </p:sp>
+      <p:sp>
+        <p:nvSpPr>
+          <p:cNvPr id="9" name="Content Placeholder 8">
+            <a:extLst>
+              <a:ext uri="{FF2B5EF4-FFF2-40B4-BE49-F238E27FC236}">
+                <a16:creationId xmlns:a16="http://schemas.microsoft.com/office/drawing/2014/main" id="{2D995594-59F2-4020-AB6F-751BAE84ADB3}"/>
+              </a:ext>
+            </a:extLst>
+          </p:cNvPr>
+          <p:cNvSpPr>
+            <a:spLocks noGrp="1"/>
+          </p:cNvSpPr>
+          <p:nvPr>
+            <p:ph idx="1"/>
+          </p:nvPr>
+        </p:nvSpPr>
+        <p:spPr>
+          <a:xfrm>
+            <a:off x="838199" y="2021248"/>
+            <a:ext cx="8107018" cy="4695905"/>
+          </a:xfrm>
+        </p:spPr>
+        <p:txBody>
+          <a:bodyPr>
+            <a:normAutofit/>
+          </a:bodyPr>
+          <a:lstStyle/>
+          <a:p>
+            <a:r>
+              <a:rPr lang="en-US" sz="2400" dirty="0">
+                <a:latin typeface="Selawik Semibold" panose="020B0702040204020203" pitchFamily="34" charset="0"/>
+              </a:rPr>
+              <a:t>Real Jobs (Indeed)</a:t>
+            </a:r>
+          </a:p>
+          <a:p>
+            <a:pPr marL="0" indent="0">
+              <a:buNone/>
+            </a:pPr>
+            <a:endParaRPr lang="en-US" sz="2400" dirty="0">
+              <a:latin typeface="Selawik Semibold" panose="020B0702040204020203" pitchFamily="34" charset="0"/>
+            </a:endParaRPr>
+          </a:p>
+          <a:p>
+            <a:pPr lvl="1"/>
+            <a:r>
+              <a:rPr lang="en-US" sz="2000" dirty="0">
+                <a:latin typeface="Selawik Semibold" panose="020B0702040204020203" pitchFamily="34" charset="0"/>
+              </a:rPr>
+              <a:t>Data Scientist for the NBA</a:t>
+            </a:r>
+          </a:p>
+          <a:p>
+            <a:pPr lvl="2"/>
+            <a:r>
+              <a:rPr lang="en-US" sz="1800" dirty="0">
+                <a:latin typeface="Selawik Semibold" panose="020B0702040204020203" pitchFamily="34" charset="0"/>
+              </a:rPr>
+              <a:t>Referee Decision Making, Rule Changes, and Game Play</a:t>
+            </a:r>
+          </a:p>
+          <a:p>
+            <a:pPr lvl="2"/>
+            <a:r>
+              <a:rPr lang="en-US" sz="1800" dirty="0">
+                <a:latin typeface="Selawik Semibold" panose="020B0702040204020203" pitchFamily="34" charset="0"/>
+              </a:rPr>
+              <a:t>Exploratory Analyses of New Data Sources</a:t>
+            </a:r>
+          </a:p>
+          <a:p>
+            <a:pPr lvl="2"/>
+            <a:r>
+              <a:rPr lang="en-US" sz="1800" dirty="0">
+                <a:latin typeface="Selawik Semibold" panose="020B0702040204020203" pitchFamily="34" charset="0"/>
+              </a:rPr>
+              <a:t>Presentation and Communication of Statistical Findings</a:t>
+            </a:r>
+          </a:p>
+          <a:p>
+            <a:pPr lvl="2"/>
+            <a:r>
+              <a:rPr lang="en-US" sz="1800" dirty="0">
+                <a:latin typeface="Selawik Semibold" panose="020B0702040204020203" pitchFamily="34" charset="0"/>
+              </a:rPr>
+              <a:t>R/Python/Regression/Machine Learning</a:t>
+            </a:r>
+          </a:p>
+          <a:p>
+            <a:pPr lvl="2"/>
+            <a:r>
+              <a:rPr lang="en-US" sz="1800" dirty="0">
+                <a:latin typeface="Selawik Semibold" panose="020B0702040204020203" pitchFamily="34" charset="0"/>
+              </a:rPr>
+              <a:t>Data Visualization Software Like Shiny/Tableau</a:t>
+            </a:r>
+          </a:p>
+          <a:p>
+            <a:pPr lvl="2"/>
+            <a:r>
+              <a:rPr lang="en-US" sz="1800" dirty="0">
+                <a:latin typeface="Selawik Semibold" panose="020B0702040204020203" pitchFamily="34" charset="0"/>
+              </a:rPr>
+              <a:t>Bachelors in Quantitative Discipline Required</a:t>
+            </a:r>
+          </a:p>
+          <a:p>
+            <a:pPr lvl="1"/>
+            <a:endParaRPr lang="en-US" sz="1600" dirty="0">
+              <a:latin typeface="Selawik Semibold" panose="020B0702040204020203" pitchFamily="34" charset="0"/>
+            </a:endParaRPr>
+          </a:p>
+          <a:p>
+            <a:pPr lvl="1"/>
+            <a:r>
+              <a:rPr lang="en-US" sz="2000" dirty="0">
+                <a:latin typeface="Selawik Semibold" panose="020B0702040204020203" pitchFamily="34" charset="0"/>
+              </a:rPr>
+              <a:t>Sports Research Manager for Turnkey Intelligence</a:t>
+            </a:r>
+          </a:p>
+          <a:p>
+            <a:pPr lvl="2"/>
+            <a:r>
+              <a:rPr lang="en-US" sz="1800" dirty="0">
+                <a:latin typeface="Selawik Semibold" panose="020B0702040204020203" pitchFamily="34" charset="0"/>
+              </a:rPr>
+              <a:t>Manage Teams of Data Collectors for Consulting Projects</a:t>
+            </a:r>
+          </a:p>
+          <a:p>
+            <a:pPr lvl="2"/>
+            <a:r>
+              <a:rPr lang="en-US" sz="1800" dirty="0">
+                <a:latin typeface="Selawik Semibold" panose="020B0702040204020203" pitchFamily="34" charset="0"/>
+              </a:rPr>
+              <a:t>Leadership Skills</a:t>
+            </a:r>
+          </a:p>
+          <a:p>
+            <a:pPr lvl="2"/>
+            <a:r>
+              <a:rPr lang="en-US" sz="1800" dirty="0">
+                <a:latin typeface="Selawik Semibold" panose="020B0702040204020203" pitchFamily="34" charset="0"/>
+              </a:rPr>
+              <a:t>R/SAS Experience is a Plus</a:t>
+            </a:r>
+          </a:p>
+          <a:p>
+            <a:pPr lvl="2"/>
+            <a:endParaRPr lang="en-US" sz="1600" dirty="0">
+              <a:latin typeface="Selawik Semibold" panose="020B0702040204020203" pitchFamily="34" charset="0"/>
+            </a:endParaRPr>
+          </a:p>
+          <a:p>
+            <a:endParaRPr lang="en-US" sz="2400" dirty="0">
+              <a:latin typeface="Selawik Semibold" panose="020B0702040204020203" pitchFamily="34" charset="0"/>
+            </a:endParaRPr>
+          </a:p>
+          <a:p>
+            <a:pPr lvl="1"/>
+            <a:endParaRPr lang="en-US" sz="2000" dirty="0">
+              <a:latin typeface="Selawik Semibold" panose="020B0702040204020203" pitchFamily="34" charset="0"/>
+            </a:endParaRPr>
+          </a:p>
+          <a:p>
+            <a:pPr lvl="2"/>
+            <a:endParaRPr lang="en-US" sz="1800" dirty="0">
+              <a:latin typeface="Selawik Semibold" panose="020B0702040204020203" pitchFamily="34" charset="0"/>
+            </a:endParaRPr>
+          </a:p>
+          <a:p>
+            <a:pPr lvl="1"/>
+            <a:endParaRPr lang="en-US" sz="2200" dirty="0">
+              <a:latin typeface="Selawik Semibold" panose="020B0702040204020203" pitchFamily="34" charset="0"/>
+            </a:endParaRPr>
+          </a:p>
+        </p:txBody>
+      </p:sp>
+      <p:pic>
+        <p:nvPicPr>
+          <p:cNvPr id="4" name="Picture 3" descr="A drawing of a cartoon character&#10;&#10;Description automatically generated">
+            <a:extLst>
+              <a:ext uri="{FF2B5EF4-FFF2-40B4-BE49-F238E27FC236}">
+                <a16:creationId xmlns:a16="http://schemas.microsoft.com/office/drawing/2014/main" id="{A7FDC859-D890-4904-9C64-27F43DA90453}"/>
+              </a:ext>
+            </a:extLst>
+          </p:cNvPr>
+          <p:cNvPicPr>
+            <a:picLocks noChangeAspect="1"/>
+          </p:cNvPicPr>
+          <p:nvPr/>
+        </p:nvPicPr>
+        <p:blipFill rotWithShape="1">
+          <a:blip r:embed="rId2">
+            <a:extLst>
+              <a:ext uri="{28A0092B-C50C-407E-A947-70E740481C1C}">
+                <a14:useLocalDpi xmlns:a14="http://schemas.microsoft.com/office/drawing/2010/main" val="0"/>
+              </a:ext>
+            </a:extLst>
+          </a:blip>
+          <a:srcRect t="5616" r="2" b="2"/>
+          <a:stretch/>
+        </p:blipFill>
+        <p:spPr>
+          <a:xfrm>
+            <a:off x="7471144" y="1700078"/>
+            <a:ext cx="4720855" cy="2583792"/>
+          </a:xfrm>
+          <a:custGeom>
+            <a:avLst/>
+            <a:gdLst>
+              <a:gd name="connsiteX0" fmla="*/ 0 w 5475077"/>
+              <a:gd name="connsiteY0" fmla="*/ 0 h 2583792"/>
+              <a:gd name="connsiteX1" fmla="*/ 5475077 w 5475077"/>
+              <a:gd name="connsiteY1" fmla="*/ 0 h 2583792"/>
+              <a:gd name="connsiteX2" fmla="*/ 5475077 w 5475077"/>
+              <a:gd name="connsiteY2" fmla="*/ 2583792 h 2583792"/>
+              <a:gd name="connsiteX3" fmla="*/ 1197192 w 5475077"/>
+              <a:gd name="connsiteY3" fmla="*/ 2583792 h 2583792"/>
+            </a:gdLst>
+            <a:ahLst/>
+            <a:cxnLst>
+              <a:cxn ang="0">
+                <a:pos x="connsiteX0" y="connsiteY0"/>
+              </a:cxn>
+              <a:cxn ang="0">
+                <a:pos x="connsiteX1" y="connsiteY1"/>
+              </a:cxn>
+              <a:cxn ang="0">
+                <a:pos x="connsiteX2" y="connsiteY2"/>
+              </a:cxn>
+              <a:cxn ang="0">
+                <a:pos x="connsiteX3" y="connsiteY3"/>
+              </a:cxn>
+            </a:cxnLst>
+            <a:rect l="l" t="t" r="r" b="b"/>
+            <a:pathLst>
+              <a:path w="5475077" h="2583792">
+                <a:moveTo>
+                  <a:pt x="0" y="0"/>
+                </a:moveTo>
+                <a:lnTo>
+                  <a:pt x="5475077" y="0"/>
+                </a:lnTo>
+                <a:lnTo>
+                  <a:pt x="5475077" y="2583792"/>
+                </a:lnTo>
+                <a:lnTo>
+                  <a:pt x="1197192" y="2583792"/>
+                </a:lnTo>
+                <a:close/>
+              </a:path>
+            </a:pathLst>
+          </a:custGeom>
+        </p:spPr>
+      </p:pic>
+      <p:pic>
+        <p:nvPicPr>
+          <p:cNvPr id="5" name="Content Placeholder 4" descr="A picture containing indoor&#10;&#10;Description automatically generated">
+            <a:extLst>
+              <a:ext uri="{FF2B5EF4-FFF2-40B4-BE49-F238E27FC236}">
+                <a16:creationId xmlns:a16="http://schemas.microsoft.com/office/drawing/2014/main" id="{A58F0E55-21F3-485B-A07F-1CE74177BDD2}"/>
+              </a:ext>
+            </a:extLst>
+          </p:cNvPr>
+          <p:cNvPicPr>
+            <a:picLocks noChangeAspect="1"/>
+          </p:cNvPicPr>
+          <p:nvPr/>
+        </p:nvPicPr>
+        <p:blipFill rotWithShape="1">
+          <a:blip r:embed="rId3">
+            <a:extLst>
+              <a:ext uri="{28A0092B-C50C-407E-A947-70E740481C1C}">
+                <a14:useLocalDpi xmlns:a14="http://schemas.microsoft.com/office/drawing/2010/main" val="0"/>
+              </a:ext>
+            </a:extLst>
+          </a:blip>
+          <a:srcRect t="5300" r="3" b="6859"/>
+          <a:stretch/>
+        </p:blipFill>
+        <p:spPr>
+          <a:xfrm>
+            <a:off x="8491869" y="4283870"/>
+            <a:ext cx="3700129" cy="2583520"/>
+          </a:xfrm>
+          <a:custGeom>
+            <a:avLst/>
+            <a:gdLst>
+              <a:gd name="connsiteX0" fmla="*/ 0 w 4277884"/>
+              <a:gd name="connsiteY0" fmla="*/ 0 h 2583520"/>
+              <a:gd name="connsiteX1" fmla="*/ 4277884 w 4277884"/>
+              <a:gd name="connsiteY1" fmla="*/ 0 h 2583520"/>
+              <a:gd name="connsiteX2" fmla="*/ 4277884 w 4277884"/>
+              <a:gd name="connsiteY2" fmla="*/ 2583520 h 2583520"/>
+              <a:gd name="connsiteX3" fmla="*/ 1192437 w 4277884"/>
+              <a:gd name="connsiteY3" fmla="*/ 2583520 h 2583520"/>
+              <a:gd name="connsiteX4" fmla="*/ 1188085 w 4277884"/>
+              <a:gd name="connsiteY4" fmla="*/ 2574129 h 2583520"/>
+              <a:gd name="connsiteX5" fmla="*/ 1192715 w 4277884"/>
+              <a:gd name="connsiteY5" fmla="*/ 2574129 h 2583520"/>
+            </a:gdLst>
+            <a:ahLst/>
+            <a:cxnLst>
+              <a:cxn ang="0">
+                <a:pos x="connsiteX0" y="connsiteY0"/>
+              </a:cxn>
+              <a:cxn ang="0">
+                <a:pos x="connsiteX1" y="connsiteY1"/>
+              </a:cxn>
+              <a:cxn ang="0">
+                <a:pos x="connsiteX2" y="connsiteY2"/>
+              </a:cxn>
+              <a:cxn ang="0">
+                <a:pos x="connsiteX3" y="connsiteY3"/>
+              </a:cxn>
+              <a:cxn ang="0">
+                <a:pos x="connsiteX4" y="connsiteY4"/>
+              </a:cxn>
+              <a:cxn ang="0">
+                <a:pos x="connsiteX5" y="connsiteY5"/>
+              </a:cxn>
+            </a:cxnLst>
+            <a:rect l="l" t="t" r="r" b="b"/>
+            <a:pathLst>
+              <a:path w="4277884" h="2583520">
+                <a:moveTo>
+                  <a:pt x="0" y="0"/>
+                </a:moveTo>
+                <a:lnTo>
+                  <a:pt x="4277884" y="0"/>
+                </a:lnTo>
+                <a:lnTo>
+                  <a:pt x="4277884" y="2583520"/>
+                </a:lnTo>
+                <a:lnTo>
+                  <a:pt x="1192437" y="2583520"/>
+                </a:lnTo>
+                <a:lnTo>
+                  <a:pt x="1188085" y="2574129"/>
+                </a:lnTo>
+                <a:lnTo>
+                  <a:pt x="1192715" y="2574129"/>
+                </a:lnTo>
+                <a:close/>
+              </a:path>
+            </a:pathLst>
+          </a:custGeom>
+        </p:spPr>
+      </p:pic>
+      <p:sp>
+        <p:nvSpPr>
+          <p:cNvPr id="6" name="Rectangle 5">
+            <a:extLst>
+              <a:ext uri="{FF2B5EF4-FFF2-40B4-BE49-F238E27FC236}">
+                <a16:creationId xmlns:a16="http://schemas.microsoft.com/office/drawing/2014/main" id="{A2901312-C3C2-4CEC-80EF-823AB4FBB726}"/>
+              </a:ext>
+            </a:extLst>
+          </p:cNvPr>
+          <p:cNvSpPr/>
+          <p:nvPr/>
+        </p:nvSpPr>
+        <p:spPr>
+          <a:xfrm>
+            <a:off x="-1" y="1608918"/>
+            <a:ext cx="12191999" cy="91160"/>
+          </a:xfrm>
+          <a:prstGeom prst="rect">
+            <a:avLst/>
+          </a:prstGeom>
+          <a:solidFill>
+            <a:schemeClr val="bg1"/>
+          </a:solidFill>
+          <a:ln>
+            <a:noFill/>
+          </a:ln>
+        </p:spPr>
+        <p:style>
+          <a:lnRef idx="2">
+            <a:schemeClr val="accent1">
+              <a:shade val="50000"/>
+            </a:schemeClr>
+          </a:lnRef>
+          <a:fillRef idx="1">
+            <a:schemeClr val="accent1"/>
+          </a:fillRef>
+          <a:effectRef idx="0">
+            <a:schemeClr val="accent1"/>
+          </a:effectRef>
+          <a:fontRef idx="minor">
+            <a:schemeClr val="lt1"/>
+          </a:fontRef>
+        </p:style>
+        <p:txBody>
+          <a:bodyPr rtlCol="0" anchor="ctr"/>
+          <a:lstStyle/>
+          <a:p>
+            <a:pPr algn="ctr"/>
+            <a:endParaRPr lang="en-US">
+              <a:solidFill>
+                <a:srgbClr val="DB5B5C"/>
+              </a:solidFill>
+            </a:endParaRPr>
+          </a:p>
+        </p:txBody>
+      </p:sp>
+      <p:sp>
+        <p:nvSpPr>
+          <p:cNvPr id="15" name="Rectangle 14">
+            <a:extLst>
+              <a:ext uri="{FF2B5EF4-FFF2-40B4-BE49-F238E27FC236}">
+                <a16:creationId xmlns:a16="http://schemas.microsoft.com/office/drawing/2014/main" id="{AD0A7C9C-CA2C-4B9B-A125-2D09D5573B44}"/>
+              </a:ext>
+            </a:extLst>
+          </p:cNvPr>
+          <p:cNvSpPr/>
+          <p:nvPr/>
+        </p:nvSpPr>
+        <p:spPr>
+          <a:xfrm>
+            <a:off x="1" y="6677247"/>
+            <a:ext cx="12191999" cy="190143"/>
+          </a:xfrm>
+          <a:prstGeom prst="rect">
+            <a:avLst/>
+          </a:prstGeom>
+          <a:solidFill>
+            <a:schemeClr val="bg1"/>
+          </a:solidFill>
+          <a:ln>
+            <a:noFill/>
+          </a:ln>
+        </p:spPr>
+        <p:style>
+          <a:lnRef idx="2">
+            <a:schemeClr val="accent1">
+              <a:shade val="50000"/>
+            </a:schemeClr>
+          </a:lnRef>
+          <a:fillRef idx="1">
+            <a:schemeClr val="accent1"/>
+          </a:fillRef>
+          <a:effectRef idx="0">
+            <a:schemeClr val="accent1"/>
+          </a:effectRef>
+          <a:fontRef idx="minor">
+            <a:schemeClr val="lt1"/>
+          </a:fontRef>
+        </p:style>
+        <p:txBody>
+          <a:bodyPr rtlCol="0" anchor="ctr"/>
+          <a:lstStyle/>
+          <a:p>
+            <a:pPr algn="ctr"/>
+            <a:endParaRPr lang="en-US">
+              <a:solidFill>
+                <a:srgbClr val="DB5B5C"/>
+              </a:solidFill>
+            </a:endParaRPr>
+          </a:p>
+        </p:txBody>
+      </p:sp>
+      <p:sp>
+        <p:nvSpPr>
+          <p:cNvPr id="16" name="Rectangle 15">
+            <a:extLst>
+              <a:ext uri="{FF2B5EF4-FFF2-40B4-BE49-F238E27FC236}">
+                <a16:creationId xmlns:a16="http://schemas.microsoft.com/office/drawing/2014/main" id="{74A085FC-1866-46D4-97F7-51AA45E48D4F}"/>
+              </a:ext>
+            </a:extLst>
+          </p:cNvPr>
+          <p:cNvSpPr/>
+          <p:nvPr/>
+        </p:nvSpPr>
+        <p:spPr>
+          <a:xfrm rot="4092292">
+            <a:off x="5790668" y="4094517"/>
+            <a:ext cx="5446699" cy="137038"/>
+          </a:xfrm>
+          <a:prstGeom prst="rect">
+            <a:avLst/>
+          </a:prstGeom>
+          <a:solidFill>
+            <a:schemeClr val="bg1"/>
+          </a:solidFill>
+          <a:ln>
+            <a:noFill/>
+          </a:ln>
+        </p:spPr>
+        <p:style>
+          <a:lnRef idx="2">
+            <a:schemeClr val="accent1">
+              <a:shade val="50000"/>
+            </a:schemeClr>
+          </a:lnRef>
+          <a:fillRef idx="1">
+            <a:schemeClr val="accent1"/>
+          </a:fillRef>
+          <a:effectRef idx="0">
+            <a:schemeClr val="accent1"/>
+          </a:effectRef>
+          <a:fontRef idx="minor">
+            <a:schemeClr val="lt1"/>
+          </a:fontRef>
+        </p:style>
+        <p:txBody>
+          <a:bodyPr rtlCol="0" anchor="ctr"/>
+          <a:lstStyle/>
+          <a:p>
+            <a:pPr algn="ctr"/>
+            <a:endParaRPr lang="en-US">
+              <a:solidFill>
+                <a:srgbClr val="DB5B5C"/>
+              </a:solidFill>
+            </a:endParaRPr>
+          </a:p>
+        </p:txBody>
+      </p:sp>
+    </p:spTree>
+    <p:extLst>
+      <p:ext uri="{BB962C8B-B14F-4D97-AF65-F5344CB8AC3E}">
+        <p14:creationId xmlns:p14="http://schemas.microsoft.com/office/powerpoint/2010/main" val="3331566554"/>
+      </p:ext>
+    </p:extLst>
+  </p:cSld>
+  <p:clrMapOvr>
+    <a:overrideClrMapping bg1="dk1" tx1="lt1" bg2="dk2" tx2="lt2" accent1="accent1" accent2="accent2" accent3="accent3" accent4="accent4" accent5="accent5" accent6="accent6" hlink="hlink" folHlink="folHlink"/>
+  </p:clrMapOvr>
+</p:sld>
+</file>
+
+<file path=ppt/slides/slide16.xml><?xml version="1.0" encoding="utf-8"?>
+<p:sld xmlns:a="http://schemas.openxmlformats.org/drawingml/2006/main" xmlns:r="http://schemas.openxmlformats.org/officeDocument/2006/relationships" xmlns:p="http://schemas.openxmlformats.org/presentationml/2006/main">
+  <p:cSld>
+    <p:bg>
+      <p:bgPr>
+        <a:solidFill>
+          <a:srgbClr val="395583"/>
+        </a:solidFill>
+        <a:effectLst/>
+      </p:bgPr>
+    </p:bg>
+    <p:spTree>
+      <p:nvGrpSpPr>
+        <p:cNvPr id="1" name=""/>
+        <p:cNvGrpSpPr/>
+        <p:nvPr/>
+      </p:nvGrpSpPr>
+      <p:grpSpPr>
+        <a:xfrm>
+          <a:off x="0" y="0"/>
+          <a:ext cx="0" cy="0"/>
+          <a:chOff x="0" y="0"/>
+          <a:chExt cx="0" cy="0"/>
+        </a:xfrm>
+      </p:grpSpPr>
+      <p:sp>
+        <p:nvSpPr>
+          <p:cNvPr id="25" name="Rectangle 24">
+            <a:extLst>
+              <a:ext uri="{FF2B5EF4-FFF2-40B4-BE49-F238E27FC236}">
+                <a16:creationId xmlns:a16="http://schemas.microsoft.com/office/drawing/2014/main" id="{A6792F05-2FD4-4F18-815E-15391E8B4A0E}"/>
+              </a:ext>
+              <a:ext uri="{C183D7F6-B498-43B3-948B-1728B52AA6E4}">
+                <adec:decorative xmlns:adec="http://schemas.microsoft.com/office/drawing/2017/decorative" val="1"/>
+              </a:ext>
+            </a:extLst>
+          </p:cNvPr>
+          <p:cNvSpPr>
+            <a:spLocks noGrp="1" noRot="1" noChangeAspect="1" noMove="1" noResize="1" noEditPoints="1" noAdjustHandles="1" noChangeArrowheads="1" noChangeShapeType="1" noTextEdit="1"/>
+          </p:cNvSpPr>
+          <p:nvPr>
+            <p:extLst>
+              <p:ext uri="{386F3935-93C4-4BCD-93E2-E3B085C9AB24}">
+                <p16:designElem xmlns:p16="http://schemas.microsoft.com/office/powerpoint/2015/main" val="1"/>
+              </p:ext>
+            </p:extLst>
+          </p:nvPr>
+        </p:nvSpPr>
+        <p:spPr>
+          <a:xfrm>
+            <a:off x="0" y="0"/>
+            <a:ext cx="12191999" cy="6858000"/>
+          </a:xfrm>
+          <a:prstGeom prst="rect">
+            <a:avLst/>
+          </a:prstGeom>
+          <a:solidFill>
+            <a:srgbClr val="395583"/>
+          </a:solidFill>
+          <a:ln>
+            <a:noFill/>
+          </a:ln>
+        </p:spPr>
+        <p:style>
+          <a:lnRef idx="2">
+            <a:schemeClr val="accent1">
+              <a:shade val="50000"/>
+            </a:schemeClr>
+          </a:lnRef>
+          <a:fillRef idx="1">
+            <a:schemeClr val="accent1"/>
+          </a:fillRef>
+          <a:effectRef idx="0">
+            <a:schemeClr val="accent1"/>
+          </a:effectRef>
+          <a:fontRef idx="minor">
+            <a:schemeClr val="lt1"/>
+          </a:fontRef>
+        </p:style>
+        <p:txBody>
+          <a:bodyPr rtlCol="0" anchor="ctr"/>
+          <a:lstStyle/>
+          <a:p>
+            <a:pPr algn="ctr"/>
+            <a:endParaRPr lang="en-US"/>
+          </a:p>
+        </p:txBody>
+      </p:sp>
+      <p:sp>
+        <p:nvSpPr>
+          <p:cNvPr id="2" name="Title 1">
+            <a:extLst>
+              <a:ext uri="{FF2B5EF4-FFF2-40B4-BE49-F238E27FC236}">
+                <a16:creationId xmlns:a16="http://schemas.microsoft.com/office/drawing/2014/main" id="{2589AFCC-0FF0-498C-B11F-8990DF0DAAA5}"/>
+              </a:ext>
+            </a:extLst>
+          </p:cNvPr>
+          <p:cNvSpPr>
+            <a:spLocks noGrp="1"/>
+          </p:cNvSpPr>
+          <p:nvPr>
+            <p:ph type="title"/>
+          </p:nvPr>
+        </p:nvSpPr>
+        <p:spPr>
+          <a:xfrm>
+            <a:off x="838200" y="365125"/>
+            <a:ext cx="10515600" cy="1325563"/>
+          </a:xfrm>
+        </p:spPr>
+        <p:txBody>
+          <a:bodyPr>
+            <a:normAutofit/>
+          </a:bodyPr>
+          <a:lstStyle/>
+          <a:p>
+            <a:r>
+              <a:rPr lang="en-US" b="1" dirty="0">
+                <a:latin typeface="Selawik Semibold" panose="020B0604020202020204" pitchFamily="34" charset="0"/>
+              </a:rPr>
+              <a:t>Your Industry Future</a:t>
+            </a:r>
+          </a:p>
+        </p:txBody>
+      </p:sp>
+      <p:sp>
+        <p:nvSpPr>
+          <p:cNvPr id="9" name="Content Placeholder 8">
+            <a:extLst>
+              <a:ext uri="{FF2B5EF4-FFF2-40B4-BE49-F238E27FC236}">
+                <a16:creationId xmlns:a16="http://schemas.microsoft.com/office/drawing/2014/main" id="{2D995594-59F2-4020-AB6F-751BAE84ADB3}"/>
+              </a:ext>
+            </a:extLst>
+          </p:cNvPr>
+          <p:cNvSpPr>
+            <a:spLocks noGrp="1"/>
+          </p:cNvSpPr>
+          <p:nvPr>
+            <p:ph idx="1"/>
+          </p:nvPr>
+        </p:nvSpPr>
+        <p:spPr>
+          <a:xfrm>
+            <a:off x="838199" y="2021248"/>
+            <a:ext cx="8107018" cy="4695905"/>
+          </a:xfrm>
+        </p:spPr>
+        <p:txBody>
+          <a:bodyPr>
+            <a:normAutofit/>
+          </a:bodyPr>
+          <a:lstStyle/>
+          <a:p>
+            <a:r>
+              <a:rPr lang="en-US" sz="2400" dirty="0">
+                <a:latin typeface="Selawik Semibold" panose="020B0702040204020203" pitchFamily="34" charset="0"/>
+              </a:rPr>
+              <a:t>Real Jobs (Indeed)</a:t>
+            </a:r>
+          </a:p>
+          <a:p>
+            <a:pPr marL="0" indent="0">
+              <a:buNone/>
+            </a:pPr>
+            <a:endParaRPr lang="en-US" sz="2400" dirty="0">
+              <a:latin typeface="Selawik Semibold" panose="020B0702040204020203" pitchFamily="34" charset="0"/>
+            </a:endParaRPr>
+          </a:p>
+          <a:p>
+            <a:pPr lvl="1"/>
+            <a:r>
+              <a:rPr lang="en-US" sz="2000" dirty="0">
+                <a:latin typeface="Selawik Semibold" panose="020B0702040204020203" pitchFamily="34" charset="0"/>
+              </a:rPr>
+              <a:t>Business Analytics Data Scientist for Carolina Panthers</a:t>
+            </a:r>
+          </a:p>
+          <a:p>
+            <a:pPr lvl="2"/>
+            <a:r>
+              <a:rPr lang="en-US" sz="1800" dirty="0">
+                <a:latin typeface="Selawik Semibold" panose="020B0702040204020203" pitchFamily="34" charset="0"/>
+              </a:rPr>
+              <a:t>Lead Data Science Initiatives and Marketing Strategy</a:t>
+            </a:r>
+          </a:p>
+          <a:p>
+            <a:pPr lvl="2"/>
+            <a:r>
+              <a:rPr lang="en-US" sz="1800" dirty="0">
+                <a:latin typeface="Selawik Semibold" panose="020B0702040204020203" pitchFamily="34" charset="0"/>
+              </a:rPr>
+              <a:t>Analytic Projects Using Python/SQL/Visualization</a:t>
+            </a:r>
+          </a:p>
+          <a:p>
+            <a:pPr lvl="2"/>
+            <a:r>
+              <a:rPr lang="en-US" sz="1800" dirty="0">
+                <a:latin typeface="Selawik Semibold" panose="020B0702040204020203" pitchFamily="34" charset="0"/>
+              </a:rPr>
+              <a:t>Bachelors Degree and 5 Years Experience</a:t>
+            </a:r>
+          </a:p>
+          <a:p>
+            <a:pPr lvl="2"/>
+            <a:r>
+              <a:rPr lang="en-US" sz="1800" dirty="0">
+                <a:latin typeface="Selawik Semibold" panose="020B0702040204020203" pitchFamily="34" charset="0"/>
+              </a:rPr>
+              <a:t>Masters Degree in Statistics or Economics Preferred</a:t>
+            </a:r>
+          </a:p>
+          <a:p>
+            <a:pPr lvl="1"/>
+            <a:endParaRPr lang="en-US" sz="2200" dirty="0">
+              <a:latin typeface="Selawik Semibold" panose="020B0702040204020203" pitchFamily="34" charset="0"/>
+            </a:endParaRPr>
+          </a:p>
+          <a:p>
+            <a:pPr lvl="1"/>
+            <a:r>
+              <a:rPr lang="en-US" sz="2000" dirty="0">
+                <a:latin typeface="Selawik Semibold" panose="020B0702040204020203" pitchFamily="34" charset="0"/>
+              </a:rPr>
+              <a:t>Data Engineer for Disney Streaming Services</a:t>
+            </a:r>
+          </a:p>
+          <a:p>
+            <a:pPr lvl="2"/>
+            <a:r>
+              <a:rPr lang="en-US" sz="1800" dirty="0">
+                <a:latin typeface="Selawik Semibold" panose="020B0702040204020203" pitchFamily="34" charset="0"/>
+              </a:rPr>
+              <a:t>Includes ESPN+, MLB.TV, and NHL.TV</a:t>
+            </a:r>
+          </a:p>
+          <a:p>
+            <a:pPr lvl="2"/>
+            <a:r>
+              <a:rPr lang="en-US" sz="1800" dirty="0">
+                <a:latin typeface="Selawik Semibold" panose="020B0702040204020203" pitchFamily="34" charset="0"/>
+              </a:rPr>
+              <a:t>Collect, Analyze, and Distribute Data for Transparency</a:t>
+            </a:r>
+          </a:p>
+          <a:p>
+            <a:pPr lvl="2"/>
+            <a:r>
+              <a:rPr lang="en-US" sz="1800" dirty="0">
+                <a:latin typeface="Selawik Semibold" panose="020B0702040204020203" pitchFamily="34" charset="0"/>
+              </a:rPr>
+              <a:t>Data Inventory and Data Cleaning</a:t>
+            </a:r>
+          </a:p>
+          <a:p>
+            <a:pPr lvl="2"/>
+            <a:r>
+              <a:rPr lang="en-US" sz="1800" dirty="0">
+                <a:latin typeface="Selawik Semibold" panose="020B0702040204020203" pitchFamily="34" charset="0"/>
+              </a:rPr>
+              <a:t>Python (2 to 3 Years)/Spark/Cloud-hosted Databases</a:t>
+            </a:r>
+          </a:p>
+          <a:p>
+            <a:endParaRPr lang="en-US" sz="2400" dirty="0">
+              <a:latin typeface="Selawik Semibold" panose="020B0702040204020203" pitchFamily="34" charset="0"/>
+            </a:endParaRPr>
+          </a:p>
+          <a:p>
+            <a:pPr lvl="1"/>
+            <a:endParaRPr lang="en-US" sz="2000" dirty="0">
+              <a:latin typeface="Selawik Semibold" panose="020B0702040204020203" pitchFamily="34" charset="0"/>
+            </a:endParaRPr>
+          </a:p>
+          <a:p>
+            <a:pPr lvl="2"/>
+            <a:endParaRPr lang="en-US" sz="1800" dirty="0">
+              <a:latin typeface="Selawik Semibold" panose="020B0702040204020203" pitchFamily="34" charset="0"/>
+            </a:endParaRPr>
+          </a:p>
+          <a:p>
+            <a:pPr lvl="1"/>
+            <a:endParaRPr lang="en-US" sz="2200" dirty="0">
+              <a:latin typeface="Selawik Semibold" panose="020B0702040204020203" pitchFamily="34" charset="0"/>
+            </a:endParaRPr>
+          </a:p>
+        </p:txBody>
+      </p:sp>
+      <p:pic>
+        <p:nvPicPr>
+          <p:cNvPr id="4" name="Picture 3" descr="A drawing of a cartoon character&#10;&#10;Description automatically generated">
+            <a:extLst>
+              <a:ext uri="{FF2B5EF4-FFF2-40B4-BE49-F238E27FC236}">
+                <a16:creationId xmlns:a16="http://schemas.microsoft.com/office/drawing/2014/main" id="{A7FDC859-D890-4904-9C64-27F43DA90453}"/>
+              </a:ext>
+            </a:extLst>
+          </p:cNvPr>
+          <p:cNvPicPr>
+            <a:picLocks noChangeAspect="1"/>
+          </p:cNvPicPr>
+          <p:nvPr/>
+        </p:nvPicPr>
+        <p:blipFill rotWithShape="1">
+          <a:blip r:embed="rId2">
+            <a:extLst>
+              <a:ext uri="{28A0092B-C50C-407E-A947-70E740481C1C}">
+                <a14:useLocalDpi xmlns:a14="http://schemas.microsoft.com/office/drawing/2010/main" val="0"/>
+              </a:ext>
+            </a:extLst>
+          </a:blip>
+          <a:srcRect t="5616" r="2" b="2"/>
+          <a:stretch/>
+        </p:blipFill>
+        <p:spPr>
+          <a:xfrm>
+            <a:off x="7471144" y="1700078"/>
+            <a:ext cx="4720855" cy="2583792"/>
+          </a:xfrm>
+          <a:custGeom>
+            <a:avLst/>
+            <a:gdLst>
+              <a:gd name="connsiteX0" fmla="*/ 0 w 5475077"/>
+              <a:gd name="connsiteY0" fmla="*/ 0 h 2583792"/>
+              <a:gd name="connsiteX1" fmla="*/ 5475077 w 5475077"/>
+              <a:gd name="connsiteY1" fmla="*/ 0 h 2583792"/>
+              <a:gd name="connsiteX2" fmla="*/ 5475077 w 5475077"/>
+              <a:gd name="connsiteY2" fmla="*/ 2583792 h 2583792"/>
+              <a:gd name="connsiteX3" fmla="*/ 1197192 w 5475077"/>
+              <a:gd name="connsiteY3" fmla="*/ 2583792 h 2583792"/>
+            </a:gdLst>
+            <a:ahLst/>
+            <a:cxnLst>
+              <a:cxn ang="0">
+                <a:pos x="connsiteX0" y="connsiteY0"/>
+              </a:cxn>
+              <a:cxn ang="0">
+                <a:pos x="connsiteX1" y="connsiteY1"/>
+              </a:cxn>
+              <a:cxn ang="0">
+                <a:pos x="connsiteX2" y="connsiteY2"/>
+              </a:cxn>
+              <a:cxn ang="0">
+                <a:pos x="connsiteX3" y="connsiteY3"/>
+              </a:cxn>
+            </a:cxnLst>
+            <a:rect l="l" t="t" r="r" b="b"/>
+            <a:pathLst>
+              <a:path w="5475077" h="2583792">
+                <a:moveTo>
+                  <a:pt x="0" y="0"/>
+                </a:moveTo>
+                <a:lnTo>
+                  <a:pt x="5475077" y="0"/>
+                </a:lnTo>
+                <a:lnTo>
+                  <a:pt x="5475077" y="2583792"/>
+                </a:lnTo>
+                <a:lnTo>
+                  <a:pt x="1197192" y="2583792"/>
+                </a:lnTo>
+                <a:close/>
+              </a:path>
+            </a:pathLst>
+          </a:custGeom>
+        </p:spPr>
+      </p:pic>
+      <p:pic>
+        <p:nvPicPr>
+          <p:cNvPr id="5" name="Content Placeholder 4" descr="A picture containing indoor&#10;&#10;Description automatically generated">
+            <a:extLst>
+              <a:ext uri="{FF2B5EF4-FFF2-40B4-BE49-F238E27FC236}">
+                <a16:creationId xmlns:a16="http://schemas.microsoft.com/office/drawing/2014/main" id="{A58F0E55-21F3-485B-A07F-1CE74177BDD2}"/>
+              </a:ext>
+            </a:extLst>
+          </p:cNvPr>
+          <p:cNvPicPr>
+            <a:picLocks noChangeAspect="1"/>
+          </p:cNvPicPr>
+          <p:nvPr/>
+        </p:nvPicPr>
+        <p:blipFill rotWithShape="1">
+          <a:blip r:embed="rId3">
+            <a:extLst>
+              <a:ext uri="{28A0092B-C50C-407E-A947-70E740481C1C}">
+                <a14:useLocalDpi xmlns:a14="http://schemas.microsoft.com/office/drawing/2010/main" val="0"/>
+              </a:ext>
+            </a:extLst>
+          </a:blip>
+          <a:srcRect t="5300" r="3" b="6859"/>
+          <a:stretch/>
+        </p:blipFill>
+        <p:spPr>
+          <a:xfrm>
+            <a:off x="8491869" y="4283870"/>
+            <a:ext cx="3700129" cy="2583520"/>
+          </a:xfrm>
+          <a:custGeom>
+            <a:avLst/>
+            <a:gdLst>
+              <a:gd name="connsiteX0" fmla="*/ 0 w 4277884"/>
+              <a:gd name="connsiteY0" fmla="*/ 0 h 2583520"/>
+              <a:gd name="connsiteX1" fmla="*/ 4277884 w 4277884"/>
+              <a:gd name="connsiteY1" fmla="*/ 0 h 2583520"/>
+              <a:gd name="connsiteX2" fmla="*/ 4277884 w 4277884"/>
+              <a:gd name="connsiteY2" fmla="*/ 2583520 h 2583520"/>
+              <a:gd name="connsiteX3" fmla="*/ 1192437 w 4277884"/>
+              <a:gd name="connsiteY3" fmla="*/ 2583520 h 2583520"/>
+              <a:gd name="connsiteX4" fmla="*/ 1188085 w 4277884"/>
+              <a:gd name="connsiteY4" fmla="*/ 2574129 h 2583520"/>
+              <a:gd name="connsiteX5" fmla="*/ 1192715 w 4277884"/>
+              <a:gd name="connsiteY5" fmla="*/ 2574129 h 2583520"/>
+            </a:gdLst>
+            <a:ahLst/>
+            <a:cxnLst>
+              <a:cxn ang="0">
+                <a:pos x="connsiteX0" y="connsiteY0"/>
+              </a:cxn>
+              <a:cxn ang="0">
+                <a:pos x="connsiteX1" y="connsiteY1"/>
+              </a:cxn>
+              <a:cxn ang="0">
+                <a:pos x="connsiteX2" y="connsiteY2"/>
+              </a:cxn>
+              <a:cxn ang="0">
+                <a:pos x="connsiteX3" y="connsiteY3"/>
+              </a:cxn>
+              <a:cxn ang="0">
+                <a:pos x="connsiteX4" y="connsiteY4"/>
+              </a:cxn>
+              <a:cxn ang="0">
+                <a:pos x="connsiteX5" y="connsiteY5"/>
+              </a:cxn>
+            </a:cxnLst>
+            <a:rect l="l" t="t" r="r" b="b"/>
+            <a:pathLst>
+              <a:path w="4277884" h="2583520">
+                <a:moveTo>
+                  <a:pt x="0" y="0"/>
+                </a:moveTo>
+                <a:lnTo>
+                  <a:pt x="4277884" y="0"/>
+                </a:lnTo>
+                <a:lnTo>
+                  <a:pt x="4277884" y="2583520"/>
+                </a:lnTo>
+                <a:lnTo>
+                  <a:pt x="1192437" y="2583520"/>
+                </a:lnTo>
+                <a:lnTo>
+                  <a:pt x="1188085" y="2574129"/>
+                </a:lnTo>
+                <a:lnTo>
+                  <a:pt x="1192715" y="2574129"/>
+                </a:lnTo>
+                <a:close/>
+              </a:path>
+            </a:pathLst>
+          </a:custGeom>
+        </p:spPr>
+      </p:pic>
+      <p:sp>
+        <p:nvSpPr>
+          <p:cNvPr id="6" name="Rectangle 5">
+            <a:extLst>
+              <a:ext uri="{FF2B5EF4-FFF2-40B4-BE49-F238E27FC236}">
+                <a16:creationId xmlns:a16="http://schemas.microsoft.com/office/drawing/2014/main" id="{A2901312-C3C2-4CEC-80EF-823AB4FBB726}"/>
+              </a:ext>
+            </a:extLst>
+          </p:cNvPr>
+          <p:cNvSpPr/>
+          <p:nvPr/>
+        </p:nvSpPr>
+        <p:spPr>
+          <a:xfrm>
+            <a:off x="-1" y="1608918"/>
+            <a:ext cx="12191999" cy="91160"/>
+          </a:xfrm>
+          <a:prstGeom prst="rect">
+            <a:avLst/>
+          </a:prstGeom>
+          <a:solidFill>
+            <a:schemeClr val="bg1"/>
+          </a:solidFill>
+          <a:ln>
+            <a:noFill/>
+          </a:ln>
+        </p:spPr>
+        <p:style>
+          <a:lnRef idx="2">
+            <a:schemeClr val="accent1">
+              <a:shade val="50000"/>
+            </a:schemeClr>
+          </a:lnRef>
+          <a:fillRef idx="1">
+            <a:schemeClr val="accent1"/>
+          </a:fillRef>
+          <a:effectRef idx="0">
+            <a:schemeClr val="accent1"/>
+          </a:effectRef>
+          <a:fontRef idx="minor">
+            <a:schemeClr val="lt1"/>
+          </a:fontRef>
+        </p:style>
+        <p:txBody>
+          <a:bodyPr rtlCol="0" anchor="ctr"/>
+          <a:lstStyle/>
+          <a:p>
+            <a:pPr algn="ctr"/>
+            <a:endParaRPr lang="en-US">
+              <a:solidFill>
+                <a:srgbClr val="DB5B5C"/>
+              </a:solidFill>
+            </a:endParaRPr>
+          </a:p>
+        </p:txBody>
+      </p:sp>
+      <p:sp>
+        <p:nvSpPr>
+          <p:cNvPr id="15" name="Rectangle 14">
+            <a:extLst>
+              <a:ext uri="{FF2B5EF4-FFF2-40B4-BE49-F238E27FC236}">
+                <a16:creationId xmlns:a16="http://schemas.microsoft.com/office/drawing/2014/main" id="{AD0A7C9C-CA2C-4B9B-A125-2D09D5573B44}"/>
+              </a:ext>
+            </a:extLst>
+          </p:cNvPr>
+          <p:cNvSpPr/>
+          <p:nvPr/>
+        </p:nvSpPr>
+        <p:spPr>
+          <a:xfrm>
+            <a:off x="1" y="6677247"/>
+            <a:ext cx="12191999" cy="190143"/>
+          </a:xfrm>
+          <a:prstGeom prst="rect">
+            <a:avLst/>
+          </a:prstGeom>
+          <a:solidFill>
+            <a:schemeClr val="bg1"/>
+          </a:solidFill>
+          <a:ln>
+            <a:noFill/>
+          </a:ln>
+        </p:spPr>
+        <p:style>
+          <a:lnRef idx="2">
+            <a:schemeClr val="accent1">
+              <a:shade val="50000"/>
+            </a:schemeClr>
+          </a:lnRef>
+          <a:fillRef idx="1">
+            <a:schemeClr val="accent1"/>
+          </a:fillRef>
+          <a:effectRef idx="0">
+            <a:schemeClr val="accent1"/>
+          </a:effectRef>
+          <a:fontRef idx="minor">
+            <a:schemeClr val="lt1"/>
+          </a:fontRef>
+        </p:style>
+        <p:txBody>
+          <a:bodyPr rtlCol="0" anchor="ctr"/>
+          <a:lstStyle/>
+          <a:p>
+            <a:pPr algn="ctr"/>
+            <a:endParaRPr lang="en-US">
+              <a:solidFill>
+                <a:srgbClr val="DB5B5C"/>
+              </a:solidFill>
+            </a:endParaRPr>
+          </a:p>
+        </p:txBody>
+      </p:sp>
+      <p:sp>
+        <p:nvSpPr>
+          <p:cNvPr id="16" name="Rectangle 15">
+            <a:extLst>
+              <a:ext uri="{FF2B5EF4-FFF2-40B4-BE49-F238E27FC236}">
+                <a16:creationId xmlns:a16="http://schemas.microsoft.com/office/drawing/2014/main" id="{74A085FC-1866-46D4-97F7-51AA45E48D4F}"/>
+              </a:ext>
+            </a:extLst>
+          </p:cNvPr>
+          <p:cNvSpPr/>
+          <p:nvPr/>
+        </p:nvSpPr>
+        <p:spPr>
+          <a:xfrm rot="4092292">
+            <a:off x="5790668" y="4094517"/>
+            <a:ext cx="5446699" cy="137038"/>
+          </a:xfrm>
+          <a:prstGeom prst="rect">
+            <a:avLst/>
+          </a:prstGeom>
+          <a:solidFill>
+            <a:schemeClr val="bg1"/>
+          </a:solidFill>
+          <a:ln>
+            <a:noFill/>
+          </a:ln>
+        </p:spPr>
+        <p:style>
+          <a:lnRef idx="2">
+            <a:schemeClr val="accent1">
+              <a:shade val="50000"/>
+            </a:schemeClr>
+          </a:lnRef>
+          <a:fillRef idx="1">
+            <a:schemeClr val="accent1"/>
+          </a:fillRef>
+          <a:effectRef idx="0">
+            <a:schemeClr val="accent1"/>
+          </a:effectRef>
+          <a:fontRef idx="minor">
+            <a:schemeClr val="lt1"/>
+          </a:fontRef>
+        </p:style>
+        <p:txBody>
+          <a:bodyPr rtlCol="0" anchor="ctr"/>
+          <a:lstStyle/>
+          <a:p>
+            <a:pPr algn="ctr"/>
+            <a:endParaRPr lang="en-US">
+              <a:solidFill>
+                <a:srgbClr val="DB5B5C"/>
+              </a:solidFill>
+            </a:endParaRPr>
+          </a:p>
+        </p:txBody>
+      </p:sp>
+    </p:spTree>
+    <p:extLst>
+      <p:ext uri="{BB962C8B-B14F-4D97-AF65-F5344CB8AC3E}">
+        <p14:creationId xmlns:p14="http://schemas.microsoft.com/office/powerpoint/2010/main" val="3776900980"/>
+      </p:ext>
+    </p:extLst>
+  </p:cSld>
+  <p:clrMapOvr>
+    <a:overrideClrMapping bg1="dk1" tx1="lt1" bg2="dk2" tx2="lt2" accent1="accent1" accent2="accent2" accent3="accent3" accent4="accent4" accent5="accent5" accent6="accent6" hlink="hlink" folHlink="folHlink"/>
+  </p:clrMapOvr>
+</p:sld>
+</file>
+
+<file path=ppt/slides/slide17.xml><?xml version="1.0" encoding="utf-8"?>
+<p:sld xmlns:a="http://schemas.openxmlformats.org/drawingml/2006/main" xmlns:r="http://schemas.openxmlformats.org/officeDocument/2006/relationships" xmlns:p="http://schemas.openxmlformats.org/presentationml/2006/main">
+  <p:cSld>
+    <p:bg>
+      <p:bgPr>
+        <a:solidFill>
+          <a:srgbClr val="395583"/>
+        </a:solidFill>
+        <a:effectLst/>
+      </p:bgPr>
+    </p:bg>
+    <p:spTree>
+      <p:nvGrpSpPr>
+        <p:cNvPr id="1" name=""/>
+        <p:cNvGrpSpPr/>
+        <p:nvPr/>
+      </p:nvGrpSpPr>
+      <p:grpSpPr>
+        <a:xfrm>
+          <a:off x="0" y="0"/>
+          <a:ext cx="0" cy="0"/>
+          <a:chOff x="0" y="0"/>
+          <a:chExt cx="0" cy="0"/>
+        </a:xfrm>
+      </p:grpSpPr>
+      <p:sp>
+        <p:nvSpPr>
+          <p:cNvPr id="25" name="Rectangle 24">
+            <a:extLst>
+              <a:ext uri="{FF2B5EF4-FFF2-40B4-BE49-F238E27FC236}">
+                <a16:creationId xmlns:a16="http://schemas.microsoft.com/office/drawing/2014/main" id="{A6792F05-2FD4-4F18-815E-15391E8B4A0E}"/>
+              </a:ext>
+              <a:ext uri="{C183D7F6-B498-43B3-948B-1728B52AA6E4}">
+                <adec:decorative xmlns:adec="http://schemas.microsoft.com/office/drawing/2017/decorative" val="1"/>
+              </a:ext>
+            </a:extLst>
+          </p:cNvPr>
+          <p:cNvSpPr>
+            <a:spLocks noGrp="1" noRot="1" noChangeAspect="1" noMove="1" noResize="1" noEditPoints="1" noAdjustHandles="1" noChangeArrowheads="1" noChangeShapeType="1" noTextEdit="1"/>
+          </p:cNvSpPr>
+          <p:nvPr>
+            <p:extLst>
+              <p:ext uri="{386F3935-93C4-4BCD-93E2-E3B085C9AB24}">
+                <p16:designElem xmlns:p16="http://schemas.microsoft.com/office/powerpoint/2015/main" val="1"/>
+              </p:ext>
+            </p:extLst>
+          </p:nvPr>
+        </p:nvSpPr>
+        <p:spPr>
+          <a:xfrm>
+            <a:off x="0" y="0"/>
+            <a:ext cx="12191999" cy="6858000"/>
+          </a:xfrm>
+          <a:prstGeom prst="rect">
+            <a:avLst/>
+          </a:prstGeom>
+          <a:solidFill>
+            <a:srgbClr val="395583"/>
+          </a:solidFill>
+          <a:ln>
+            <a:noFill/>
+          </a:ln>
+        </p:spPr>
+        <p:style>
+          <a:lnRef idx="2">
+            <a:schemeClr val="accent1">
+              <a:shade val="50000"/>
+            </a:schemeClr>
+          </a:lnRef>
+          <a:fillRef idx="1">
+            <a:schemeClr val="accent1"/>
+          </a:fillRef>
+          <a:effectRef idx="0">
+            <a:schemeClr val="accent1"/>
+          </a:effectRef>
+          <a:fontRef idx="minor">
+            <a:schemeClr val="lt1"/>
+          </a:fontRef>
+        </p:style>
+        <p:txBody>
+          <a:bodyPr rtlCol="0" anchor="ctr"/>
+          <a:lstStyle/>
+          <a:p>
+            <a:pPr algn="ctr"/>
+            <a:endParaRPr lang="en-US"/>
+          </a:p>
+        </p:txBody>
+      </p:sp>
+      <p:sp>
+        <p:nvSpPr>
+          <p:cNvPr id="2" name="Title 1">
+            <a:extLst>
+              <a:ext uri="{FF2B5EF4-FFF2-40B4-BE49-F238E27FC236}">
+                <a16:creationId xmlns:a16="http://schemas.microsoft.com/office/drawing/2014/main" id="{2589AFCC-0FF0-498C-B11F-8990DF0DAAA5}"/>
+              </a:ext>
+            </a:extLst>
+          </p:cNvPr>
+          <p:cNvSpPr>
+            <a:spLocks noGrp="1"/>
+          </p:cNvSpPr>
+          <p:nvPr>
+            <p:ph type="title"/>
+          </p:nvPr>
+        </p:nvSpPr>
+        <p:spPr>
+          <a:xfrm>
+            <a:off x="838200" y="365125"/>
+            <a:ext cx="10515600" cy="1325563"/>
+          </a:xfrm>
+        </p:spPr>
+        <p:txBody>
+          <a:bodyPr>
+            <a:normAutofit/>
+          </a:bodyPr>
+          <a:lstStyle/>
+          <a:p>
+            <a:r>
+              <a:rPr lang="en-US" b="1" dirty="0">
+                <a:latin typeface="Selawik Semibold" panose="020B0604020202020204" pitchFamily="34" charset="0"/>
+              </a:rPr>
+              <a:t>Your Industry Future</a:t>
+            </a:r>
+          </a:p>
+        </p:txBody>
+      </p:sp>
+      <p:sp>
+        <p:nvSpPr>
+          <p:cNvPr id="9" name="Content Placeholder 8">
+            <a:extLst>
+              <a:ext uri="{FF2B5EF4-FFF2-40B4-BE49-F238E27FC236}">
+                <a16:creationId xmlns:a16="http://schemas.microsoft.com/office/drawing/2014/main" id="{2D995594-59F2-4020-AB6F-751BAE84ADB3}"/>
+              </a:ext>
+            </a:extLst>
+          </p:cNvPr>
+          <p:cNvSpPr>
+            <a:spLocks noGrp="1"/>
+          </p:cNvSpPr>
+          <p:nvPr>
+            <p:ph idx="1"/>
+          </p:nvPr>
+        </p:nvSpPr>
+        <p:spPr>
+          <a:xfrm>
+            <a:off x="838199" y="2021248"/>
+            <a:ext cx="8107018" cy="4695905"/>
+          </a:xfrm>
+        </p:spPr>
+        <p:txBody>
+          <a:bodyPr>
+            <a:normAutofit/>
+          </a:bodyPr>
+          <a:lstStyle/>
+          <a:p>
+            <a:r>
+              <a:rPr lang="en-US" sz="2400" dirty="0">
+                <a:latin typeface="Selawik Semibold" panose="020B0702040204020203" pitchFamily="34" charset="0"/>
+              </a:rPr>
+              <a:t>Real Jobs (Indeed)</a:t>
+            </a:r>
+          </a:p>
+          <a:p>
+            <a:pPr marL="0" indent="0">
+              <a:buNone/>
+            </a:pPr>
+            <a:endParaRPr lang="en-US" sz="2400" dirty="0">
+              <a:latin typeface="Selawik Semibold" panose="020B0702040204020203" pitchFamily="34" charset="0"/>
+            </a:endParaRPr>
+          </a:p>
+          <a:p>
+            <a:pPr lvl="1"/>
+            <a:r>
+              <a:rPr lang="en-US" sz="2000" dirty="0">
+                <a:latin typeface="Selawik Semibold" panose="020B0702040204020203" pitchFamily="34" charset="0"/>
+              </a:rPr>
+              <a:t>Business Analytics Intern for Arizona Coyotes</a:t>
+            </a:r>
+          </a:p>
+          <a:p>
+            <a:pPr lvl="2"/>
+            <a:r>
+              <a:rPr lang="en-US" sz="1800" dirty="0">
+                <a:latin typeface="Selawik Semibold" panose="020B0702040204020203" pitchFamily="34" charset="0"/>
+              </a:rPr>
+              <a:t>Assist Analytics Team with Statistical Projects</a:t>
+            </a:r>
+          </a:p>
+          <a:p>
+            <a:pPr lvl="2"/>
+            <a:r>
+              <a:rPr lang="en-US" sz="1800" dirty="0">
+                <a:latin typeface="Selawik Semibold" panose="020B0702040204020203" pitchFamily="34" charset="0"/>
+              </a:rPr>
+              <a:t>Upper Level Undergrad or Graduate Student</a:t>
+            </a:r>
+          </a:p>
+          <a:p>
+            <a:pPr lvl="2"/>
+            <a:r>
+              <a:rPr lang="en-US" sz="1800" dirty="0">
+                <a:latin typeface="Selawik Semibold" panose="020B0702040204020203" pitchFamily="34" charset="0"/>
+              </a:rPr>
+              <a:t>R/Python/SQL/Tableau/Microsoft Dynamics</a:t>
+            </a:r>
+          </a:p>
+          <a:p>
+            <a:pPr lvl="1"/>
+            <a:endParaRPr lang="en-US" sz="2200" dirty="0">
+              <a:latin typeface="Selawik Semibold" panose="020B0702040204020203" pitchFamily="34" charset="0"/>
+            </a:endParaRPr>
+          </a:p>
+          <a:p>
+            <a:pPr lvl="1"/>
+            <a:r>
+              <a:rPr lang="en-US" sz="2000" dirty="0">
+                <a:latin typeface="Selawik Semibold" panose="020B0702040204020203" pitchFamily="34" charset="0"/>
+              </a:rPr>
+              <a:t>Research Analyst for Bleacher Report</a:t>
+            </a:r>
+          </a:p>
+          <a:p>
+            <a:pPr lvl="2"/>
+            <a:r>
+              <a:rPr lang="en-US" sz="1800" dirty="0">
+                <a:latin typeface="Selawik Semibold" panose="020B0702040204020203" pitchFamily="34" charset="0"/>
+              </a:rPr>
+              <a:t>Analyze Ad Effectiveness</a:t>
+            </a:r>
+          </a:p>
+          <a:p>
+            <a:pPr lvl="2"/>
+            <a:r>
+              <a:rPr lang="en-US" sz="1800" dirty="0">
+                <a:latin typeface="Selawik Semibold" panose="020B0702040204020203" pitchFamily="34" charset="0"/>
+              </a:rPr>
+              <a:t>Mine, Analyze, and Deliver Insights from Campaigns</a:t>
+            </a:r>
+          </a:p>
+          <a:p>
+            <a:pPr lvl="2"/>
+            <a:r>
+              <a:rPr lang="en-US" sz="1800" dirty="0">
+                <a:latin typeface="Selawik Semibold" panose="020B0702040204020203" pitchFamily="34" charset="0"/>
+              </a:rPr>
+              <a:t>Quantitative/Qualitative Research Experience (1-2 Years)</a:t>
+            </a:r>
+          </a:p>
+          <a:p>
+            <a:pPr lvl="2"/>
+            <a:r>
+              <a:rPr lang="en-US" sz="1800" dirty="0">
+                <a:latin typeface="Selawik Semibold" panose="020B0702040204020203" pitchFamily="34" charset="0"/>
+              </a:rPr>
+              <a:t>R/Tableau/SPSS/SQL</a:t>
+            </a:r>
+          </a:p>
+          <a:p>
+            <a:pPr lvl="2"/>
+            <a:r>
+              <a:rPr lang="en-US" sz="1800" dirty="0">
+                <a:latin typeface="Selawik Semibold" panose="020B0702040204020203" pitchFamily="34" charset="0"/>
+              </a:rPr>
+              <a:t>Analytical, Editorial, Communication skills</a:t>
+            </a:r>
+          </a:p>
+          <a:p>
+            <a:pPr lvl="1"/>
+            <a:endParaRPr lang="en-US" sz="2000" dirty="0">
+              <a:latin typeface="Selawik Semibold" panose="020B0702040204020203" pitchFamily="34" charset="0"/>
+            </a:endParaRPr>
+          </a:p>
+          <a:p>
+            <a:pPr lvl="2"/>
+            <a:endParaRPr lang="en-US" sz="1800" dirty="0">
+              <a:latin typeface="Selawik Semibold" panose="020B0702040204020203" pitchFamily="34" charset="0"/>
+            </a:endParaRPr>
+          </a:p>
+          <a:p>
+            <a:pPr lvl="1"/>
+            <a:endParaRPr lang="en-US" sz="2200" dirty="0">
+              <a:latin typeface="Selawik Semibold" panose="020B0702040204020203" pitchFamily="34" charset="0"/>
+            </a:endParaRPr>
+          </a:p>
+        </p:txBody>
+      </p:sp>
+      <p:pic>
+        <p:nvPicPr>
+          <p:cNvPr id="4" name="Picture 3" descr="A drawing of a cartoon character&#10;&#10;Description automatically generated">
+            <a:extLst>
+              <a:ext uri="{FF2B5EF4-FFF2-40B4-BE49-F238E27FC236}">
+                <a16:creationId xmlns:a16="http://schemas.microsoft.com/office/drawing/2014/main" id="{A7FDC859-D890-4904-9C64-27F43DA90453}"/>
+              </a:ext>
+            </a:extLst>
+          </p:cNvPr>
+          <p:cNvPicPr>
+            <a:picLocks noChangeAspect="1"/>
+          </p:cNvPicPr>
+          <p:nvPr/>
+        </p:nvPicPr>
+        <p:blipFill rotWithShape="1">
+          <a:blip r:embed="rId2">
+            <a:extLst>
+              <a:ext uri="{28A0092B-C50C-407E-A947-70E740481C1C}">
+                <a14:useLocalDpi xmlns:a14="http://schemas.microsoft.com/office/drawing/2010/main" val="0"/>
+              </a:ext>
+            </a:extLst>
+          </a:blip>
+          <a:srcRect t="5616" r="2" b="2"/>
+          <a:stretch/>
+        </p:blipFill>
+        <p:spPr>
+          <a:xfrm>
+            <a:off x="7471144" y="1700078"/>
+            <a:ext cx="4720855" cy="2583792"/>
+          </a:xfrm>
+          <a:custGeom>
+            <a:avLst/>
+            <a:gdLst>
+              <a:gd name="connsiteX0" fmla="*/ 0 w 5475077"/>
+              <a:gd name="connsiteY0" fmla="*/ 0 h 2583792"/>
+              <a:gd name="connsiteX1" fmla="*/ 5475077 w 5475077"/>
+              <a:gd name="connsiteY1" fmla="*/ 0 h 2583792"/>
+              <a:gd name="connsiteX2" fmla="*/ 5475077 w 5475077"/>
+              <a:gd name="connsiteY2" fmla="*/ 2583792 h 2583792"/>
+              <a:gd name="connsiteX3" fmla="*/ 1197192 w 5475077"/>
+              <a:gd name="connsiteY3" fmla="*/ 2583792 h 2583792"/>
+            </a:gdLst>
+            <a:ahLst/>
+            <a:cxnLst>
+              <a:cxn ang="0">
+                <a:pos x="connsiteX0" y="connsiteY0"/>
+              </a:cxn>
+              <a:cxn ang="0">
+                <a:pos x="connsiteX1" y="connsiteY1"/>
+              </a:cxn>
+              <a:cxn ang="0">
+                <a:pos x="connsiteX2" y="connsiteY2"/>
+              </a:cxn>
+              <a:cxn ang="0">
+                <a:pos x="connsiteX3" y="connsiteY3"/>
+              </a:cxn>
+            </a:cxnLst>
+            <a:rect l="l" t="t" r="r" b="b"/>
+            <a:pathLst>
+              <a:path w="5475077" h="2583792">
+                <a:moveTo>
+                  <a:pt x="0" y="0"/>
+                </a:moveTo>
+                <a:lnTo>
+                  <a:pt x="5475077" y="0"/>
+                </a:lnTo>
+                <a:lnTo>
+                  <a:pt x="5475077" y="2583792"/>
+                </a:lnTo>
+                <a:lnTo>
+                  <a:pt x="1197192" y="2583792"/>
+                </a:lnTo>
+                <a:close/>
+              </a:path>
+            </a:pathLst>
+          </a:custGeom>
+        </p:spPr>
+      </p:pic>
+      <p:pic>
+        <p:nvPicPr>
+          <p:cNvPr id="5" name="Content Placeholder 4" descr="A picture containing indoor&#10;&#10;Description automatically generated">
+            <a:extLst>
+              <a:ext uri="{FF2B5EF4-FFF2-40B4-BE49-F238E27FC236}">
+                <a16:creationId xmlns:a16="http://schemas.microsoft.com/office/drawing/2014/main" id="{A58F0E55-21F3-485B-A07F-1CE74177BDD2}"/>
+              </a:ext>
+            </a:extLst>
+          </p:cNvPr>
+          <p:cNvPicPr>
+            <a:picLocks noChangeAspect="1"/>
+          </p:cNvPicPr>
+          <p:nvPr/>
+        </p:nvPicPr>
+        <p:blipFill rotWithShape="1">
+          <a:blip r:embed="rId3">
+            <a:extLst>
+              <a:ext uri="{28A0092B-C50C-407E-A947-70E740481C1C}">
+                <a14:useLocalDpi xmlns:a14="http://schemas.microsoft.com/office/drawing/2010/main" val="0"/>
+              </a:ext>
+            </a:extLst>
+          </a:blip>
+          <a:srcRect t="5300" r="3" b="6859"/>
+          <a:stretch/>
+        </p:blipFill>
+        <p:spPr>
+          <a:xfrm>
+            <a:off x="8491869" y="4283870"/>
+            <a:ext cx="3700129" cy="2583520"/>
+          </a:xfrm>
+          <a:custGeom>
+            <a:avLst/>
+            <a:gdLst>
+              <a:gd name="connsiteX0" fmla="*/ 0 w 4277884"/>
+              <a:gd name="connsiteY0" fmla="*/ 0 h 2583520"/>
+              <a:gd name="connsiteX1" fmla="*/ 4277884 w 4277884"/>
+              <a:gd name="connsiteY1" fmla="*/ 0 h 2583520"/>
+              <a:gd name="connsiteX2" fmla="*/ 4277884 w 4277884"/>
+              <a:gd name="connsiteY2" fmla="*/ 2583520 h 2583520"/>
+              <a:gd name="connsiteX3" fmla="*/ 1192437 w 4277884"/>
+              <a:gd name="connsiteY3" fmla="*/ 2583520 h 2583520"/>
+              <a:gd name="connsiteX4" fmla="*/ 1188085 w 4277884"/>
+              <a:gd name="connsiteY4" fmla="*/ 2574129 h 2583520"/>
+              <a:gd name="connsiteX5" fmla="*/ 1192715 w 4277884"/>
+              <a:gd name="connsiteY5" fmla="*/ 2574129 h 2583520"/>
+            </a:gdLst>
+            <a:ahLst/>
+            <a:cxnLst>
+              <a:cxn ang="0">
+                <a:pos x="connsiteX0" y="connsiteY0"/>
+              </a:cxn>
+              <a:cxn ang="0">
+                <a:pos x="connsiteX1" y="connsiteY1"/>
+              </a:cxn>
+              <a:cxn ang="0">
+                <a:pos x="connsiteX2" y="connsiteY2"/>
+              </a:cxn>
+              <a:cxn ang="0">
+                <a:pos x="connsiteX3" y="connsiteY3"/>
+              </a:cxn>
+              <a:cxn ang="0">
+                <a:pos x="connsiteX4" y="connsiteY4"/>
+              </a:cxn>
+              <a:cxn ang="0">
+                <a:pos x="connsiteX5" y="connsiteY5"/>
+              </a:cxn>
+            </a:cxnLst>
+            <a:rect l="l" t="t" r="r" b="b"/>
+            <a:pathLst>
+              <a:path w="4277884" h="2583520">
+                <a:moveTo>
+                  <a:pt x="0" y="0"/>
+                </a:moveTo>
+                <a:lnTo>
+                  <a:pt x="4277884" y="0"/>
+                </a:lnTo>
+                <a:lnTo>
+                  <a:pt x="4277884" y="2583520"/>
+                </a:lnTo>
+                <a:lnTo>
+                  <a:pt x="1192437" y="2583520"/>
+                </a:lnTo>
+                <a:lnTo>
+                  <a:pt x="1188085" y="2574129"/>
+                </a:lnTo>
+                <a:lnTo>
+                  <a:pt x="1192715" y="2574129"/>
+                </a:lnTo>
+                <a:close/>
+              </a:path>
+            </a:pathLst>
+          </a:custGeom>
+        </p:spPr>
+      </p:pic>
+      <p:sp>
+        <p:nvSpPr>
+          <p:cNvPr id="6" name="Rectangle 5">
+            <a:extLst>
+              <a:ext uri="{FF2B5EF4-FFF2-40B4-BE49-F238E27FC236}">
+                <a16:creationId xmlns:a16="http://schemas.microsoft.com/office/drawing/2014/main" id="{A2901312-C3C2-4CEC-80EF-823AB4FBB726}"/>
+              </a:ext>
+            </a:extLst>
+          </p:cNvPr>
+          <p:cNvSpPr/>
+          <p:nvPr/>
+        </p:nvSpPr>
+        <p:spPr>
+          <a:xfrm>
+            <a:off x="-1" y="1608918"/>
+            <a:ext cx="12191999" cy="91160"/>
+          </a:xfrm>
+          <a:prstGeom prst="rect">
+            <a:avLst/>
+          </a:prstGeom>
+          <a:solidFill>
+            <a:schemeClr val="bg1"/>
+          </a:solidFill>
+          <a:ln>
+            <a:noFill/>
+          </a:ln>
+        </p:spPr>
+        <p:style>
+          <a:lnRef idx="2">
+            <a:schemeClr val="accent1">
+              <a:shade val="50000"/>
+            </a:schemeClr>
+          </a:lnRef>
+          <a:fillRef idx="1">
+            <a:schemeClr val="accent1"/>
+          </a:fillRef>
+          <a:effectRef idx="0">
+            <a:schemeClr val="accent1"/>
+          </a:effectRef>
+          <a:fontRef idx="minor">
+            <a:schemeClr val="lt1"/>
+          </a:fontRef>
+        </p:style>
+        <p:txBody>
+          <a:bodyPr rtlCol="0" anchor="ctr"/>
+          <a:lstStyle/>
+          <a:p>
+            <a:pPr algn="ctr"/>
+            <a:endParaRPr lang="en-US">
+              <a:solidFill>
+                <a:srgbClr val="DB5B5C"/>
+              </a:solidFill>
+            </a:endParaRPr>
+          </a:p>
+        </p:txBody>
+      </p:sp>
+      <p:sp>
+        <p:nvSpPr>
+          <p:cNvPr id="15" name="Rectangle 14">
+            <a:extLst>
+              <a:ext uri="{FF2B5EF4-FFF2-40B4-BE49-F238E27FC236}">
+                <a16:creationId xmlns:a16="http://schemas.microsoft.com/office/drawing/2014/main" id="{AD0A7C9C-CA2C-4B9B-A125-2D09D5573B44}"/>
+              </a:ext>
+            </a:extLst>
+          </p:cNvPr>
+          <p:cNvSpPr/>
+          <p:nvPr/>
+        </p:nvSpPr>
+        <p:spPr>
+          <a:xfrm>
+            <a:off x="1" y="6677247"/>
+            <a:ext cx="12191999" cy="190143"/>
+          </a:xfrm>
+          <a:prstGeom prst="rect">
+            <a:avLst/>
+          </a:prstGeom>
+          <a:solidFill>
+            <a:schemeClr val="bg1"/>
+          </a:solidFill>
+          <a:ln>
+            <a:noFill/>
+          </a:ln>
+        </p:spPr>
+        <p:style>
+          <a:lnRef idx="2">
+            <a:schemeClr val="accent1">
+              <a:shade val="50000"/>
+            </a:schemeClr>
+          </a:lnRef>
+          <a:fillRef idx="1">
+            <a:schemeClr val="accent1"/>
+          </a:fillRef>
+          <a:effectRef idx="0">
+            <a:schemeClr val="accent1"/>
+          </a:effectRef>
+          <a:fontRef idx="minor">
+            <a:schemeClr val="lt1"/>
+          </a:fontRef>
+        </p:style>
+        <p:txBody>
+          <a:bodyPr rtlCol="0" anchor="ctr"/>
+          <a:lstStyle/>
+          <a:p>
+            <a:pPr algn="ctr"/>
+            <a:endParaRPr lang="en-US">
+              <a:solidFill>
+                <a:srgbClr val="DB5B5C"/>
+              </a:solidFill>
+            </a:endParaRPr>
+          </a:p>
+        </p:txBody>
+      </p:sp>
+      <p:sp>
+        <p:nvSpPr>
+          <p:cNvPr id="16" name="Rectangle 15">
+            <a:extLst>
+              <a:ext uri="{FF2B5EF4-FFF2-40B4-BE49-F238E27FC236}">
+                <a16:creationId xmlns:a16="http://schemas.microsoft.com/office/drawing/2014/main" id="{74A085FC-1866-46D4-97F7-51AA45E48D4F}"/>
+              </a:ext>
+            </a:extLst>
+          </p:cNvPr>
+          <p:cNvSpPr/>
+          <p:nvPr/>
+        </p:nvSpPr>
+        <p:spPr>
+          <a:xfrm rot="4092292">
+            <a:off x="5790668" y="4094517"/>
+            <a:ext cx="5446699" cy="137038"/>
+          </a:xfrm>
+          <a:prstGeom prst="rect">
+            <a:avLst/>
+          </a:prstGeom>
+          <a:solidFill>
+            <a:schemeClr val="bg1"/>
+          </a:solidFill>
+          <a:ln>
+            <a:noFill/>
+          </a:ln>
+        </p:spPr>
+        <p:style>
+          <a:lnRef idx="2">
+            <a:schemeClr val="accent1">
+              <a:shade val="50000"/>
+            </a:schemeClr>
+          </a:lnRef>
+          <a:fillRef idx="1">
+            <a:schemeClr val="accent1"/>
+          </a:fillRef>
+          <a:effectRef idx="0">
+            <a:schemeClr val="accent1"/>
+          </a:effectRef>
+          <a:fontRef idx="minor">
+            <a:schemeClr val="lt1"/>
+          </a:fontRef>
+        </p:style>
+        <p:txBody>
+          <a:bodyPr rtlCol="0" anchor="ctr"/>
+          <a:lstStyle/>
+          <a:p>
+            <a:pPr algn="ctr"/>
+            <a:endParaRPr lang="en-US">
+              <a:solidFill>
+                <a:srgbClr val="DB5B5C"/>
+              </a:solidFill>
+            </a:endParaRPr>
+          </a:p>
+        </p:txBody>
+      </p:sp>
+    </p:spTree>
+    <p:extLst>
+      <p:ext uri="{BB962C8B-B14F-4D97-AF65-F5344CB8AC3E}">
+        <p14:creationId xmlns:p14="http://schemas.microsoft.com/office/powerpoint/2010/main" val="2082699976"/>
+      </p:ext>
+    </p:extLst>
+  </p:cSld>
+  <p:clrMapOvr>
+    <a:overrideClrMapping bg1="dk1" tx1="lt1" bg2="dk2" tx2="lt2" accent1="accent1" accent2="accent2" accent3="accent3" accent4="accent4" accent5="accent5" accent6="accent6" hlink="hlink" folHlink="folHlink"/>
+  </p:clrMapOvr>
+</p:sld>
+</file>
+
+<file path=ppt/slides/slide18.xml><?xml version="1.0" encoding="utf-8"?>
+<p:sld xmlns:a="http://schemas.openxmlformats.org/drawingml/2006/main" xmlns:r="http://schemas.openxmlformats.org/officeDocument/2006/relationships" xmlns:p="http://schemas.openxmlformats.org/presentationml/2006/main">
+  <p:cSld>
+    <p:bg>
+      <p:bgPr>
+        <a:solidFill>
+          <a:srgbClr val="395583"/>
+        </a:solidFill>
+        <a:effectLst/>
+      </p:bgPr>
+    </p:bg>
+    <p:spTree>
+      <p:nvGrpSpPr>
+        <p:cNvPr id="1" name=""/>
+        <p:cNvGrpSpPr/>
+        <p:nvPr/>
+      </p:nvGrpSpPr>
+      <p:grpSpPr>
+        <a:xfrm>
+          <a:off x="0" y="0"/>
+          <a:ext cx="0" cy="0"/>
+          <a:chOff x="0" y="0"/>
+          <a:chExt cx="0" cy="0"/>
+        </a:xfrm>
+      </p:grpSpPr>
+      <p:sp>
+        <p:nvSpPr>
+          <p:cNvPr id="25" name="Rectangle 24">
+            <a:extLst>
+              <a:ext uri="{FF2B5EF4-FFF2-40B4-BE49-F238E27FC236}">
+                <a16:creationId xmlns:a16="http://schemas.microsoft.com/office/drawing/2014/main" id="{A6792F05-2FD4-4F18-815E-15391E8B4A0E}"/>
+              </a:ext>
+              <a:ext uri="{C183D7F6-B498-43B3-948B-1728B52AA6E4}">
+                <adec:decorative xmlns:adec="http://schemas.microsoft.com/office/drawing/2017/decorative" val="1"/>
+              </a:ext>
+            </a:extLst>
+          </p:cNvPr>
+          <p:cNvSpPr>
+            <a:spLocks noGrp="1" noRot="1" noChangeAspect="1" noMove="1" noResize="1" noEditPoints="1" noAdjustHandles="1" noChangeArrowheads="1" noChangeShapeType="1" noTextEdit="1"/>
+          </p:cNvSpPr>
+          <p:nvPr>
+            <p:extLst>
+              <p:ext uri="{386F3935-93C4-4BCD-93E2-E3B085C9AB24}">
+                <p16:designElem xmlns:p16="http://schemas.microsoft.com/office/powerpoint/2015/main" val="1"/>
+              </p:ext>
+            </p:extLst>
+          </p:nvPr>
+        </p:nvSpPr>
+        <p:spPr>
+          <a:xfrm>
+            <a:off x="0" y="0"/>
+            <a:ext cx="12191999" cy="6858000"/>
+          </a:xfrm>
+          <a:prstGeom prst="rect">
+            <a:avLst/>
+          </a:prstGeom>
+          <a:solidFill>
+            <a:srgbClr val="395583"/>
+          </a:solidFill>
+          <a:ln>
+            <a:noFill/>
+          </a:ln>
+        </p:spPr>
+        <p:style>
+          <a:lnRef idx="2">
+            <a:schemeClr val="accent1">
+              <a:shade val="50000"/>
+            </a:schemeClr>
+          </a:lnRef>
+          <a:fillRef idx="1">
+            <a:schemeClr val="accent1"/>
+          </a:fillRef>
+          <a:effectRef idx="0">
+            <a:schemeClr val="accent1"/>
+          </a:effectRef>
+          <a:fontRef idx="minor">
+            <a:schemeClr val="lt1"/>
+          </a:fontRef>
+        </p:style>
+        <p:txBody>
+          <a:bodyPr rtlCol="0" anchor="ctr"/>
+          <a:lstStyle/>
+          <a:p>
+            <a:pPr algn="ctr"/>
+            <a:endParaRPr lang="en-US"/>
+          </a:p>
+        </p:txBody>
+      </p:sp>
+      <p:sp>
+        <p:nvSpPr>
+          <p:cNvPr id="2" name="Title 1">
+            <a:extLst>
+              <a:ext uri="{FF2B5EF4-FFF2-40B4-BE49-F238E27FC236}">
+                <a16:creationId xmlns:a16="http://schemas.microsoft.com/office/drawing/2014/main" id="{2589AFCC-0FF0-498C-B11F-8990DF0DAAA5}"/>
+              </a:ext>
+            </a:extLst>
+          </p:cNvPr>
+          <p:cNvSpPr>
+            <a:spLocks noGrp="1"/>
+          </p:cNvSpPr>
+          <p:nvPr>
+            <p:ph type="title"/>
+          </p:nvPr>
+        </p:nvSpPr>
+        <p:spPr>
+          <a:xfrm>
+            <a:off x="838200" y="365125"/>
+            <a:ext cx="10515600" cy="1325563"/>
+          </a:xfrm>
+        </p:spPr>
+        <p:txBody>
+          <a:bodyPr>
+            <a:normAutofit/>
+          </a:bodyPr>
+          <a:lstStyle/>
+          <a:p>
+            <a:r>
+              <a:rPr lang="en-US" b="1" dirty="0">
+                <a:latin typeface="Selawik Semibold" panose="020B0604020202020204" pitchFamily="34" charset="0"/>
+              </a:rPr>
+              <a:t>Your Industry Future</a:t>
+            </a:r>
+          </a:p>
+        </p:txBody>
+      </p:sp>
+      <p:sp>
+        <p:nvSpPr>
+          <p:cNvPr id="9" name="Content Placeholder 8">
+            <a:extLst>
+              <a:ext uri="{FF2B5EF4-FFF2-40B4-BE49-F238E27FC236}">
+                <a16:creationId xmlns:a16="http://schemas.microsoft.com/office/drawing/2014/main" id="{2D995594-59F2-4020-AB6F-751BAE84ADB3}"/>
+              </a:ext>
+            </a:extLst>
+          </p:cNvPr>
+          <p:cNvSpPr>
+            <a:spLocks noGrp="1"/>
+          </p:cNvSpPr>
+          <p:nvPr>
+            <p:ph idx="1"/>
+          </p:nvPr>
+        </p:nvSpPr>
+        <p:spPr>
+          <a:xfrm>
+            <a:off x="838199" y="2021248"/>
+            <a:ext cx="8107018" cy="4695905"/>
+          </a:xfrm>
+        </p:spPr>
+        <p:txBody>
+          <a:bodyPr>
+            <a:normAutofit lnSpcReduction="10000"/>
+          </a:bodyPr>
+          <a:lstStyle/>
+          <a:p>
+            <a:r>
+              <a:rPr lang="en-US" sz="2400" dirty="0">
+                <a:latin typeface="Selawik Semibold" panose="020B0702040204020203" pitchFamily="34" charset="0"/>
+              </a:rPr>
+              <a:t>Real Jobs (Indeed)</a:t>
+            </a:r>
+          </a:p>
+          <a:p>
+            <a:pPr marL="0" indent="0">
+              <a:buNone/>
+            </a:pPr>
+            <a:endParaRPr lang="en-US" sz="2400" dirty="0">
+              <a:latin typeface="Selawik Semibold" panose="020B0702040204020203" pitchFamily="34" charset="0"/>
+            </a:endParaRPr>
+          </a:p>
+          <a:p>
+            <a:pPr lvl="1"/>
+            <a:r>
+              <a:rPr lang="en-US" sz="2000" dirty="0">
+                <a:latin typeface="Selawik Semibold" panose="020B0702040204020203" pitchFamily="34" charset="0"/>
+              </a:rPr>
+              <a:t>Sports Data Scientist for Awesomo.com</a:t>
+            </a:r>
+          </a:p>
+          <a:p>
+            <a:pPr lvl="2"/>
+            <a:r>
+              <a:rPr lang="en-US" sz="1800" dirty="0">
+                <a:latin typeface="Selawik Semibold" panose="020B0702040204020203" pitchFamily="34" charset="0"/>
+              </a:rPr>
+              <a:t>Track Performance of Models for Fantasy Sports</a:t>
+            </a:r>
+          </a:p>
+          <a:p>
+            <a:pPr lvl="2"/>
+            <a:r>
+              <a:rPr lang="en-US" sz="1800" dirty="0">
+                <a:latin typeface="Selawik Semibold" panose="020B0702040204020203" pitchFamily="34" charset="0"/>
+              </a:rPr>
+              <a:t>Development of New Fantasy Sports Products</a:t>
+            </a:r>
+          </a:p>
+          <a:p>
+            <a:pPr lvl="2"/>
+            <a:r>
+              <a:rPr lang="en-US" sz="1800" dirty="0">
+                <a:latin typeface="Selawik Semibold" panose="020B0702040204020203" pitchFamily="34" charset="0"/>
+              </a:rPr>
+              <a:t>Develop New Statistics to Predict Performance</a:t>
+            </a:r>
+          </a:p>
+          <a:p>
+            <a:pPr lvl="2"/>
+            <a:r>
+              <a:rPr lang="en-US" sz="1800" dirty="0">
+                <a:latin typeface="Selawik Semibold" panose="020B0702040204020203" pitchFamily="34" charset="0"/>
+              </a:rPr>
+              <a:t>Excel and Linear Regressions</a:t>
+            </a:r>
+          </a:p>
+          <a:p>
+            <a:pPr lvl="2"/>
+            <a:r>
+              <a:rPr lang="en-US" sz="1800" dirty="0">
+                <a:latin typeface="Selawik Semibold" panose="020B0702040204020203" pitchFamily="34" charset="0"/>
+              </a:rPr>
+              <a:t>$50K-$100K</a:t>
+            </a:r>
+          </a:p>
+          <a:p>
+            <a:pPr lvl="1"/>
+            <a:endParaRPr lang="en-US" sz="2200" dirty="0">
+              <a:latin typeface="Selawik Semibold" panose="020B0702040204020203" pitchFamily="34" charset="0"/>
+            </a:endParaRPr>
+          </a:p>
+          <a:p>
+            <a:pPr lvl="1"/>
+            <a:r>
+              <a:rPr lang="en-US" sz="2000" dirty="0">
+                <a:latin typeface="Selawik Semibold" panose="020B0702040204020203" pitchFamily="34" charset="0"/>
+              </a:rPr>
+              <a:t>Senior Manager in Data Science for FanDuel</a:t>
+            </a:r>
+          </a:p>
+          <a:p>
+            <a:pPr lvl="2"/>
+            <a:r>
+              <a:rPr lang="en-US" sz="1800" dirty="0">
+                <a:latin typeface="Selawik Semibold" panose="020B0702040204020203" pitchFamily="34" charset="0"/>
+              </a:rPr>
+              <a:t>Coach Team of Data Scientists for Company Projects</a:t>
+            </a:r>
+          </a:p>
+          <a:p>
+            <a:pPr lvl="2"/>
+            <a:r>
+              <a:rPr lang="en-US" sz="1800" dirty="0">
+                <a:latin typeface="Selawik Semibold" panose="020B0702040204020203" pitchFamily="34" charset="0"/>
+              </a:rPr>
+              <a:t>Masters/PhD in Quantitative Field</a:t>
+            </a:r>
+          </a:p>
+          <a:p>
+            <a:pPr lvl="2"/>
+            <a:r>
+              <a:rPr lang="en-US" sz="1800" dirty="0">
+                <a:latin typeface="Selawik Semibold" panose="020B0702040204020203" pitchFamily="34" charset="0"/>
+              </a:rPr>
+              <a:t>Machine Learning/Bayesian Statistics/Time Series Methods</a:t>
+            </a:r>
+          </a:p>
+          <a:p>
+            <a:pPr lvl="2"/>
+            <a:r>
+              <a:rPr lang="en-US" sz="1800" dirty="0">
+                <a:latin typeface="Selawik Semibold" panose="020B0702040204020203" pitchFamily="34" charset="0"/>
+              </a:rPr>
+              <a:t>Python/SQL/AWS/GitHub</a:t>
+            </a:r>
+          </a:p>
+          <a:p>
+            <a:pPr lvl="2"/>
+            <a:r>
+              <a:rPr lang="en-US" sz="1800" dirty="0">
+                <a:latin typeface="Selawik Semibold" panose="020B0702040204020203" pitchFamily="34" charset="0"/>
+              </a:rPr>
+              <a:t>Data Science Team (5 Years)</a:t>
+            </a:r>
+          </a:p>
+          <a:p>
+            <a:pPr lvl="1"/>
+            <a:endParaRPr lang="en-US" sz="2000" dirty="0">
+              <a:latin typeface="Selawik Semibold" panose="020B0702040204020203" pitchFamily="34" charset="0"/>
+            </a:endParaRPr>
+          </a:p>
+          <a:p>
+            <a:pPr lvl="2"/>
+            <a:endParaRPr lang="en-US" sz="1800" dirty="0">
+              <a:latin typeface="Selawik Semibold" panose="020B0702040204020203" pitchFamily="34" charset="0"/>
+            </a:endParaRPr>
+          </a:p>
+          <a:p>
+            <a:pPr lvl="1"/>
+            <a:endParaRPr lang="en-US" sz="2200" dirty="0">
+              <a:latin typeface="Selawik Semibold" panose="020B0702040204020203" pitchFamily="34" charset="0"/>
+            </a:endParaRPr>
+          </a:p>
+        </p:txBody>
+      </p:sp>
+      <p:pic>
+        <p:nvPicPr>
+          <p:cNvPr id="4" name="Picture 3" descr="A drawing of a cartoon character&#10;&#10;Description automatically generated">
+            <a:extLst>
+              <a:ext uri="{FF2B5EF4-FFF2-40B4-BE49-F238E27FC236}">
+                <a16:creationId xmlns:a16="http://schemas.microsoft.com/office/drawing/2014/main" id="{A7FDC859-D890-4904-9C64-27F43DA90453}"/>
+              </a:ext>
+            </a:extLst>
+          </p:cNvPr>
+          <p:cNvPicPr>
+            <a:picLocks noChangeAspect="1"/>
+          </p:cNvPicPr>
+          <p:nvPr/>
+        </p:nvPicPr>
+        <p:blipFill rotWithShape="1">
+          <a:blip r:embed="rId2">
+            <a:extLst>
+              <a:ext uri="{28A0092B-C50C-407E-A947-70E740481C1C}">
+                <a14:useLocalDpi xmlns:a14="http://schemas.microsoft.com/office/drawing/2010/main" val="0"/>
+              </a:ext>
+            </a:extLst>
+          </a:blip>
+          <a:srcRect t="5616" r="2" b="2"/>
+          <a:stretch/>
+        </p:blipFill>
+        <p:spPr>
+          <a:xfrm>
+            <a:off x="7471144" y="1700078"/>
+            <a:ext cx="4720855" cy="2583792"/>
+          </a:xfrm>
+          <a:custGeom>
+            <a:avLst/>
+            <a:gdLst>
+              <a:gd name="connsiteX0" fmla="*/ 0 w 5475077"/>
+              <a:gd name="connsiteY0" fmla="*/ 0 h 2583792"/>
+              <a:gd name="connsiteX1" fmla="*/ 5475077 w 5475077"/>
+              <a:gd name="connsiteY1" fmla="*/ 0 h 2583792"/>
+              <a:gd name="connsiteX2" fmla="*/ 5475077 w 5475077"/>
+              <a:gd name="connsiteY2" fmla="*/ 2583792 h 2583792"/>
+              <a:gd name="connsiteX3" fmla="*/ 1197192 w 5475077"/>
+              <a:gd name="connsiteY3" fmla="*/ 2583792 h 2583792"/>
+            </a:gdLst>
+            <a:ahLst/>
+            <a:cxnLst>
+              <a:cxn ang="0">
+                <a:pos x="connsiteX0" y="connsiteY0"/>
+              </a:cxn>
+              <a:cxn ang="0">
+                <a:pos x="connsiteX1" y="connsiteY1"/>
+              </a:cxn>
+              <a:cxn ang="0">
+                <a:pos x="connsiteX2" y="connsiteY2"/>
+              </a:cxn>
+              <a:cxn ang="0">
+                <a:pos x="connsiteX3" y="connsiteY3"/>
+              </a:cxn>
+            </a:cxnLst>
+            <a:rect l="l" t="t" r="r" b="b"/>
+            <a:pathLst>
+              <a:path w="5475077" h="2583792">
+                <a:moveTo>
+                  <a:pt x="0" y="0"/>
+                </a:moveTo>
+                <a:lnTo>
+                  <a:pt x="5475077" y="0"/>
+                </a:lnTo>
+                <a:lnTo>
+                  <a:pt x="5475077" y="2583792"/>
+                </a:lnTo>
+                <a:lnTo>
+                  <a:pt x="1197192" y="2583792"/>
+                </a:lnTo>
+                <a:close/>
+              </a:path>
+            </a:pathLst>
+          </a:custGeom>
+        </p:spPr>
+      </p:pic>
+      <p:pic>
+        <p:nvPicPr>
+          <p:cNvPr id="5" name="Content Placeholder 4" descr="A picture containing indoor&#10;&#10;Description automatically generated">
+            <a:extLst>
+              <a:ext uri="{FF2B5EF4-FFF2-40B4-BE49-F238E27FC236}">
+                <a16:creationId xmlns:a16="http://schemas.microsoft.com/office/drawing/2014/main" id="{A58F0E55-21F3-485B-A07F-1CE74177BDD2}"/>
+              </a:ext>
+            </a:extLst>
+          </p:cNvPr>
+          <p:cNvPicPr>
+            <a:picLocks noChangeAspect="1"/>
+          </p:cNvPicPr>
+          <p:nvPr/>
+        </p:nvPicPr>
+        <p:blipFill rotWithShape="1">
+          <a:blip r:embed="rId3">
+            <a:extLst>
+              <a:ext uri="{28A0092B-C50C-407E-A947-70E740481C1C}">
+                <a14:useLocalDpi xmlns:a14="http://schemas.microsoft.com/office/drawing/2010/main" val="0"/>
+              </a:ext>
+            </a:extLst>
+          </a:blip>
+          <a:srcRect t="5300" r="3" b="6859"/>
+          <a:stretch/>
+        </p:blipFill>
+        <p:spPr>
+          <a:xfrm>
+            <a:off x="8491869" y="4283870"/>
+            <a:ext cx="3700129" cy="2583520"/>
+          </a:xfrm>
+          <a:custGeom>
+            <a:avLst/>
+            <a:gdLst>
+              <a:gd name="connsiteX0" fmla="*/ 0 w 4277884"/>
+              <a:gd name="connsiteY0" fmla="*/ 0 h 2583520"/>
+              <a:gd name="connsiteX1" fmla="*/ 4277884 w 4277884"/>
+              <a:gd name="connsiteY1" fmla="*/ 0 h 2583520"/>
+              <a:gd name="connsiteX2" fmla="*/ 4277884 w 4277884"/>
+              <a:gd name="connsiteY2" fmla="*/ 2583520 h 2583520"/>
+              <a:gd name="connsiteX3" fmla="*/ 1192437 w 4277884"/>
+              <a:gd name="connsiteY3" fmla="*/ 2583520 h 2583520"/>
+              <a:gd name="connsiteX4" fmla="*/ 1188085 w 4277884"/>
+              <a:gd name="connsiteY4" fmla="*/ 2574129 h 2583520"/>
+              <a:gd name="connsiteX5" fmla="*/ 1192715 w 4277884"/>
+              <a:gd name="connsiteY5" fmla="*/ 2574129 h 2583520"/>
+            </a:gdLst>
+            <a:ahLst/>
+            <a:cxnLst>
+              <a:cxn ang="0">
+                <a:pos x="connsiteX0" y="connsiteY0"/>
+              </a:cxn>
+              <a:cxn ang="0">
+                <a:pos x="connsiteX1" y="connsiteY1"/>
+              </a:cxn>
+              <a:cxn ang="0">
+                <a:pos x="connsiteX2" y="connsiteY2"/>
+              </a:cxn>
+              <a:cxn ang="0">
+                <a:pos x="connsiteX3" y="connsiteY3"/>
+              </a:cxn>
+              <a:cxn ang="0">
+                <a:pos x="connsiteX4" y="connsiteY4"/>
+              </a:cxn>
+              <a:cxn ang="0">
+                <a:pos x="connsiteX5" y="connsiteY5"/>
+              </a:cxn>
+            </a:cxnLst>
+            <a:rect l="l" t="t" r="r" b="b"/>
+            <a:pathLst>
+              <a:path w="4277884" h="2583520">
+                <a:moveTo>
+                  <a:pt x="0" y="0"/>
+                </a:moveTo>
+                <a:lnTo>
+                  <a:pt x="4277884" y="0"/>
+                </a:lnTo>
+                <a:lnTo>
+                  <a:pt x="4277884" y="2583520"/>
+                </a:lnTo>
+                <a:lnTo>
+                  <a:pt x="1192437" y="2583520"/>
+                </a:lnTo>
+                <a:lnTo>
+                  <a:pt x="1188085" y="2574129"/>
+                </a:lnTo>
+                <a:lnTo>
+                  <a:pt x="1192715" y="2574129"/>
+                </a:lnTo>
+                <a:close/>
+              </a:path>
+            </a:pathLst>
+          </a:custGeom>
+        </p:spPr>
+      </p:pic>
+      <p:sp>
+        <p:nvSpPr>
+          <p:cNvPr id="6" name="Rectangle 5">
+            <a:extLst>
+              <a:ext uri="{FF2B5EF4-FFF2-40B4-BE49-F238E27FC236}">
+                <a16:creationId xmlns:a16="http://schemas.microsoft.com/office/drawing/2014/main" id="{A2901312-C3C2-4CEC-80EF-823AB4FBB726}"/>
+              </a:ext>
+            </a:extLst>
+          </p:cNvPr>
+          <p:cNvSpPr/>
+          <p:nvPr/>
+        </p:nvSpPr>
+        <p:spPr>
+          <a:xfrm>
+            <a:off x="-1" y="1608918"/>
+            <a:ext cx="12191999" cy="91160"/>
+          </a:xfrm>
+          <a:prstGeom prst="rect">
+            <a:avLst/>
+          </a:prstGeom>
+          <a:solidFill>
+            <a:schemeClr val="bg1"/>
+          </a:solidFill>
+          <a:ln>
+            <a:noFill/>
+          </a:ln>
+        </p:spPr>
+        <p:style>
+          <a:lnRef idx="2">
+            <a:schemeClr val="accent1">
+              <a:shade val="50000"/>
+            </a:schemeClr>
+          </a:lnRef>
+          <a:fillRef idx="1">
+            <a:schemeClr val="accent1"/>
+          </a:fillRef>
+          <a:effectRef idx="0">
+            <a:schemeClr val="accent1"/>
+          </a:effectRef>
+          <a:fontRef idx="minor">
+            <a:schemeClr val="lt1"/>
+          </a:fontRef>
+        </p:style>
+        <p:txBody>
+          <a:bodyPr rtlCol="0" anchor="ctr"/>
+          <a:lstStyle/>
+          <a:p>
+            <a:pPr algn="ctr"/>
+            <a:endParaRPr lang="en-US">
+              <a:solidFill>
+                <a:srgbClr val="DB5B5C"/>
+              </a:solidFill>
+            </a:endParaRPr>
+          </a:p>
+        </p:txBody>
+      </p:sp>
+      <p:sp>
+        <p:nvSpPr>
+          <p:cNvPr id="15" name="Rectangle 14">
+            <a:extLst>
+              <a:ext uri="{FF2B5EF4-FFF2-40B4-BE49-F238E27FC236}">
+                <a16:creationId xmlns:a16="http://schemas.microsoft.com/office/drawing/2014/main" id="{AD0A7C9C-CA2C-4B9B-A125-2D09D5573B44}"/>
+              </a:ext>
+            </a:extLst>
+          </p:cNvPr>
+          <p:cNvSpPr/>
+          <p:nvPr/>
+        </p:nvSpPr>
+        <p:spPr>
+          <a:xfrm>
+            <a:off x="1" y="6677247"/>
+            <a:ext cx="12191999" cy="190143"/>
+          </a:xfrm>
+          <a:prstGeom prst="rect">
+            <a:avLst/>
+          </a:prstGeom>
+          <a:solidFill>
+            <a:schemeClr val="bg1"/>
+          </a:solidFill>
+          <a:ln>
+            <a:noFill/>
+          </a:ln>
+        </p:spPr>
+        <p:style>
+          <a:lnRef idx="2">
+            <a:schemeClr val="accent1">
+              <a:shade val="50000"/>
+            </a:schemeClr>
+          </a:lnRef>
+          <a:fillRef idx="1">
+            <a:schemeClr val="accent1"/>
+          </a:fillRef>
+          <a:effectRef idx="0">
+            <a:schemeClr val="accent1"/>
+          </a:effectRef>
+          <a:fontRef idx="minor">
+            <a:schemeClr val="lt1"/>
+          </a:fontRef>
+        </p:style>
+        <p:txBody>
+          <a:bodyPr rtlCol="0" anchor="ctr"/>
+          <a:lstStyle/>
+          <a:p>
+            <a:pPr algn="ctr"/>
+            <a:endParaRPr lang="en-US">
+              <a:solidFill>
+                <a:srgbClr val="DB5B5C"/>
+              </a:solidFill>
+            </a:endParaRPr>
+          </a:p>
+        </p:txBody>
+      </p:sp>
+      <p:sp>
+        <p:nvSpPr>
+          <p:cNvPr id="16" name="Rectangle 15">
+            <a:extLst>
+              <a:ext uri="{FF2B5EF4-FFF2-40B4-BE49-F238E27FC236}">
+                <a16:creationId xmlns:a16="http://schemas.microsoft.com/office/drawing/2014/main" id="{74A085FC-1866-46D4-97F7-51AA45E48D4F}"/>
+              </a:ext>
+            </a:extLst>
+          </p:cNvPr>
+          <p:cNvSpPr/>
+          <p:nvPr/>
+        </p:nvSpPr>
+        <p:spPr>
+          <a:xfrm rot="4092292">
+            <a:off x="5790668" y="4094517"/>
+            <a:ext cx="5446699" cy="137038"/>
+          </a:xfrm>
+          <a:prstGeom prst="rect">
+            <a:avLst/>
+          </a:prstGeom>
+          <a:solidFill>
+            <a:schemeClr val="bg1"/>
+          </a:solidFill>
+          <a:ln>
+            <a:noFill/>
+          </a:ln>
+        </p:spPr>
+        <p:style>
+          <a:lnRef idx="2">
+            <a:schemeClr val="accent1">
+              <a:shade val="50000"/>
+            </a:schemeClr>
+          </a:lnRef>
+          <a:fillRef idx="1">
+            <a:schemeClr val="accent1"/>
+          </a:fillRef>
+          <a:effectRef idx="0">
+            <a:schemeClr val="accent1"/>
+          </a:effectRef>
+          <a:fontRef idx="minor">
+            <a:schemeClr val="lt1"/>
+          </a:fontRef>
+        </p:style>
+        <p:txBody>
+          <a:bodyPr rtlCol="0" anchor="ctr"/>
+          <a:lstStyle/>
+          <a:p>
+            <a:pPr algn="ctr"/>
+            <a:endParaRPr lang="en-US">
+              <a:solidFill>
+                <a:srgbClr val="DB5B5C"/>
+              </a:solidFill>
+            </a:endParaRPr>
+          </a:p>
+        </p:txBody>
+      </p:sp>
+    </p:spTree>
+    <p:extLst>
+      <p:ext uri="{BB962C8B-B14F-4D97-AF65-F5344CB8AC3E}">
+        <p14:creationId xmlns:p14="http://schemas.microsoft.com/office/powerpoint/2010/main" val="2310204880"/>
+      </p:ext>
+    </p:extLst>
+  </p:cSld>
+  <p:clrMapOvr>
+    <a:overrideClrMapping bg1="dk1" tx1="lt1" bg2="dk2" tx2="lt2" accent1="accent1" accent2="accent2" accent3="accent3" accent4="accent4" accent5="accent5" accent6="accent6" hlink="hlink" folHlink="folHlink"/>
+  </p:clrMapOvr>
+</p:sld>
+</file>
+
+<file path=ppt/slides/slide19.xml><?xml version="1.0" encoding="utf-8"?>
+<p:sld xmlns:a="http://schemas.openxmlformats.org/drawingml/2006/main" xmlns:r="http://schemas.openxmlformats.org/officeDocument/2006/relationships" xmlns:p="http://schemas.openxmlformats.org/presentationml/2006/main">
+  <p:cSld>
+    <p:bg>
+      <p:bgPr>
+        <a:solidFill>
+          <a:srgbClr val="395583"/>
+        </a:solidFill>
+        <a:effectLst/>
+      </p:bgPr>
+    </p:bg>
+    <p:spTree>
+      <p:nvGrpSpPr>
+        <p:cNvPr id="1" name=""/>
+        <p:cNvGrpSpPr/>
+        <p:nvPr/>
+      </p:nvGrpSpPr>
+      <p:grpSpPr>
+        <a:xfrm>
+          <a:off x="0" y="0"/>
+          <a:ext cx="0" cy="0"/>
+          <a:chOff x="0" y="0"/>
+          <a:chExt cx="0" cy="0"/>
+        </a:xfrm>
+      </p:grpSpPr>
+      <p:sp>
+        <p:nvSpPr>
+          <p:cNvPr id="25" name="Rectangle 24">
+            <a:extLst>
+              <a:ext uri="{FF2B5EF4-FFF2-40B4-BE49-F238E27FC236}">
+                <a16:creationId xmlns:a16="http://schemas.microsoft.com/office/drawing/2014/main" id="{A6792F05-2FD4-4F18-815E-15391E8B4A0E}"/>
+              </a:ext>
+              <a:ext uri="{C183D7F6-B498-43B3-948B-1728B52AA6E4}">
+                <adec:decorative xmlns:adec="http://schemas.microsoft.com/office/drawing/2017/decorative" val="1"/>
+              </a:ext>
+            </a:extLst>
+          </p:cNvPr>
+          <p:cNvSpPr>
+            <a:spLocks noGrp="1" noRot="1" noChangeAspect="1" noMove="1" noResize="1" noEditPoints="1" noAdjustHandles="1" noChangeArrowheads="1" noChangeShapeType="1" noTextEdit="1"/>
+          </p:cNvSpPr>
+          <p:nvPr>
+            <p:extLst>
+              <p:ext uri="{386F3935-93C4-4BCD-93E2-E3B085C9AB24}">
+                <p16:designElem xmlns:p16="http://schemas.microsoft.com/office/powerpoint/2015/main" val="1"/>
+              </p:ext>
+            </p:extLst>
+          </p:nvPr>
+        </p:nvSpPr>
+        <p:spPr>
+          <a:xfrm>
+            <a:off x="0" y="0"/>
+            <a:ext cx="12191999" cy="6858000"/>
+          </a:xfrm>
+          <a:prstGeom prst="rect">
+            <a:avLst/>
+          </a:prstGeom>
+          <a:solidFill>
+            <a:srgbClr val="395583"/>
+          </a:solidFill>
+          <a:ln>
+            <a:noFill/>
+          </a:ln>
+        </p:spPr>
+        <p:style>
+          <a:lnRef idx="2">
+            <a:schemeClr val="accent1">
+              <a:shade val="50000"/>
+            </a:schemeClr>
+          </a:lnRef>
+          <a:fillRef idx="1">
+            <a:schemeClr val="accent1"/>
+          </a:fillRef>
+          <a:effectRef idx="0">
+            <a:schemeClr val="accent1"/>
+          </a:effectRef>
+          <a:fontRef idx="minor">
+            <a:schemeClr val="lt1"/>
+          </a:fontRef>
+        </p:style>
+        <p:txBody>
+          <a:bodyPr rtlCol="0" anchor="ctr"/>
+          <a:lstStyle/>
+          <a:p>
+            <a:pPr algn="ctr"/>
+            <a:endParaRPr lang="en-US"/>
+          </a:p>
+        </p:txBody>
+      </p:sp>
+      <p:sp>
+        <p:nvSpPr>
+          <p:cNvPr id="2" name="Title 1">
+            <a:extLst>
+              <a:ext uri="{FF2B5EF4-FFF2-40B4-BE49-F238E27FC236}">
+                <a16:creationId xmlns:a16="http://schemas.microsoft.com/office/drawing/2014/main" id="{2589AFCC-0FF0-498C-B11F-8990DF0DAAA5}"/>
+              </a:ext>
+            </a:extLst>
+          </p:cNvPr>
+          <p:cNvSpPr>
+            <a:spLocks noGrp="1"/>
+          </p:cNvSpPr>
+          <p:nvPr>
+            <p:ph type="title"/>
+          </p:nvPr>
+        </p:nvSpPr>
+        <p:spPr>
+          <a:xfrm>
+            <a:off x="838200" y="365125"/>
+            <a:ext cx="10515600" cy="1325563"/>
+          </a:xfrm>
+        </p:spPr>
+        <p:txBody>
+          <a:bodyPr>
+            <a:normAutofit/>
+          </a:bodyPr>
+          <a:lstStyle/>
+          <a:p>
+            <a:r>
+              <a:rPr lang="en-US" b="1" dirty="0">
+                <a:latin typeface="Selawik Semibold" panose="020B0604020202020204" pitchFamily="34" charset="0"/>
+              </a:rPr>
+              <a:t>Your Industry Future</a:t>
+            </a:r>
+          </a:p>
+        </p:txBody>
+      </p:sp>
+      <p:sp>
+        <p:nvSpPr>
+          <p:cNvPr id="9" name="Content Placeholder 8">
+            <a:extLst>
+              <a:ext uri="{FF2B5EF4-FFF2-40B4-BE49-F238E27FC236}">
+                <a16:creationId xmlns:a16="http://schemas.microsoft.com/office/drawing/2014/main" id="{2D995594-59F2-4020-AB6F-751BAE84ADB3}"/>
+              </a:ext>
+            </a:extLst>
+          </p:cNvPr>
+          <p:cNvSpPr>
+            <a:spLocks noGrp="1"/>
+          </p:cNvSpPr>
+          <p:nvPr>
+            <p:ph idx="1"/>
+          </p:nvPr>
+        </p:nvSpPr>
+        <p:spPr>
+          <a:xfrm>
+            <a:off x="838199" y="2021248"/>
+            <a:ext cx="7102643" cy="4695905"/>
+          </a:xfrm>
+        </p:spPr>
+        <p:txBody>
+          <a:bodyPr>
+            <a:normAutofit/>
+          </a:bodyPr>
+          <a:lstStyle/>
+          <a:p>
+            <a:r>
+              <a:rPr lang="en-US" sz="2400" dirty="0">
+                <a:latin typeface="Selawik Semibold" panose="020B0702040204020203" pitchFamily="34" charset="0"/>
+              </a:rPr>
+              <a:t>Conferences </a:t>
+            </a:r>
+          </a:p>
+          <a:p>
+            <a:pPr marL="0" indent="0">
+              <a:buNone/>
+            </a:pPr>
+            <a:endParaRPr lang="en-US" sz="1100" dirty="0">
+              <a:latin typeface="Selawik Semibold" panose="020B0702040204020203" pitchFamily="34" charset="0"/>
+            </a:endParaRPr>
+          </a:p>
+          <a:p>
+            <a:pPr lvl="1"/>
+            <a:r>
+              <a:rPr lang="en-US" sz="2000" dirty="0">
+                <a:latin typeface="Selawik Semibold" panose="020B0702040204020203" pitchFamily="34" charset="0"/>
+              </a:rPr>
+              <a:t>September</a:t>
+            </a:r>
+          </a:p>
+          <a:p>
+            <a:pPr lvl="2"/>
+            <a:r>
+              <a:rPr lang="en-US" sz="1800" dirty="0">
+                <a:latin typeface="Selawik Semibold" panose="020B0702040204020203" pitchFamily="34" charset="0"/>
+              </a:rPr>
+              <a:t>Football Analytics and Performance Summit in Vienna </a:t>
+            </a:r>
+          </a:p>
+          <a:p>
+            <a:pPr lvl="2"/>
+            <a:r>
+              <a:rPr lang="en-US" sz="1800" dirty="0">
+                <a:latin typeface="Selawik Semibold" panose="020B0702040204020203" pitchFamily="34" charset="0"/>
+              </a:rPr>
+              <a:t>RIT Sports Analytics Conference in Rochester, NY</a:t>
+            </a:r>
+          </a:p>
+          <a:p>
+            <a:pPr lvl="2"/>
+            <a:r>
+              <a:rPr lang="en-US" sz="1800" dirty="0">
+                <a:latin typeface="Selawik Semibold" panose="020B0702040204020203" pitchFamily="34" charset="0"/>
+              </a:rPr>
+              <a:t>New England Symposium on Statistics in Sports in Cambridge, MA</a:t>
+            </a:r>
+          </a:p>
+          <a:p>
+            <a:pPr lvl="2"/>
+            <a:endParaRPr lang="en-US" sz="1600" dirty="0">
+              <a:latin typeface="Selawik Semibold" panose="020B0702040204020203" pitchFamily="34" charset="0"/>
+            </a:endParaRPr>
+          </a:p>
+          <a:p>
+            <a:pPr lvl="1"/>
+            <a:r>
+              <a:rPr lang="en-US" sz="2000" dirty="0">
+                <a:latin typeface="Selawik Semibold" panose="020B0702040204020203" pitchFamily="34" charset="0"/>
+              </a:rPr>
+              <a:t>October</a:t>
+            </a:r>
+          </a:p>
+          <a:p>
+            <a:pPr lvl="2"/>
+            <a:r>
+              <a:rPr lang="en-US" sz="1800" dirty="0">
+                <a:latin typeface="Selawik Semibold" panose="020B0702040204020203" pitchFamily="34" charset="0"/>
+              </a:rPr>
+              <a:t>Great Lakes Analytics Conference in Stevens Point, WI</a:t>
+            </a:r>
+          </a:p>
+          <a:p>
+            <a:pPr lvl="2"/>
+            <a:r>
+              <a:rPr lang="en-US" sz="1800" dirty="0">
+                <a:latin typeface="Selawik Semibold" panose="020B0702040204020203" pitchFamily="34" charset="0"/>
+              </a:rPr>
+              <a:t>Texas Sports Analytics Conference in Dallas</a:t>
+            </a:r>
+          </a:p>
+          <a:p>
+            <a:pPr lvl="2"/>
+            <a:r>
+              <a:rPr lang="en-US" sz="1800" dirty="0">
+                <a:latin typeface="Selawik Semibold" panose="020B0702040204020203" pitchFamily="34" charset="0"/>
+              </a:rPr>
+              <a:t>UConn Sports Analytics Conference in Storrs, CT</a:t>
+            </a:r>
+          </a:p>
+          <a:p>
+            <a:pPr lvl="2"/>
+            <a:r>
+              <a:rPr lang="en-US" sz="1800" dirty="0">
+                <a:latin typeface="Selawik Semibold" panose="020B0702040204020203" pitchFamily="34" charset="0"/>
+              </a:rPr>
+              <a:t>Japan Sports Analytics Conference in Tokyo</a:t>
+            </a:r>
+          </a:p>
+        </p:txBody>
+      </p:sp>
+      <p:pic>
+        <p:nvPicPr>
+          <p:cNvPr id="4" name="Picture 3" descr="A drawing of a cartoon character&#10;&#10;Description automatically generated">
+            <a:extLst>
+              <a:ext uri="{FF2B5EF4-FFF2-40B4-BE49-F238E27FC236}">
+                <a16:creationId xmlns:a16="http://schemas.microsoft.com/office/drawing/2014/main" id="{A7FDC859-D890-4904-9C64-27F43DA90453}"/>
+              </a:ext>
+            </a:extLst>
+          </p:cNvPr>
+          <p:cNvPicPr>
+            <a:picLocks noChangeAspect="1"/>
+          </p:cNvPicPr>
+          <p:nvPr/>
+        </p:nvPicPr>
+        <p:blipFill rotWithShape="1">
+          <a:blip r:embed="rId2">
+            <a:extLst>
+              <a:ext uri="{28A0092B-C50C-407E-A947-70E740481C1C}">
+                <a14:useLocalDpi xmlns:a14="http://schemas.microsoft.com/office/drawing/2010/main" val="0"/>
+              </a:ext>
+            </a:extLst>
+          </a:blip>
+          <a:srcRect t="5616" r="2" b="2"/>
+          <a:stretch/>
+        </p:blipFill>
+        <p:spPr>
+          <a:xfrm>
+            <a:off x="7471144" y="1700078"/>
+            <a:ext cx="4720855" cy="2583792"/>
+          </a:xfrm>
+          <a:custGeom>
+            <a:avLst/>
+            <a:gdLst>
+              <a:gd name="connsiteX0" fmla="*/ 0 w 5475077"/>
+              <a:gd name="connsiteY0" fmla="*/ 0 h 2583792"/>
+              <a:gd name="connsiteX1" fmla="*/ 5475077 w 5475077"/>
+              <a:gd name="connsiteY1" fmla="*/ 0 h 2583792"/>
+              <a:gd name="connsiteX2" fmla="*/ 5475077 w 5475077"/>
+              <a:gd name="connsiteY2" fmla="*/ 2583792 h 2583792"/>
+              <a:gd name="connsiteX3" fmla="*/ 1197192 w 5475077"/>
+              <a:gd name="connsiteY3" fmla="*/ 2583792 h 2583792"/>
+            </a:gdLst>
+            <a:ahLst/>
+            <a:cxnLst>
+              <a:cxn ang="0">
+                <a:pos x="connsiteX0" y="connsiteY0"/>
+              </a:cxn>
+              <a:cxn ang="0">
+                <a:pos x="connsiteX1" y="connsiteY1"/>
+              </a:cxn>
+              <a:cxn ang="0">
+                <a:pos x="connsiteX2" y="connsiteY2"/>
+              </a:cxn>
+              <a:cxn ang="0">
+                <a:pos x="connsiteX3" y="connsiteY3"/>
+              </a:cxn>
+            </a:cxnLst>
+            <a:rect l="l" t="t" r="r" b="b"/>
+            <a:pathLst>
+              <a:path w="5475077" h="2583792">
+                <a:moveTo>
+                  <a:pt x="0" y="0"/>
+                </a:moveTo>
+                <a:lnTo>
+                  <a:pt x="5475077" y="0"/>
+                </a:lnTo>
+                <a:lnTo>
+                  <a:pt x="5475077" y="2583792"/>
+                </a:lnTo>
+                <a:lnTo>
+                  <a:pt x="1197192" y="2583792"/>
+                </a:lnTo>
+                <a:close/>
+              </a:path>
+            </a:pathLst>
+          </a:custGeom>
+        </p:spPr>
+      </p:pic>
+      <p:pic>
+        <p:nvPicPr>
+          <p:cNvPr id="5" name="Content Placeholder 4" descr="A picture containing indoor&#10;&#10;Description automatically generated">
+            <a:extLst>
+              <a:ext uri="{FF2B5EF4-FFF2-40B4-BE49-F238E27FC236}">
+                <a16:creationId xmlns:a16="http://schemas.microsoft.com/office/drawing/2014/main" id="{A58F0E55-21F3-485B-A07F-1CE74177BDD2}"/>
+              </a:ext>
+            </a:extLst>
+          </p:cNvPr>
+          <p:cNvPicPr>
+            <a:picLocks noChangeAspect="1"/>
+          </p:cNvPicPr>
+          <p:nvPr/>
+        </p:nvPicPr>
+        <p:blipFill rotWithShape="1">
+          <a:blip r:embed="rId3">
+            <a:extLst>
+              <a:ext uri="{28A0092B-C50C-407E-A947-70E740481C1C}">
+                <a14:useLocalDpi xmlns:a14="http://schemas.microsoft.com/office/drawing/2010/main" val="0"/>
+              </a:ext>
+            </a:extLst>
+          </a:blip>
+          <a:srcRect t="5300" r="3" b="6859"/>
+          <a:stretch/>
+        </p:blipFill>
+        <p:spPr>
+          <a:xfrm>
+            <a:off x="8491869" y="4283870"/>
+            <a:ext cx="3700129" cy="2583520"/>
+          </a:xfrm>
+          <a:custGeom>
+            <a:avLst/>
+            <a:gdLst>
+              <a:gd name="connsiteX0" fmla="*/ 0 w 4277884"/>
+              <a:gd name="connsiteY0" fmla="*/ 0 h 2583520"/>
+              <a:gd name="connsiteX1" fmla="*/ 4277884 w 4277884"/>
+              <a:gd name="connsiteY1" fmla="*/ 0 h 2583520"/>
+              <a:gd name="connsiteX2" fmla="*/ 4277884 w 4277884"/>
+              <a:gd name="connsiteY2" fmla="*/ 2583520 h 2583520"/>
+              <a:gd name="connsiteX3" fmla="*/ 1192437 w 4277884"/>
+              <a:gd name="connsiteY3" fmla="*/ 2583520 h 2583520"/>
+              <a:gd name="connsiteX4" fmla="*/ 1188085 w 4277884"/>
+              <a:gd name="connsiteY4" fmla="*/ 2574129 h 2583520"/>
+              <a:gd name="connsiteX5" fmla="*/ 1192715 w 4277884"/>
+              <a:gd name="connsiteY5" fmla="*/ 2574129 h 2583520"/>
+            </a:gdLst>
+            <a:ahLst/>
+            <a:cxnLst>
+              <a:cxn ang="0">
+                <a:pos x="connsiteX0" y="connsiteY0"/>
+              </a:cxn>
+              <a:cxn ang="0">
+                <a:pos x="connsiteX1" y="connsiteY1"/>
+              </a:cxn>
+              <a:cxn ang="0">
+                <a:pos x="connsiteX2" y="connsiteY2"/>
+              </a:cxn>
+              <a:cxn ang="0">
+                <a:pos x="connsiteX3" y="connsiteY3"/>
+              </a:cxn>
+              <a:cxn ang="0">
+                <a:pos x="connsiteX4" y="connsiteY4"/>
+              </a:cxn>
+              <a:cxn ang="0">
+                <a:pos x="connsiteX5" y="connsiteY5"/>
+              </a:cxn>
+            </a:cxnLst>
+            <a:rect l="l" t="t" r="r" b="b"/>
+            <a:pathLst>
+              <a:path w="4277884" h="2583520">
+                <a:moveTo>
+                  <a:pt x="0" y="0"/>
+                </a:moveTo>
+                <a:lnTo>
+                  <a:pt x="4277884" y="0"/>
+                </a:lnTo>
+                <a:lnTo>
+                  <a:pt x="4277884" y="2583520"/>
+                </a:lnTo>
+                <a:lnTo>
+                  <a:pt x="1192437" y="2583520"/>
+                </a:lnTo>
+                <a:lnTo>
+                  <a:pt x="1188085" y="2574129"/>
+                </a:lnTo>
+                <a:lnTo>
+                  <a:pt x="1192715" y="2574129"/>
+                </a:lnTo>
+                <a:close/>
+              </a:path>
+            </a:pathLst>
+          </a:custGeom>
+        </p:spPr>
+      </p:pic>
+      <p:sp>
+        <p:nvSpPr>
+          <p:cNvPr id="6" name="Rectangle 5">
+            <a:extLst>
+              <a:ext uri="{FF2B5EF4-FFF2-40B4-BE49-F238E27FC236}">
+                <a16:creationId xmlns:a16="http://schemas.microsoft.com/office/drawing/2014/main" id="{A2901312-C3C2-4CEC-80EF-823AB4FBB726}"/>
+              </a:ext>
+            </a:extLst>
+          </p:cNvPr>
+          <p:cNvSpPr/>
+          <p:nvPr/>
+        </p:nvSpPr>
+        <p:spPr>
+          <a:xfrm>
+            <a:off x="-1" y="1608918"/>
+            <a:ext cx="12191999" cy="91160"/>
+          </a:xfrm>
+          <a:prstGeom prst="rect">
+            <a:avLst/>
+          </a:prstGeom>
+          <a:solidFill>
+            <a:schemeClr val="bg1"/>
+          </a:solidFill>
+          <a:ln>
+            <a:noFill/>
+          </a:ln>
+        </p:spPr>
+        <p:style>
+          <a:lnRef idx="2">
+            <a:schemeClr val="accent1">
+              <a:shade val="50000"/>
+            </a:schemeClr>
+          </a:lnRef>
+          <a:fillRef idx="1">
+            <a:schemeClr val="accent1"/>
+          </a:fillRef>
+          <a:effectRef idx="0">
+            <a:schemeClr val="accent1"/>
+          </a:effectRef>
+          <a:fontRef idx="minor">
+            <a:schemeClr val="lt1"/>
+          </a:fontRef>
+        </p:style>
+        <p:txBody>
+          <a:bodyPr rtlCol="0" anchor="ctr"/>
+          <a:lstStyle/>
+          <a:p>
+            <a:pPr algn="ctr"/>
+            <a:endParaRPr lang="en-US">
+              <a:solidFill>
+                <a:srgbClr val="DB5B5C"/>
+              </a:solidFill>
+            </a:endParaRPr>
+          </a:p>
+        </p:txBody>
+      </p:sp>
+      <p:sp>
+        <p:nvSpPr>
+          <p:cNvPr id="15" name="Rectangle 14">
+            <a:extLst>
+              <a:ext uri="{FF2B5EF4-FFF2-40B4-BE49-F238E27FC236}">
+                <a16:creationId xmlns:a16="http://schemas.microsoft.com/office/drawing/2014/main" id="{AD0A7C9C-CA2C-4B9B-A125-2D09D5573B44}"/>
+              </a:ext>
+            </a:extLst>
+          </p:cNvPr>
+          <p:cNvSpPr/>
+          <p:nvPr/>
+        </p:nvSpPr>
+        <p:spPr>
+          <a:xfrm>
+            <a:off x="1" y="6677247"/>
+            <a:ext cx="12191999" cy="190143"/>
+          </a:xfrm>
+          <a:prstGeom prst="rect">
+            <a:avLst/>
+          </a:prstGeom>
+          <a:solidFill>
+            <a:schemeClr val="bg1"/>
+          </a:solidFill>
+          <a:ln>
+            <a:noFill/>
+          </a:ln>
+        </p:spPr>
+        <p:style>
+          <a:lnRef idx="2">
+            <a:schemeClr val="accent1">
+              <a:shade val="50000"/>
+            </a:schemeClr>
+          </a:lnRef>
+          <a:fillRef idx="1">
+            <a:schemeClr val="accent1"/>
+          </a:fillRef>
+          <a:effectRef idx="0">
+            <a:schemeClr val="accent1"/>
+          </a:effectRef>
+          <a:fontRef idx="minor">
+            <a:schemeClr val="lt1"/>
+          </a:fontRef>
+        </p:style>
+        <p:txBody>
+          <a:bodyPr rtlCol="0" anchor="ctr"/>
+          <a:lstStyle/>
+          <a:p>
+            <a:pPr algn="ctr"/>
+            <a:endParaRPr lang="en-US">
+              <a:solidFill>
+                <a:srgbClr val="DB5B5C"/>
+              </a:solidFill>
+            </a:endParaRPr>
+          </a:p>
+        </p:txBody>
+      </p:sp>
+      <p:sp>
+        <p:nvSpPr>
+          <p:cNvPr id="16" name="Rectangle 15">
+            <a:extLst>
+              <a:ext uri="{FF2B5EF4-FFF2-40B4-BE49-F238E27FC236}">
+                <a16:creationId xmlns:a16="http://schemas.microsoft.com/office/drawing/2014/main" id="{74A085FC-1866-46D4-97F7-51AA45E48D4F}"/>
+              </a:ext>
+            </a:extLst>
+          </p:cNvPr>
+          <p:cNvSpPr/>
+          <p:nvPr/>
+        </p:nvSpPr>
+        <p:spPr>
+          <a:xfrm rot="4092292">
+            <a:off x="5790668" y="4094517"/>
+            <a:ext cx="5446699" cy="137038"/>
+          </a:xfrm>
+          <a:prstGeom prst="rect">
+            <a:avLst/>
+          </a:prstGeom>
+          <a:solidFill>
+            <a:schemeClr val="bg1"/>
+          </a:solidFill>
+          <a:ln>
+            <a:noFill/>
+          </a:ln>
+        </p:spPr>
+        <p:style>
+          <a:lnRef idx="2">
+            <a:schemeClr val="accent1">
+              <a:shade val="50000"/>
+            </a:schemeClr>
+          </a:lnRef>
+          <a:fillRef idx="1">
+            <a:schemeClr val="accent1"/>
+          </a:fillRef>
+          <a:effectRef idx="0">
+            <a:schemeClr val="accent1"/>
+          </a:effectRef>
+          <a:fontRef idx="minor">
+            <a:schemeClr val="lt1"/>
+          </a:fontRef>
+        </p:style>
+        <p:txBody>
+          <a:bodyPr rtlCol="0" anchor="ctr"/>
+          <a:lstStyle/>
+          <a:p>
+            <a:pPr algn="ctr"/>
+            <a:endParaRPr lang="en-US">
+              <a:solidFill>
+                <a:srgbClr val="DB5B5C"/>
+              </a:solidFill>
+            </a:endParaRPr>
+          </a:p>
+        </p:txBody>
+      </p:sp>
+      <p:sp>
+        <p:nvSpPr>
+          <p:cNvPr id="3" name="TextBox 2">
+            <a:extLst>
+              <a:ext uri="{FF2B5EF4-FFF2-40B4-BE49-F238E27FC236}">
+                <a16:creationId xmlns:a16="http://schemas.microsoft.com/office/drawing/2014/main" id="{8044F9F7-5205-4FC0-8642-6E1BDFC2171E}"/>
+              </a:ext>
+            </a:extLst>
+          </p:cNvPr>
+          <p:cNvSpPr txBox="1"/>
+          <p:nvPr/>
+        </p:nvSpPr>
+        <p:spPr>
+          <a:xfrm>
+            <a:off x="529389" y="6298525"/>
+            <a:ext cx="8713057" cy="400110"/>
+          </a:xfrm>
+          <a:prstGeom prst="rect">
+            <a:avLst/>
+          </a:prstGeom>
+          <a:noFill/>
+        </p:spPr>
+        <p:txBody>
+          <a:bodyPr wrap="square" rtlCol="0">
+            <a:spAutoFit/>
+          </a:bodyPr>
+          <a:lstStyle/>
+          <a:p>
+            <a:pPr algn="r"/>
+            <a:r>
+              <a:rPr lang="en-US" sz="2000" dirty="0"/>
+              <a:t>Compiled by statsheetstuffers.com and sportsanalyticsconferences.com</a:t>
+            </a:r>
+          </a:p>
+        </p:txBody>
+      </p:sp>
+    </p:spTree>
+    <p:extLst>
+      <p:ext uri="{BB962C8B-B14F-4D97-AF65-F5344CB8AC3E}">
+        <p14:creationId xmlns:p14="http://schemas.microsoft.com/office/powerpoint/2010/main" val="866404210"/>
+      </p:ext>
+    </p:extLst>
+  </p:cSld>
+  <p:clrMapOvr>
+    <a:overrideClrMapping bg1="dk1" tx1="lt1" bg2="dk2" tx2="lt2" accent1="accent1" accent2="accent2" accent3="accent3" accent4="accent4" accent5="accent5" accent6="accent6" hlink="hlink" folHlink="folHlink"/>
+  </p:clrMapOvr>
+</p:sld>
+</file>
+
+<file path=ppt/slides/slide2.xml><?xml version="1.0" encoding="utf-8"?>
+<p:sld xmlns:a="http://schemas.openxmlformats.org/drawingml/2006/main" xmlns:r="http://schemas.openxmlformats.org/officeDocument/2006/relationships" xmlns:p="http://schemas.openxmlformats.org/presentationml/2006/main">
+  <p:cSld>
+    <p:bg>
+      <p:bgPr>
+        <a:solidFill>
+          <a:srgbClr val="395583"/>
+        </a:solidFill>
+        <a:effectLst/>
+      </p:bgPr>
+    </p:bg>
+    <p:spTree>
+      <p:nvGrpSpPr>
+        <p:cNvPr id="1" name=""/>
+        <p:cNvGrpSpPr/>
+        <p:nvPr/>
+      </p:nvGrpSpPr>
+      <p:grpSpPr>
+        <a:xfrm>
+          <a:off x="0" y="0"/>
+          <a:ext cx="0" cy="0"/>
+          <a:chOff x="0" y="0"/>
+          <a:chExt cx="0" cy="0"/>
+        </a:xfrm>
+      </p:grpSpPr>
+      <p:sp>
+        <p:nvSpPr>
+          <p:cNvPr id="25" name="Rectangle 24">
+            <a:extLst>
+              <a:ext uri="{FF2B5EF4-FFF2-40B4-BE49-F238E27FC236}">
+                <a16:creationId xmlns:a16="http://schemas.microsoft.com/office/drawing/2014/main" id="{A6792F05-2FD4-4F18-815E-15391E8B4A0E}"/>
+              </a:ext>
+              <a:ext uri="{C183D7F6-B498-43B3-948B-1728B52AA6E4}">
+                <adec:decorative xmlns:adec="http://schemas.microsoft.com/office/drawing/2017/decorative" val="1"/>
+              </a:ext>
+            </a:extLst>
+          </p:cNvPr>
+          <p:cNvSpPr>
+            <a:spLocks noGrp="1" noRot="1" noChangeAspect="1" noMove="1" noResize="1" noEditPoints="1" noAdjustHandles="1" noChangeArrowheads="1" noChangeShapeType="1" noTextEdit="1"/>
+          </p:cNvSpPr>
+          <p:nvPr>
+            <p:extLst>
+              <p:ext uri="{386F3935-93C4-4BCD-93E2-E3B085C9AB24}">
+                <p16:designElem xmlns:p16="http://schemas.microsoft.com/office/powerpoint/2015/main" val="1"/>
+              </p:ext>
+            </p:extLst>
+          </p:nvPr>
+        </p:nvSpPr>
+        <p:spPr>
+          <a:xfrm>
+            <a:off x="0" y="0"/>
+            <a:ext cx="12191999" cy="6858000"/>
+          </a:xfrm>
+          <a:prstGeom prst="rect">
+            <a:avLst/>
+          </a:prstGeom>
+          <a:solidFill>
+            <a:srgbClr val="395583"/>
+          </a:solidFill>
+          <a:ln>
+            <a:noFill/>
+          </a:ln>
+        </p:spPr>
+        <p:style>
+          <a:lnRef idx="2">
+            <a:schemeClr val="accent1">
+              <a:shade val="50000"/>
+            </a:schemeClr>
+          </a:lnRef>
+          <a:fillRef idx="1">
+            <a:schemeClr val="accent1"/>
+          </a:fillRef>
+          <a:effectRef idx="0">
+            <a:schemeClr val="accent1"/>
+          </a:effectRef>
+          <a:fontRef idx="minor">
+            <a:schemeClr val="lt1"/>
+          </a:fontRef>
+        </p:style>
+        <p:txBody>
+          <a:bodyPr rtlCol="0" anchor="ctr"/>
+          <a:lstStyle/>
+          <a:p>
+            <a:pPr algn="ctr"/>
+            <a:endParaRPr lang="en-US"/>
+          </a:p>
+        </p:txBody>
+      </p:sp>
+      <p:sp>
+        <p:nvSpPr>
+          <p:cNvPr id="2" name="Title 1">
+            <a:extLst>
+              <a:ext uri="{FF2B5EF4-FFF2-40B4-BE49-F238E27FC236}">
+                <a16:creationId xmlns:a16="http://schemas.microsoft.com/office/drawing/2014/main" id="{2589AFCC-0FF0-498C-B11F-8990DF0DAAA5}"/>
+              </a:ext>
+            </a:extLst>
+          </p:cNvPr>
+          <p:cNvSpPr>
+            <a:spLocks noGrp="1"/>
+          </p:cNvSpPr>
+          <p:nvPr>
+            <p:ph type="title"/>
+          </p:nvPr>
+        </p:nvSpPr>
+        <p:spPr>
+          <a:xfrm>
+            <a:off x="838200" y="365125"/>
+            <a:ext cx="10515600" cy="1325563"/>
+          </a:xfrm>
+        </p:spPr>
+        <p:txBody>
+          <a:bodyPr>
+            <a:normAutofit/>
+          </a:bodyPr>
+          <a:lstStyle/>
+          <a:p>
+            <a:r>
+              <a:rPr lang="en-US" b="1" dirty="0">
+                <a:latin typeface="Selawik Semibold" panose="020B0604020202020204" pitchFamily="34" charset="0"/>
+              </a:rPr>
+              <a:t>Industry Past</a:t>
+            </a:r>
+          </a:p>
+        </p:txBody>
+      </p:sp>
+      <p:sp>
+        <p:nvSpPr>
+          <p:cNvPr id="9" name="Content Placeholder 8">
+            <a:extLst>
+              <a:ext uri="{FF2B5EF4-FFF2-40B4-BE49-F238E27FC236}">
+                <a16:creationId xmlns:a16="http://schemas.microsoft.com/office/drawing/2014/main" id="{2D995594-59F2-4020-AB6F-751BAE84ADB3}"/>
+              </a:ext>
+            </a:extLst>
+          </p:cNvPr>
+          <p:cNvSpPr>
+            <a:spLocks noGrp="1"/>
+          </p:cNvSpPr>
+          <p:nvPr>
+            <p:ph idx="1"/>
+          </p:nvPr>
+        </p:nvSpPr>
+        <p:spPr>
+          <a:xfrm>
+            <a:off x="838200" y="2021249"/>
+            <a:ext cx="6994712" cy="4155713"/>
+          </a:xfrm>
+        </p:spPr>
+        <p:txBody>
+          <a:bodyPr>
+            <a:normAutofit/>
+          </a:bodyPr>
+          <a:lstStyle/>
+          <a:p>
+            <a:r>
+              <a:rPr lang="en-US" sz="2400" dirty="0">
+                <a:latin typeface="Selawik Semibold" panose="020B0702040204020203" pitchFamily="34" charset="0"/>
+              </a:rPr>
+              <a:t>Sports Analytics Use Survey (2013)</a:t>
+            </a:r>
+          </a:p>
+          <a:p>
+            <a:endParaRPr lang="en-US" sz="2400" dirty="0">
+              <a:latin typeface="Selawik Semibold" panose="020B0702040204020203" pitchFamily="34" charset="0"/>
+            </a:endParaRPr>
+          </a:p>
+          <a:p>
+            <a:r>
+              <a:rPr lang="en-US" sz="2400" dirty="0">
+                <a:latin typeface="Selawik Semibold" panose="020B0702040204020203" pitchFamily="34" charset="0"/>
+              </a:rPr>
+              <a:t>Sample of 27 People</a:t>
+            </a:r>
+            <a:r>
+              <a:rPr lang="en-US" sz="2000" dirty="0">
+                <a:latin typeface="Selawik Semibold" panose="020B0702040204020203" pitchFamily="34" charset="0"/>
+              </a:rPr>
+              <a:t> </a:t>
+            </a:r>
+            <a:r>
+              <a:rPr lang="en-US" sz="2400" dirty="0">
+                <a:latin typeface="Selawik Semibold" panose="020B0702040204020203" pitchFamily="34" charset="0"/>
+              </a:rPr>
+              <a:t>(NFL, MLB, NBA, EPL)</a:t>
+            </a:r>
+          </a:p>
+          <a:p>
+            <a:endParaRPr lang="en-US" sz="2400" dirty="0">
+              <a:latin typeface="Selawik Semibold" panose="020B0702040204020203" pitchFamily="34" charset="0"/>
+            </a:endParaRPr>
+          </a:p>
+          <a:p>
+            <a:r>
+              <a:rPr lang="en-US" sz="2400" dirty="0">
+                <a:latin typeface="Selawik Semibold" panose="020B0702040204020203" pitchFamily="34" charset="0"/>
+              </a:rPr>
+              <a:t>How Many Different Sources?</a:t>
+            </a:r>
+          </a:p>
+          <a:p>
+            <a:pPr lvl="1"/>
+            <a:r>
+              <a:rPr lang="en-US" sz="2000" dirty="0">
+                <a:latin typeface="Selawik Semibold" panose="020B0702040204020203" pitchFamily="34" charset="0"/>
+              </a:rPr>
+              <a:t>1-2 (6.7%) </a:t>
+            </a:r>
+          </a:p>
+          <a:p>
+            <a:pPr lvl="1"/>
+            <a:r>
+              <a:rPr lang="en-US" sz="2000" dirty="0">
+                <a:latin typeface="Selawik Semibold" panose="020B0702040204020203" pitchFamily="34" charset="0"/>
+              </a:rPr>
+              <a:t>3-4 (33.3%) </a:t>
+            </a:r>
+          </a:p>
+          <a:p>
+            <a:pPr lvl="1"/>
+            <a:r>
+              <a:rPr lang="en-US" sz="2000" dirty="0">
+                <a:latin typeface="Selawik Semibold" panose="020B0702040204020203" pitchFamily="34" charset="0"/>
+              </a:rPr>
+              <a:t>5-6 (13.3%) </a:t>
+            </a:r>
+          </a:p>
+          <a:p>
+            <a:pPr lvl="1"/>
+            <a:r>
+              <a:rPr lang="en-US" sz="2000" dirty="0">
+                <a:latin typeface="Selawik Semibold" panose="020B0702040204020203" pitchFamily="34" charset="0"/>
+              </a:rPr>
+              <a:t>&gt;6 (46.71%) </a:t>
+            </a:r>
+          </a:p>
+        </p:txBody>
+      </p:sp>
+      <p:pic>
+        <p:nvPicPr>
+          <p:cNvPr id="4" name="Picture 3" descr="A drawing of a cartoon character&#10;&#10;Description automatically generated">
+            <a:extLst>
+              <a:ext uri="{FF2B5EF4-FFF2-40B4-BE49-F238E27FC236}">
+                <a16:creationId xmlns:a16="http://schemas.microsoft.com/office/drawing/2014/main" id="{A7FDC859-D890-4904-9C64-27F43DA90453}"/>
+              </a:ext>
+            </a:extLst>
+          </p:cNvPr>
+          <p:cNvPicPr>
+            <a:picLocks noChangeAspect="1"/>
+          </p:cNvPicPr>
+          <p:nvPr/>
+        </p:nvPicPr>
+        <p:blipFill rotWithShape="1">
+          <a:blip r:embed="rId2">
+            <a:extLst>
+              <a:ext uri="{28A0092B-C50C-407E-A947-70E740481C1C}">
+                <a14:useLocalDpi xmlns:a14="http://schemas.microsoft.com/office/drawing/2010/main" val="0"/>
+              </a:ext>
+            </a:extLst>
+          </a:blip>
+          <a:srcRect t="5616" r="2" b="2"/>
+          <a:stretch/>
+        </p:blipFill>
+        <p:spPr>
+          <a:xfrm>
+            <a:off x="7471144" y="1700078"/>
+            <a:ext cx="4720855" cy="2583792"/>
+          </a:xfrm>
+          <a:custGeom>
+            <a:avLst/>
+            <a:gdLst>
+              <a:gd name="connsiteX0" fmla="*/ 0 w 5475077"/>
+              <a:gd name="connsiteY0" fmla="*/ 0 h 2583792"/>
+              <a:gd name="connsiteX1" fmla="*/ 5475077 w 5475077"/>
+              <a:gd name="connsiteY1" fmla="*/ 0 h 2583792"/>
+              <a:gd name="connsiteX2" fmla="*/ 5475077 w 5475077"/>
+              <a:gd name="connsiteY2" fmla="*/ 2583792 h 2583792"/>
+              <a:gd name="connsiteX3" fmla="*/ 1197192 w 5475077"/>
+              <a:gd name="connsiteY3" fmla="*/ 2583792 h 2583792"/>
+            </a:gdLst>
+            <a:ahLst/>
+            <a:cxnLst>
+              <a:cxn ang="0">
+                <a:pos x="connsiteX0" y="connsiteY0"/>
+              </a:cxn>
+              <a:cxn ang="0">
+                <a:pos x="connsiteX1" y="connsiteY1"/>
+              </a:cxn>
+              <a:cxn ang="0">
+                <a:pos x="connsiteX2" y="connsiteY2"/>
+              </a:cxn>
+              <a:cxn ang="0">
+                <a:pos x="connsiteX3" y="connsiteY3"/>
+              </a:cxn>
+            </a:cxnLst>
+            <a:rect l="l" t="t" r="r" b="b"/>
+            <a:pathLst>
+              <a:path w="5475077" h="2583792">
+                <a:moveTo>
+                  <a:pt x="0" y="0"/>
+                </a:moveTo>
+                <a:lnTo>
+                  <a:pt x="5475077" y="0"/>
+                </a:lnTo>
+                <a:lnTo>
+                  <a:pt x="5475077" y="2583792"/>
+                </a:lnTo>
+                <a:lnTo>
+                  <a:pt x="1197192" y="2583792"/>
+                </a:lnTo>
+                <a:close/>
+              </a:path>
+            </a:pathLst>
+          </a:custGeom>
+        </p:spPr>
+      </p:pic>
+      <p:pic>
+        <p:nvPicPr>
+          <p:cNvPr id="5" name="Content Placeholder 4" descr="A picture containing indoor&#10;&#10;Description automatically generated">
+            <a:extLst>
+              <a:ext uri="{FF2B5EF4-FFF2-40B4-BE49-F238E27FC236}">
+                <a16:creationId xmlns:a16="http://schemas.microsoft.com/office/drawing/2014/main" id="{A58F0E55-21F3-485B-A07F-1CE74177BDD2}"/>
+              </a:ext>
+            </a:extLst>
+          </p:cNvPr>
+          <p:cNvPicPr>
+            <a:picLocks noChangeAspect="1"/>
+          </p:cNvPicPr>
+          <p:nvPr/>
+        </p:nvPicPr>
+        <p:blipFill rotWithShape="1">
+          <a:blip r:embed="rId3">
+            <a:extLst>
+              <a:ext uri="{28A0092B-C50C-407E-A947-70E740481C1C}">
+                <a14:useLocalDpi xmlns:a14="http://schemas.microsoft.com/office/drawing/2010/main" val="0"/>
+              </a:ext>
+            </a:extLst>
+          </a:blip>
+          <a:srcRect t="5300" r="3" b="6859"/>
+          <a:stretch/>
+        </p:blipFill>
+        <p:spPr>
+          <a:xfrm>
+            <a:off x="8491869" y="4283870"/>
+            <a:ext cx="3700129" cy="2583520"/>
+          </a:xfrm>
+          <a:custGeom>
+            <a:avLst/>
+            <a:gdLst>
+              <a:gd name="connsiteX0" fmla="*/ 0 w 4277884"/>
+              <a:gd name="connsiteY0" fmla="*/ 0 h 2583520"/>
+              <a:gd name="connsiteX1" fmla="*/ 4277884 w 4277884"/>
+              <a:gd name="connsiteY1" fmla="*/ 0 h 2583520"/>
+              <a:gd name="connsiteX2" fmla="*/ 4277884 w 4277884"/>
+              <a:gd name="connsiteY2" fmla="*/ 2583520 h 2583520"/>
+              <a:gd name="connsiteX3" fmla="*/ 1192437 w 4277884"/>
+              <a:gd name="connsiteY3" fmla="*/ 2583520 h 2583520"/>
+              <a:gd name="connsiteX4" fmla="*/ 1188085 w 4277884"/>
+              <a:gd name="connsiteY4" fmla="*/ 2574129 h 2583520"/>
+              <a:gd name="connsiteX5" fmla="*/ 1192715 w 4277884"/>
+              <a:gd name="connsiteY5" fmla="*/ 2574129 h 2583520"/>
+            </a:gdLst>
+            <a:ahLst/>
+            <a:cxnLst>
+              <a:cxn ang="0">
+                <a:pos x="connsiteX0" y="connsiteY0"/>
+              </a:cxn>
+              <a:cxn ang="0">
+                <a:pos x="connsiteX1" y="connsiteY1"/>
+              </a:cxn>
+              <a:cxn ang="0">
+                <a:pos x="connsiteX2" y="connsiteY2"/>
+              </a:cxn>
+              <a:cxn ang="0">
+                <a:pos x="connsiteX3" y="connsiteY3"/>
+              </a:cxn>
+              <a:cxn ang="0">
+                <a:pos x="connsiteX4" y="connsiteY4"/>
+              </a:cxn>
+              <a:cxn ang="0">
+                <a:pos x="connsiteX5" y="connsiteY5"/>
+              </a:cxn>
+            </a:cxnLst>
+            <a:rect l="l" t="t" r="r" b="b"/>
+            <a:pathLst>
+              <a:path w="4277884" h="2583520">
+                <a:moveTo>
+                  <a:pt x="0" y="0"/>
+                </a:moveTo>
+                <a:lnTo>
+                  <a:pt x="4277884" y="0"/>
+                </a:lnTo>
+                <a:lnTo>
+                  <a:pt x="4277884" y="2583520"/>
+                </a:lnTo>
+                <a:lnTo>
+                  <a:pt x="1192437" y="2583520"/>
+                </a:lnTo>
+                <a:lnTo>
+                  <a:pt x="1188085" y="2574129"/>
+                </a:lnTo>
+                <a:lnTo>
+                  <a:pt x="1192715" y="2574129"/>
+                </a:lnTo>
+                <a:close/>
+              </a:path>
+            </a:pathLst>
+          </a:custGeom>
+        </p:spPr>
+      </p:pic>
+      <p:sp>
+        <p:nvSpPr>
+          <p:cNvPr id="6" name="Rectangle 5">
+            <a:extLst>
+              <a:ext uri="{FF2B5EF4-FFF2-40B4-BE49-F238E27FC236}">
+                <a16:creationId xmlns:a16="http://schemas.microsoft.com/office/drawing/2014/main" id="{A2901312-C3C2-4CEC-80EF-823AB4FBB726}"/>
+              </a:ext>
+            </a:extLst>
+          </p:cNvPr>
+          <p:cNvSpPr/>
+          <p:nvPr/>
+        </p:nvSpPr>
+        <p:spPr>
+          <a:xfrm>
+            <a:off x="-1" y="1608918"/>
+            <a:ext cx="12191999" cy="91160"/>
+          </a:xfrm>
+          <a:prstGeom prst="rect">
+            <a:avLst/>
+          </a:prstGeom>
+          <a:solidFill>
+            <a:schemeClr val="bg1"/>
+          </a:solidFill>
+          <a:ln>
+            <a:noFill/>
+          </a:ln>
+        </p:spPr>
+        <p:style>
+          <a:lnRef idx="2">
+            <a:schemeClr val="accent1">
+              <a:shade val="50000"/>
+            </a:schemeClr>
+          </a:lnRef>
+          <a:fillRef idx="1">
+            <a:schemeClr val="accent1"/>
+          </a:fillRef>
+          <a:effectRef idx="0">
+            <a:schemeClr val="accent1"/>
+          </a:effectRef>
+          <a:fontRef idx="minor">
+            <a:schemeClr val="lt1"/>
+          </a:fontRef>
+        </p:style>
+        <p:txBody>
+          <a:bodyPr rtlCol="0" anchor="ctr"/>
+          <a:lstStyle/>
+          <a:p>
+            <a:pPr algn="ctr"/>
+            <a:endParaRPr lang="en-US">
+              <a:solidFill>
+                <a:srgbClr val="DB5B5C"/>
+              </a:solidFill>
+            </a:endParaRPr>
+          </a:p>
+        </p:txBody>
+      </p:sp>
+      <p:sp>
+        <p:nvSpPr>
+          <p:cNvPr id="15" name="Rectangle 14">
+            <a:extLst>
+              <a:ext uri="{FF2B5EF4-FFF2-40B4-BE49-F238E27FC236}">
+                <a16:creationId xmlns:a16="http://schemas.microsoft.com/office/drawing/2014/main" id="{AD0A7C9C-CA2C-4B9B-A125-2D09D5573B44}"/>
+              </a:ext>
+            </a:extLst>
+          </p:cNvPr>
+          <p:cNvSpPr/>
+          <p:nvPr/>
+        </p:nvSpPr>
+        <p:spPr>
+          <a:xfrm>
+            <a:off x="1" y="6677247"/>
+            <a:ext cx="12191999" cy="190143"/>
+          </a:xfrm>
+          <a:prstGeom prst="rect">
+            <a:avLst/>
+          </a:prstGeom>
+          <a:solidFill>
+            <a:schemeClr val="bg1"/>
+          </a:solidFill>
+          <a:ln>
+            <a:noFill/>
+          </a:ln>
+        </p:spPr>
+        <p:style>
+          <a:lnRef idx="2">
+            <a:schemeClr val="accent1">
+              <a:shade val="50000"/>
+            </a:schemeClr>
+          </a:lnRef>
+          <a:fillRef idx="1">
+            <a:schemeClr val="accent1"/>
+          </a:fillRef>
+          <a:effectRef idx="0">
+            <a:schemeClr val="accent1"/>
+          </a:effectRef>
+          <a:fontRef idx="minor">
+            <a:schemeClr val="lt1"/>
+          </a:fontRef>
+        </p:style>
+        <p:txBody>
+          <a:bodyPr rtlCol="0" anchor="ctr"/>
+          <a:lstStyle/>
+          <a:p>
+            <a:pPr algn="ctr"/>
+            <a:endParaRPr lang="en-US">
+              <a:solidFill>
+                <a:srgbClr val="DB5B5C"/>
+              </a:solidFill>
+            </a:endParaRPr>
+          </a:p>
+        </p:txBody>
+      </p:sp>
+      <p:sp>
+        <p:nvSpPr>
+          <p:cNvPr id="16" name="Rectangle 15">
+            <a:extLst>
+              <a:ext uri="{FF2B5EF4-FFF2-40B4-BE49-F238E27FC236}">
+                <a16:creationId xmlns:a16="http://schemas.microsoft.com/office/drawing/2014/main" id="{74A085FC-1866-46D4-97F7-51AA45E48D4F}"/>
+              </a:ext>
+            </a:extLst>
+          </p:cNvPr>
+          <p:cNvSpPr/>
+          <p:nvPr/>
+        </p:nvSpPr>
+        <p:spPr>
+          <a:xfrm rot="4092292">
+            <a:off x="5790668" y="4094517"/>
+            <a:ext cx="5446699" cy="137038"/>
+          </a:xfrm>
+          <a:prstGeom prst="rect">
+            <a:avLst/>
+          </a:prstGeom>
+          <a:solidFill>
+            <a:schemeClr val="bg1"/>
+          </a:solidFill>
+          <a:ln>
+            <a:noFill/>
+          </a:ln>
+        </p:spPr>
+        <p:style>
+          <a:lnRef idx="2">
+            <a:schemeClr val="accent1">
+              <a:shade val="50000"/>
+            </a:schemeClr>
+          </a:lnRef>
+          <a:fillRef idx="1">
+            <a:schemeClr val="accent1"/>
+          </a:fillRef>
+          <a:effectRef idx="0">
+            <a:schemeClr val="accent1"/>
+          </a:effectRef>
+          <a:fontRef idx="minor">
+            <a:schemeClr val="lt1"/>
+          </a:fontRef>
+        </p:style>
+        <p:txBody>
+          <a:bodyPr rtlCol="0" anchor="ctr"/>
+          <a:lstStyle/>
+          <a:p>
+            <a:pPr algn="ctr"/>
+            <a:endParaRPr lang="en-US">
+              <a:solidFill>
+                <a:srgbClr val="DB5B5C"/>
+              </a:solidFill>
+            </a:endParaRPr>
+          </a:p>
+        </p:txBody>
+      </p:sp>
+    </p:spTree>
+    <p:extLst>
+      <p:ext uri="{BB962C8B-B14F-4D97-AF65-F5344CB8AC3E}">
+        <p14:creationId xmlns:p14="http://schemas.microsoft.com/office/powerpoint/2010/main" val="1770409084"/>
+      </p:ext>
+    </p:extLst>
+  </p:cSld>
+  <p:clrMapOvr>
+    <a:overrideClrMapping bg1="dk1" tx1="lt1" bg2="dk2" tx2="lt2" accent1="accent1" accent2="accent2" accent3="accent3" accent4="accent4" accent5="accent5" accent6="accent6" hlink="hlink" folHlink="folHlink"/>
+  </p:clrMapOvr>
+</p:sld>
+</file>
+
+<file path=ppt/slides/slide20.xml><?xml version="1.0" encoding="utf-8"?>
+<p:sld xmlns:a="http://schemas.openxmlformats.org/drawingml/2006/main" xmlns:r="http://schemas.openxmlformats.org/officeDocument/2006/relationships" xmlns:p="http://schemas.openxmlformats.org/presentationml/2006/main">
+  <p:cSld>
+    <p:bg>
+      <p:bgPr>
+        <a:solidFill>
+          <a:srgbClr val="395583"/>
+        </a:solidFill>
+        <a:effectLst/>
+      </p:bgPr>
+    </p:bg>
+    <p:spTree>
+      <p:nvGrpSpPr>
+        <p:cNvPr id="1" name=""/>
+        <p:cNvGrpSpPr/>
+        <p:nvPr/>
+      </p:nvGrpSpPr>
+      <p:grpSpPr>
+        <a:xfrm>
+          <a:off x="0" y="0"/>
+          <a:ext cx="0" cy="0"/>
+          <a:chOff x="0" y="0"/>
+          <a:chExt cx="0" cy="0"/>
+        </a:xfrm>
+      </p:grpSpPr>
+      <p:sp>
+        <p:nvSpPr>
+          <p:cNvPr id="25" name="Rectangle 24">
+            <a:extLst>
+              <a:ext uri="{FF2B5EF4-FFF2-40B4-BE49-F238E27FC236}">
+                <a16:creationId xmlns:a16="http://schemas.microsoft.com/office/drawing/2014/main" id="{A6792F05-2FD4-4F18-815E-15391E8B4A0E}"/>
+              </a:ext>
+              <a:ext uri="{C183D7F6-B498-43B3-948B-1728B52AA6E4}">
+                <adec:decorative xmlns:adec="http://schemas.microsoft.com/office/drawing/2017/decorative" val="1"/>
+              </a:ext>
+            </a:extLst>
+          </p:cNvPr>
+          <p:cNvSpPr>
+            <a:spLocks noGrp="1" noRot="1" noChangeAspect="1" noMove="1" noResize="1" noEditPoints="1" noAdjustHandles="1" noChangeArrowheads="1" noChangeShapeType="1" noTextEdit="1"/>
+          </p:cNvSpPr>
+          <p:nvPr>
+            <p:extLst>
+              <p:ext uri="{386F3935-93C4-4BCD-93E2-E3B085C9AB24}">
+                <p16:designElem xmlns:p16="http://schemas.microsoft.com/office/powerpoint/2015/main" val="1"/>
+              </p:ext>
+            </p:extLst>
+          </p:nvPr>
+        </p:nvSpPr>
+        <p:spPr>
+          <a:xfrm>
+            <a:off x="0" y="0"/>
+            <a:ext cx="12191999" cy="6858000"/>
+          </a:xfrm>
+          <a:prstGeom prst="rect">
+            <a:avLst/>
+          </a:prstGeom>
+          <a:solidFill>
+            <a:srgbClr val="395583"/>
+          </a:solidFill>
+          <a:ln>
+            <a:noFill/>
+          </a:ln>
+        </p:spPr>
+        <p:style>
+          <a:lnRef idx="2">
+            <a:schemeClr val="accent1">
+              <a:shade val="50000"/>
+            </a:schemeClr>
+          </a:lnRef>
+          <a:fillRef idx="1">
+            <a:schemeClr val="accent1"/>
+          </a:fillRef>
+          <a:effectRef idx="0">
+            <a:schemeClr val="accent1"/>
+          </a:effectRef>
+          <a:fontRef idx="minor">
+            <a:schemeClr val="lt1"/>
+          </a:fontRef>
+        </p:style>
+        <p:txBody>
+          <a:bodyPr rtlCol="0" anchor="ctr"/>
+          <a:lstStyle/>
+          <a:p>
+            <a:pPr algn="ctr"/>
+            <a:endParaRPr lang="en-US"/>
+          </a:p>
+        </p:txBody>
+      </p:sp>
+      <p:sp>
+        <p:nvSpPr>
+          <p:cNvPr id="2" name="Title 1">
+            <a:extLst>
+              <a:ext uri="{FF2B5EF4-FFF2-40B4-BE49-F238E27FC236}">
+                <a16:creationId xmlns:a16="http://schemas.microsoft.com/office/drawing/2014/main" id="{2589AFCC-0FF0-498C-B11F-8990DF0DAAA5}"/>
+              </a:ext>
+            </a:extLst>
+          </p:cNvPr>
+          <p:cNvSpPr>
+            <a:spLocks noGrp="1"/>
+          </p:cNvSpPr>
+          <p:nvPr>
+            <p:ph type="title"/>
+          </p:nvPr>
+        </p:nvSpPr>
+        <p:spPr>
+          <a:xfrm>
+            <a:off x="838200" y="365125"/>
+            <a:ext cx="10515600" cy="1325563"/>
+          </a:xfrm>
+        </p:spPr>
+        <p:txBody>
+          <a:bodyPr>
+            <a:normAutofit/>
+          </a:bodyPr>
+          <a:lstStyle/>
+          <a:p>
+            <a:r>
+              <a:rPr lang="en-US" b="1" dirty="0">
+                <a:latin typeface="Selawik Semibold" panose="020B0604020202020204" pitchFamily="34" charset="0"/>
+              </a:rPr>
+              <a:t>Your Industry Future</a:t>
+            </a:r>
+          </a:p>
+        </p:txBody>
+      </p:sp>
+      <p:sp>
+        <p:nvSpPr>
+          <p:cNvPr id="9" name="Content Placeholder 8">
+            <a:extLst>
+              <a:ext uri="{FF2B5EF4-FFF2-40B4-BE49-F238E27FC236}">
+                <a16:creationId xmlns:a16="http://schemas.microsoft.com/office/drawing/2014/main" id="{2D995594-59F2-4020-AB6F-751BAE84ADB3}"/>
+              </a:ext>
+            </a:extLst>
+          </p:cNvPr>
+          <p:cNvSpPr>
+            <a:spLocks noGrp="1"/>
+          </p:cNvSpPr>
+          <p:nvPr>
+            <p:ph idx="1"/>
+          </p:nvPr>
+        </p:nvSpPr>
+        <p:spPr>
+          <a:xfrm>
+            <a:off x="838199" y="2021248"/>
+            <a:ext cx="7547812" cy="4695905"/>
+          </a:xfrm>
+        </p:spPr>
+        <p:txBody>
+          <a:bodyPr>
+            <a:normAutofit/>
+          </a:bodyPr>
+          <a:lstStyle/>
+          <a:p>
+            <a:r>
+              <a:rPr lang="en-US" sz="2400" dirty="0">
+                <a:latin typeface="Selawik Semibold" panose="020B0702040204020203" pitchFamily="34" charset="0"/>
+              </a:rPr>
+              <a:t>Conferences</a:t>
+            </a:r>
+          </a:p>
+          <a:p>
+            <a:pPr marL="0" indent="0">
+              <a:buNone/>
+            </a:pPr>
+            <a:endParaRPr lang="en-US" sz="800" dirty="0">
+              <a:latin typeface="Selawik Semibold" panose="020B0702040204020203" pitchFamily="34" charset="0"/>
+            </a:endParaRPr>
+          </a:p>
+          <a:p>
+            <a:pPr lvl="1"/>
+            <a:r>
+              <a:rPr lang="en-US" sz="2000" dirty="0">
+                <a:latin typeface="Selawik Semibold" panose="020B0702040204020203" pitchFamily="34" charset="0"/>
+              </a:rPr>
+              <a:t>November</a:t>
+            </a:r>
+          </a:p>
+          <a:p>
+            <a:pPr lvl="2"/>
+            <a:r>
+              <a:rPr lang="en-US" sz="1800" dirty="0">
+                <a:latin typeface="Selawik Semibold" panose="020B0702040204020203" pitchFamily="34" charset="0"/>
+              </a:rPr>
+              <a:t>Carnegie Mellon Sports Analytics Conference in Pittsburgh, PA</a:t>
+            </a:r>
+          </a:p>
+          <a:p>
+            <a:pPr lvl="2"/>
+            <a:r>
+              <a:rPr lang="en-US" sz="1800" dirty="0">
+                <a:latin typeface="Selawik Semibold" panose="020B0702040204020203" pitchFamily="34" charset="0"/>
+              </a:rPr>
+              <a:t>Ottawa Hockey Analytics at Carleton in Ottawa</a:t>
+            </a:r>
+          </a:p>
+          <a:p>
+            <a:pPr lvl="2"/>
+            <a:r>
+              <a:rPr lang="en-US" sz="1800" dirty="0">
+                <a:latin typeface="Selawik Semibold" panose="020B0702040204020203" pitchFamily="34" charset="0"/>
+              </a:rPr>
+              <a:t>Midwest Sports Analytics Meeting in </a:t>
+            </a:r>
+            <a:r>
+              <a:rPr lang="en-US" sz="1800" dirty="0" err="1">
+                <a:latin typeface="Selawik Semibold" panose="020B0702040204020203" pitchFamily="34" charset="0"/>
+              </a:rPr>
+              <a:t>Pelle</a:t>
+            </a:r>
+            <a:r>
+              <a:rPr lang="en-US" sz="1800" dirty="0">
+                <a:latin typeface="Selawik Semibold" panose="020B0702040204020203" pitchFamily="34" charset="0"/>
+              </a:rPr>
+              <a:t>, IA</a:t>
+            </a:r>
+          </a:p>
+          <a:p>
+            <a:pPr lvl="2"/>
+            <a:r>
+              <a:rPr lang="en-US" sz="1800" dirty="0">
+                <a:latin typeface="Selawik Semibold" panose="020B0702040204020203" pitchFamily="34" charset="0"/>
+              </a:rPr>
+              <a:t>United Kingdom Sports Analytics Conference in London</a:t>
+            </a:r>
+          </a:p>
+          <a:p>
+            <a:pPr marL="914400" lvl="2" indent="0">
+              <a:buNone/>
+            </a:pPr>
+            <a:endParaRPr lang="en-US" sz="800" dirty="0">
+              <a:latin typeface="Selawik Semibold" panose="020B0702040204020203" pitchFamily="34" charset="0"/>
+            </a:endParaRPr>
+          </a:p>
+          <a:p>
+            <a:pPr lvl="1"/>
+            <a:r>
+              <a:rPr lang="en-US" sz="2000" dirty="0">
+                <a:latin typeface="Selawik Semibold" panose="020B0702040204020203" pitchFamily="34" charset="0"/>
+              </a:rPr>
+              <a:t>December</a:t>
+            </a:r>
+          </a:p>
+          <a:p>
+            <a:pPr lvl="2"/>
+            <a:r>
+              <a:rPr lang="en-US" sz="1800" dirty="0">
+                <a:latin typeface="Selawik Semibold" panose="020B0702040204020203" pitchFamily="34" charset="0"/>
+              </a:rPr>
+              <a:t>Midwest Sports Biometrics Conference in San </a:t>
+            </a:r>
+            <a:r>
+              <a:rPr lang="en-US" sz="1800" dirty="0" err="1">
+                <a:latin typeface="Selawik Semibold" panose="020B0702040204020203" pitchFamily="34" charset="0"/>
+              </a:rPr>
+              <a:t>Francisco,CA</a:t>
+            </a:r>
+            <a:endParaRPr lang="en-US" sz="1800" dirty="0">
+              <a:latin typeface="Selawik Semibold" panose="020B0702040204020203" pitchFamily="34" charset="0"/>
+            </a:endParaRPr>
+          </a:p>
+          <a:p>
+            <a:pPr marL="914400" lvl="2" indent="0">
+              <a:buNone/>
+            </a:pPr>
+            <a:endParaRPr lang="en-US" sz="800" dirty="0">
+              <a:latin typeface="Selawik Semibold" panose="020B0702040204020203" pitchFamily="34" charset="0"/>
+            </a:endParaRPr>
+          </a:p>
+          <a:p>
+            <a:pPr lvl="1"/>
+            <a:r>
+              <a:rPr lang="en-US" sz="2200" dirty="0">
+                <a:latin typeface="Selawik Semibold" panose="020B0702040204020203" pitchFamily="34" charset="0"/>
+              </a:rPr>
+              <a:t>March</a:t>
+            </a:r>
+          </a:p>
+          <a:p>
+            <a:pPr lvl="2"/>
+            <a:r>
+              <a:rPr lang="en-US" sz="1800" dirty="0">
+                <a:latin typeface="Selawik Semibold" panose="020B0702040204020203" pitchFamily="34" charset="0"/>
+              </a:rPr>
+              <a:t>MIT Sloan Sports Analytics Conference in Boston, MA</a:t>
+            </a:r>
+          </a:p>
+          <a:p>
+            <a:endParaRPr lang="en-US" sz="2600" dirty="0">
+              <a:latin typeface="Selawik Semibold" panose="020B0702040204020203" pitchFamily="34" charset="0"/>
+            </a:endParaRPr>
+          </a:p>
+        </p:txBody>
+      </p:sp>
+      <p:pic>
+        <p:nvPicPr>
+          <p:cNvPr id="4" name="Picture 3" descr="A drawing of a cartoon character&#10;&#10;Description automatically generated">
+            <a:extLst>
+              <a:ext uri="{FF2B5EF4-FFF2-40B4-BE49-F238E27FC236}">
+                <a16:creationId xmlns:a16="http://schemas.microsoft.com/office/drawing/2014/main" id="{A7FDC859-D890-4904-9C64-27F43DA90453}"/>
+              </a:ext>
+            </a:extLst>
+          </p:cNvPr>
+          <p:cNvPicPr>
+            <a:picLocks noChangeAspect="1"/>
+          </p:cNvPicPr>
+          <p:nvPr/>
+        </p:nvPicPr>
+        <p:blipFill rotWithShape="1">
+          <a:blip r:embed="rId2">
+            <a:extLst>
+              <a:ext uri="{28A0092B-C50C-407E-A947-70E740481C1C}">
+                <a14:useLocalDpi xmlns:a14="http://schemas.microsoft.com/office/drawing/2010/main" val="0"/>
+              </a:ext>
+            </a:extLst>
+          </a:blip>
+          <a:srcRect t="5616" r="2" b="2"/>
+          <a:stretch/>
+        </p:blipFill>
+        <p:spPr>
+          <a:xfrm>
+            <a:off x="7471144" y="1700078"/>
+            <a:ext cx="4720855" cy="2583792"/>
+          </a:xfrm>
+          <a:custGeom>
+            <a:avLst/>
+            <a:gdLst>
+              <a:gd name="connsiteX0" fmla="*/ 0 w 5475077"/>
+              <a:gd name="connsiteY0" fmla="*/ 0 h 2583792"/>
+              <a:gd name="connsiteX1" fmla="*/ 5475077 w 5475077"/>
+              <a:gd name="connsiteY1" fmla="*/ 0 h 2583792"/>
+              <a:gd name="connsiteX2" fmla="*/ 5475077 w 5475077"/>
+              <a:gd name="connsiteY2" fmla="*/ 2583792 h 2583792"/>
+              <a:gd name="connsiteX3" fmla="*/ 1197192 w 5475077"/>
+              <a:gd name="connsiteY3" fmla="*/ 2583792 h 2583792"/>
+            </a:gdLst>
+            <a:ahLst/>
+            <a:cxnLst>
+              <a:cxn ang="0">
+                <a:pos x="connsiteX0" y="connsiteY0"/>
+              </a:cxn>
+              <a:cxn ang="0">
+                <a:pos x="connsiteX1" y="connsiteY1"/>
+              </a:cxn>
+              <a:cxn ang="0">
+                <a:pos x="connsiteX2" y="connsiteY2"/>
+              </a:cxn>
+              <a:cxn ang="0">
+                <a:pos x="connsiteX3" y="connsiteY3"/>
+              </a:cxn>
+            </a:cxnLst>
+            <a:rect l="l" t="t" r="r" b="b"/>
+            <a:pathLst>
+              <a:path w="5475077" h="2583792">
+                <a:moveTo>
+                  <a:pt x="0" y="0"/>
+                </a:moveTo>
+                <a:lnTo>
+                  <a:pt x="5475077" y="0"/>
+                </a:lnTo>
+                <a:lnTo>
+                  <a:pt x="5475077" y="2583792"/>
+                </a:lnTo>
+                <a:lnTo>
+                  <a:pt x="1197192" y="2583792"/>
+                </a:lnTo>
+                <a:close/>
+              </a:path>
+            </a:pathLst>
+          </a:custGeom>
+        </p:spPr>
+      </p:pic>
+      <p:pic>
+        <p:nvPicPr>
+          <p:cNvPr id="5" name="Content Placeholder 4" descr="A picture containing indoor&#10;&#10;Description automatically generated">
+            <a:extLst>
+              <a:ext uri="{FF2B5EF4-FFF2-40B4-BE49-F238E27FC236}">
+                <a16:creationId xmlns:a16="http://schemas.microsoft.com/office/drawing/2014/main" id="{A58F0E55-21F3-485B-A07F-1CE74177BDD2}"/>
+              </a:ext>
+            </a:extLst>
+          </p:cNvPr>
+          <p:cNvPicPr>
+            <a:picLocks noChangeAspect="1"/>
+          </p:cNvPicPr>
+          <p:nvPr/>
+        </p:nvPicPr>
+        <p:blipFill rotWithShape="1">
+          <a:blip r:embed="rId3">
+            <a:extLst>
+              <a:ext uri="{28A0092B-C50C-407E-A947-70E740481C1C}">
+                <a14:useLocalDpi xmlns:a14="http://schemas.microsoft.com/office/drawing/2010/main" val="0"/>
+              </a:ext>
+            </a:extLst>
+          </a:blip>
+          <a:srcRect t="5300" r="3" b="6859"/>
+          <a:stretch/>
+        </p:blipFill>
+        <p:spPr>
+          <a:xfrm>
+            <a:off x="8491869" y="4283870"/>
+            <a:ext cx="3700129" cy="2583520"/>
+          </a:xfrm>
+          <a:custGeom>
+            <a:avLst/>
+            <a:gdLst>
+              <a:gd name="connsiteX0" fmla="*/ 0 w 4277884"/>
+              <a:gd name="connsiteY0" fmla="*/ 0 h 2583520"/>
+              <a:gd name="connsiteX1" fmla="*/ 4277884 w 4277884"/>
+              <a:gd name="connsiteY1" fmla="*/ 0 h 2583520"/>
+              <a:gd name="connsiteX2" fmla="*/ 4277884 w 4277884"/>
+              <a:gd name="connsiteY2" fmla="*/ 2583520 h 2583520"/>
+              <a:gd name="connsiteX3" fmla="*/ 1192437 w 4277884"/>
+              <a:gd name="connsiteY3" fmla="*/ 2583520 h 2583520"/>
+              <a:gd name="connsiteX4" fmla="*/ 1188085 w 4277884"/>
+              <a:gd name="connsiteY4" fmla="*/ 2574129 h 2583520"/>
+              <a:gd name="connsiteX5" fmla="*/ 1192715 w 4277884"/>
+              <a:gd name="connsiteY5" fmla="*/ 2574129 h 2583520"/>
+            </a:gdLst>
+            <a:ahLst/>
+            <a:cxnLst>
+              <a:cxn ang="0">
+                <a:pos x="connsiteX0" y="connsiteY0"/>
+              </a:cxn>
+              <a:cxn ang="0">
+                <a:pos x="connsiteX1" y="connsiteY1"/>
+              </a:cxn>
+              <a:cxn ang="0">
+                <a:pos x="connsiteX2" y="connsiteY2"/>
+              </a:cxn>
+              <a:cxn ang="0">
+                <a:pos x="connsiteX3" y="connsiteY3"/>
+              </a:cxn>
+              <a:cxn ang="0">
+                <a:pos x="connsiteX4" y="connsiteY4"/>
+              </a:cxn>
+              <a:cxn ang="0">
+                <a:pos x="connsiteX5" y="connsiteY5"/>
+              </a:cxn>
+            </a:cxnLst>
+            <a:rect l="l" t="t" r="r" b="b"/>
+            <a:pathLst>
+              <a:path w="4277884" h="2583520">
+                <a:moveTo>
+                  <a:pt x="0" y="0"/>
+                </a:moveTo>
+                <a:lnTo>
+                  <a:pt x="4277884" y="0"/>
+                </a:lnTo>
+                <a:lnTo>
+                  <a:pt x="4277884" y="2583520"/>
+                </a:lnTo>
+                <a:lnTo>
+                  <a:pt x="1192437" y="2583520"/>
+                </a:lnTo>
+                <a:lnTo>
+                  <a:pt x="1188085" y="2574129"/>
+                </a:lnTo>
+                <a:lnTo>
+                  <a:pt x="1192715" y="2574129"/>
+                </a:lnTo>
+                <a:close/>
+              </a:path>
+            </a:pathLst>
+          </a:custGeom>
+        </p:spPr>
+      </p:pic>
+      <p:sp>
+        <p:nvSpPr>
+          <p:cNvPr id="6" name="Rectangle 5">
+            <a:extLst>
+              <a:ext uri="{FF2B5EF4-FFF2-40B4-BE49-F238E27FC236}">
+                <a16:creationId xmlns:a16="http://schemas.microsoft.com/office/drawing/2014/main" id="{A2901312-C3C2-4CEC-80EF-823AB4FBB726}"/>
+              </a:ext>
+            </a:extLst>
+          </p:cNvPr>
+          <p:cNvSpPr/>
+          <p:nvPr/>
+        </p:nvSpPr>
+        <p:spPr>
+          <a:xfrm>
+            <a:off x="-1" y="1608918"/>
+            <a:ext cx="12191999" cy="91160"/>
+          </a:xfrm>
+          <a:prstGeom prst="rect">
+            <a:avLst/>
+          </a:prstGeom>
+          <a:solidFill>
+            <a:schemeClr val="bg1"/>
+          </a:solidFill>
+          <a:ln>
+            <a:noFill/>
+          </a:ln>
+        </p:spPr>
+        <p:style>
+          <a:lnRef idx="2">
+            <a:schemeClr val="accent1">
+              <a:shade val="50000"/>
+            </a:schemeClr>
+          </a:lnRef>
+          <a:fillRef idx="1">
+            <a:schemeClr val="accent1"/>
+          </a:fillRef>
+          <a:effectRef idx="0">
+            <a:schemeClr val="accent1"/>
+          </a:effectRef>
+          <a:fontRef idx="minor">
+            <a:schemeClr val="lt1"/>
+          </a:fontRef>
+        </p:style>
+        <p:txBody>
+          <a:bodyPr rtlCol="0" anchor="ctr"/>
+          <a:lstStyle/>
+          <a:p>
+            <a:pPr algn="ctr"/>
+            <a:endParaRPr lang="en-US">
+              <a:solidFill>
+                <a:srgbClr val="DB5B5C"/>
+              </a:solidFill>
+            </a:endParaRPr>
+          </a:p>
+        </p:txBody>
+      </p:sp>
+      <p:sp>
+        <p:nvSpPr>
+          <p:cNvPr id="15" name="Rectangle 14">
+            <a:extLst>
+              <a:ext uri="{FF2B5EF4-FFF2-40B4-BE49-F238E27FC236}">
+                <a16:creationId xmlns:a16="http://schemas.microsoft.com/office/drawing/2014/main" id="{AD0A7C9C-CA2C-4B9B-A125-2D09D5573B44}"/>
+              </a:ext>
+            </a:extLst>
+          </p:cNvPr>
+          <p:cNvSpPr/>
+          <p:nvPr/>
+        </p:nvSpPr>
+        <p:spPr>
+          <a:xfrm>
+            <a:off x="1" y="6677247"/>
+            <a:ext cx="12191999" cy="190143"/>
+          </a:xfrm>
+          <a:prstGeom prst="rect">
+            <a:avLst/>
+          </a:prstGeom>
+          <a:solidFill>
+            <a:schemeClr val="bg1"/>
+          </a:solidFill>
+          <a:ln>
+            <a:noFill/>
+          </a:ln>
+        </p:spPr>
+        <p:style>
+          <a:lnRef idx="2">
+            <a:schemeClr val="accent1">
+              <a:shade val="50000"/>
+            </a:schemeClr>
+          </a:lnRef>
+          <a:fillRef idx="1">
+            <a:schemeClr val="accent1"/>
+          </a:fillRef>
+          <a:effectRef idx="0">
+            <a:schemeClr val="accent1"/>
+          </a:effectRef>
+          <a:fontRef idx="minor">
+            <a:schemeClr val="lt1"/>
+          </a:fontRef>
+        </p:style>
+        <p:txBody>
+          <a:bodyPr rtlCol="0" anchor="ctr"/>
+          <a:lstStyle/>
+          <a:p>
+            <a:pPr algn="ctr"/>
+            <a:endParaRPr lang="en-US">
+              <a:solidFill>
+                <a:srgbClr val="DB5B5C"/>
+              </a:solidFill>
+            </a:endParaRPr>
+          </a:p>
+        </p:txBody>
+      </p:sp>
+      <p:sp>
+        <p:nvSpPr>
+          <p:cNvPr id="16" name="Rectangle 15">
+            <a:extLst>
+              <a:ext uri="{FF2B5EF4-FFF2-40B4-BE49-F238E27FC236}">
+                <a16:creationId xmlns:a16="http://schemas.microsoft.com/office/drawing/2014/main" id="{74A085FC-1866-46D4-97F7-51AA45E48D4F}"/>
+              </a:ext>
+            </a:extLst>
+          </p:cNvPr>
+          <p:cNvSpPr/>
+          <p:nvPr/>
+        </p:nvSpPr>
+        <p:spPr>
+          <a:xfrm rot="4092292">
+            <a:off x="5790668" y="4094517"/>
+            <a:ext cx="5446699" cy="137038"/>
+          </a:xfrm>
+          <a:prstGeom prst="rect">
+            <a:avLst/>
+          </a:prstGeom>
+          <a:solidFill>
+            <a:schemeClr val="bg1"/>
+          </a:solidFill>
+          <a:ln>
+            <a:noFill/>
+          </a:ln>
+        </p:spPr>
+        <p:style>
+          <a:lnRef idx="2">
+            <a:schemeClr val="accent1">
+              <a:shade val="50000"/>
+            </a:schemeClr>
+          </a:lnRef>
+          <a:fillRef idx="1">
+            <a:schemeClr val="accent1"/>
+          </a:fillRef>
+          <a:effectRef idx="0">
+            <a:schemeClr val="accent1"/>
+          </a:effectRef>
+          <a:fontRef idx="minor">
+            <a:schemeClr val="lt1"/>
+          </a:fontRef>
+        </p:style>
+        <p:txBody>
+          <a:bodyPr rtlCol="0" anchor="ctr"/>
+          <a:lstStyle/>
+          <a:p>
+            <a:pPr algn="ctr"/>
+            <a:endParaRPr lang="en-US">
+              <a:solidFill>
+                <a:srgbClr val="DB5B5C"/>
+              </a:solidFill>
+            </a:endParaRPr>
+          </a:p>
+        </p:txBody>
+      </p:sp>
+      <p:sp>
+        <p:nvSpPr>
+          <p:cNvPr id="10" name="TextBox 9">
+            <a:extLst>
+              <a:ext uri="{FF2B5EF4-FFF2-40B4-BE49-F238E27FC236}">
+                <a16:creationId xmlns:a16="http://schemas.microsoft.com/office/drawing/2014/main" id="{A502634D-EB60-4C74-B8AF-5B6AAE256C4B}"/>
+              </a:ext>
+            </a:extLst>
+          </p:cNvPr>
+          <p:cNvSpPr txBox="1"/>
+          <p:nvPr/>
+        </p:nvSpPr>
+        <p:spPr>
+          <a:xfrm>
+            <a:off x="529389" y="6298525"/>
+            <a:ext cx="8713057" cy="400110"/>
+          </a:xfrm>
+          <a:prstGeom prst="rect">
+            <a:avLst/>
+          </a:prstGeom>
+          <a:noFill/>
+        </p:spPr>
+        <p:txBody>
+          <a:bodyPr wrap="square" rtlCol="0">
+            <a:spAutoFit/>
+          </a:bodyPr>
+          <a:lstStyle/>
+          <a:p>
+            <a:pPr algn="r"/>
+            <a:r>
+              <a:rPr lang="en-US" sz="2000" dirty="0"/>
+              <a:t>Compiled by statsheetstuffers.com and sportsanalyticsconferences.com</a:t>
+            </a:r>
+          </a:p>
+        </p:txBody>
+      </p:sp>
+    </p:spTree>
+    <p:extLst>
+      <p:ext uri="{BB962C8B-B14F-4D97-AF65-F5344CB8AC3E}">
+        <p14:creationId xmlns:p14="http://schemas.microsoft.com/office/powerpoint/2010/main" val="1145033991"/>
+      </p:ext>
+    </p:extLst>
+  </p:cSld>
+  <p:clrMapOvr>
+    <a:overrideClrMapping bg1="dk1" tx1="lt1" bg2="dk2" tx2="lt2" accent1="accent1" accent2="accent2" accent3="accent3" accent4="accent4" accent5="accent5" accent6="accent6" hlink="hlink" folHlink="folHlink"/>
+  </p:clrMapOvr>
+</p:sld>
+</file>
+
+<file path=ppt/slides/slide21.xml><?xml version="1.0" encoding="utf-8"?>
+<p:sld xmlns:a="http://schemas.openxmlformats.org/drawingml/2006/main" xmlns:r="http://schemas.openxmlformats.org/officeDocument/2006/relationships" xmlns:p="http://schemas.openxmlformats.org/presentationml/2006/main">
+  <p:cSld>
+    <p:bg>
+      <p:bgPr>
+        <a:solidFill>
+          <a:srgbClr val="395583"/>
+        </a:solidFill>
+        <a:effectLst/>
+      </p:bgPr>
+    </p:bg>
+    <p:spTree>
+      <p:nvGrpSpPr>
+        <p:cNvPr id="1" name=""/>
+        <p:cNvGrpSpPr/>
+        <p:nvPr/>
+      </p:nvGrpSpPr>
+      <p:grpSpPr>
+        <a:xfrm>
+          <a:off x="0" y="0"/>
+          <a:ext cx="0" cy="0"/>
+          <a:chOff x="0" y="0"/>
+          <a:chExt cx="0" cy="0"/>
+        </a:xfrm>
+      </p:grpSpPr>
+      <p:sp>
+        <p:nvSpPr>
           <p:cNvPr id="15" name="Freeform: Shape 14">
             <a:extLst>
               <a:ext uri="{FF2B5EF4-FFF2-40B4-BE49-F238E27FC236}">
@@ -4475,595 +12222,6 @@
 </p:sld>
 </file>
 
-<file path=ppt/slides/slide2.xml><?xml version="1.0" encoding="utf-8"?>
-<p:sld xmlns:a="http://schemas.openxmlformats.org/drawingml/2006/main" xmlns:r="http://schemas.openxmlformats.org/officeDocument/2006/relationships" xmlns:p="http://schemas.openxmlformats.org/presentationml/2006/main">
-  <p:cSld>
-    <p:bg>
-      <p:bgPr>
-        <a:solidFill>
-          <a:srgbClr val="395583"/>
-        </a:solidFill>
-        <a:effectLst/>
-      </p:bgPr>
-    </p:bg>
-    <p:spTree>
-      <p:nvGrpSpPr>
-        <p:cNvPr id="1" name=""/>
-        <p:cNvGrpSpPr/>
-        <p:nvPr/>
-      </p:nvGrpSpPr>
-      <p:grpSpPr>
-        <a:xfrm>
-          <a:off x="0" y="0"/>
-          <a:ext cx="0" cy="0"/>
-          <a:chOff x="0" y="0"/>
-          <a:chExt cx="0" cy="0"/>
-        </a:xfrm>
-      </p:grpSpPr>
-      <p:sp>
-        <p:nvSpPr>
-          <p:cNvPr id="25" name="Rectangle 24">
-            <a:extLst>
-              <a:ext uri="{FF2B5EF4-FFF2-40B4-BE49-F238E27FC236}">
-                <a16:creationId xmlns:a16="http://schemas.microsoft.com/office/drawing/2014/main" id="{A6792F05-2FD4-4F18-815E-15391E8B4A0E}"/>
-              </a:ext>
-              <a:ext uri="{C183D7F6-B498-43B3-948B-1728B52AA6E4}">
-                <adec:decorative xmlns:adec="http://schemas.microsoft.com/office/drawing/2017/decorative" val="1"/>
-              </a:ext>
-            </a:extLst>
-          </p:cNvPr>
-          <p:cNvSpPr>
-            <a:spLocks noGrp="1" noRot="1" noChangeAspect="1" noMove="1" noResize="1" noEditPoints="1" noAdjustHandles="1" noChangeArrowheads="1" noChangeShapeType="1" noTextEdit="1"/>
-          </p:cNvSpPr>
-          <p:nvPr>
-            <p:extLst>
-              <p:ext uri="{386F3935-93C4-4BCD-93E2-E3B085C9AB24}">
-                <p16:designElem xmlns:p16="http://schemas.microsoft.com/office/powerpoint/2015/main" val="1"/>
-              </p:ext>
-            </p:extLst>
-          </p:nvPr>
-        </p:nvSpPr>
-        <p:spPr>
-          <a:xfrm>
-            <a:off x="0" y="0"/>
-            <a:ext cx="12191999" cy="6858000"/>
-          </a:xfrm>
-          <a:prstGeom prst="rect">
-            <a:avLst/>
-          </a:prstGeom>
-          <a:solidFill>
-            <a:srgbClr val="395583"/>
-          </a:solidFill>
-          <a:ln>
-            <a:noFill/>
-          </a:ln>
-        </p:spPr>
-        <p:style>
-          <a:lnRef idx="2">
-            <a:schemeClr val="accent1">
-              <a:shade val="50000"/>
-            </a:schemeClr>
-          </a:lnRef>
-          <a:fillRef idx="1">
-            <a:schemeClr val="accent1"/>
-          </a:fillRef>
-          <a:effectRef idx="0">
-            <a:schemeClr val="accent1"/>
-          </a:effectRef>
-          <a:fontRef idx="minor">
-            <a:schemeClr val="lt1"/>
-          </a:fontRef>
-        </p:style>
-        <p:txBody>
-          <a:bodyPr rtlCol="0" anchor="ctr"/>
-          <a:lstStyle/>
-          <a:p>
-            <a:pPr algn="ctr"/>
-            <a:endParaRPr lang="en-US"/>
-          </a:p>
-        </p:txBody>
-      </p:sp>
-      <p:sp>
-        <p:nvSpPr>
-          <p:cNvPr id="2" name="Title 1">
-            <a:extLst>
-              <a:ext uri="{FF2B5EF4-FFF2-40B4-BE49-F238E27FC236}">
-                <a16:creationId xmlns:a16="http://schemas.microsoft.com/office/drawing/2014/main" id="{2589AFCC-0FF0-498C-B11F-8990DF0DAAA5}"/>
-              </a:ext>
-            </a:extLst>
-          </p:cNvPr>
-          <p:cNvSpPr>
-            <a:spLocks noGrp="1"/>
-          </p:cNvSpPr>
-          <p:nvPr>
-            <p:ph type="title"/>
-          </p:nvPr>
-        </p:nvSpPr>
-        <p:spPr>
-          <a:xfrm>
-            <a:off x="838200" y="365125"/>
-            <a:ext cx="10515600" cy="1325563"/>
-          </a:xfrm>
-        </p:spPr>
-        <p:txBody>
-          <a:bodyPr>
-            <a:normAutofit/>
-          </a:bodyPr>
-          <a:lstStyle/>
-          <a:p>
-            <a:r>
-              <a:rPr lang="en-US" b="1" dirty="0">
-                <a:latin typeface="Selawik Semibold" panose="020B0604020202020204" pitchFamily="34" charset="0"/>
-              </a:rPr>
-              <a:t>Analytics Across the Organizations</a:t>
-            </a:r>
-          </a:p>
-        </p:txBody>
-      </p:sp>
-      <p:sp>
-        <p:nvSpPr>
-          <p:cNvPr id="9" name="Content Placeholder 8">
-            <a:extLst>
-              <a:ext uri="{FF2B5EF4-FFF2-40B4-BE49-F238E27FC236}">
-                <a16:creationId xmlns:a16="http://schemas.microsoft.com/office/drawing/2014/main" id="{2D995594-59F2-4020-AB6F-751BAE84ADB3}"/>
-              </a:ext>
-            </a:extLst>
-          </p:cNvPr>
-          <p:cNvSpPr>
-            <a:spLocks noGrp="1"/>
-          </p:cNvSpPr>
-          <p:nvPr>
-            <p:ph idx="1"/>
-          </p:nvPr>
-        </p:nvSpPr>
-        <p:spPr>
-          <a:xfrm>
-            <a:off x="838200" y="2021249"/>
-            <a:ext cx="6994712" cy="4155713"/>
-          </a:xfrm>
-        </p:spPr>
-        <p:txBody>
-          <a:bodyPr>
-            <a:normAutofit/>
-          </a:bodyPr>
-          <a:lstStyle/>
-          <a:p>
-            <a:r>
-              <a:rPr lang="en-US" sz="2400" dirty="0">
-                <a:latin typeface="Selawik Semibold" panose="020B0702040204020203" pitchFamily="34" charset="0"/>
-              </a:rPr>
-              <a:t>Sports Analytics Use Survey (2013)</a:t>
-            </a:r>
-          </a:p>
-          <a:p>
-            <a:endParaRPr lang="en-US" sz="2400" dirty="0">
-              <a:latin typeface="Selawik Semibold" panose="020B0702040204020203" pitchFamily="34" charset="0"/>
-            </a:endParaRPr>
-          </a:p>
-          <a:p>
-            <a:r>
-              <a:rPr lang="en-US" sz="2400" dirty="0">
-                <a:latin typeface="Selawik Semibold" panose="020B0702040204020203" pitchFamily="34" charset="0"/>
-              </a:rPr>
-              <a:t>Sample of 27 People</a:t>
-            </a:r>
-            <a:r>
-              <a:rPr lang="en-US" sz="2000" dirty="0">
-                <a:latin typeface="Selawik Semibold" panose="020B0702040204020203" pitchFamily="34" charset="0"/>
-              </a:rPr>
-              <a:t> </a:t>
-            </a:r>
-            <a:r>
-              <a:rPr lang="en-US" sz="2400" dirty="0">
-                <a:latin typeface="Selawik Semibold" panose="020B0702040204020203" pitchFamily="34" charset="0"/>
-              </a:rPr>
-              <a:t>(NFL, MLB, NBA, EPL)</a:t>
-            </a:r>
-          </a:p>
-          <a:p>
-            <a:endParaRPr lang="en-US" sz="2400" dirty="0">
-              <a:latin typeface="Selawik Semibold" panose="020B0702040204020203" pitchFamily="34" charset="0"/>
-            </a:endParaRPr>
-          </a:p>
-          <a:p>
-            <a:r>
-              <a:rPr lang="en-US" sz="2400" dirty="0">
-                <a:latin typeface="Selawik Semibold" panose="020B0702040204020203" pitchFamily="34" charset="0"/>
-              </a:rPr>
-              <a:t>How Many Different Sources?</a:t>
-            </a:r>
-          </a:p>
-          <a:p>
-            <a:pPr lvl="1"/>
-            <a:r>
-              <a:rPr lang="en-US" sz="2000" dirty="0">
-                <a:latin typeface="Selawik Semibold" panose="020B0702040204020203" pitchFamily="34" charset="0"/>
-              </a:rPr>
-              <a:t>1-2 (6.7%) </a:t>
-            </a:r>
-          </a:p>
-          <a:p>
-            <a:pPr lvl="1"/>
-            <a:r>
-              <a:rPr lang="en-US" sz="2000" dirty="0">
-                <a:latin typeface="Selawik Semibold" panose="020B0702040204020203" pitchFamily="34" charset="0"/>
-              </a:rPr>
-              <a:t>3-4 (33.3%) </a:t>
-            </a:r>
-          </a:p>
-          <a:p>
-            <a:pPr lvl="1"/>
-            <a:r>
-              <a:rPr lang="en-US" sz="2000" dirty="0">
-                <a:latin typeface="Selawik Semibold" panose="020B0702040204020203" pitchFamily="34" charset="0"/>
-              </a:rPr>
-              <a:t>5-6 (13.3%) </a:t>
-            </a:r>
-          </a:p>
-          <a:p>
-            <a:pPr lvl="1"/>
-            <a:r>
-              <a:rPr lang="en-US" sz="2000" dirty="0">
-                <a:latin typeface="Selawik Semibold" panose="020B0702040204020203" pitchFamily="34" charset="0"/>
-              </a:rPr>
-              <a:t>&gt;6 (46.71%) </a:t>
-            </a:r>
-          </a:p>
-        </p:txBody>
-      </p:sp>
-      <p:pic>
-        <p:nvPicPr>
-          <p:cNvPr id="4" name="Picture 3" descr="A drawing of a cartoon character&#10;&#10;Description automatically generated">
-            <a:extLst>
-              <a:ext uri="{FF2B5EF4-FFF2-40B4-BE49-F238E27FC236}">
-                <a16:creationId xmlns:a16="http://schemas.microsoft.com/office/drawing/2014/main" id="{A7FDC859-D890-4904-9C64-27F43DA90453}"/>
-              </a:ext>
-            </a:extLst>
-          </p:cNvPr>
-          <p:cNvPicPr>
-            <a:picLocks noChangeAspect="1"/>
-          </p:cNvPicPr>
-          <p:nvPr/>
-        </p:nvPicPr>
-        <p:blipFill rotWithShape="1">
-          <a:blip r:embed="rId2">
-            <a:extLst>
-              <a:ext uri="{28A0092B-C50C-407E-A947-70E740481C1C}">
-                <a14:useLocalDpi xmlns:a14="http://schemas.microsoft.com/office/drawing/2010/main" val="0"/>
-              </a:ext>
-            </a:extLst>
-          </a:blip>
-          <a:srcRect t="5616" r="2" b="2"/>
-          <a:stretch/>
-        </p:blipFill>
-        <p:spPr>
-          <a:xfrm>
-            <a:off x="7471144" y="1700078"/>
-            <a:ext cx="4720855" cy="2583792"/>
-          </a:xfrm>
-          <a:custGeom>
-            <a:avLst/>
-            <a:gdLst>
-              <a:gd name="connsiteX0" fmla="*/ 0 w 5475077"/>
-              <a:gd name="connsiteY0" fmla="*/ 0 h 2583792"/>
-              <a:gd name="connsiteX1" fmla="*/ 5475077 w 5475077"/>
-              <a:gd name="connsiteY1" fmla="*/ 0 h 2583792"/>
-              <a:gd name="connsiteX2" fmla="*/ 5475077 w 5475077"/>
-              <a:gd name="connsiteY2" fmla="*/ 2583792 h 2583792"/>
-              <a:gd name="connsiteX3" fmla="*/ 1197192 w 5475077"/>
-              <a:gd name="connsiteY3" fmla="*/ 2583792 h 2583792"/>
-            </a:gdLst>
-            <a:ahLst/>
-            <a:cxnLst>
-              <a:cxn ang="0">
-                <a:pos x="connsiteX0" y="connsiteY0"/>
-              </a:cxn>
-              <a:cxn ang="0">
-                <a:pos x="connsiteX1" y="connsiteY1"/>
-              </a:cxn>
-              <a:cxn ang="0">
-                <a:pos x="connsiteX2" y="connsiteY2"/>
-              </a:cxn>
-              <a:cxn ang="0">
-                <a:pos x="connsiteX3" y="connsiteY3"/>
-              </a:cxn>
-            </a:cxnLst>
-            <a:rect l="l" t="t" r="r" b="b"/>
-            <a:pathLst>
-              <a:path w="5475077" h="2583792">
-                <a:moveTo>
-                  <a:pt x="0" y="0"/>
-                </a:moveTo>
-                <a:lnTo>
-                  <a:pt x="5475077" y="0"/>
-                </a:lnTo>
-                <a:lnTo>
-                  <a:pt x="5475077" y="2583792"/>
-                </a:lnTo>
-                <a:lnTo>
-                  <a:pt x="1197192" y="2583792"/>
-                </a:lnTo>
-                <a:close/>
-              </a:path>
-            </a:pathLst>
-          </a:custGeom>
-        </p:spPr>
-      </p:pic>
-      <p:pic>
-        <p:nvPicPr>
-          <p:cNvPr id="5" name="Content Placeholder 4" descr="A picture containing indoor&#10;&#10;Description automatically generated">
-            <a:extLst>
-              <a:ext uri="{FF2B5EF4-FFF2-40B4-BE49-F238E27FC236}">
-                <a16:creationId xmlns:a16="http://schemas.microsoft.com/office/drawing/2014/main" id="{A58F0E55-21F3-485B-A07F-1CE74177BDD2}"/>
-              </a:ext>
-            </a:extLst>
-          </p:cNvPr>
-          <p:cNvPicPr>
-            <a:picLocks noChangeAspect="1"/>
-          </p:cNvPicPr>
-          <p:nvPr/>
-        </p:nvPicPr>
-        <p:blipFill rotWithShape="1">
-          <a:blip r:embed="rId3">
-            <a:extLst>
-              <a:ext uri="{28A0092B-C50C-407E-A947-70E740481C1C}">
-                <a14:useLocalDpi xmlns:a14="http://schemas.microsoft.com/office/drawing/2010/main" val="0"/>
-              </a:ext>
-            </a:extLst>
-          </a:blip>
-          <a:srcRect t="5300" r="3" b="6859"/>
-          <a:stretch/>
-        </p:blipFill>
-        <p:spPr>
-          <a:xfrm>
-            <a:off x="8491869" y="4283870"/>
-            <a:ext cx="3700129" cy="2583520"/>
-          </a:xfrm>
-          <a:custGeom>
-            <a:avLst/>
-            <a:gdLst>
-              <a:gd name="connsiteX0" fmla="*/ 0 w 4277884"/>
-              <a:gd name="connsiteY0" fmla="*/ 0 h 2583520"/>
-              <a:gd name="connsiteX1" fmla="*/ 4277884 w 4277884"/>
-              <a:gd name="connsiteY1" fmla="*/ 0 h 2583520"/>
-              <a:gd name="connsiteX2" fmla="*/ 4277884 w 4277884"/>
-              <a:gd name="connsiteY2" fmla="*/ 2583520 h 2583520"/>
-              <a:gd name="connsiteX3" fmla="*/ 1192437 w 4277884"/>
-              <a:gd name="connsiteY3" fmla="*/ 2583520 h 2583520"/>
-              <a:gd name="connsiteX4" fmla="*/ 1188085 w 4277884"/>
-              <a:gd name="connsiteY4" fmla="*/ 2574129 h 2583520"/>
-              <a:gd name="connsiteX5" fmla="*/ 1192715 w 4277884"/>
-              <a:gd name="connsiteY5" fmla="*/ 2574129 h 2583520"/>
-            </a:gdLst>
-            <a:ahLst/>
-            <a:cxnLst>
-              <a:cxn ang="0">
-                <a:pos x="connsiteX0" y="connsiteY0"/>
-              </a:cxn>
-              <a:cxn ang="0">
-                <a:pos x="connsiteX1" y="connsiteY1"/>
-              </a:cxn>
-              <a:cxn ang="0">
-                <a:pos x="connsiteX2" y="connsiteY2"/>
-              </a:cxn>
-              <a:cxn ang="0">
-                <a:pos x="connsiteX3" y="connsiteY3"/>
-              </a:cxn>
-              <a:cxn ang="0">
-                <a:pos x="connsiteX4" y="connsiteY4"/>
-              </a:cxn>
-              <a:cxn ang="0">
-                <a:pos x="connsiteX5" y="connsiteY5"/>
-              </a:cxn>
-            </a:cxnLst>
-            <a:rect l="l" t="t" r="r" b="b"/>
-            <a:pathLst>
-              <a:path w="4277884" h="2583520">
-                <a:moveTo>
-                  <a:pt x="0" y="0"/>
-                </a:moveTo>
-                <a:lnTo>
-                  <a:pt x="4277884" y="0"/>
-                </a:lnTo>
-                <a:lnTo>
-                  <a:pt x="4277884" y="2583520"/>
-                </a:lnTo>
-                <a:lnTo>
-                  <a:pt x="1192437" y="2583520"/>
-                </a:lnTo>
-                <a:lnTo>
-                  <a:pt x="1188085" y="2574129"/>
-                </a:lnTo>
-                <a:lnTo>
-                  <a:pt x="1192715" y="2574129"/>
-                </a:lnTo>
-                <a:close/>
-              </a:path>
-            </a:pathLst>
-          </a:custGeom>
-        </p:spPr>
-      </p:pic>
-      <p:sp>
-        <p:nvSpPr>
-          <p:cNvPr id="6" name="Rectangle 5">
-            <a:extLst>
-              <a:ext uri="{FF2B5EF4-FFF2-40B4-BE49-F238E27FC236}">
-                <a16:creationId xmlns:a16="http://schemas.microsoft.com/office/drawing/2014/main" id="{A2901312-C3C2-4CEC-80EF-823AB4FBB726}"/>
-              </a:ext>
-            </a:extLst>
-          </p:cNvPr>
-          <p:cNvSpPr/>
-          <p:nvPr/>
-        </p:nvSpPr>
-        <p:spPr>
-          <a:xfrm>
-            <a:off x="-1" y="1608918"/>
-            <a:ext cx="12191999" cy="91160"/>
-          </a:xfrm>
-          <a:prstGeom prst="rect">
-            <a:avLst/>
-          </a:prstGeom>
-          <a:solidFill>
-            <a:schemeClr val="bg1"/>
-          </a:solidFill>
-          <a:ln>
-            <a:noFill/>
-          </a:ln>
-        </p:spPr>
-        <p:style>
-          <a:lnRef idx="2">
-            <a:schemeClr val="accent1">
-              <a:shade val="50000"/>
-            </a:schemeClr>
-          </a:lnRef>
-          <a:fillRef idx="1">
-            <a:schemeClr val="accent1"/>
-          </a:fillRef>
-          <a:effectRef idx="0">
-            <a:schemeClr val="accent1"/>
-          </a:effectRef>
-          <a:fontRef idx="minor">
-            <a:schemeClr val="lt1"/>
-          </a:fontRef>
-        </p:style>
-        <p:txBody>
-          <a:bodyPr rtlCol="0" anchor="ctr"/>
-          <a:lstStyle/>
-          <a:p>
-            <a:pPr algn="ctr"/>
-            <a:endParaRPr lang="en-US">
-              <a:solidFill>
-                <a:srgbClr val="DB5B5C"/>
-              </a:solidFill>
-            </a:endParaRPr>
-          </a:p>
-        </p:txBody>
-      </p:sp>
-      <p:sp>
-        <p:nvSpPr>
-          <p:cNvPr id="15" name="Rectangle 14">
-            <a:extLst>
-              <a:ext uri="{FF2B5EF4-FFF2-40B4-BE49-F238E27FC236}">
-                <a16:creationId xmlns:a16="http://schemas.microsoft.com/office/drawing/2014/main" id="{AD0A7C9C-CA2C-4B9B-A125-2D09D5573B44}"/>
-              </a:ext>
-            </a:extLst>
-          </p:cNvPr>
-          <p:cNvSpPr/>
-          <p:nvPr/>
-        </p:nvSpPr>
-        <p:spPr>
-          <a:xfrm>
-            <a:off x="1" y="6677247"/>
-            <a:ext cx="12191999" cy="190143"/>
-          </a:xfrm>
-          <a:prstGeom prst="rect">
-            <a:avLst/>
-          </a:prstGeom>
-          <a:solidFill>
-            <a:schemeClr val="bg1"/>
-          </a:solidFill>
-          <a:ln>
-            <a:noFill/>
-          </a:ln>
-        </p:spPr>
-        <p:style>
-          <a:lnRef idx="2">
-            <a:schemeClr val="accent1">
-              <a:shade val="50000"/>
-            </a:schemeClr>
-          </a:lnRef>
-          <a:fillRef idx="1">
-            <a:schemeClr val="accent1"/>
-          </a:fillRef>
-          <a:effectRef idx="0">
-            <a:schemeClr val="accent1"/>
-          </a:effectRef>
-          <a:fontRef idx="minor">
-            <a:schemeClr val="lt1"/>
-          </a:fontRef>
-        </p:style>
-        <p:txBody>
-          <a:bodyPr rtlCol="0" anchor="ctr"/>
-          <a:lstStyle/>
-          <a:p>
-            <a:pPr algn="ctr"/>
-            <a:endParaRPr lang="en-US">
-              <a:solidFill>
-                <a:srgbClr val="DB5B5C"/>
-              </a:solidFill>
-            </a:endParaRPr>
-          </a:p>
-        </p:txBody>
-      </p:sp>
-      <p:sp>
-        <p:nvSpPr>
-          <p:cNvPr id="16" name="Rectangle 15">
-            <a:extLst>
-              <a:ext uri="{FF2B5EF4-FFF2-40B4-BE49-F238E27FC236}">
-                <a16:creationId xmlns:a16="http://schemas.microsoft.com/office/drawing/2014/main" id="{74A085FC-1866-46D4-97F7-51AA45E48D4F}"/>
-              </a:ext>
-            </a:extLst>
-          </p:cNvPr>
-          <p:cNvSpPr/>
-          <p:nvPr/>
-        </p:nvSpPr>
-        <p:spPr>
-          <a:xfrm rot="4092292">
-            <a:off x="5790668" y="4094517"/>
-            <a:ext cx="5446699" cy="137038"/>
-          </a:xfrm>
-          <a:prstGeom prst="rect">
-            <a:avLst/>
-          </a:prstGeom>
-          <a:solidFill>
-            <a:schemeClr val="bg1"/>
-          </a:solidFill>
-          <a:ln>
-            <a:noFill/>
-          </a:ln>
-        </p:spPr>
-        <p:style>
-          <a:lnRef idx="2">
-            <a:schemeClr val="accent1">
-              <a:shade val="50000"/>
-            </a:schemeClr>
-          </a:lnRef>
-          <a:fillRef idx="1">
-            <a:schemeClr val="accent1"/>
-          </a:fillRef>
-          <a:effectRef idx="0">
-            <a:schemeClr val="accent1"/>
-          </a:effectRef>
-          <a:fontRef idx="minor">
-            <a:schemeClr val="lt1"/>
-          </a:fontRef>
-        </p:style>
-        <p:txBody>
-          <a:bodyPr rtlCol="0" anchor="ctr"/>
-          <a:lstStyle/>
-          <a:p>
-            <a:pPr algn="ctr"/>
-            <a:endParaRPr lang="en-US">
-              <a:solidFill>
-                <a:srgbClr val="DB5B5C"/>
-              </a:solidFill>
-            </a:endParaRPr>
-          </a:p>
-        </p:txBody>
-      </p:sp>
-    </p:spTree>
-    <p:extLst>
-      <p:ext uri="{BB962C8B-B14F-4D97-AF65-F5344CB8AC3E}">
-        <p14:creationId xmlns:p14="http://schemas.microsoft.com/office/powerpoint/2010/main" val="1770409084"/>
-      </p:ext>
-    </p:extLst>
-  </p:cSld>
-  <p:clrMapOvr>
-    <a:overrideClrMapping bg1="dk1" tx1="lt1" bg2="dk2" tx2="lt2" accent1="accent1" accent2="accent2" accent3="accent3" accent4="accent4" accent5="accent5" accent6="accent6" hlink="hlink" folHlink="folHlink"/>
-  </p:clrMapOvr>
-</p:sld>
-</file>
-
 <file path=ppt/slides/slide3.xml><?xml version="1.0" encoding="utf-8"?>
 <p:sld xmlns:a="http://schemas.openxmlformats.org/drawingml/2006/main" xmlns:r="http://schemas.openxmlformats.org/officeDocument/2006/relationships" xmlns:p="http://schemas.openxmlformats.org/presentationml/2006/main">
   <p:cSld>
@@ -5184,7 +12342,7 @@
               <a:rPr lang="en-US" b="1" dirty="0">
                 <a:latin typeface="Selawik Semibold" panose="020B0604020202020204" pitchFamily="34" charset="0"/>
               </a:rPr>
-              <a:t>Analytics Across the Organizations</a:t>
+              <a:t>Industry Past</a:t>
             </a:r>
           </a:p>
         </p:txBody>
@@ -5767,7 +12925,7 @@
               <a:rPr lang="en-US" b="1" dirty="0">
                 <a:latin typeface="Selawik Semibold" panose="020B0604020202020204" pitchFamily="34" charset="0"/>
               </a:rPr>
-              <a:t>Analytics Across the Organizations</a:t>
+              <a:t>Industry Past</a:t>
             </a:r>
           </a:p>
         </p:txBody>
@@ -6377,7 +13535,7 @@
               <a:rPr lang="en-US" b="1" dirty="0">
                 <a:latin typeface="Selawik Semibold" panose="020B0604020202020204" pitchFamily="34" charset="0"/>
               </a:rPr>
-              <a:t>Analytics Across the Organizations</a:t>
+              <a:t>Industry Past</a:t>
             </a:r>
           </a:p>
         </p:txBody>
@@ -6960,7 +14118,7 @@
               <a:rPr lang="en-US" b="1" dirty="0">
                 <a:latin typeface="Selawik Semibold" panose="020B0604020202020204" pitchFamily="34" charset="0"/>
               </a:rPr>
-              <a:t>Analytics Across the Organizations</a:t>
+              <a:t>Industry Past</a:t>
             </a:r>
           </a:p>
         </p:txBody>
@@ -7575,7 +14733,7 @@
               <a:rPr lang="en-US" b="1" dirty="0">
                 <a:latin typeface="Selawik Semibold" panose="020B0604020202020204" pitchFamily="34" charset="0"/>
               </a:rPr>
-              <a:t>Analytics In the Organization</a:t>
+              <a:t>Industry Past</a:t>
             </a:r>
           </a:p>
         </p:txBody>
@@ -7598,8 +14756,8 @@
         </p:nvSpPr>
         <p:spPr>
           <a:xfrm>
-            <a:off x="838200" y="2021249"/>
-            <a:ext cx="6994712" cy="4155713"/>
+            <a:off x="838199" y="2021249"/>
+            <a:ext cx="7882219" cy="4366104"/>
           </a:xfrm>
         </p:spPr>
         <p:txBody>
@@ -7612,7 +14770,7 @@
               <a:rPr lang="en-US" sz="2400" dirty="0">
                 <a:latin typeface="Selawik Semibold" panose="020B0702040204020203" pitchFamily="34" charset="0"/>
               </a:rPr>
-              <a:t>On-the-Field</a:t>
+              <a:t>Clear Process for Hiring/Evaluating Analysts</a:t>
             </a:r>
           </a:p>
           <a:p>
@@ -7621,7 +14779,7 @@
               <a:rPr lang="en-US" sz="2000" dirty="0">
                 <a:latin typeface="Selawik Semibold" panose="020B0702040204020203" pitchFamily="34" charset="0"/>
               </a:rPr>
-              <a:t>Coaching</a:t>
+              <a:t>Strongly Agree (13.3%/14.3%)</a:t>
             </a:r>
           </a:p>
           <a:p>
@@ -7630,7 +14788,7 @@
               <a:rPr lang="en-US" sz="2000" dirty="0">
                 <a:latin typeface="Selawik Semibold" panose="020B0702040204020203" pitchFamily="34" charset="0"/>
               </a:rPr>
-              <a:t>Player Development</a:t>
+              <a:t>Somewhat Agree (13.3%/14.3%)</a:t>
             </a:r>
           </a:p>
           <a:p>
@@ -7639,7 +14797,25 @@
               <a:rPr lang="en-US" sz="2000" dirty="0">
                 <a:latin typeface="Selawik Semibold" panose="020B0702040204020203" pitchFamily="34" charset="0"/>
               </a:rPr>
-              <a:t>Player Evaluation</a:t>
+              <a:t>Neutral (26.7%/28.6%)</a:t>
+            </a:r>
+          </a:p>
+          <a:p>
+            <a:pPr lvl="1"/>
+            <a:r>
+              <a:rPr lang="en-US" sz="2000" dirty="0">
+                <a:latin typeface="Selawik Semibold" panose="020B0702040204020203" pitchFamily="34" charset="0"/>
+              </a:rPr>
+              <a:t>Somewhat Disagree (13.4%/21.4%)</a:t>
+            </a:r>
+          </a:p>
+          <a:p>
+            <a:pPr lvl="1"/>
+            <a:r>
+              <a:rPr lang="en-US" sz="2000" dirty="0">
+                <a:latin typeface="Selawik Semibold" panose="020B0702040204020203" pitchFamily="34" charset="0"/>
+              </a:rPr>
+              <a:t>Strongly Disagree (33.3%/21.4%)</a:t>
             </a:r>
           </a:p>
           <a:p>
@@ -7653,7 +14829,7 @@
               <a:rPr lang="en-US" sz="2400" dirty="0">
                 <a:latin typeface="Selawik Semibold" panose="020B0702040204020203" pitchFamily="34" charset="0"/>
               </a:rPr>
-              <a:t>Off-the-Field</a:t>
+              <a:t>Analytic Resources in Line with Strategic Game Plan</a:t>
             </a:r>
           </a:p>
           <a:p>
@@ -7662,7 +14838,7 @@
               <a:rPr lang="en-US" sz="2000" dirty="0">
                 <a:latin typeface="Selawik Semibold" panose="020B0702040204020203" pitchFamily="34" charset="0"/>
               </a:rPr>
-              <a:t>Sales</a:t>
+              <a:t>Strongly Agree (26.7%)</a:t>
             </a:r>
           </a:p>
           <a:p>
@@ -7671,7 +14847,7 @@
               <a:rPr lang="en-US" sz="2000" dirty="0">
                 <a:latin typeface="Selawik Semibold" panose="020B0702040204020203" pitchFamily="34" charset="0"/>
               </a:rPr>
-              <a:t>Marketing</a:t>
+              <a:t>Somewhat Agree (33.3%)</a:t>
             </a:r>
           </a:p>
           <a:p>
@@ -7680,7 +14856,7 @@
               <a:rPr lang="en-US" sz="2000" dirty="0">
                 <a:latin typeface="Selawik Semibold" panose="020B0702040204020203" pitchFamily="34" charset="0"/>
               </a:rPr>
-              <a:t>Cap Management</a:t>
+              <a:t>Neutral (33.3%)</a:t>
             </a:r>
           </a:p>
           <a:p>
@@ -7689,17 +14865,13 @@
               <a:rPr lang="en-US" sz="2000" dirty="0">
                 <a:latin typeface="Selawik Semibold" panose="020B0702040204020203" pitchFamily="34" charset="0"/>
               </a:rPr>
-              <a:t>Hiring</a:t>
-            </a:r>
-          </a:p>
-          <a:p>
-            <a:pPr lvl="1"/>
-            <a:r>
-              <a:rPr lang="en-US" sz="2000" dirty="0">
-                <a:latin typeface="Selawik Semibold" panose="020B0702040204020203" pitchFamily="34" charset="0"/>
-              </a:rPr>
-              <a:t>Public Relations and Social Media</a:t>
-            </a:r>
+              <a:t>Strongly Disagree (6.7%)</a:t>
+            </a:r>
+          </a:p>
+          <a:p>
+            <a:endParaRPr lang="en-US" sz="2400" dirty="0">
+              <a:latin typeface="Selawik Semibold" panose="020B0702040204020203" pitchFamily="34" charset="0"/>
+            </a:endParaRPr>
           </a:p>
         </p:txBody>
       </p:sp>
@@ -8046,7 +15218,7 @@
     </p:spTree>
     <p:extLst>
       <p:ext uri="{BB962C8B-B14F-4D97-AF65-F5344CB8AC3E}">
-        <p14:creationId xmlns:p14="http://schemas.microsoft.com/office/powerpoint/2010/main" val="2762272663"/>
+        <p14:creationId xmlns:p14="http://schemas.microsoft.com/office/powerpoint/2010/main" val="3781612137"/>
       </p:ext>
     </p:extLst>
   </p:cSld>
@@ -8176,7 +15348,7 @@
               <a:rPr lang="en-US" b="1" dirty="0">
                 <a:latin typeface="Selawik Semibold" panose="020B0604020202020204" pitchFamily="34" charset="0"/>
               </a:rPr>
-              <a:t>Education in Sports Analytics</a:t>
+              <a:t>Industry Present</a:t>
             </a:r>
           </a:p>
         </p:txBody>
@@ -8199,8 +15371,8 @@
         </p:nvSpPr>
         <p:spPr>
           <a:xfrm>
-            <a:off x="838200" y="2021249"/>
-            <a:ext cx="6994712" cy="4155713"/>
+            <a:off x="838199" y="2021249"/>
+            <a:ext cx="7138737" cy="4155713"/>
           </a:xfrm>
         </p:spPr>
         <p:txBody>
@@ -8213,8 +15385,78 @@
               <a:rPr lang="en-US" sz="2400" dirty="0">
                 <a:latin typeface="Selawik Semibold" panose="020B0702040204020203" pitchFamily="34" charset="0"/>
               </a:rPr>
-              <a:t>Key Journals</a:t>
-            </a:r>
+              <a:t>Article by Russell Karp (ITProPortal.com)</a:t>
+            </a:r>
+          </a:p>
+          <a:p>
+            <a:pPr marL="0" indent="0">
+              <a:buNone/>
+            </a:pPr>
+            <a:endParaRPr lang="en-US" sz="2000" dirty="0">
+              <a:latin typeface="Selawik Semibold" panose="020B0702040204020203" pitchFamily="34" charset="0"/>
+            </a:endParaRPr>
+          </a:p>
+          <a:p>
+            <a:pPr lvl="1"/>
+            <a:r>
+              <a:rPr lang="en-US" sz="2000" dirty="0">
+                <a:latin typeface="Selawik Semibold" panose="020B0702040204020203" pitchFamily="34" charset="0"/>
+              </a:rPr>
+              <a:t>Global Sports Market Worth $600B-$700B (KPMG)</a:t>
+            </a:r>
+          </a:p>
+          <a:p>
+            <a:pPr marL="457200" lvl="1" indent="0">
+              <a:buNone/>
+            </a:pPr>
+            <a:endParaRPr lang="en-US" sz="2000" dirty="0">
+              <a:latin typeface="Selawik Semibold" panose="020B0702040204020203" pitchFamily="34" charset="0"/>
+            </a:endParaRPr>
+          </a:p>
+          <a:p>
+            <a:pPr lvl="1"/>
+            <a:r>
+              <a:rPr lang="en-US" sz="2000" dirty="0">
+                <a:latin typeface="Selawik Semibold" panose="020B0702040204020203" pitchFamily="34" charset="0"/>
+              </a:rPr>
+              <a:t>Including All Business Dedicated to Sports $1.3T</a:t>
+            </a:r>
+          </a:p>
+          <a:p>
+            <a:pPr lvl="1"/>
+            <a:endParaRPr lang="en-US" sz="2000" dirty="0">
+              <a:latin typeface="Selawik Semibold" panose="020B0702040204020203" pitchFamily="34" charset="0"/>
+            </a:endParaRPr>
+          </a:p>
+          <a:p>
+            <a:pPr lvl="1"/>
+            <a:r>
+              <a:rPr lang="en-US" sz="2000" dirty="0">
+                <a:latin typeface="Selawik Semibold" panose="020B0702040204020203" pitchFamily="34" charset="0"/>
+              </a:rPr>
+              <a:t>Investment in Data Services</a:t>
+            </a:r>
+          </a:p>
+          <a:p>
+            <a:pPr lvl="1"/>
+            <a:endParaRPr lang="en-US" sz="2000" dirty="0">
+              <a:latin typeface="Selawik Semibold" panose="020B0702040204020203" pitchFamily="34" charset="0"/>
+            </a:endParaRPr>
+          </a:p>
+          <a:p>
+            <a:pPr lvl="1"/>
+            <a:endParaRPr lang="en-US" sz="2000" dirty="0">
+              <a:latin typeface="Selawik Semibold" panose="020B0702040204020203" pitchFamily="34" charset="0"/>
+            </a:endParaRPr>
+          </a:p>
+          <a:p>
+            <a:pPr lvl="1"/>
+            <a:endParaRPr lang="en-US" sz="2000" dirty="0">
+              <a:latin typeface="Selawik Semibold" panose="020B0702040204020203" pitchFamily="34" charset="0"/>
+            </a:endParaRPr>
+          </a:p>
+          <a:p>
+            <a:pPr lvl="1"/>
             <a:endParaRPr lang="en-US" sz="2000" dirty="0">
               <a:latin typeface="Selawik Semibold" panose="020B0702040204020203" pitchFamily="34" charset="0"/>
             </a:endParaRPr>
@@ -8561,10 +15803,642 @@
           </a:p>
         </p:txBody>
       </p:sp>
+      <p:sp>
+        <p:nvSpPr>
+          <p:cNvPr id="3" name="TextBox 2">
+            <a:extLst>
+              <a:ext uri="{FF2B5EF4-FFF2-40B4-BE49-F238E27FC236}">
+                <a16:creationId xmlns:a16="http://schemas.microsoft.com/office/drawing/2014/main" id="{1831C309-A9F1-4598-A1C3-7A6D2475A5FB}"/>
+              </a:ext>
+            </a:extLst>
+          </p:cNvPr>
+          <p:cNvSpPr txBox="1"/>
+          <p:nvPr/>
+        </p:nvSpPr>
+        <p:spPr>
+          <a:xfrm>
+            <a:off x="1609047" y="5085391"/>
+            <a:ext cx="912276" cy="369332"/>
+          </a:xfrm>
+          <a:prstGeom prst="rect">
+            <a:avLst/>
+          </a:prstGeom>
+          <a:gradFill flip="none" rotWithShape="1">
+            <a:gsLst>
+              <a:gs pos="0">
+                <a:schemeClr val="dk1">
+                  <a:lumMod val="67000"/>
+                </a:schemeClr>
+              </a:gs>
+              <a:gs pos="48000">
+                <a:schemeClr val="dk1">
+                  <a:lumMod val="97000"/>
+                  <a:lumOff val="3000"/>
+                </a:schemeClr>
+              </a:gs>
+              <a:gs pos="100000">
+                <a:schemeClr val="dk1">
+                  <a:lumMod val="60000"/>
+                  <a:lumOff val="40000"/>
+                </a:schemeClr>
+              </a:gs>
+            </a:gsLst>
+            <a:lin ang="16200000" scaled="1"/>
+            <a:tileRect/>
+          </a:gradFill>
+          <a:ln>
+            <a:noFill/>
+          </a:ln>
+        </p:spPr>
+        <p:style>
+          <a:lnRef idx="0">
+            <a:scrgbClr r="0" g="0" b="0"/>
+          </a:lnRef>
+          <a:fillRef idx="0">
+            <a:scrgbClr r="0" g="0" b="0"/>
+          </a:fillRef>
+          <a:effectRef idx="0">
+            <a:scrgbClr r="0" g="0" b="0"/>
+          </a:effectRef>
+          <a:fontRef idx="minor">
+            <a:schemeClr val="lt1"/>
+          </a:fontRef>
+        </p:style>
+        <p:txBody>
+          <a:bodyPr wrap="square" rtlCol="0">
+            <a:spAutoFit/>
+          </a:bodyPr>
+          <a:lstStyle/>
+          <a:p>
+            <a:r>
+              <a:rPr lang="en-US" dirty="0">
+                <a:latin typeface="Selawik Semibold" panose="020B0702040204020203" pitchFamily="34" charset="0"/>
+              </a:rPr>
+              <a:t>$125M</a:t>
+            </a:r>
+          </a:p>
+        </p:txBody>
+      </p:sp>
+      <p:sp>
+        <p:nvSpPr>
+          <p:cNvPr id="7" name="Arrow: Right 6">
+            <a:extLst>
+              <a:ext uri="{FF2B5EF4-FFF2-40B4-BE49-F238E27FC236}">
+                <a16:creationId xmlns:a16="http://schemas.microsoft.com/office/drawing/2014/main" id="{CA8BE5EB-571C-442A-A80C-A71B175A8D08}"/>
+              </a:ext>
+            </a:extLst>
+          </p:cNvPr>
+          <p:cNvSpPr/>
+          <p:nvPr/>
+        </p:nvSpPr>
+        <p:spPr>
+          <a:xfrm>
+            <a:off x="2584600" y="5123446"/>
+            <a:ext cx="707571" cy="293222"/>
+          </a:xfrm>
+          <a:prstGeom prst="rightArrow">
+            <a:avLst/>
+          </a:prstGeom>
+        </p:spPr>
+        <p:style>
+          <a:lnRef idx="2">
+            <a:schemeClr val="dk1">
+              <a:shade val="50000"/>
+            </a:schemeClr>
+          </a:lnRef>
+          <a:fillRef idx="1">
+            <a:schemeClr val="dk1"/>
+          </a:fillRef>
+          <a:effectRef idx="0">
+            <a:schemeClr val="dk1"/>
+          </a:effectRef>
+          <a:fontRef idx="minor">
+            <a:schemeClr val="lt1"/>
+          </a:fontRef>
+        </p:style>
+        <p:txBody>
+          <a:bodyPr rtlCol="0" anchor="ctr"/>
+          <a:lstStyle/>
+          <a:p>
+            <a:pPr algn="ctr"/>
+            <a:endParaRPr lang="en-US"/>
+          </a:p>
+        </p:txBody>
+      </p:sp>
+      <p:sp>
+        <p:nvSpPr>
+          <p:cNvPr id="12" name="TextBox 11">
+            <a:extLst>
+              <a:ext uri="{FF2B5EF4-FFF2-40B4-BE49-F238E27FC236}">
+                <a16:creationId xmlns:a16="http://schemas.microsoft.com/office/drawing/2014/main" id="{66E43B72-F462-425B-B219-B0768386DEEC}"/>
+              </a:ext>
+            </a:extLst>
+          </p:cNvPr>
+          <p:cNvSpPr txBox="1"/>
+          <p:nvPr/>
+        </p:nvSpPr>
+        <p:spPr>
+          <a:xfrm>
+            <a:off x="3362961" y="5008447"/>
+            <a:ext cx="1623430" cy="523220"/>
+          </a:xfrm>
+          <a:prstGeom prst="rect">
+            <a:avLst/>
+          </a:prstGeom>
+          <a:gradFill flip="none" rotWithShape="1">
+            <a:gsLst>
+              <a:gs pos="0">
+                <a:schemeClr val="dk1">
+                  <a:lumMod val="67000"/>
+                </a:schemeClr>
+              </a:gs>
+              <a:gs pos="48000">
+                <a:schemeClr val="dk1">
+                  <a:lumMod val="97000"/>
+                  <a:lumOff val="3000"/>
+                </a:schemeClr>
+              </a:gs>
+              <a:gs pos="100000">
+                <a:schemeClr val="dk1">
+                  <a:lumMod val="60000"/>
+                  <a:lumOff val="40000"/>
+                </a:schemeClr>
+              </a:gs>
+            </a:gsLst>
+            <a:lin ang="16200000" scaled="1"/>
+            <a:tileRect/>
+          </a:gradFill>
+          <a:ln>
+            <a:noFill/>
+          </a:ln>
+        </p:spPr>
+        <p:style>
+          <a:lnRef idx="0">
+            <a:scrgbClr r="0" g="0" b="0"/>
+          </a:lnRef>
+          <a:fillRef idx="0">
+            <a:scrgbClr r="0" g="0" b="0"/>
+          </a:fillRef>
+          <a:effectRef idx="0">
+            <a:scrgbClr r="0" g="0" b="0"/>
+          </a:effectRef>
+          <a:fontRef idx="minor">
+            <a:schemeClr val="lt1"/>
+          </a:fontRef>
+        </p:style>
+        <p:txBody>
+          <a:bodyPr wrap="square" rtlCol="0">
+            <a:spAutoFit/>
+          </a:bodyPr>
+          <a:lstStyle/>
+          <a:p>
+            <a:r>
+              <a:rPr lang="en-US" sz="2800" dirty="0">
+                <a:latin typeface="Selawik Semibold" panose="020B0702040204020203" pitchFamily="34" charset="0"/>
+              </a:rPr>
+              <a:t>$764.3M</a:t>
+            </a:r>
+          </a:p>
+        </p:txBody>
+      </p:sp>
+      <p:sp>
+        <p:nvSpPr>
+          <p:cNvPr id="13" name="Arrow: Right 12">
+            <a:extLst>
+              <a:ext uri="{FF2B5EF4-FFF2-40B4-BE49-F238E27FC236}">
+                <a16:creationId xmlns:a16="http://schemas.microsoft.com/office/drawing/2014/main" id="{7972115E-F73D-4852-8A5F-59AE430EA59F}"/>
+              </a:ext>
+            </a:extLst>
+          </p:cNvPr>
+          <p:cNvSpPr/>
+          <p:nvPr/>
+        </p:nvSpPr>
+        <p:spPr>
+          <a:xfrm>
+            <a:off x="5057181" y="5120499"/>
+            <a:ext cx="1223030" cy="293222"/>
+          </a:xfrm>
+          <a:prstGeom prst="rightArrow">
+            <a:avLst/>
+          </a:prstGeom>
+        </p:spPr>
+        <p:style>
+          <a:lnRef idx="2">
+            <a:schemeClr val="dk1">
+              <a:shade val="50000"/>
+            </a:schemeClr>
+          </a:lnRef>
+          <a:fillRef idx="1">
+            <a:schemeClr val="dk1"/>
+          </a:fillRef>
+          <a:effectRef idx="0">
+            <a:schemeClr val="dk1"/>
+          </a:effectRef>
+          <a:fontRef idx="minor">
+            <a:schemeClr val="lt1"/>
+          </a:fontRef>
+        </p:style>
+        <p:txBody>
+          <a:bodyPr rtlCol="0" anchor="ctr"/>
+          <a:lstStyle/>
+          <a:p>
+            <a:pPr algn="ctr"/>
+            <a:endParaRPr lang="en-US"/>
+          </a:p>
+        </p:txBody>
+      </p:sp>
+      <p:sp>
+        <p:nvSpPr>
+          <p:cNvPr id="14" name="TextBox 13">
+            <a:extLst>
+              <a:ext uri="{FF2B5EF4-FFF2-40B4-BE49-F238E27FC236}">
+                <a16:creationId xmlns:a16="http://schemas.microsoft.com/office/drawing/2014/main" id="{23C5BBC6-82F2-4DC7-A2F9-31693E65F111}"/>
+              </a:ext>
+            </a:extLst>
+          </p:cNvPr>
+          <p:cNvSpPr txBox="1"/>
+          <p:nvPr/>
+        </p:nvSpPr>
+        <p:spPr>
+          <a:xfrm>
+            <a:off x="6340941" y="4889379"/>
+            <a:ext cx="1223030" cy="769441"/>
+          </a:xfrm>
+          <a:prstGeom prst="rect">
+            <a:avLst/>
+          </a:prstGeom>
+          <a:gradFill flip="none" rotWithShape="1">
+            <a:gsLst>
+              <a:gs pos="0">
+                <a:schemeClr val="dk1">
+                  <a:lumMod val="67000"/>
+                </a:schemeClr>
+              </a:gs>
+              <a:gs pos="48000">
+                <a:schemeClr val="dk1">
+                  <a:lumMod val="97000"/>
+                  <a:lumOff val="3000"/>
+                </a:schemeClr>
+              </a:gs>
+              <a:gs pos="100000">
+                <a:schemeClr val="dk1">
+                  <a:lumMod val="60000"/>
+                  <a:lumOff val="40000"/>
+                </a:schemeClr>
+              </a:gs>
+            </a:gsLst>
+            <a:lin ang="16200000" scaled="1"/>
+            <a:tileRect/>
+          </a:gradFill>
+          <a:ln>
+            <a:noFill/>
+          </a:ln>
+        </p:spPr>
+        <p:style>
+          <a:lnRef idx="0">
+            <a:scrgbClr r="0" g="0" b="0"/>
+          </a:lnRef>
+          <a:fillRef idx="0">
+            <a:scrgbClr r="0" g="0" b="0"/>
+          </a:fillRef>
+          <a:effectRef idx="0">
+            <a:scrgbClr r="0" g="0" b="0"/>
+          </a:effectRef>
+          <a:fontRef idx="minor">
+            <a:schemeClr val="lt1"/>
+          </a:fontRef>
+        </p:style>
+        <p:txBody>
+          <a:bodyPr wrap="square" rtlCol="0">
+            <a:spAutoFit/>
+          </a:bodyPr>
+          <a:lstStyle/>
+          <a:p>
+            <a:r>
+              <a:rPr lang="en-US" sz="4400" dirty="0">
+                <a:latin typeface="Selawik Semibold" panose="020B0702040204020203" pitchFamily="34" charset="0"/>
+              </a:rPr>
+              <a:t>$4B</a:t>
+            </a:r>
+          </a:p>
+        </p:txBody>
+      </p:sp>
+      <p:sp>
+        <p:nvSpPr>
+          <p:cNvPr id="8" name="TextBox 7">
+            <a:extLst>
+              <a:ext uri="{FF2B5EF4-FFF2-40B4-BE49-F238E27FC236}">
+                <a16:creationId xmlns:a16="http://schemas.microsoft.com/office/drawing/2014/main" id="{D2C8D70E-0701-4AD6-9539-2A9C432D9415}"/>
+              </a:ext>
+            </a:extLst>
+          </p:cNvPr>
+          <p:cNvSpPr txBox="1"/>
+          <p:nvPr/>
+        </p:nvSpPr>
+        <p:spPr>
+          <a:xfrm>
+            <a:off x="4289612" y="6288182"/>
+            <a:ext cx="4961824" cy="369332"/>
+          </a:xfrm>
+          <a:prstGeom prst="rect">
+            <a:avLst/>
+          </a:prstGeom>
+          <a:noFill/>
+        </p:spPr>
+        <p:txBody>
+          <a:bodyPr wrap="square" rtlCol="0">
+            <a:spAutoFit/>
+          </a:bodyPr>
+          <a:lstStyle/>
+          <a:p>
+            <a:r>
+              <a:rPr lang="en-US" dirty="0"/>
+              <a:t>Projections in 2022 According to MarketWatch.com</a:t>
+            </a:r>
+          </a:p>
+        </p:txBody>
+      </p:sp>
+      <p:cxnSp>
+        <p:nvCxnSpPr>
+          <p:cNvPr id="11" name="Straight Connector 10">
+            <a:extLst>
+              <a:ext uri="{FF2B5EF4-FFF2-40B4-BE49-F238E27FC236}">
+                <a16:creationId xmlns:a16="http://schemas.microsoft.com/office/drawing/2014/main" id="{B4CF2BB5-AC55-4BEB-A0CE-0249A27679CE}"/>
+              </a:ext>
+            </a:extLst>
+          </p:cNvPr>
+          <p:cNvCxnSpPr>
+            <a:cxnSpLocks/>
+          </p:cNvCxnSpPr>
+          <p:nvPr/>
+        </p:nvCxnSpPr>
+        <p:spPr>
+          <a:xfrm>
+            <a:off x="1609047" y="5862918"/>
+            <a:ext cx="5954924" cy="0"/>
+          </a:xfrm>
+          <a:prstGeom prst="line">
+            <a:avLst/>
+          </a:prstGeom>
+          <a:ln w="38100">
+            <a:solidFill>
+              <a:schemeClr val="tx1"/>
+            </a:solidFill>
+          </a:ln>
+        </p:spPr>
+        <p:style>
+          <a:lnRef idx="1">
+            <a:schemeClr val="accent1"/>
+          </a:lnRef>
+          <a:fillRef idx="0">
+            <a:schemeClr val="accent1"/>
+          </a:fillRef>
+          <a:effectRef idx="0">
+            <a:schemeClr val="accent1"/>
+          </a:effectRef>
+          <a:fontRef idx="minor">
+            <a:schemeClr val="tx1"/>
+          </a:fontRef>
+        </p:style>
+      </p:cxnSp>
+      <p:cxnSp>
+        <p:nvCxnSpPr>
+          <p:cNvPr id="20" name="Straight Connector 19">
+            <a:extLst>
+              <a:ext uri="{FF2B5EF4-FFF2-40B4-BE49-F238E27FC236}">
+                <a16:creationId xmlns:a16="http://schemas.microsoft.com/office/drawing/2014/main" id="{AB14EFB5-2CE4-4032-B9F9-9D7C37EE5521}"/>
+              </a:ext>
+            </a:extLst>
+          </p:cNvPr>
+          <p:cNvCxnSpPr>
+            <a:cxnSpLocks/>
+          </p:cNvCxnSpPr>
+          <p:nvPr/>
+        </p:nvCxnSpPr>
+        <p:spPr>
+          <a:xfrm>
+            <a:off x="2048436" y="5748513"/>
+            <a:ext cx="0" cy="228809"/>
+          </a:xfrm>
+          <a:prstGeom prst="line">
+            <a:avLst/>
+          </a:prstGeom>
+          <a:ln w="38100">
+            <a:solidFill>
+              <a:schemeClr val="tx1"/>
+            </a:solidFill>
+          </a:ln>
+        </p:spPr>
+        <p:style>
+          <a:lnRef idx="1">
+            <a:schemeClr val="accent1"/>
+          </a:lnRef>
+          <a:fillRef idx="0">
+            <a:schemeClr val="accent1"/>
+          </a:fillRef>
+          <a:effectRef idx="0">
+            <a:schemeClr val="accent1"/>
+          </a:effectRef>
+          <a:fontRef idx="minor">
+            <a:schemeClr val="tx1"/>
+          </a:fontRef>
+        </p:style>
+      </p:cxnSp>
+      <p:cxnSp>
+        <p:nvCxnSpPr>
+          <p:cNvPr id="26" name="Straight Connector 25">
+            <a:extLst>
+              <a:ext uri="{FF2B5EF4-FFF2-40B4-BE49-F238E27FC236}">
+                <a16:creationId xmlns:a16="http://schemas.microsoft.com/office/drawing/2014/main" id="{D8A51B34-7BEA-4BEE-ADB1-9FB9538C80A2}"/>
+              </a:ext>
+            </a:extLst>
+          </p:cNvPr>
+          <p:cNvCxnSpPr>
+            <a:cxnSpLocks/>
+          </p:cNvCxnSpPr>
+          <p:nvPr/>
+        </p:nvCxnSpPr>
+        <p:spPr>
+          <a:xfrm>
+            <a:off x="4184277" y="5748513"/>
+            <a:ext cx="0" cy="228809"/>
+          </a:xfrm>
+          <a:prstGeom prst="line">
+            <a:avLst/>
+          </a:prstGeom>
+          <a:ln w="38100">
+            <a:solidFill>
+              <a:schemeClr val="tx1"/>
+            </a:solidFill>
+          </a:ln>
+        </p:spPr>
+        <p:style>
+          <a:lnRef idx="1">
+            <a:schemeClr val="accent1"/>
+          </a:lnRef>
+          <a:fillRef idx="0">
+            <a:schemeClr val="accent1"/>
+          </a:fillRef>
+          <a:effectRef idx="0">
+            <a:schemeClr val="accent1"/>
+          </a:effectRef>
+          <a:fontRef idx="minor">
+            <a:schemeClr val="tx1"/>
+          </a:fontRef>
+        </p:style>
+      </p:cxnSp>
+      <p:cxnSp>
+        <p:nvCxnSpPr>
+          <p:cNvPr id="27" name="Straight Connector 26">
+            <a:extLst>
+              <a:ext uri="{FF2B5EF4-FFF2-40B4-BE49-F238E27FC236}">
+                <a16:creationId xmlns:a16="http://schemas.microsoft.com/office/drawing/2014/main" id="{6F1D6466-E4A1-4D26-BE56-C33ACFB0E384}"/>
+              </a:ext>
+            </a:extLst>
+          </p:cNvPr>
+          <p:cNvCxnSpPr>
+            <a:cxnSpLocks/>
+          </p:cNvCxnSpPr>
+          <p:nvPr/>
+        </p:nvCxnSpPr>
+        <p:spPr>
+          <a:xfrm>
+            <a:off x="7037350" y="5748513"/>
+            <a:ext cx="0" cy="228809"/>
+          </a:xfrm>
+          <a:prstGeom prst="line">
+            <a:avLst/>
+          </a:prstGeom>
+          <a:ln w="38100">
+            <a:solidFill>
+              <a:schemeClr val="tx1"/>
+            </a:solidFill>
+          </a:ln>
+        </p:spPr>
+        <p:style>
+          <a:lnRef idx="1">
+            <a:schemeClr val="accent1"/>
+          </a:lnRef>
+          <a:fillRef idx="0">
+            <a:schemeClr val="accent1"/>
+          </a:fillRef>
+          <a:effectRef idx="0">
+            <a:schemeClr val="accent1"/>
+          </a:effectRef>
+          <a:fontRef idx="minor">
+            <a:schemeClr val="tx1"/>
+          </a:fontRef>
+        </p:style>
+      </p:cxnSp>
+      <p:sp>
+        <p:nvSpPr>
+          <p:cNvPr id="24" name="TextBox 23">
+            <a:extLst>
+              <a:ext uri="{FF2B5EF4-FFF2-40B4-BE49-F238E27FC236}">
+                <a16:creationId xmlns:a16="http://schemas.microsoft.com/office/drawing/2014/main" id="{040E071E-5E67-45AB-9AB3-398752CD4058}"/>
+              </a:ext>
+            </a:extLst>
+          </p:cNvPr>
+          <p:cNvSpPr txBox="1"/>
+          <p:nvPr/>
+        </p:nvSpPr>
+        <p:spPr>
+          <a:xfrm>
+            <a:off x="1720076" y="5916026"/>
+            <a:ext cx="656720" cy="369332"/>
+          </a:xfrm>
+          <a:prstGeom prst="rect">
+            <a:avLst/>
+          </a:prstGeom>
+          <a:noFill/>
+        </p:spPr>
+        <p:txBody>
+          <a:bodyPr wrap="square" rtlCol="0">
+            <a:spAutoFit/>
+          </a:bodyPr>
+          <a:lstStyle/>
+          <a:p>
+            <a:r>
+              <a:rPr lang="en-US" dirty="0"/>
+              <a:t>2014</a:t>
+            </a:r>
+          </a:p>
+        </p:txBody>
+      </p:sp>
+      <p:sp>
+        <p:nvSpPr>
+          <p:cNvPr id="28" name="TextBox 27">
+            <a:extLst>
+              <a:ext uri="{FF2B5EF4-FFF2-40B4-BE49-F238E27FC236}">
+                <a16:creationId xmlns:a16="http://schemas.microsoft.com/office/drawing/2014/main" id="{F934B21C-3EDC-445D-B3CA-D9D872F4BC6E}"/>
+              </a:ext>
+            </a:extLst>
+          </p:cNvPr>
+          <p:cNvSpPr txBox="1"/>
+          <p:nvPr/>
+        </p:nvSpPr>
+        <p:spPr>
+          <a:xfrm>
+            <a:off x="3846316" y="5919637"/>
+            <a:ext cx="656720" cy="369332"/>
+          </a:xfrm>
+          <a:prstGeom prst="rect">
+            <a:avLst/>
+          </a:prstGeom>
+          <a:noFill/>
+        </p:spPr>
+        <p:txBody>
+          <a:bodyPr wrap="square" rtlCol="0">
+            <a:spAutoFit/>
+          </a:bodyPr>
+          <a:lstStyle/>
+          <a:p>
+            <a:r>
+              <a:rPr lang="en-US" dirty="0"/>
+              <a:t>2016</a:t>
+            </a:r>
+          </a:p>
+        </p:txBody>
+      </p:sp>
+      <p:sp>
+        <p:nvSpPr>
+          <p:cNvPr id="29" name="TextBox 28">
+            <a:extLst>
+              <a:ext uri="{FF2B5EF4-FFF2-40B4-BE49-F238E27FC236}">
+                <a16:creationId xmlns:a16="http://schemas.microsoft.com/office/drawing/2014/main" id="{C4E536FC-BB9D-4420-8917-FEB51410716B}"/>
+              </a:ext>
+            </a:extLst>
+          </p:cNvPr>
+          <p:cNvSpPr txBox="1"/>
+          <p:nvPr/>
+        </p:nvSpPr>
+        <p:spPr>
+          <a:xfrm>
+            <a:off x="6717904" y="5919024"/>
+            <a:ext cx="656720" cy="369332"/>
+          </a:xfrm>
+          <a:prstGeom prst="rect">
+            <a:avLst/>
+          </a:prstGeom>
+          <a:noFill/>
+        </p:spPr>
+        <p:txBody>
+          <a:bodyPr wrap="square" rtlCol="0">
+            <a:spAutoFit/>
+          </a:bodyPr>
+          <a:lstStyle/>
+          <a:p>
+            <a:r>
+              <a:rPr lang="en-US" dirty="0"/>
+              <a:t>2022</a:t>
+            </a:r>
+          </a:p>
+        </p:txBody>
+      </p:sp>
     </p:spTree>
     <p:extLst>
       <p:ext uri="{BB962C8B-B14F-4D97-AF65-F5344CB8AC3E}">
-        <p14:creationId xmlns:p14="http://schemas.microsoft.com/office/powerpoint/2010/main" val="3678413663"/>
+        <p14:creationId xmlns:p14="http://schemas.microsoft.com/office/powerpoint/2010/main" val="2762272663"/>
       </p:ext>
     </p:extLst>
   </p:cSld>
@@ -8694,7 +16568,7 @@
               <a:rPr lang="en-US" b="1" dirty="0">
                 <a:latin typeface="Selawik Semibold" panose="020B0604020202020204" pitchFamily="34" charset="0"/>
               </a:rPr>
-              <a:t>Research in Sports Analytics</a:t>
+              <a:t>Industry Present</a:t>
             </a:r>
           </a:p>
         </p:txBody>
@@ -8717,8 +16591,8 @@
         </p:nvSpPr>
         <p:spPr>
           <a:xfrm>
-            <a:off x="838200" y="2021249"/>
-            <a:ext cx="6994712" cy="4155713"/>
+            <a:off x="838199" y="2021248"/>
+            <a:ext cx="7653667" cy="4695905"/>
           </a:xfrm>
         </p:spPr>
         <p:txBody>
@@ -8731,9 +16605,121 @@
               <a:rPr lang="en-US" sz="2400" dirty="0">
                 <a:latin typeface="Selawik Semibold" panose="020B0702040204020203" pitchFamily="34" charset="0"/>
               </a:rPr>
-              <a:t>Key Journals</a:t>
-            </a:r>
-            <a:endParaRPr lang="en-US" sz="2000" dirty="0">
+              <a:t>Modern Applications of Sports Analytics</a:t>
+            </a:r>
+          </a:p>
+          <a:p>
+            <a:pPr marL="457200" lvl="1" indent="0">
+              <a:buNone/>
+            </a:pPr>
+            <a:r>
+              <a:rPr lang="en-US" sz="2000" dirty="0">
+                <a:latin typeface="Selawik Semibold" panose="020B0702040204020203" pitchFamily="34" charset="0"/>
+              </a:rPr>
+              <a:t> </a:t>
+            </a:r>
+          </a:p>
+          <a:p>
+            <a:pPr lvl="1"/>
+            <a:r>
+              <a:rPr lang="en-US" sz="2000" dirty="0">
+                <a:latin typeface="Selawik Semibold" panose="020B0702040204020203" pitchFamily="34" charset="0"/>
+              </a:rPr>
+              <a:t>Helping the Team Win</a:t>
+            </a:r>
+          </a:p>
+          <a:p>
+            <a:pPr lvl="2"/>
+            <a:r>
+              <a:rPr lang="en-US" sz="1800" dirty="0">
+                <a:latin typeface="Selawik Semibold" panose="020B0702040204020203" pitchFamily="34" charset="0"/>
+              </a:rPr>
+              <a:t>Automated Video Analysis (Lincoln City, UK Football)</a:t>
+            </a:r>
+          </a:p>
+          <a:p>
+            <a:pPr lvl="2"/>
+            <a:r>
+              <a:rPr lang="en-US" sz="1800" dirty="0">
+                <a:latin typeface="Selawik Semibold" panose="020B0702040204020203" pitchFamily="34" charset="0"/>
+              </a:rPr>
+              <a:t>3D Depth Camera (NBA)</a:t>
+            </a:r>
+          </a:p>
+          <a:p>
+            <a:pPr lvl="2"/>
+            <a:r>
+              <a:rPr lang="en-US" sz="1800" dirty="0">
+                <a:latin typeface="Selawik Semibold" panose="020B0702040204020203" pitchFamily="34" charset="0"/>
+              </a:rPr>
+              <a:t>Wearable Technology (NBA, NHL)</a:t>
+            </a:r>
+          </a:p>
+          <a:p>
+            <a:pPr lvl="1"/>
+            <a:endParaRPr lang="en-US" sz="2200" dirty="0">
+              <a:latin typeface="Selawik Semibold" panose="020B0702040204020203" pitchFamily="34" charset="0"/>
+            </a:endParaRPr>
+          </a:p>
+          <a:p>
+            <a:pPr lvl="1"/>
+            <a:r>
+              <a:rPr lang="en-US" sz="2000" dirty="0">
+                <a:latin typeface="Selawik Semibold" panose="020B0702040204020203" pitchFamily="34" charset="0"/>
+              </a:rPr>
+              <a:t>Improving the Fan Experience</a:t>
+            </a:r>
+          </a:p>
+          <a:p>
+            <a:pPr lvl="2"/>
+            <a:r>
+              <a:rPr lang="en-US" sz="1800" dirty="0">
+                <a:latin typeface="Selawik Semibold" panose="020B0702040204020203" pitchFamily="34" charset="0"/>
+              </a:rPr>
+              <a:t>Analysis of Digital Engagement</a:t>
+            </a:r>
+          </a:p>
+          <a:p>
+            <a:pPr lvl="2"/>
+            <a:r>
+              <a:rPr lang="en-US" sz="1800" dirty="0">
+                <a:latin typeface="Selawik Semibold" panose="020B0702040204020203" pitchFamily="34" charset="0"/>
+              </a:rPr>
+              <a:t>Sentiment in Social Media</a:t>
+            </a:r>
+          </a:p>
+          <a:p>
+            <a:pPr lvl="2"/>
+            <a:r>
+              <a:rPr lang="en-US" sz="1800" dirty="0">
+                <a:latin typeface="Selawik Semibold" panose="020B0702040204020203" pitchFamily="34" charset="0"/>
+              </a:rPr>
+              <a:t>Analysis of Fan Behavior in Stadium (New England Patriots)</a:t>
+            </a:r>
+          </a:p>
+          <a:p>
+            <a:pPr lvl="2"/>
+            <a:r>
+              <a:rPr lang="en-US" sz="1800" dirty="0">
+                <a:latin typeface="Selawik Semibold" panose="020B0702040204020203" pitchFamily="34" charset="0"/>
+              </a:rPr>
+              <a:t>Wireless Internet and Phone Apps</a:t>
+            </a:r>
+          </a:p>
+          <a:p>
+            <a:pPr lvl="2"/>
+            <a:r>
+              <a:rPr lang="en-US" sz="1800" dirty="0">
+                <a:latin typeface="Selawik Semibold" panose="020B0702040204020203" pitchFamily="34" charset="0"/>
+              </a:rPr>
+              <a:t>Apps Supply Game Analytics, Parking Information, Promotions, and Traffic Information to the Fans (NFL)</a:t>
+            </a:r>
+          </a:p>
+          <a:p>
+            <a:pPr marL="914400" lvl="2" indent="0">
+              <a:buNone/>
+            </a:pPr>
+            <a:endParaRPr lang="en-US" sz="1800" dirty="0">
               <a:latin typeface="Selawik Semibold" panose="020B0702040204020203" pitchFamily="34" charset="0"/>
             </a:endParaRPr>
           </a:p>
@@ -9082,7 +17068,7 @@
     </p:spTree>
     <p:extLst>
       <p:ext uri="{BB962C8B-B14F-4D97-AF65-F5344CB8AC3E}">
-        <p14:creationId xmlns:p14="http://schemas.microsoft.com/office/powerpoint/2010/main" val="2351506501"/>
+        <p14:creationId xmlns:p14="http://schemas.microsoft.com/office/powerpoint/2010/main" val="1842452495"/>
       </p:ext>
     </p:extLst>
   </p:cSld>
